--- a/Slide/Projeto everis -  Criando uma API REST com .Net Core.pptx
+++ b/Slide/Projeto everis -  Criando uma API REST com .Net Core.pptx
@@ -5,61 +5,62 @@
     <p:sldMasterId id="2147483648" r:id="rId1"/>
   </p:sldMasterIdLst>
   <p:notesMasterIdLst>
-    <p:notesMasterId r:id="rId23"/>
+    <p:notesMasterId r:id="rId24"/>
   </p:notesMasterIdLst>
   <p:sldIdLst>
     <p:sldId id="258" r:id="rId2"/>
     <p:sldId id="260" r:id="rId3"/>
     <p:sldId id="261" r:id="rId4"/>
     <p:sldId id="262" r:id="rId5"/>
-    <p:sldId id="270" r:id="rId6"/>
-    <p:sldId id="273" r:id="rId7"/>
+    <p:sldId id="273" r:id="rId6"/>
+    <p:sldId id="270" r:id="rId7"/>
     <p:sldId id="271" r:id="rId8"/>
     <p:sldId id="274" r:id="rId9"/>
     <p:sldId id="272" r:id="rId10"/>
-    <p:sldId id="264" r:id="rId11"/>
-    <p:sldId id="263" r:id="rId12"/>
-    <p:sldId id="265" r:id="rId13"/>
-    <p:sldId id="266" r:id="rId14"/>
-    <p:sldId id="275" r:id="rId15"/>
-    <p:sldId id="276" r:id="rId16"/>
-    <p:sldId id="277" r:id="rId17"/>
-    <p:sldId id="278" r:id="rId18"/>
-    <p:sldId id="279" r:id="rId19"/>
-    <p:sldId id="280" r:id="rId20"/>
-    <p:sldId id="281" r:id="rId21"/>
-    <p:sldId id="269" r:id="rId22"/>
+    <p:sldId id="282" r:id="rId11"/>
+    <p:sldId id="264" r:id="rId12"/>
+    <p:sldId id="263" r:id="rId13"/>
+    <p:sldId id="265" r:id="rId14"/>
+    <p:sldId id="266" r:id="rId15"/>
+    <p:sldId id="275" r:id="rId16"/>
+    <p:sldId id="276" r:id="rId17"/>
+    <p:sldId id="277" r:id="rId18"/>
+    <p:sldId id="278" r:id="rId19"/>
+    <p:sldId id="279" r:id="rId20"/>
+    <p:sldId id="280" r:id="rId21"/>
+    <p:sldId id="281" r:id="rId22"/>
+    <p:sldId id="269" r:id="rId23"/>
   </p:sldIdLst>
   <p:sldSz cx="9144000" cy="5143500" type="screen16x9"/>
   <p:notesSz cx="6858000" cy="9144000"/>
   <p:embeddedFontLst>
     <p:embeddedFont>
       <p:font typeface="Calibri" panose="020F0502020204030204" pitchFamily="34" charset="0"/>
-      <p:regular r:id="rId24"/>
-      <p:bold r:id="rId25"/>
-      <p:italic r:id="rId26"/>
-      <p:boldItalic r:id="rId27"/>
+      <p:regular r:id="rId25"/>
+      <p:bold r:id="rId26"/>
+      <p:italic r:id="rId27"/>
+      <p:boldItalic r:id="rId28"/>
     </p:embeddedFont>
     <p:embeddedFont>
       <p:font typeface="Century Gothic" panose="020B0502020202020204" pitchFamily="34" charset="0"/>
-      <p:regular r:id="rId28"/>
-      <p:bold r:id="rId29"/>
-      <p:italic r:id="rId30"/>
-      <p:boldItalic r:id="rId31"/>
+      <p:regular r:id="rId29"/>
+      <p:bold r:id="rId30"/>
+      <p:italic r:id="rId31"/>
+      <p:boldItalic r:id="rId32"/>
     </p:embeddedFont>
     <p:embeddedFont>
       <p:font typeface="Proxima Nova" panose="020B0604020202020204" charset="0"/>
-      <p:regular r:id="rId32"/>
-      <p:bold r:id="rId33"/>
-      <p:italic r:id="rId34"/>
-      <p:boldItalic r:id="rId35"/>
+      <p:regular r:id="rId33"/>
+      <p:bold r:id="rId34"/>
+      <p:italic r:id="rId35"/>
+      <p:boldItalic r:id="rId36"/>
     </p:embeddedFont>
     <p:embeddedFont>
       <p:font typeface="Roboto" panose="02000000000000000000" pitchFamily="2" charset="0"/>
-      <p:regular r:id="rId36"/>
-      <p:bold r:id="rId37"/>
-      <p:italic r:id="rId38"/>
-      <p:boldItalic r:id="rId39"/>
+      <p:regular r:id="rId37"/>
+      <p:bold r:id="rId38"/>
+      <p:italic r:id="rId39"/>
+      <p:boldItalic r:id="rId40"/>
     </p:embeddedFont>
   </p:embeddedFontLst>
   <p:defaultTextStyle>
@@ -307,7 +308,7 @@
       </p15:sldGuideLst>
     </p:ext>
     <p:ext uri="http://customooxmlschemas.google.com/">
-      <go:slidesCustomData xmlns="" xmlns:mc="http://schemas.openxmlformats.org/markup-compatibility/2006" xmlns:mv="urn:schemas-microsoft-com:mac:vml" xmlns:c="http://schemas.openxmlformats.org/drawingml/2006/chart" xmlns:dgm="http://schemas.openxmlformats.org/drawingml/2006/diagram" xmlns:o="urn:schemas-microsoft-com:office:office" xmlns:v="urn:schemas-microsoft-com:vml" xmlns:pvml="urn:schemas-microsoft-com:office:powerpoint" xmlns:com="http://schemas.openxmlformats.org/drawingml/2006/compatibility" xmlns:p14="http://schemas.microsoft.com/office/powerpoint/2010/main" xmlns:p15="http://schemas.microsoft.com/office/powerpoint/2012/main" xmlns:ahyp="http://schemas.microsoft.com/office/drawing/2018/hyperlinkcolor" xmlns:go="http://customooxmlschemas.google.com/" r:id="rId40" roundtripDataSignature="AMtx7mhLG0qHwc5KaOFWU3d3cgClDfJ2aA=="/>
+      <go:slidesCustomData xmlns:go="http://customooxmlschemas.google.com/" xmlns:ahyp="http://schemas.microsoft.com/office/drawing/2018/hyperlinkcolor" xmlns:p15="http://schemas.microsoft.com/office/powerpoint/2012/main" xmlns:p14="http://schemas.microsoft.com/office/powerpoint/2010/main" xmlns:com="http://schemas.openxmlformats.org/drawingml/2006/compatibility" xmlns:pvml="urn:schemas-microsoft-com:office:powerpoint" xmlns:v="urn:schemas-microsoft-com:vml" xmlns:o="urn:schemas-microsoft-com:office:office" xmlns:dgm="http://schemas.openxmlformats.org/drawingml/2006/diagram" xmlns:c="http://schemas.openxmlformats.org/drawingml/2006/chart" xmlns:mv="urn:schemas-microsoft-com:mac:vml" xmlns:mc="http://schemas.openxmlformats.org/markup-compatibility/2006" xmlns="" r:id="rId41" roundtripDataSignature="AMtx7mhLG0qHwc5KaOFWU3d3cgClDfJ2aA=="/>
     </p:ext>
   </p:extLst>
 </p:presentation>
@@ -1023,6 +1024,132 @@
   <p:cSld>
     <p:spTree>
       <p:nvGrpSpPr>
+        <p:cNvPr id="1" name="Shape 111"/>
+        <p:cNvGrpSpPr/>
+        <p:nvPr/>
+      </p:nvGrpSpPr>
+      <p:grpSpPr>
+        <a:xfrm>
+          <a:off x="0" y="0"/>
+          <a:ext cx="0" cy="0"/>
+          <a:chOff x="0" y="0"/>
+          <a:chExt cx="0" cy="0"/>
+        </a:xfrm>
+      </p:grpSpPr>
+      <p:sp>
+        <p:nvSpPr>
+          <p:cNvPr id="112" name="Google Shape;112;p4:notes"/>
+          <p:cNvSpPr>
+            <a:spLocks noGrp="1" noRot="1" noChangeAspect="1"/>
+          </p:cNvSpPr>
+          <p:nvPr>
+            <p:ph type="sldImg" idx="2"/>
+          </p:nvPr>
+        </p:nvSpPr>
+        <p:spPr>
+          <a:xfrm>
+            <a:off x="381000" y="685800"/>
+            <a:ext cx="6096000" cy="3429000"/>
+          </a:xfrm>
+          <a:custGeom>
+            <a:avLst/>
+            <a:gdLst/>
+            <a:ahLst/>
+            <a:cxnLst/>
+            <a:rect l="l" t="t" r="r" b="b"/>
+            <a:pathLst>
+              <a:path w="120000" h="120000" extrusionOk="0">
+                <a:moveTo>
+                  <a:pt x="0" y="0"/>
+                </a:moveTo>
+                <a:lnTo>
+                  <a:pt x="120000" y="0"/>
+                </a:lnTo>
+                <a:lnTo>
+                  <a:pt x="120000" y="120000"/>
+                </a:lnTo>
+                <a:lnTo>
+                  <a:pt x="0" y="120000"/>
+                </a:lnTo>
+                <a:close/>
+              </a:path>
+            </a:pathLst>
+          </a:custGeom>
+          <a:noFill/>
+          <a:ln w="9525" cap="flat" cmpd="sng">
+            <a:solidFill>
+              <a:srgbClr val="000000"/>
+            </a:solidFill>
+            <a:prstDash val="solid"/>
+            <a:round/>
+            <a:headEnd type="none" w="sm" len="sm"/>
+            <a:tailEnd type="none" w="sm" len="sm"/>
+          </a:ln>
+        </p:spPr>
+      </p:sp>
+      <p:sp>
+        <p:nvSpPr>
+          <p:cNvPr id="113" name="Google Shape;113;p4:notes"/>
+          <p:cNvSpPr txBox="1">
+            <a:spLocks noGrp="1"/>
+          </p:cNvSpPr>
+          <p:nvPr>
+            <p:ph type="body" idx="1"/>
+          </p:nvPr>
+        </p:nvSpPr>
+        <p:spPr>
+          <a:xfrm>
+            <a:off x="685800" y="4343400"/>
+            <a:ext cx="5486400" cy="4114800"/>
+          </a:xfrm>
+          <a:prstGeom prst="rect">
+            <a:avLst/>
+          </a:prstGeom>
+          <a:noFill/>
+          <a:ln>
+            <a:noFill/>
+          </a:ln>
+        </p:spPr>
+        <p:txBody>
+          <a:bodyPr spcFirstLastPara="1" wrap="square" lIns="91425" tIns="91425" rIns="91425" bIns="91425" anchor="t" anchorCtr="0">
+            <a:noAutofit/>
+          </a:bodyPr>
+          <a:lstStyle/>
+          <a:p>
+            <a:pPr marL="0" lvl="0" indent="0" algn="l" rtl="0">
+              <a:lnSpc>
+                <a:spcPct val="100000"/>
+              </a:lnSpc>
+              <a:spcBef>
+                <a:spcPts val="0"/>
+              </a:spcBef>
+              <a:spcAft>
+                <a:spcPts val="0"/>
+              </a:spcAft>
+              <a:buClr>
+                <a:schemeClr val="dk1"/>
+              </a:buClr>
+              <a:buSzPts val="1100"/>
+              <a:buFont typeface="Arial"/>
+              <a:buNone/>
+            </a:pPr>
+            <a:endParaRPr/>
+          </a:p>
+        </p:txBody>
+      </p:sp>
+    </p:spTree>
+  </p:cSld>
+  <p:clrMapOvr>
+    <a:masterClrMapping/>
+  </p:clrMapOvr>
+</p:notes>
+</file>
+
+<file path=ppt/notesSlides/notesSlide11.xml><?xml version="1.0" encoding="utf-8"?>
+<p:notes xmlns:a="http://schemas.openxmlformats.org/drawingml/2006/main" xmlns:r="http://schemas.openxmlformats.org/officeDocument/2006/relationships" xmlns:p="http://schemas.openxmlformats.org/presentationml/2006/main" showMasterSp="0" showMasterPhAnim="0">
+  <p:cSld>
+    <p:spTree>
+      <p:nvGrpSpPr>
         <p:cNvPr id="1" name="Shape 96"/>
         <p:cNvGrpSpPr/>
         <p:nvPr/>
@@ -1144,7 +1271,7 @@
 </p:notes>
 </file>
 
-<file path=ppt/notesSlides/notesSlide11.xml><?xml version="1.0" encoding="utf-8"?>
+<file path=ppt/notesSlides/notesSlide12.xml><?xml version="1.0" encoding="utf-8"?>
 <p:notes xmlns:a="http://schemas.openxmlformats.org/drawingml/2006/main" xmlns:r="http://schemas.openxmlformats.org/officeDocument/2006/relationships" xmlns:p="http://schemas.openxmlformats.org/presentationml/2006/main" showMasterSp="0" showMasterPhAnim="0">
   <p:cSld>
     <p:spTree>
@@ -1270,7 +1397,7 @@
 </p:notes>
 </file>
 
-<file path=ppt/notesSlides/notesSlide12.xml><?xml version="1.0" encoding="utf-8"?>
+<file path=ppt/notesSlides/notesSlide13.xml><?xml version="1.0" encoding="utf-8"?>
 <p:notes xmlns:a="http://schemas.openxmlformats.org/drawingml/2006/main" xmlns:r="http://schemas.openxmlformats.org/officeDocument/2006/relationships" xmlns:p="http://schemas.openxmlformats.org/presentationml/2006/main" showMasterSp="0" showMasterPhAnim="0">
   <p:cSld>
     <p:spTree>
@@ -1396,7 +1523,7 @@
 </p:notes>
 </file>
 
-<file path=ppt/notesSlides/notesSlide13.xml><?xml version="1.0" encoding="utf-8"?>
+<file path=ppt/notesSlides/notesSlide14.xml><?xml version="1.0" encoding="utf-8"?>
 <p:notes xmlns:a="http://schemas.openxmlformats.org/drawingml/2006/main" xmlns:r="http://schemas.openxmlformats.org/officeDocument/2006/relationships" xmlns:p="http://schemas.openxmlformats.org/presentationml/2006/main" showMasterSp="0" showMasterPhAnim="0">
   <p:cSld>
     <p:spTree>
@@ -1527,7 +1654,7 @@
 </p:notes>
 </file>
 
-<file path=ppt/notesSlides/notesSlide14.xml><?xml version="1.0" encoding="utf-8"?>
+<file path=ppt/notesSlides/notesSlide15.xml><?xml version="1.0" encoding="utf-8"?>
 <p:notes xmlns:a="http://schemas.openxmlformats.org/drawingml/2006/main" xmlns:r="http://schemas.openxmlformats.org/officeDocument/2006/relationships" xmlns:p="http://schemas.openxmlformats.org/presentationml/2006/main" showMasterSp="0" showMasterPhAnim="0">
   <p:cSld>
     <p:spTree>
@@ -1658,7 +1785,7 @@
 </p:notes>
 </file>
 
-<file path=ppt/notesSlides/notesSlide15.xml><?xml version="1.0" encoding="utf-8"?>
+<file path=ppt/notesSlides/notesSlide16.xml><?xml version="1.0" encoding="utf-8"?>
 <p:notes xmlns:a="http://schemas.openxmlformats.org/drawingml/2006/main" xmlns:r="http://schemas.openxmlformats.org/officeDocument/2006/relationships" xmlns:p="http://schemas.openxmlformats.org/presentationml/2006/main" showMasterSp="0" showMasterPhAnim="0">
   <p:cSld>
     <p:spTree>
@@ -1789,7 +1916,7 @@
 </p:notes>
 </file>
 
-<file path=ppt/notesSlides/notesSlide16.xml><?xml version="1.0" encoding="utf-8"?>
+<file path=ppt/notesSlides/notesSlide17.xml><?xml version="1.0" encoding="utf-8"?>
 <p:notes xmlns:a="http://schemas.openxmlformats.org/drawingml/2006/main" xmlns:r="http://schemas.openxmlformats.org/officeDocument/2006/relationships" xmlns:p="http://schemas.openxmlformats.org/presentationml/2006/main" showMasterSp="0" showMasterPhAnim="0">
   <p:cSld>
     <p:spTree>
@@ -1920,7 +2047,7 @@
 </p:notes>
 </file>
 
-<file path=ppt/notesSlides/notesSlide17.xml><?xml version="1.0" encoding="utf-8"?>
+<file path=ppt/notesSlides/notesSlide18.xml><?xml version="1.0" encoding="utf-8"?>
 <p:notes xmlns:a="http://schemas.openxmlformats.org/drawingml/2006/main" xmlns:r="http://schemas.openxmlformats.org/officeDocument/2006/relationships" xmlns:p="http://schemas.openxmlformats.org/presentationml/2006/main" showMasterSp="0" showMasterPhAnim="0">
   <p:cSld>
     <p:spTree>
@@ -2042,137 +2169,6 @@
     <p:extLst>
       <p:ext uri="{BB962C8B-B14F-4D97-AF65-F5344CB8AC3E}">
         <p14:creationId xmlns:p14="http://schemas.microsoft.com/office/powerpoint/2010/main" val="345420155"/>
-      </p:ext>
-    </p:extLst>
-  </p:cSld>
-  <p:clrMapOvr>
-    <a:masterClrMapping/>
-  </p:clrMapOvr>
-</p:notes>
-</file>
-
-<file path=ppt/notesSlides/notesSlide18.xml><?xml version="1.0" encoding="utf-8"?>
-<p:notes xmlns:a="http://schemas.openxmlformats.org/drawingml/2006/main" xmlns:r="http://schemas.openxmlformats.org/officeDocument/2006/relationships" xmlns:p="http://schemas.openxmlformats.org/presentationml/2006/main" showMasterSp="0" showMasterPhAnim="0">
-  <p:cSld>
-    <p:spTree>
-      <p:nvGrpSpPr>
-        <p:cNvPr id="1" name="Shape 133"/>
-        <p:cNvGrpSpPr/>
-        <p:nvPr/>
-      </p:nvGrpSpPr>
-      <p:grpSpPr>
-        <a:xfrm>
-          <a:off x="0" y="0"/>
-          <a:ext cx="0" cy="0"/>
-          <a:chOff x="0" y="0"/>
-          <a:chExt cx="0" cy="0"/>
-        </a:xfrm>
-      </p:grpSpPr>
-      <p:sp>
-        <p:nvSpPr>
-          <p:cNvPr id="134" name="Google Shape;134;p18:notes"/>
-          <p:cNvSpPr>
-            <a:spLocks noGrp="1" noRot="1" noChangeAspect="1"/>
-          </p:cNvSpPr>
-          <p:nvPr>
-            <p:ph type="sldImg" idx="2"/>
-          </p:nvPr>
-        </p:nvSpPr>
-        <p:spPr>
-          <a:xfrm>
-            <a:off x="381000" y="685800"/>
-            <a:ext cx="6096000" cy="3429000"/>
-          </a:xfrm>
-          <a:custGeom>
-            <a:avLst/>
-            <a:gdLst/>
-            <a:ahLst/>
-            <a:cxnLst/>
-            <a:rect l="l" t="t" r="r" b="b"/>
-            <a:pathLst>
-              <a:path w="120000" h="120000" extrusionOk="0">
-                <a:moveTo>
-                  <a:pt x="0" y="0"/>
-                </a:moveTo>
-                <a:lnTo>
-                  <a:pt x="120000" y="0"/>
-                </a:lnTo>
-                <a:lnTo>
-                  <a:pt x="120000" y="120000"/>
-                </a:lnTo>
-                <a:lnTo>
-                  <a:pt x="0" y="120000"/>
-                </a:lnTo>
-                <a:close/>
-              </a:path>
-            </a:pathLst>
-          </a:custGeom>
-          <a:noFill/>
-          <a:ln w="9525" cap="flat" cmpd="sng">
-            <a:solidFill>
-              <a:srgbClr val="000000"/>
-            </a:solidFill>
-            <a:prstDash val="solid"/>
-            <a:round/>
-            <a:headEnd type="none" w="sm" len="sm"/>
-            <a:tailEnd type="none" w="sm" len="sm"/>
-          </a:ln>
-        </p:spPr>
-      </p:sp>
-      <p:sp>
-        <p:nvSpPr>
-          <p:cNvPr id="135" name="Google Shape;135;p18:notes"/>
-          <p:cNvSpPr txBox="1">
-            <a:spLocks noGrp="1"/>
-          </p:cNvSpPr>
-          <p:nvPr>
-            <p:ph type="body" idx="1"/>
-          </p:nvPr>
-        </p:nvSpPr>
-        <p:spPr>
-          <a:xfrm>
-            <a:off x="685800" y="4343400"/>
-            <a:ext cx="5486400" cy="4114800"/>
-          </a:xfrm>
-          <a:prstGeom prst="rect">
-            <a:avLst/>
-          </a:prstGeom>
-          <a:noFill/>
-          <a:ln>
-            <a:noFill/>
-          </a:ln>
-        </p:spPr>
-        <p:txBody>
-          <a:bodyPr spcFirstLastPara="1" wrap="square" lIns="91425" tIns="91425" rIns="91425" bIns="91425" anchor="t" anchorCtr="0">
-            <a:noAutofit/>
-          </a:bodyPr>
-          <a:lstStyle/>
-          <a:p>
-            <a:pPr marL="0" lvl="0" indent="0" algn="l" rtl="0">
-              <a:lnSpc>
-                <a:spcPct val="100000"/>
-              </a:lnSpc>
-              <a:spcBef>
-                <a:spcPts val="0"/>
-              </a:spcBef>
-              <a:spcAft>
-                <a:spcPts val="0"/>
-              </a:spcAft>
-              <a:buClr>
-                <a:schemeClr val="dk1"/>
-              </a:buClr>
-              <a:buSzPts val="1100"/>
-              <a:buFont typeface="Arial"/>
-              <a:buNone/>
-            </a:pPr>
-            <a:endParaRPr/>
-          </a:p>
-        </p:txBody>
-      </p:sp>
-    </p:spTree>
-    <p:extLst>
-      <p:ext uri="{BB962C8B-B14F-4D97-AF65-F5344CB8AC3E}">
-        <p14:creationId xmlns:p14="http://schemas.microsoft.com/office/powerpoint/2010/main" val="3229833637"/>
       </p:ext>
     </p:extLst>
   </p:cSld>
@@ -2303,7 +2299,7 @@
     </p:spTree>
     <p:extLst>
       <p:ext uri="{BB962C8B-B14F-4D97-AF65-F5344CB8AC3E}">
-        <p14:creationId xmlns:p14="http://schemas.microsoft.com/office/powerpoint/2010/main" val="3313946119"/>
+        <p14:creationId xmlns:p14="http://schemas.microsoft.com/office/powerpoint/2010/main" val="3229833637"/>
       </p:ext>
     </p:extLst>
   </p:cSld>
@@ -2440,6 +2436,137 @@
 </file>
 
 <file path=ppt/notesSlides/notesSlide20.xml><?xml version="1.0" encoding="utf-8"?>
+<p:notes xmlns:a="http://schemas.openxmlformats.org/drawingml/2006/main" xmlns:r="http://schemas.openxmlformats.org/officeDocument/2006/relationships" xmlns:p="http://schemas.openxmlformats.org/presentationml/2006/main" showMasterSp="0" showMasterPhAnim="0">
+  <p:cSld>
+    <p:spTree>
+      <p:nvGrpSpPr>
+        <p:cNvPr id="1" name="Shape 133"/>
+        <p:cNvGrpSpPr/>
+        <p:nvPr/>
+      </p:nvGrpSpPr>
+      <p:grpSpPr>
+        <a:xfrm>
+          <a:off x="0" y="0"/>
+          <a:ext cx="0" cy="0"/>
+          <a:chOff x="0" y="0"/>
+          <a:chExt cx="0" cy="0"/>
+        </a:xfrm>
+      </p:grpSpPr>
+      <p:sp>
+        <p:nvSpPr>
+          <p:cNvPr id="134" name="Google Shape;134;p18:notes"/>
+          <p:cNvSpPr>
+            <a:spLocks noGrp="1" noRot="1" noChangeAspect="1"/>
+          </p:cNvSpPr>
+          <p:nvPr>
+            <p:ph type="sldImg" idx="2"/>
+          </p:nvPr>
+        </p:nvSpPr>
+        <p:spPr>
+          <a:xfrm>
+            <a:off x="381000" y="685800"/>
+            <a:ext cx="6096000" cy="3429000"/>
+          </a:xfrm>
+          <a:custGeom>
+            <a:avLst/>
+            <a:gdLst/>
+            <a:ahLst/>
+            <a:cxnLst/>
+            <a:rect l="l" t="t" r="r" b="b"/>
+            <a:pathLst>
+              <a:path w="120000" h="120000" extrusionOk="0">
+                <a:moveTo>
+                  <a:pt x="0" y="0"/>
+                </a:moveTo>
+                <a:lnTo>
+                  <a:pt x="120000" y="0"/>
+                </a:lnTo>
+                <a:lnTo>
+                  <a:pt x="120000" y="120000"/>
+                </a:lnTo>
+                <a:lnTo>
+                  <a:pt x="0" y="120000"/>
+                </a:lnTo>
+                <a:close/>
+              </a:path>
+            </a:pathLst>
+          </a:custGeom>
+          <a:noFill/>
+          <a:ln w="9525" cap="flat" cmpd="sng">
+            <a:solidFill>
+              <a:srgbClr val="000000"/>
+            </a:solidFill>
+            <a:prstDash val="solid"/>
+            <a:round/>
+            <a:headEnd type="none" w="sm" len="sm"/>
+            <a:tailEnd type="none" w="sm" len="sm"/>
+          </a:ln>
+        </p:spPr>
+      </p:sp>
+      <p:sp>
+        <p:nvSpPr>
+          <p:cNvPr id="135" name="Google Shape;135;p18:notes"/>
+          <p:cNvSpPr txBox="1">
+            <a:spLocks noGrp="1"/>
+          </p:cNvSpPr>
+          <p:nvPr>
+            <p:ph type="body" idx="1"/>
+          </p:nvPr>
+        </p:nvSpPr>
+        <p:spPr>
+          <a:xfrm>
+            <a:off x="685800" y="4343400"/>
+            <a:ext cx="5486400" cy="4114800"/>
+          </a:xfrm>
+          <a:prstGeom prst="rect">
+            <a:avLst/>
+          </a:prstGeom>
+          <a:noFill/>
+          <a:ln>
+            <a:noFill/>
+          </a:ln>
+        </p:spPr>
+        <p:txBody>
+          <a:bodyPr spcFirstLastPara="1" wrap="square" lIns="91425" tIns="91425" rIns="91425" bIns="91425" anchor="t" anchorCtr="0">
+            <a:noAutofit/>
+          </a:bodyPr>
+          <a:lstStyle/>
+          <a:p>
+            <a:pPr marL="0" lvl="0" indent="0" algn="l" rtl="0">
+              <a:lnSpc>
+                <a:spcPct val="100000"/>
+              </a:lnSpc>
+              <a:spcBef>
+                <a:spcPts val="0"/>
+              </a:spcBef>
+              <a:spcAft>
+                <a:spcPts val="0"/>
+              </a:spcAft>
+              <a:buClr>
+                <a:schemeClr val="dk1"/>
+              </a:buClr>
+              <a:buSzPts val="1100"/>
+              <a:buFont typeface="Arial"/>
+              <a:buNone/>
+            </a:pPr>
+            <a:endParaRPr/>
+          </a:p>
+        </p:txBody>
+      </p:sp>
+    </p:spTree>
+    <p:extLst>
+      <p:ext uri="{BB962C8B-B14F-4D97-AF65-F5344CB8AC3E}">
+        <p14:creationId xmlns:p14="http://schemas.microsoft.com/office/powerpoint/2010/main" val="3313946119"/>
+      </p:ext>
+    </p:extLst>
+  </p:cSld>
+  <p:clrMapOvr>
+    <a:masterClrMapping/>
+  </p:clrMapOvr>
+</p:notes>
+</file>
+
+<file path=ppt/notesSlides/notesSlide21.xml><?xml version="1.0" encoding="utf-8"?>
 <p:notes xmlns:a="http://schemas.openxmlformats.org/drawingml/2006/main" xmlns:r="http://schemas.openxmlformats.org/officeDocument/2006/relationships" xmlns:p="http://schemas.openxmlformats.org/presentationml/2006/main" showMasterSp="0" showMasterPhAnim="0">
   <p:cSld>
     <p:spTree>
@@ -2938,7 +3065,7 @@
     </p:spTree>
     <p:extLst>
       <p:ext uri="{BB962C8B-B14F-4D97-AF65-F5344CB8AC3E}">
-        <p14:creationId xmlns:p14="http://schemas.microsoft.com/office/powerpoint/2010/main" val="2750274405"/>
+        <p14:creationId xmlns:p14="http://schemas.microsoft.com/office/powerpoint/2010/main" val="176050431"/>
       </p:ext>
     </p:extLst>
   </p:cSld>
@@ -3069,7 +3196,7 @@
     </p:spTree>
     <p:extLst>
       <p:ext uri="{BB962C8B-B14F-4D97-AF65-F5344CB8AC3E}">
-        <p14:creationId xmlns:p14="http://schemas.microsoft.com/office/powerpoint/2010/main" val="176050431"/>
+        <p14:creationId xmlns:p14="http://schemas.microsoft.com/office/powerpoint/2010/main" val="2750274405"/>
       </p:ext>
     </p:extLst>
   </p:cSld>
@@ -3346,7 +3473,7 @@
   <p:cSld>
     <p:spTree>
       <p:nvGrpSpPr>
-        <p:cNvPr id="1" name="Shape 111"/>
+        <p:cNvPr id="1" name="Shape 88"/>
         <p:cNvGrpSpPr/>
         <p:nvPr/>
       </p:nvGrpSpPr>
@@ -3360,7 +3487,7 @@
       </p:grpSpPr>
       <p:sp>
         <p:nvSpPr>
-          <p:cNvPr id="112" name="Google Shape;112;p4:notes"/>
+          <p:cNvPr id="89" name="Google Shape;89;p3:notes"/>
           <p:cNvSpPr>
             <a:spLocks noGrp="1" noRot="1" noChangeAspect="1"/>
           </p:cNvSpPr>
@@ -3411,7 +3538,7 @@
       </p:sp>
       <p:sp>
         <p:nvSpPr>
-          <p:cNvPr id="113" name="Google Shape;113;p4:notes"/>
+          <p:cNvPr id="90" name="Google Shape;90;p3:notes"/>
           <p:cNvSpPr txBox="1">
             <a:spLocks noGrp="1"/>
           </p:cNvSpPr>
@@ -3460,6 +3587,11 @@
         </p:txBody>
       </p:sp>
     </p:spTree>
+    <p:extLst>
+      <p:ext uri="{BB962C8B-B14F-4D97-AF65-F5344CB8AC3E}">
+        <p14:creationId xmlns:p14="http://schemas.microsoft.com/office/powerpoint/2010/main" val="3324560171"/>
+      </p:ext>
+    </p:extLst>
   </p:cSld>
   <p:clrMapOvr>
     <a:masterClrMapping/>
@@ -8815,7 +8947,7 @@
               <a:t>Base </a:t>
             </a:r>
             <a:r>
-              <a:rPr lang="en-US" sz="5400" b="1" i="0" u="none" strike="noStrike" cap="none" dirty="0" err="1">
+              <a:rPr lang="pt-BR" sz="5400" b="1" i="0" u="none" strike="noStrike" cap="none" dirty="0">
                 <a:solidFill>
                   <a:schemeClr val="lt1"/>
                 </a:solidFill>
@@ -8826,15 +8958,6 @@
               </a:rPr>
               <a:t>metodológica</a:t>
             </a:r>
-            <a:endParaRPr sz="5400" b="1" i="0" u="none" strike="noStrike" cap="none" dirty="0">
-              <a:solidFill>
-                <a:schemeClr val="lt1"/>
-              </a:solidFill>
-              <a:latin typeface="Century Gothic"/>
-              <a:ea typeface="Century Gothic"/>
-              <a:cs typeface="Century Gothic"/>
-              <a:sym typeface="Century Gothic"/>
-            </a:endParaRPr>
           </a:p>
         </p:txBody>
       </p:sp>
@@ -8915,7 +9038,7 @@
         <p:fade/>
       </p:transition>
     </mc:Choice>
-    <mc:Fallback xmlns="" xmlns:mv="urn:schemas-microsoft-com:mac:vml" xmlns:c="http://schemas.openxmlformats.org/drawingml/2006/chart" xmlns:dgm="http://schemas.openxmlformats.org/drawingml/2006/diagram" xmlns:o="urn:schemas-microsoft-com:office:office" xmlns:v="urn:schemas-microsoft-com:vml" xmlns:pvml="urn:schemas-microsoft-com:office:powerpoint" xmlns:com="http://schemas.openxmlformats.org/drawingml/2006/compatibility" xmlns:p15="http://schemas.microsoft.com/office/powerpoint/2012/main" xmlns:ahyp="http://schemas.microsoft.com/office/drawing/2018/hyperlinkcolor">
+    <mc:Fallback xmlns:ahyp="http://schemas.microsoft.com/office/drawing/2018/hyperlinkcolor" xmlns:p15="http://schemas.microsoft.com/office/powerpoint/2012/main" xmlns:com="http://schemas.openxmlformats.org/drawingml/2006/compatibility" xmlns:pvml="urn:schemas-microsoft-com:office:powerpoint" xmlns:v="urn:schemas-microsoft-com:vml" xmlns:o="urn:schemas-microsoft-com:office:office" xmlns:dgm="http://schemas.openxmlformats.org/drawingml/2006/diagram" xmlns:c="http://schemas.openxmlformats.org/drawingml/2006/chart" xmlns:mv="urn:schemas-microsoft-com:mac:vml" xmlns="">
       <p:transition spd="slow">
         <p:fade/>
       </p:transition>
@@ -8925,6 +9048,348 @@
 </file>
 
 <file path=ppt/slides/slide10.xml><?xml version="1.0" encoding="utf-8"?>
+<p:sld xmlns:a="http://schemas.openxmlformats.org/drawingml/2006/main" xmlns:r="http://schemas.openxmlformats.org/officeDocument/2006/relationships" xmlns:p="http://schemas.openxmlformats.org/presentationml/2006/main">
+  <p:cSld>
+    <p:bg>
+      <p:bgPr>
+        <a:solidFill>
+          <a:srgbClr val="FFFFFF"/>
+        </a:solidFill>
+        <a:effectLst/>
+      </p:bgPr>
+    </p:bg>
+    <p:spTree>
+      <p:nvGrpSpPr>
+        <p:cNvPr id="1" name="Shape 91"/>
+        <p:cNvGrpSpPr/>
+        <p:nvPr/>
+      </p:nvGrpSpPr>
+      <p:grpSpPr>
+        <a:xfrm>
+          <a:off x="0" y="0"/>
+          <a:ext cx="0" cy="0"/>
+          <a:chOff x="0" y="0"/>
+          <a:chExt cx="0" cy="0"/>
+        </a:xfrm>
+      </p:grpSpPr>
+      <p:sp>
+        <p:nvSpPr>
+          <p:cNvPr id="92" name="Google Shape;92;p3"/>
+          <p:cNvSpPr txBox="1">
+            <a:spLocks noGrp="1"/>
+          </p:cNvSpPr>
+          <p:nvPr>
+            <p:ph type="subTitle" idx="1"/>
+          </p:nvPr>
+        </p:nvSpPr>
+        <p:spPr>
+          <a:xfrm>
+            <a:off x="1200150" y="305700"/>
+            <a:ext cx="7632150" cy="591300"/>
+          </a:xfrm>
+          <a:prstGeom prst="rect">
+            <a:avLst/>
+          </a:prstGeom>
+          <a:noFill/>
+          <a:ln>
+            <a:noFill/>
+          </a:ln>
+        </p:spPr>
+        <p:txBody>
+          <a:bodyPr spcFirstLastPara="1" wrap="square" lIns="91425" tIns="91425" rIns="91425" bIns="91425" anchor="ctr" anchorCtr="0">
+            <a:noAutofit/>
+          </a:bodyPr>
+          <a:lstStyle/>
+          <a:p>
+            <a:pPr marL="0" lvl="0" indent="0" algn="ctr" rtl="0">
+              <a:lnSpc>
+                <a:spcPct val="100000"/>
+              </a:lnSpc>
+              <a:spcBef>
+                <a:spcPts val="0"/>
+              </a:spcBef>
+              <a:spcAft>
+                <a:spcPts val="0"/>
+              </a:spcAft>
+              <a:buClr>
+                <a:schemeClr val="dk1"/>
+              </a:buClr>
+              <a:buSzPts val="1100"/>
+              <a:buFont typeface="Arial"/>
+              <a:buNone/>
+            </a:pPr>
+            <a:r>
+              <a:rPr lang="en-US" sz="4000" b="1" dirty="0" err="1">
+                <a:solidFill>
+                  <a:srgbClr val="073763"/>
+                </a:solidFill>
+                <a:latin typeface="Century Gothic"/>
+                <a:ea typeface="Century Gothic"/>
+                <a:cs typeface="Century Gothic"/>
+                <a:sym typeface="Century Gothic"/>
+              </a:rPr>
+              <a:t>Exemplos</a:t>
+            </a:r>
+            <a:endParaRPr sz="4000" b="1" dirty="0">
+              <a:solidFill>
+                <a:srgbClr val="073763"/>
+              </a:solidFill>
+              <a:latin typeface="Century Gothic"/>
+              <a:ea typeface="Century Gothic"/>
+              <a:cs typeface="Century Gothic"/>
+              <a:sym typeface="Century Gothic"/>
+            </a:endParaRPr>
+          </a:p>
+        </p:txBody>
+      </p:sp>
+      <p:pic>
+        <p:nvPicPr>
+          <p:cNvPr id="93" name="Google Shape;93;p3"/>
+          <p:cNvPicPr preferRelativeResize="0"/>
+          <p:nvPr/>
+        </p:nvPicPr>
+        <p:blipFill rotWithShape="1">
+          <a:blip r:embed="rId3">
+            <a:alphaModFix/>
+          </a:blip>
+          <a:srcRect/>
+          <a:stretch/>
+        </p:blipFill>
+        <p:spPr>
+          <a:xfrm>
+            <a:off x="311700" y="243014"/>
+            <a:ext cx="1698849" cy="591351"/>
+          </a:xfrm>
+          <a:prstGeom prst="rect">
+            <a:avLst/>
+          </a:prstGeom>
+          <a:noFill/>
+          <a:ln>
+            <a:noFill/>
+          </a:ln>
+        </p:spPr>
+      </p:pic>
+      <p:sp>
+        <p:nvSpPr>
+          <p:cNvPr id="95" name="Google Shape;95;p3"/>
+          <p:cNvSpPr/>
+          <p:nvPr/>
+        </p:nvSpPr>
+        <p:spPr>
+          <a:xfrm>
+            <a:off x="0" y="5077717"/>
+            <a:ext cx="9144000" cy="57300"/>
+          </a:xfrm>
+          <a:prstGeom prst="rect">
+            <a:avLst/>
+          </a:prstGeom>
+          <a:solidFill>
+            <a:srgbClr val="F78321"/>
+          </a:solidFill>
+          <a:ln w="9525" cap="flat" cmpd="sng">
+            <a:solidFill>
+              <a:srgbClr val="F78321"/>
+            </a:solidFill>
+            <a:prstDash val="solid"/>
+            <a:round/>
+            <a:headEnd type="none" w="sm" len="sm"/>
+            <a:tailEnd type="none" w="sm" len="sm"/>
+          </a:ln>
+        </p:spPr>
+        <p:txBody>
+          <a:bodyPr spcFirstLastPara="1" wrap="square" lIns="91425" tIns="91425" rIns="91425" bIns="91425" anchor="ctr" anchorCtr="0">
+            <a:noAutofit/>
+          </a:bodyPr>
+          <a:lstStyle/>
+          <a:p>
+            <a:pPr marL="0" marR="0" lvl="0" indent="0" algn="l" rtl="0">
+              <a:lnSpc>
+                <a:spcPct val="100000"/>
+              </a:lnSpc>
+              <a:spcBef>
+                <a:spcPts val="0"/>
+              </a:spcBef>
+              <a:spcAft>
+                <a:spcPts val="0"/>
+              </a:spcAft>
+              <a:buClr>
+                <a:srgbClr val="000000"/>
+              </a:buClr>
+              <a:buSzPts val="1400"/>
+              <a:buFont typeface="Arial"/>
+              <a:buNone/>
+            </a:pPr>
+            <a:endParaRPr sz="1400" b="0" i="0" u="none" strike="noStrike" cap="none">
+              <a:solidFill>
+                <a:srgbClr val="000000"/>
+              </a:solidFill>
+              <a:latin typeface="Arial"/>
+              <a:ea typeface="Arial"/>
+              <a:cs typeface="Arial"/>
+              <a:sym typeface="Arial"/>
+            </a:endParaRPr>
+          </a:p>
+        </p:txBody>
+      </p:sp>
+      <p:sp>
+        <p:nvSpPr>
+          <p:cNvPr id="4" name="TextBox 3">
+            <a:extLst>
+              <a:ext uri="{FF2B5EF4-FFF2-40B4-BE49-F238E27FC236}">
+                <a16:creationId xmlns:a16="http://schemas.microsoft.com/office/drawing/2014/main" id="{E8FBA07F-6920-43D0-BE57-2EAD01B9E1B9}"/>
+              </a:ext>
+            </a:extLst>
+          </p:cNvPr>
+          <p:cNvSpPr txBox="1"/>
+          <p:nvPr/>
+        </p:nvSpPr>
+        <p:spPr>
+          <a:xfrm>
+            <a:off x="1680819" y="1150152"/>
+            <a:ext cx="1003801" cy="307777"/>
+          </a:xfrm>
+          <a:prstGeom prst="rect">
+            <a:avLst/>
+          </a:prstGeom>
+          <a:noFill/>
+        </p:spPr>
+        <p:txBody>
+          <a:bodyPr wrap="none" rtlCol="0">
+            <a:spAutoFit/>
+          </a:bodyPr>
+          <a:lstStyle/>
+          <a:p>
+            <a:r>
+              <a:rPr lang="pt-BR" dirty="0"/>
+              <a:t>API REST</a:t>
+            </a:r>
+          </a:p>
+        </p:txBody>
+      </p:sp>
+      <p:sp>
+        <p:nvSpPr>
+          <p:cNvPr id="11" name="TextBox 10">
+            <a:extLst>
+              <a:ext uri="{FF2B5EF4-FFF2-40B4-BE49-F238E27FC236}">
+                <a16:creationId xmlns:a16="http://schemas.microsoft.com/office/drawing/2014/main" id="{275A5F48-D951-400D-A5D5-8820A6E9A4B7}"/>
+              </a:ext>
+            </a:extLst>
+          </p:cNvPr>
+          <p:cNvSpPr txBox="1"/>
+          <p:nvPr/>
+        </p:nvSpPr>
+        <p:spPr>
+          <a:xfrm>
+            <a:off x="6051682" y="1150153"/>
+            <a:ext cx="1192955" cy="307777"/>
+          </a:xfrm>
+          <a:prstGeom prst="rect">
+            <a:avLst/>
+          </a:prstGeom>
+          <a:noFill/>
+        </p:spPr>
+        <p:txBody>
+          <a:bodyPr wrap="none" rtlCol="0">
+            <a:spAutoFit/>
+          </a:bodyPr>
+          <a:lstStyle/>
+          <a:p>
+            <a:r>
+              <a:rPr lang="pt-BR" dirty="0"/>
+              <a:t>API </a:t>
+            </a:r>
+            <a:r>
+              <a:rPr lang="pt-BR" dirty="0" err="1"/>
+              <a:t>RESTful</a:t>
+            </a:r>
+            <a:endParaRPr lang="pt-BR" dirty="0"/>
+          </a:p>
+        </p:txBody>
+      </p:sp>
+      <p:pic>
+        <p:nvPicPr>
+          <p:cNvPr id="10" name="Picture 9">
+            <a:extLst>
+              <a:ext uri="{FF2B5EF4-FFF2-40B4-BE49-F238E27FC236}">
+                <a16:creationId xmlns:a16="http://schemas.microsoft.com/office/drawing/2014/main" id="{93C269DE-4FA8-4572-84B7-863B105EB360}"/>
+              </a:ext>
+            </a:extLst>
+          </p:cNvPr>
+          <p:cNvPicPr>
+            <a:picLocks noChangeAspect="1"/>
+          </p:cNvPicPr>
+          <p:nvPr/>
+        </p:nvPicPr>
+        <p:blipFill rotWithShape="1">
+          <a:blip r:embed="rId4"/>
+          <a:srcRect b="46487"/>
+          <a:stretch/>
+        </p:blipFill>
+        <p:spPr>
+          <a:xfrm>
+            <a:off x="311700" y="1711081"/>
+            <a:ext cx="4141888" cy="1142996"/>
+          </a:xfrm>
+          <a:prstGeom prst="rect">
+            <a:avLst/>
+          </a:prstGeom>
+        </p:spPr>
+      </p:pic>
+      <p:pic>
+        <p:nvPicPr>
+          <p:cNvPr id="13" name="Picture 12">
+            <a:extLst>
+              <a:ext uri="{FF2B5EF4-FFF2-40B4-BE49-F238E27FC236}">
+                <a16:creationId xmlns:a16="http://schemas.microsoft.com/office/drawing/2014/main" id="{1D605AC6-717E-4D8D-AFC2-8EFB36B8E6B2}"/>
+              </a:ext>
+            </a:extLst>
+          </p:cNvPr>
+          <p:cNvPicPr>
+            <a:picLocks noChangeAspect="1"/>
+          </p:cNvPicPr>
+          <p:nvPr/>
+        </p:nvPicPr>
+        <p:blipFill rotWithShape="1">
+          <a:blip r:embed="rId5"/>
+          <a:srcRect l="2816" b="18871"/>
+          <a:stretch/>
+        </p:blipFill>
+        <p:spPr>
+          <a:xfrm>
+            <a:off x="4512794" y="1711083"/>
+            <a:ext cx="4270733" cy="1532067"/>
+          </a:xfrm>
+          <a:prstGeom prst="rect">
+            <a:avLst/>
+          </a:prstGeom>
+        </p:spPr>
+      </p:pic>
+    </p:spTree>
+    <p:extLst>
+      <p:ext uri="{BB962C8B-B14F-4D97-AF65-F5344CB8AC3E}">
+        <p14:creationId xmlns:p14="http://schemas.microsoft.com/office/powerpoint/2010/main" val="1154559064"/>
+      </p:ext>
+    </p:extLst>
+  </p:cSld>
+  <p:clrMapOvr>
+    <a:masterClrMapping/>
+  </p:clrMapOvr>
+  <mc:AlternateContent xmlns:mc="http://schemas.openxmlformats.org/markup-compatibility/2006">
+    <mc:Choice xmlns:p14="http://schemas.microsoft.com/office/powerpoint/2010/main" Requires="p14">
+      <p:transition spd="med" p14:dur="700">
+        <p:fade/>
+      </p:transition>
+    </mc:Choice>
+    <mc:Fallback>
+      <p:transition spd="med">
+        <p:fade/>
+      </p:transition>
+    </mc:Fallback>
+  </mc:AlternateContent>
+</p:sld>
+</file>
+
+<file path=ppt/slides/slide11.xml><?xml version="1.0" encoding="utf-8"?>
 <p:sld xmlns:a="http://schemas.openxmlformats.org/drawingml/2006/main" xmlns:r="http://schemas.openxmlformats.org/officeDocument/2006/relationships" xmlns:p="http://schemas.openxmlformats.org/presentationml/2006/main">
   <p:cSld>
     <p:bg>
@@ -9116,10 +9581,68 @@
                 <a:latin typeface="Calibri"/>
                 <a:cs typeface="Calibri"/>
                 <a:sym typeface="Calibri"/>
+                <a:hlinkClick r:id="rId4"/>
               </a:rPr>
               <a:t>https://dotnet.microsoft.com/download/dotnet/thank-you/sdk-5.0.400-windows-x64-installer</a:t>
             </a:r>
-            <a:endParaRPr sz="1600" dirty="0"/>
+            <a:endParaRPr lang="en-US" sz="1600" dirty="0">
+              <a:solidFill>
+                <a:srgbClr val="073763"/>
+              </a:solidFill>
+              <a:latin typeface="Calibri"/>
+              <a:cs typeface="Calibri"/>
+              <a:sym typeface="Calibri"/>
+            </a:endParaRPr>
+          </a:p>
+          <a:p>
+            <a:pPr marL="76200" indent="0" algn="l">
+              <a:lnSpc>
+                <a:spcPct val="150000"/>
+              </a:lnSpc>
+              <a:buClr>
+                <a:srgbClr val="073763"/>
+              </a:buClr>
+              <a:buSzPts val="2400"/>
+            </a:pPr>
+            <a:r>
+              <a:rPr lang="en-US" sz="1600" dirty="0">
+                <a:solidFill>
+                  <a:srgbClr val="073763"/>
+                </a:solidFill>
+                <a:latin typeface="Calibri"/>
+                <a:cs typeface="Calibri"/>
+                <a:sym typeface="Calibri"/>
+                <a:hlinkClick r:id="rId5"/>
+              </a:rPr>
+              <a:t>https://dotnet.microsoft.com/download/dotnet/thank-you/sdk-5.0.400-windows-x86-installer</a:t>
+            </a:r>
+            <a:endParaRPr lang="en-US" sz="1600" dirty="0">
+              <a:solidFill>
+                <a:srgbClr val="073763"/>
+              </a:solidFill>
+              <a:latin typeface="Calibri"/>
+              <a:cs typeface="Calibri"/>
+              <a:sym typeface="Calibri"/>
+            </a:endParaRPr>
+          </a:p>
+          <a:p>
+            <a:pPr marL="76200" indent="0" algn="l">
+              <a:lnSpc>
+                <a:spcPct val="150000"/>
+              </a:lnSpc>
+              <a:buClr>
+                <a:srgbClr val="073763"/>
+              </a:buClr>
+              <a:buSzPts val="2400"/>
+            </a:pPr>
+            <a:endParaRPr lang="en-US" sz="1600" dirty="0">
+              <a:solidFill>
+                <a:srgbClr val="073763"/>
+              </a:solidFill>
+              <a:latin typeface="Calibri"/>
+              <a:cs typeface="Calibri"/>
+              <a:sym typeface="Calibri"/>
+            </a:endParaRPr>
           </a:p>
           <a:p>
             <a:pPr marL="457200" lvl="0" indent="-381000" algn="l" rtl="0">
@@ -9164,7 +9687,7 @@
             </a:pPr>
             <a:r>
               <a:rPr lang="en-US" sz="1600" dirty="0">
-                <a:hlinkClick r:id="rId4"/>
+                <a:hlinkClick r:id="rId6"/>
               </a:rPr>
               <a:t>https://dl.pstmn.io/download/latest/win64</a:t>
             </a:r>
@@ -9181,7 +9704,9 @@
               <a:buSzPts val="2400"/>
             </a:pPr>
             <a:r>
-              <a:rPr lang="en-US" sz="1600" dirty="0"/>
+              <a:rPr lang="en-US" sz="1600" dirty="0">
+                <a:hlinkClick r:id="rId7"/>
+              </a:rPr>
               <a:t>https://dl.pstmn.io/download/latest/win32</a:t>
             </a:r>
             <a:endParaRPr sz="1600" dirty="0"/>
@@ -9345,7 +9870,7 @@
         <p:fade/>
       </p:transition>
     </mc:Choice>
-    <mc:Fallback xmlns="" xmlns:mv="urn:schemas-microsoft-com:mac:vml" xmlns:c="http://schemas.openxmlformats.org/drawingml/2006/chart" xmlns:dgm="http://schemas.openxmlformats.org/drawingml/2006/diagram" xmlns:o="urn:schemas-microsoft-com:office:office" xmlns:v="urn:schemas-microsoft-com:vml" xmlns:pvml="urn:schemas-microsoft-com:office:powerpoint" xmlns:com="http://schemas.openxmlformats.org/drawingml/2006/compatibility" xmlns:p15="http://schemas.microsoft.com/office/powerpoint/2012/main" xmlns:ahyp="http://schemas.microsoft.com/office/drawing/2018/hyperlinkcolor">
+    <mc:Fallback xmlns:ahyp="http://schemas.microsoft.com/office/drawing/2018/hyperlinkcolor" xmlns:p15="http://schemas.microsoft.com/office/powerpoint/2012/main" xmlns:com="http://schemas.openxmlformats.org/drawingml/2006/compatibility" xmlns:pvml="urn:schemas-microsoft-com:office:powerpoint" xmlns:v="urn:schemas-microsoft-com:vml" xmlns:o="urn:schemas-microsoft-com:office:office" xmlns:dgm="http://schemas.openxmlformats.org/drawingml/2006/diagram" xmlns:c="http://schemas.openxmlformats.org/drawingml/2006/chart" xmlns:mv="urn:schemas-microsoft-com:mac:vml" xmlns="">
       <p:transition spd="slow">
         <p:fade/>
       </p:transition>
@@ -9387,7 +9912,7 @@
                                         <p:tgtEl>
                                           <p:spTgt spid="117">
                                             <p:txEl>
-                                              <p:pRg st="2" end="2"/>
+                                              <p:pRg st="4" end="4"/>
                                             </p:txEl>
                                           </p:spTgt>
                                         </p:tgtEl>
@@ -9436,7 +9961,7 @@
                                         <p:tgtEl>
                                           <p:spTgt spid="117">
                                             <p:txEl>
-                                              <p:pRg st="3" end="3"/>
+                                              <p:pRg st="5" end="5"/>
                                             </p:txEl>
                                           </p:spTgt>
                                         </p:tgtEl>
@@ -9485,7 +10010,7 @@
                                         <p:tgtEl>
                                           <p:spTgt spid="117">
                                             <p:txEl>
-                                              <p:pRg st="4" end="4"/>
+                                              <p:pRg st="6" end="6"/>
                                             </p:txEl>
                                           </p:spTgt>
                                         </p:tgtEl>
@@ -9604,6 +10129,55 @@
                       </p:childTnLst>
                     </p:cTn>
                   </p:par>
+                  <p:par>
+                    <p:cTn id="23" fill="hold">
+                      <p:stCondLst>
+                        <p:cond delay="indefinite"/>
+                      </p:stCondLst>
+                      <p:childTnLst>
+                        <p:par>
+                          <p:cTn id="24" fill="hold">
+                            <p:stCondLst>
+                              <p:cond delay="0"/>
+                            </p:stCondLst>
+                            <p:childTnLst>
+                              <p:par>
+                                <p:cTn id="25" presetID="1" presetClass="entr" presetSubtype="0" fill="hold" nodeType="clickEffect">
+                                  <p:stCondLst>
+                                    <p:cond delay="0"/>
+                                  </p:stCondLst>
+                                  <p:childTnLst>
+                                    <p:set>
+                                      <p:cBhvr>
+                                        <p:cTn id="26" dur="1" fill="hold">
+                                          <p:stCondLst>
+                                            <p:cond delay="0"/>
+                                          </p:stCondLst>
+                                        </p:cTn>
+                                        <p:tgtEl>
+                                          <p:spTgt spid="117">
+                                            <p:txEl>
+                                              <p:pRg st="2" end="2"/>
+                                            </p:txEl>
+                                          </p:spTgt>
+                                        </p:tgtEl>
+                                        <p:attrNameLst>
+                                          <p:attrName>style.visibility</p:attrName>
+                                        </p:attrNameLst>
+                                      </p:cBhvr>
+                                      <p:to>
+                                        <p:strVal val="visible"/>
+                                      </p:to>
+                                    </p:set>
+                                  </p:childTnLst>
+                                </p:cTn>
+                              </p:par>
+                            </p:childTnLst>
+                          </p:cTn>
+                        </p:par>
+                      </p:childTnLst>
+                    </p:cTn>
+                  </p:par>
                 </p:childTnLst>
               </p:cTn>
               <p:prevCondLst>
@@ -9629,7 +10203,7 @@
 </p:sld>
 </file>
 
-<file path=ppt/slides/slide11.xml><?xml version="1.0" encoding="utf-8"?>
+<file path=ppt/slides/slide12.xml><?xml version="1.0" encoding="utf-8"?>
 <p:sld xmlns:a="http://schemas.openxmlformats.org/drawingml/2006/main" xmlns:r="http://schemas.openxmlformats.org/officeDocument/2006/relationships" xmlns:p="http://schemas.openxmlformats.org/presentationml/2006/main">
   <p:cSld>
     <p:bg>
@@ -10511,7 +11085,7 @@
         <p:fade/>
       </p:transition>
     </mc:Choice>
-    <mc:Fallback xmlns="" xmlns:mv="urn:schemas-microsoft-com:mac:vml" xmlns:c="http://schemas.openxmlformats.org/drawingml/2006/chart" xmlns:dgm="http://schemas.openxmlformats.org/drawingml/2006/diagram" xmlns:o="urn:schemas-microsoft-com:office:office" xmlns:v="urn:schemas-microsoft-com:vml" xmlns:pvml="urn:schemas-microsoft-com:office:powerpoint" xmlns:com="http://schemas.openxmlformats.org/drawingml/2006/compatibility" xmlns:p15="http://schemas.microsoft.com/office/powerpoint/2012/main" xmlns:ahyp="http://schemas.microsoft.com/office/drawing/2018/hyperlinkcolor">
+    <mc:Fallback xmlns:ahyp="http://schemas.microsoft.com/office/drawing/2018/hyperlinkcolor" xmlns:p15="http://schemas.microsoft.com/office/powerpoint/2012/main" xmlns:com="http://schemas.openxmlformats.org/drawingml/2006/compatibility" xmlns:pvml="urn:schemas-microsoft-com:office:powerpoint" xmlns:v="urn:schemas-microsoft-com:vml" xmlns:o="urn:schemas-microsoft-com:office:office" xmlns:dgm="http://schemas.openxmlformats.org/drawingml/2006/diagram" xmlns:c="http://schemas.openxmlformats.org/drawingml/2006/chart" xmlns:mv="urn:schemas-microsoft-com:mac:vml" xmlns="">
       <p:transition spd="slow">
         <p:fade/>
       </p:transition>
@@ -10520,7 +11094,7 @@
 </p:sld>
 </file>
 
-<file path=ppt/slides/slide12.xml><?xml version="1.0" encoding="utf-8"?>
+<file path=ppt/slides/slide13.xml><?xml version="1.0" encoding="utf-8"?>
 <p:sld xmlns:a="http://schemas.openxmlformats.org/drawingml/2006/main" xmlns:r="http://schemas.openxmlformats.org/officeDocument/2006/relationships" xmlns:p="http://schemas.openxmlformats.org/presentationml/2006/main">
   <p:cSld>
     <p:spTree>
@@ -11182,7 +11756,7 @@
         <p:fade/>
       </p:transition>
     </mc:Choice>
-    <mc:Fallback xmlns="" xmlns:mv="urn:schemas-microsoft-com:mac:vml" xmlns:c="http://schemas.openxmlformats.org/drawingml/2006/chart" xmlns:dgm="http://schemas.openxmlformats.org/drawingml/2006/diagram" xmlns:o="urn:schemas-microsoft-com:office:office" xmlns:v="urn:schemas-microsoft-com:vml" xmlns:pvml="urn:schemas-microsoft-com:office:powerpoint" xmlns:com="http://schemas.openxmlformats.org/drawingml/2006/compatibility" xmlns:p15="http://schemas.microsoft.com/office/powerpoint/2012/main" xmlns:ahyp="http://schemas.microsoft.com/office/drawing/2018/hyperlinkcolor">
+    <mc:Fallback xmlns:ahyp="http://schemas.microsoft.com/office/drawing/2018/hyperlinkcolor" xmlns:p15="http://schemas.microsoft.com/office/powerpoint/2012/main" xmlns:com="http://schemas.openxmlformats.org/drawingml/2006/compatibility" xmlns:pvml="urn:schemas-microsoft-com:office:powerpoint" xmlns:v="urn:schemas-microsoft-com:vml" xmlns:o="urn:schemas-microsoft-com:office:office" xmlns:dgm="http://schemas.openxmlformats.org/drawingml/2006/diagram" xmlns:c="http://schemas.openxmlformats.org/drawingml/2006/chart" xmlns:mv="urn:schemas-microsoft-com:mac:vml" xmlns="">
       <p:transition spd="slow">
         <p:fade/>
       </p:transition>
@@ -11191,7 +11765,7 @@
 </p:sld>
 </file>
 
-<file path=ppt/slides/slide13.xml><?xml version="1.0" encoding="utf-8"?>
+<file path=ppt/slides/slide14.xml><?xml version="1.0" encoding="utf-8"?>
 <p:sld xmlns:a="http://schemas.openxmlformats.org/drawingml/2006/main" xmlns:r="http://schemas.openxmlformats.org/officeDocument/2006/relationships" xmlns:p="http://schemas.openxmlformats.org/presentationml/2006/main">
   <p:cSld>
     <p:bg>
@@ -11770,7 +12344,7 @@
         <p:fade/>
       </p:transition>
     </mc:Choice>
-    <mc:Fallback xmlns="" xmlns:mv="urn:schemas-microsoft-com:mac:vml" xmlns:c="http://schemas.openxmlformats.org/drawingml/2006/chart" xmlns:dgm="http://schemas.openxmlformats.org/drawingml/2006/diagram" xmlns:o="urn:schemas-microsoft-com:office:office" xmlns:v="urn:schemas-microsoft-com:vml" xmlns:pvml="urn:schemas-microsoft-com:office:powerpoint" xmlns:com="http://schemas.openxmlformats.org/drawingml/2006/compatibility" xmlns:p15="http://schemas.microsoft.com/office/powerpoint/2012/main" xmlns:ahyp="http://schemas.microsoft.com/office/drawing/2018/hyperlinkcolor">
+    <mc:Fallback xmlns:ahyp="http://schemas.microsoft.com/office/drawing/2018/hyperlinkcolor" xmlns:p15="http://schemas.microsoft.com/office/powerpoint/2012/main" xmlns:com="http://schemas.openxmlformats.org/drawingml/2006/compatibility" xmlns:pvml="urn:schemas-microsoft-com:office:powerpoint" xmlns:v="urn:schemas-microsoft-com:vml" xmlns:o="urn:schemas-microsoft-com:office:office" xmlns:dgm="http://schemas.openxmlformats.org/drawingml/2006/diagram" xmlns:c="http://schemas.openxmlformats.org/drawingml/2006/chart" xmlns:mv="urn:schemas-microsoft-com:mac:vml" xmlns="">
       <p:transition spd="slow">
         <p:fade/>
       </p:transition>
@@ -11956,7 +12530,7 @@
 </p:sld>
 </file>
 
-<file path=ppt/slides/slide14.xml><?xml version="1.0" encoding="utf-8"?>
+<file path=ppt/slides/slide15.xml><?xml version="1.0" encoding="utf-8"?>
 <p:sld xmlns:a="http://schemas.openxmlformats.org/drawingml/2006/main" xmlns:r="http://schemas.openxmlformats.org/officeDocument/2006/relationships" xmlns:p="http://schemas.openxmlformats.org/presentationml/2006/main">
   <p:cSld>
     <p:spTree>
@@ -12623,7 +13197,7 @@
         <p:fade/>
       </p:transition>
     </mc:Choice>
-    <mc:Fallback xmlns="" xmlns:mv="urn:schemas-microsoft-com:mac:vml" xmlns:c="http://schemas.openxmlformats.org/drawingml/2006/chart" xmlns:dgm="http://schemas.openxmlformats.org/drawingml/2006/diagram" xmlns:o="urn:schemas-microsoft-com:office:office" xmlns:v="urn:schemas-microsoft-com:vml" xmlns:pvml="urn:schemas-microsoft-com:office:powerpoint" xmlns:com="http://schemas.openxmlformats.org/drawingml/2006/compatibility" xmlns:p15="http://schemas.microsoft.com/office/powerpoint/2012/main" xmlns:ahyp="http://schemas.microsoft.com/office/drawing/2018/hyperlinkcolor">
+    <mc:Fallback xmlns:ahyp="http://schemas.microsoft.com/office/drawing/2018/hyperlinkcolor" xmlns:p15="http://schemas.microsoft.com/office/powerpoint/2012/main" xmlns:com="http://schemas.openxmlformats.org/drawingml/2006/compatibility" xmlns:pvml="urn:schemas-microsoft-com:office:powerpoint" xmlns:v="urn:schemas-microsoft-com:vml" xmlns:o="urn:schemas-microsoft-com:office:office" xmlns:dgm="http://schemas.openxmlformats.org/drawingml/2006/diagram" xmlns:c="http://schemas.openxmlformats.org/drawingml/2006/chart" xmlns:mv="urn:schemas-microsoft-com:mac:vml" xmlns="">
       <p:transition spd="slow">
         <p:fade/>
       </p:transition>
@@ -12632,7 +13206,7 @@
 </p:sld>
 </file>
 
-<file path=ppt/slides/slide15.xml><?xml version="1.0" encoding="utf-8"?>
+<file path=ppt/slides/slide16.xml><?xml version="1.0" encoding="utf-8"?>
 <p:sld xmlns:a="http://schemas.openxmlformats.org/drawingml/2006/main" xmlns:r="http://schemas.openxmlformats.org/officeDocument/2006/relationships" xmlns:p="http://schemas.openxmlformats.org/presentationml/2006/main">
   <p:cSld>
     <p:spTree>
@@ -13038,7 +13612,7 @@
         <p:fade/>
       </p:transition>
     </mc:Choice>
-    <mc:Fallback xmlns="" xmlns:mv="urn:schemas-microsoft-com:mac:vml" xmlns:c="http://schemas.openxmlformats.org/drawingml/2006/chart" xmlns:dgm="http://schemas.openxmlformats.org/drawingml/2006/diagram" xmlns:o="urn:schemas-microsoft-com:office:office" xmlns:v="urn:schemas-microsoft-com:vml" xmlns:pvml="urn:schemas-microsoft-com:office:powerpoint" xmlns:com="http://schemas.openxmlformats.org/drawingml/2006/compatibility" xmlns:p15="http://schemas.microsoft.com/office/powerpoint/2012/main" xmlns:ahyp="http://schemas.microsoft.com/office/drawing/2018/hyperlinkcolor">
+    <mc:Fallback xmlns:ahyp="http://schemas.microsoft.com/office/drawing/2018/hyperlinkcolor" xmlns:p15="http://schemas.microsoft.com/office/powerpoint/2012/main" xmlns:com="http://schemas.openxmlformats.org/drawingml/2006/compatibility" xmlns:pvml="urn:schemas-microsoft-com:office:powerpoint" xmlns:v="urn:schemas-microsoft-com:vml" xmlns:o="urn:schemas-microsoft-com:office:office" xmlns:dgm="http://schemas.openxmlformats.org/drawingml/2006/diagram" xmlns:c="http://schemas.openxmlformats.org/drawingml/2006/chart" xmlns:mv="urn:schemas-microsoft-com:mac:vml" xmlns="">
       <p:transition spd="slow">
         <p:fade/>
       </p:transition>
@@ -13175,7 +13749,7 @@
 </p:sld>
 </file>
 
-<file path=ppt/slides/slide16.xml><?xml version="1.0" encoding="utf-8"?>
+<file path=ppt/slides/slide17.xml><?xml version="1.0" encoding="utf-8"?>
 <p:sld xmlns:a="http://schemas.openxmlformats.org/drawingml/2006/main" xmlns:r="http://schemas.openxmlformats.org/officeDocument/2006/relationships" xmlns:p="http://schemas.openxmlformats.org/presentationml/2006/main">
   <p:cSld>
     <p:spTree>
@@ -13842,7 +14416,7 @@
         <p:fade/>
       </p:transition>
     </mc:Choice>
-    <mc:Fallback xmlns="" xmlns:mv="urn:schemas-microsoft-com:mac:vml" xmlns:c="http://schemas.openxmlformats.org/drawingml/2006/chart" xmlns:dgm="http://schemas.openxmlformats.org/drawingml/2006/diagram" xmlns:o="urn:schemas-microsoft-com:office:office" xmlns:v="urn:schemas-microsoft-com:vml" xmlns:pvml="urn:schemas-microsoft-com:office:powerpoint" xmlns:com="http://schemas.openxmlformats.org/drawingml/2006/compatibility" xmlns:p15="http://schemas.microsoft.com/office/powerpoint/2012/main" xmlns:ahyp="http://schemas.microsoft.com/office/drawing/2018/hyperlinkcolor">
+    <mc:Fallback xmlns:ahyp="http://schemas.microsoft.com/office/drawing/2018/hyperlinkcolor" xmlns:p15="http://schemas.microsoft.com/office/powerpoint/2012/main" xmlns:com="http://schemas.openxmlformats.org/drawingml/2006/compatibility" xmlns:pvml="urn:schemas-microsoft-com:office:powerpoint" xmlns:v="urn:schemas-microsoft-com:vml" xmlns:o="urn:schemas-microsoft-com:office:office" xmlns:dgm="http://schemas.openxmlformats.org/drawingml/2006/diagram" xmlns:c="http://schemas.openxmlformats.org/drawingml/2006/chart" xmlns:mv="urn:schemas-microsoft-com:mac:vml" xmlns="">
       <p:transition spd="slow">
         <p:fade/>
       </p:transition>
@@ -13851,7 +14425,7 @@
 </p:sld>
 </file>
 
-<file path=ppt/slides/slide17.xml><?xml version="1.0" encoding="utf-8"?>
+<file path=ppt/slides/slide18.xml><?xml version="1.0" encoding="utf-8"?>
 <p:sld xmlns:a="http://schemas.openxmlformats.org/drawingml/2006/main" xmlns:r="http://schemas.openxmlformats.org/officeDocument/2006/relationships" xmlns:p="http://schemas.openxmlformats.org/presentationml/2006/main">
   <p:cSld>
     <p:spTree>
@@ -13915,7 +14489,7 @@
               <a:buNone/>
             </a:pPr>
             <a:r>
-              <a:rPr lang="en-US" sz="4000" b="1">
+              <a:rPr lang="en-US" sz="4000" b="1" dirty="0" err="1">
                 <a:solidFill>
                   <a:srgbClr val="073763"/>
                 </a:solidFill>
@@ -13926,7 +14500,7 @@
               </a:rPr>
               <a:t>Objetivos</a:t>
             </a:r>
-            <a:endParaRPr sz="4000" b="1">
+            <a:endParaRPr sz="4000" b="1" dirty="0">
               <a:solidFill>
                 <a:srgbClr val="073763"/>
               </a:solidFill>
@@ -14003,6 +14577,26 @@
               </a:buClr>
               <a:buSzPts val="1100"/>
             </a:pPr>
+            <a:endParaRPr lang="en-US" sz="2400" b="1" dirty="0">
+              <a:solidFill>
+                <a:srgbClr val="073763"/>
+              </a:solidFill>
+              <a:latin typeface="Calibri"/>
+              <a:ea typeface="Calibri"/>
+              <a:cs typeface="Calibri"/>
+              <a:sym typeface="Calibri"/>
+            </a:endParaRPr>
+          </a:p>
+          <a:p>
+            <a:pPr lvl="0" indent="-457200" algn="l">
+              <a:lnSpc>
+                <a:spcPct val="200000"/>
+              </a:lnSpc>
+              <a:buClr>
+                <a:schemeClr val="dk1"/>
+              </a:buClr>
+              <a:buSzPts val="1100"/>
+            </a:pPr>
             <a:r>
               <a:rPr lang="en-US" sz="2400" b="1" dirty="0">
                 <a:solidFill>
@@ -14410,7 +15004,7 @@
         <p:fade/>
       </p:transition>
     </mc:Choice>
-    <mc:Fallback xmlns="" xmlns:mv="urn:schemas-microsoft-com:mac:vml" xmlns:c="http://schemas.openxmlformats.org/drawingml/2006/chart" xmlns:dgm="http://schemas.openxmlformats.org/drawingml/2006/diagram" xmlns:o="urn:schemas-microsoft-com:office:office" xmlns:v="urn:schemas-microsoft-com:vml" xmlns:pvml="urn:schemas-microsoft-com:office:powerpoint" xmlns:com="http://schemas.openxmlformats.org/drawingml/2006/compatibility" xmlns:p15="http://schemas.microsoft.com/office/powerpoint/2012/main" xmlns:ahyp="http://schemas.microsoft.com/office/drawing/2018/hyperlinkcolor">
+    <mc:Fallback xmlns:ahyp="http://schemas.microsoft.com/office/drawing/2018/hyperlinkcolor" xmlns:p15="http://schemas.microsoft.com/office/powerpoint/2012/main" xmlns:com="http://schemas.openxmlformats.org/drawingml/2006/compatibility" xmlns:pvml="urn:schemas-microsoft-com:office:powerpoint" xmlns:v="urn:schemas-microsoft-com:vml" xmlns:o="urn:schemas-microsoft-com:office:office" xmlns:dgm="http://schemas.openxmlformats.org/drawingml/2006/diagram" xmlns:c="http://schemas.openxmlformats.org/drawingml/2006/chart" xmlns:mv="urn:schemas-microsoft-com:mac:vml" xmlns="">
       <p:transition spd="slow">
         <p:fade/>
       </p:transition>
@@ -14452,7 +15046,7 @@
                                         <p:tgtEl>
                                           <p:spTgt spid="139">
                                             <p:txEl>
-                                              <p:pRg st="0" end="0"/>
+                                              <p:pRg st="1" end="1"/>
                                             </p:txEl>
                                           </p:spTgt>
                                         </p:tgtEl>
@@ -14501,7 +15095,7 @@
                                         <p:tgtEl>
                                           <p:spTgt spid="139">
                                             <p:txEl>
-                                              <p:pRg st="1" end="1"/>
+                                              <p:pRg st="2" end="2"/>
                                             </p:txEl>
                                           </p:spTgt>
                                         </p:tgtEl>
@@ -14550,7 +15144,7 @@
                                         <p:tgtEl>
                                           <p:spTgt spid="139">
                                             <p:txEl>
-                                              <p:pRg st="2" end="2"/>
+                                              <p:pRg st="3" end="3"/>
                                             </p:txEl>
                                           </p:spTgt>
                                         </p:tgtEl>
@@ -14599,7 +15193,7 @@
                                         <p:tgtEl>
                                           <p:spTgt spid="139">
                                             <p:txEl>
-                                              <p:pRg st="3" end="3"/>
+                                              <p:pRg st="4" end="4"/>
                                             </p:txEl>
                                           </p:spTgt>
                                         </p:tgtEl>
@@ -14645,7 +15239,7 @@
 </p:sld>
 </file>
 
-<file path=ppt/slides/slide18.xml><?xml version="1.0" encoding="utf-8"?>
+<file path=ppt/slides/slide19.xml><?xml version="1.0" encoding="utf-8"?>
 <p:sld xmlns:a="http://schemas.openxmlformats.org/drawingml/2006/main" xmlns:r="http://schemas.openxmlformats.org/officeDocument/2006/relationships" xmlns:p="http://schemas.openxmlformats.org/presentationml/2006/main">
   <p:cSld>
     <p:spTree>
@@ -15312,7 +15906,7 @@
         <p:fade/>
       </p:transition>
     </mc:Choice>
-    <mc:Fallback xmlns="" xmlns:mv="urn:schemas-microsoft-com:mac:vml" xmlns:c="http://schemas.openxmlformats.org/drawingml/2006/chart" xmlns:dgm="http://schemas.openxmlformats.org/drawingml/2006/diagram" xmlns:o="urn:schemas-microsoft-com:office:office" xmlns:v="urn:schemas-microsoft-com:vml" xmlns:pvml="urn:schemas-microsoft-com:office:powerpoint" xmlns:com="http://schemas.openxmlformats.org/drawingml/2006/compatibility" xmlns:p15="http://schemas.microsoft.com/office/powerpoint/2012/main" xmlns:ahyp="http://schemas.microsoft.com/office/drawing/2018/hyperlinkcolor">
+    <mc:Fallback xmlns:ahyp="http://schemas.microsoft.com/office/drawing/2018/hyperlinkcolor" xmlns:p15="http://schemas.microsoft.com/office/powerpoint/2012/main" xmlns:com="http://schemas.openxmlformats.org/drawingml/2006/compatibility" xmlns:pvml="urn:schemas-microsoft-com:office:powerpoint" xmlns:v="urn:schemas-microsoft-com:vml" xmlns:o="urn:schemas-microsoft-com:office:office" xmlns:dgm="http://schemas.openxmlformats.org/drawingml/2006/diagram" xmlns:c="http://schemas.openxmlformats.org/drawingml/2006/chart" xmlns:mv="urn:schemas-microsoft-com:mac:vml" xmlns="">
       <p:transition spd="slow">
         <p:fade/>
       </p:transition>
@@ -15321,7 +15915,408 @@
 </p:sld>
 </file>
 
-<file path=ppt/slides/slide19.xml><?xml version="1.0" encoding="utf-8"?>
+<file path=ppt/slides/slide2.xml><?xml version="1.0" encoding="utf-8"?>
+<p:sld xmlns:a="http://schemas.openxmlformats.org/drawingml/2006/main" xmlns:r="http://schemas.openxmlformats.org/officeDocument/2006/relationships" xmlns:p="http://schemas.openxmlformats.org/presentationml/2006/main">
+  <p:cSld>
+    <p:spTree>
+      <p:nvGrpSpPr>
+        <p:cNvPr id="1" name="Shape 73"/>
+        <p:cNvGrpSpPr/>
+        <p:nvPr/>
+      </p:nvGrpSpPr>
+      <p:grpSpPr>
+        <a:xfrm>
+          <a:off x="0" y="0"/>
+          <a:ext cx="0" cy="0"/>
+          <a:chOff x="0" y="0"/>
+          <a:chExt cx="0" cy="0"/>
+        </a:xfrm>
+      </p:grpSpPr>
+      <p:sp>
+        <p:nvSpPr>
+          <p:cNvPr id="74" name="Google Shape;74;p2"/>
+          <p:cNvSpPr txBox="1">
+            <a:spLocks noGrp="1"/>
+          </p:cNvSpPr>
+          <p:nvPr>
+            <p:ph type="ctrTitle"/>
+          </p:nvPr>
+        </p:nvSpPr>
+        <p:spPr>
+          <a:xfrm>
+            <a:off x="387900" y="3929365"/>
+            <a:ext cx="8520600" cy="543362"/>
+          </a:xfrm>
+          <a:prstGeom prst="rect">
+            <a:avLst/>
+          </a:prstGeom>
+          <a:noFill/>
+          <a:ln>
+            <a:noFill/>
+          </a:ln>
+        </p:spPr>
+        <p:txBody>
+          <a:bodyPr spcFirstLastPara="1" wrap="square" lIns="91425" tIns="91425" rIns="91425" bIns="91425" anchor="ctr" anchorCtr="0">
+            <a:noAutofit/>
+          </a:bodyPr>
+          <a:lstStyle/>
+          <a:p>
+            <a:pPr marL="0" lvl="0" indent="0" algn="l" rtl="0">
+              <a:lnSpc>
+                <a:spcPct val="100000"/>
+              </a:lnSpc>
+              <a:spcBef>
+                <a:spcPts val="0"/>
+              </a:spcBef>
+              <a:spcAft>
+                <a:spcPts val="0"/>
+              </a:spcAft>
+              <a:buClr>
+                <a:schemeClr val="dk1"/>
+              </a:buClr>
+              <a:buSzPts val="1100"/>
+              <a:buFont typeface="Arial"/>
+              <a:buNone/>
+            </a:pPr>
+            <a:r>
+              <a:rPr lang="en-US" sz="2000" dirty="0">
+                <a:solidFill>
+                  <a:srgbClr val="404040"/>
+                </a:solidFill>
+                <a:latin typeface="Century Gothic"/>
+                <a:ea typeface="Century Gothic"/>
+                <a:cs typeface="Century Gothic"/>
+                <a:sym typeface="Century Gothic"/>
+              </a:rPr>
+              <a:t>[Thiago Almeida]</a:t>
+            </a:r>
+            <a:br>
+              <a:rPr lang="en-US" sz="2000" dirty="0">
+                <a:solidFill>
+                  <a:srgbClr val="404040"/>
+                </a:solidFill>
+                <a:latin typeface="Century Gothic"/>
+                <a:ea typeface="Century Gothic"/>
+                <a:cs typeface="Century Gothic"/>
+                <a:sym typeface="Century Gothic"/>
+              </a:rPr>
+            </a:br>
+            <a:r>
+              <a:rPr lang="en-US" sz="1500" dirty="0">
+                <a:solidFill>
+                  <a:srgbClr val="404040"/>
+                </a:solidFill>
+                <a:latin typeface="Century Gothic"/>
+                <a:ea typeface="Century Gothic"/>
+                <a:cs typeface="Century Gothic"/>
+                <a:sym typeface="Century Gothic"/>
+              </a:rPr>
+              <a:t>[Developer ]</a:t>
+            </a:r>
+            <a:endParaRPr sz="1500" dirty="0">
+              <a:solidFill>
+                <a:srgbClr val="404040"/>
+              </a:solidFill>
+              <a:latin typeface="Century Gothic"/>
+              <a:ea typeface="Century Gothic"/>
+              <a:cs typeface="Century Gothic"/>
+              <a:sym typeface="Century Gothic"/>
+            </a:endParaRPr>
+          </a:p>
+        </p:txBody>
+      </p:sp>
+      <p:sp>
+        <p:nvSpPr>
+          <p:cNvPr id="75" name="Google Shape;75;p2"/>
+          <p:cNvSpPr txBox="1">
+            <a:spLocks noGrp="1"/>
+          </p:cNvSpPr>
+          <p:nvPr>
+            <p:ph type="subTitle" idx="1"/>
+          </p:nvPr>
+        </p:nvSpPr>
+        <p:spPr>
+          <a:xfrm>
+            <a:off x="311700" y="1828950"/>
+            <a:ext cx="8520600" cy="1012926"/>
+          </a:xfrm>
+          <a:prstGeom prst="rect">
+            <a:avLst/>
+          </a:prstGeom>
+          <a:noFill/>
+          <a:ln>
+            <a:noFill/>
+          </a:ln>
+        </p:spPr>
+        <p:txBody>
+          <a:bodyPr spcFirstLastPara="1" wrap="square" lIns="91425" tIns="91425" rIns="91425" bIns="91425" anchor="ctr" anchorCtr="0">
+            <a:noAutofit/>
+          </a:bodyPr>
+          <a:lstStyle/>
+          <a:p>
+            <a:pPr marL="0" lvl="0" indent="0" algn="l" rtl="0">
+              <a:lnSpc>
+                <a:spcPct val="100000"/>
+              </a:lnSpc>
+              <a:spcBef>
+                <a:spcPts val="0"/>
+              </a:spcBef>
+              <a:spcAft>
+                <a:spcPts val="0"/>
+              </a:spcAft>
+              <a:buClr>
+                <a:schemeClr val="dk1"/>
+              </a:buClr>
+              <a:buSzPts val="1100"/>
+              <a:buFont typeface="Arial"/>
+              <a:buNone/>
+            </a:pPr>
+            <a:r>
+              <a:rPr lang="pt-BR" sz="4000" dirty="0">
+                <a:solidFill>
+                  <a:srgbClr val="EF8600"/>
+                </a:solidFill>
+                <a:latin typeface="Century Gothic"/>
+                <a:ea typeface="Century Gothic"/>
+                <a:cs typeface="Century Gothic"/>
+                <a:sym typeface="Century Gothic"/>
+              </a:rPr>
+              <a:t>Projeto everis -  Criando uma API REST com .Net Core</a:t>
+            </a:r>
+            <a:endParaRPr sz="4000" dirty="0">
+              <a:solidFill>
+                <a:srgbClr val="EF8600"/>
+              </a:solidFill>
+              <a:latin typeface="Century Gothic"/>
+              <a:ea typeface="Century Gothic"/>
+              <a:cs typeface="Century Gothic"/>
+              <a:sym typeface="Century Gothic"/>
+            </a:endParaRPr>
+          </a:p>
+        </p:txBody>
+      </p:sp>
+      <p:sp>
+        <p:nvSpPr>
+          <p:cNvPr id="76" name="Google Shape;76;p2"/>
+          <p:cNvSpPr/>
+          <p:nvPr/>
+        </p:nvSpPr>
+        <p:spPr>
+          <a:xfrm>
+            <a:off x="465750" y="3872065"/>
+            <a:ext cx="447600" cy="57300"/>
+          </a:xfrm>
+          <a:prstGeom prst="rect">
+            <a:avLst/>
+          </a:prstGeom>
+          <a:solidFill>
+            <a:srgbClr val="F78321"/>
+          </a:solidFill>
+          <a:ln w="9525" cap="flat" cmpd="sng">
+            <a:solidFill>
+              <a:srgbClr val="F78321"/>
+            </a:solidFill>
+            <a:prstDash val="solid"/>
+            <a:round/>
+            <a:headEnd type="none" w="sm" len="sm"/>
+            <a:tailEnd type="none" w="sm" len="sm"/>
+          </a:ln>
+        </p:spPr>
+        <p:txBody>
+          <a:bodyPr spcFirstLastPara="1" wrap="square" lIns="91425" tIns="91425" rIns="91425" bIns="91425" anchor="ctr" anchorCtr="0">
+            <a:noAutofit/>
+          </a:bodyPr>
+          <a:lstStyle/>
+          <a:p>
+            <a:pPr marL="0" marR="0" lvl="0" indent="0" algn="l" rtl="0">
+              <a:lnSpc>
+                <a:spcPct val="100000"/>
+              </a:lnSpc>
+              <a:spcBef>
+                <a:spcPts val="0"/>
+              </a:spcBef>
+              <a:spcAft>
+                <a:spcPts val="0"/>
+              </a:spcAft>
+              <a:buClr>
+                <a:srgbClr val="000000"/>
+              </a:buClr>
+              <a:buSzPts val="1400"/>
+              <a:buFont typeface="Arial"/>
+              <a:buNone/>
+            </a:pPr>
+            <a:endParaRPr sz="1400" b="0" i="0" u="none" strike="noStrike" cap="none">
+              <a:solidFill>
+                <a:srgbClr val="000000"/>
+              </a:solidFill>
+              <a:latin typeface="Arial"/>
+              <a:ea typeface="Arial"/>
+              <a:cs typeface="Arial"/>
+              <a:sym typeface="Arial"/>
+            </a:endParaRPr>
+          </a:p>
+        </p:txBody>
+      </p:sp>
+      <p:sp>
+        <p:nvSpPr>
+          <p:cNvPr id="77" name="Google Shape;77;p2"/>
+          <p:cNvSpPr/>
+          <p:nvPr/>
+        </p:nvSpPr>
+        <p:spPr>
+          <a:xfrm>
+            <a:off x="0" y="4839750"/>
+            <a:ext cx="9144000" cy="303600"/>
+          </a:xfrm>
+          <a:prstGeom prst="rect">
+            <a:avLst/>
+          </a:prstGeom>
+          <a:solidFill>
+            <a:srgbClr val="404040"/>
+          </a:solidFill>
+          <a:ln w="9525" cap="flat" cmpd="sng">
+            <a:solidFill>
+              <a:srgbClr val="404040"/>
+            </a:solidFill>
+            <a:prstDash val="solid"/>
+            <a:round/>
+            <a:headEnd type="none" w="sm" len="sm"/>
+            <a:tailEnd type="none" w="sm" len="sm"/>
+          </a:ln>
+        </p:spPr>
+        <p:txBody>
+          <a:bodyPr spcFirstLastPara="1" wrap="square" lIns="91425" tIns="91425" rIns="91425" bIns="91425" anchor="ctr" anchorCtr="0">
+            <a:noAutofit/>
+          </a:bodyPr>
+          <a:lstStyle/>
+          <a:p>
+            <a:pPr marL="0" marR="0" lvl="0" indent="0" algn="l" rtl="0">
+              <a:lnSpc>
+                <a:spcPct val="100000"/>
+              </a:lnSpc>
+              <a:spcBef>
+                <a:spcPts val="0"/>
+              </a:spcBef>
+              <a:spcAft>
+                <a:spcPts val="0"/>
+              </a:spcAft>
+              <a:buClr>
+                <a:srgbClr val="000000"/>
+              </a:buClr>
+              <a:buSzPts val="1400"/>
+              <a:buFont typeface="Arial"/>
+              <a:buNone/>
+            </a:pPr>
+            <a:endParaRPr sz="1400" b="0" i="0" u="none" strike="noStrike" cap="none">
+              <a:solidFill>
+                <a:srgbClr val="000000"/>
+              </a:solidFill>
+              <a:latin typeface="Arial"/>
+              <a:ea typeface="Arial"/>
+              <a:cs typeface="Arial"/>
+              <a:sym typeface="Arial"/>
+            </a:endParaRPr>
+          </a:p>
+        </p:txBody>
+      </p:sp>
+      <p:sp>
+        <p:nvSpPr>
+          <p:cNvPr id="78" name="Google Shape;78;p2"/>
+          <p:cNvSpPr/>
+          <p:nvPr/>
+        </p:nvSpPr>
+        <p:spPr>
+          <a:xfrm>
+            <a:off x="0" y="0"/>
+            <a:ext cx="9144000" cy="57300"/>
+          </a:xfrm>
+          <a:prstGeom prst="rect">
+            <a:avLst/>
+          </a:prstGeom>
+          <a:solidFill>
+            <a:srgbClr val="F78321"/>
+          </a:solidFill>
+          <a:ln w="9525" cap="flat" cmpd="sng">
+            <a:solidFill>
+              <a:srgbClr val="F78321"/>
+            </a:solidFill>
+            <a:prstDash val="solid"/>
+            <a:round/>
+            <a:headEnd type="none" w="sm" len="sm"/>
+            <a:tailEnd type="none" w="sm" len="sm"/>
+          </a:ln>
+        </p:spPr>
+        <p:txBody>
+          <a:bodyPr spcFirstLastPara="1" wrap="square" lIns="91425" tIns="91425" rIns="91425" bIns="91425" anchor="ctr" anchorCtr="0">
+            <a:noAutofit/>
+          </a:bodyPr>
+          <a:lstStyle/>
+          <a:p>
+            <a:pPr marL="0" marR="0" lvl="0" indent="0" algn="l" rtl="0">
+              <a:lnSpc>
+                <a:spcPct val="100000"/>
+              </a:lnSpc>
+              <a:spcBef>
+                <a:spcPts val="0"/>
+              </a:spcBef>
+              <a:spcAft>
+                <a:spcPts val="0"/>
+              </a:spcAft>
+              <a:buClr>
+                <a:srgbClr val="000000"/>
+              </a:buClr>
+              <a:buSzPts val="1400"/>
+              <a:buFont typeface="Arial"/>
+              <a:buNone/>
+            </a:pPr>
+            <a:endParaRPr sz="1400" b="0" i="0" u="none" strike="noStrike" cap="none">
+              <a:solidFill>
+                <a:srgbClr val="000000"/>
+              </a:solidFill>
+              <a:latin typeface="Arial"/>
+              <a:ea typeface="Arial"/>
+              <a:cs typeface="Arial"/>
+              <a:sym typeface="Arial"/>
+            </a:endParaRPr>
+          </a:p>
+        </p:txBody>
+      </p:sp>
+      <p:pic>
+        <p:nvPicPr>
+          <p:cNvPr id="79" name="Google Shape;79;p2"/>
+          <p:cNvPicPr preferRelativeResize="0"/>
+          <p:nvPr/>
+        </p:nvPicPr>
+        <p:blipFill rotWithShape="1">
+          <a:blip r:embed="rId3">
+            <a:alphaModFix/>
+          </a:blip>
+          <a:srcRect/>
+          <a:stretch/>
+        </p:blipFill>
+        <p:spPr>
+          <a:xfrm>
+            <a:off x="311700" y="243014"/>
+            <a:ext cx="1698849" cy="591351"/>
+          </a:xfrm>
+          <a:prstGeom prst="rect">
+            <a:avLst/>
+          </a:prstGeom>
+          <a:noFill/>
+          <a:ln>
+            <a:noFill/>
+          </a:ln>
+        </p:spPr>
+      </p:pic>
+    </p:spTree>
+  </p:cSld>
+  <p:clrMapOvr>
+    <a:masterClrMapping/>
+  </p:clrMapOvr>
+</p:sld>
+</file>
+
+<file path=ppt/slides/slide20.xml><?xml version="1.0" encoding="utf-8"?>
 <p:sld xmlns:a="http://schemas.openxmlformats.org/drawingml/2006/main" xmlns:r="http://schemas.openxmlformats.org/officeDocument/2006/relationships" xmlns:p="http://schemas.openxmlformats.org/presentationml/2006/main">
   <p:cSld>
     <p:spTree>
@@ -15447,8 +16442,8 @@
         </p:nvSpPr>
         <p:spPr>
           <a:xfrm>
-            <a:off x="311700" y="1333492"/>
-            <a:ext cx="8148732" cy="2966450"/>
+            <a:off x="311700" y="1032628"/>
+            <a:ext cx="8148732" cy="2367248"/>
           </a:xfrm>
           <a:prstGeom prst="rect">
             <a:avLst/>
@@ -15798,7 +16793,7 @@
         <p:fade/>
       </p:transition>
     </mc:Choice>
-    <mc:Fallback xmlns="" xmlns:mv="urn:schemas-microsoft-com:mac:vml" xmlns:c="http://schemas.openxmlformats.org/drawingml/2006/chart" xmlns:dgm="http://schemas.openxmlformats.org/drawingml/2006/diagram" xmlns:o="urn:schemas-microsoft-com:office:office" xmlns:v="urn:schemas-microsoft-com:vml" xmlns:pvml="urn:schemas-microsoft-com:office:powerpoint" xmlns:com="http://schemas.openxmlformats.org/drawingml/2006/compatibility" xmlns:p15="http://schemas.microsoft.com/office/powerpoint/2012/main" xmlns:ahyp="http://schemas.microsoft.com/office/drawing/2018/hyperlinkcolor">
+    <mc:Fallback xmlns:ahyp="http://schemas.microsoft.com/office/drawing/2018/hyperlinkcolor" xmlns:p15="http://schemas.microsoft.com/office/powerpoint/2012/main" xmlns:com="http://schemas.openxmlformats.org/drawingml/2006/compatibility" xmlns:pvml="urn:schemas-microsoft-com:office:powerpoint" xmlns:v="urn:schemas-microsoft-com:vml" xmlns:o="urn:schemas-microsoft-com:office:office" xmlns:dgm="http://schemas.openxmlformats.org/drawingml/2006/diagram" xmlns:c="http://schemas.openxmlformats.org/drawingml/2006/chart" xmlns:mv="urn:schemas-microsoft-com:mac:vml" xmlns="">
       <p:transition spd="slow">
         <p:fade/>
       </p:transition>
@@ -15984,408 +16979,7 @@
 </p:sld>
 </file>
 
-<file path=ppt/slides/slide2.xml><?xml version="1.0" encoding="utf-8"?>
-<p:sld xmlns:a="http://schemas.openxmlformats.org/drawingml/2006/main" xmlns:r="http://schemas.openxmlformats.org/officeDocument/2006/relationships" xmlns:p="http://schemas.openxmlformats.org/presentationml/2006/main">
-  <p:cSld>
-    <p:spTree>
-      <p:nvGrpSpPr>
-        <p:cNvPr id="1" name="Shape 73"/>
-        <p:cNvGrpSpPr/>
-        <p:nvPr/>
-      </p:nvGrpSpPr>
-      <p:grpSpPr>
-        <a:xfrm>
-          <a:off x="0" y="0"/>
-          <a:ext cx="0" cy="0"/>
-          <a:chOff x="0" y="0"/>
-          <a:chExt cx="0" cy="0"/>
-        </a:xfrm>
-      </p:grpSpPr>
-      <p:sp>
-        <p:nvSpPr>
-          <p:cNvPr id="74" name="Google Shape;74;p2"/>
-          <p:cNvSpPr txBox="1">
-            <a:spLocks noGrp="1"/>
-          </p:cNvSpPr>
-          <p:nvPr>
-            <p:ph type="ctrTitle"/>
-          </p:nvPr>
-        </p:nvSpPr>
-        <p:spPr>
-          <a:xfrm>
-            <a:off x="387900" y="3929365"/>
-            <a:ext cx="8520600" cy="543362"/>
-          </a:xfrm>
-          <a:prstGeom prst="rect">
-            <a:avLst/>
-          </a:prstGeom>
-          <a:noFill/>
-          <a:ln>
-            <a:noFill/>
-          </a:ln>
-        </p:spPr>
-        <p:txBody>
-          <a:bodyPr spcFirstLastPara="1" wrap="square" lIns="91425" tIns="91425" rIns="91425" bIns="91425" anchor="ctr" anchorCtr="0">
-            <a:noAutofit/>
-          </a:bodyPr>
-          <a:lstStyle/>
-          <a:p>
-            <a:pPr marL="0" lvl="0" indent="0" algn="l" rtl="0">
-              <a:lnSpc>
-                <a:spcPct val="100000"/>
-              </a:lnSpc>
-              <a:spcBef>
-                <a:spcPts val="0"/>
-              </a:spcBef>
-              <a:spcAft>
-                <a:spcPts val="0"/>
-              </a:spcAft>
-              <a:buClr>
-                <a:schemeClr val="dk1"/>
-              </a:buClr>
-              <a:buSzPts val="1100"/>
-              <a:buFont typeface="Arial"/>
-              <a:buNone/>
-            </a:pPr>
-            <a:r>
-              <a:rPr lang="en-US" sz="2000" dirty="0">
-                <a:solidFill>
-                  <a:srgbClr val="404040"/>
-                </a:solidFill>
-                <a:latin typeface="Century Gothic"/>
-                <a:ea typeface="Century Gothic"/>
-                <a:cs typeface="Century Gothic"/>
-                <a:sym typeface="Century Gothic"/>
-              </a:rPr>
-              <a:t>[Thiago Almeida]</a:t>
-            </a:r>
-            <a:br>
-              <a:rPr lang="en-US" sz="2000" dirty="0">
-                <a:solidFill>
-                  <a:srgbClr val="404040"/>
-                </a:solidFill>
-                <a:latin typeface="Century Gothic"/>
-                <a:ea typeface="Century Gothic"/>
-                <a:cs typeface="Century Gothic"/>
-                <a:sym typeface="Century Gothic"/>
-              </a:rPr>
-            </a:br>
-            <a:r>
-              <a:rPr lang="en-US" sz="1500" dirty="0">
-                <a:solidFill>
-                  <a:srgbClr val="404040"/>
-                </a:solidFill>
-                <a:latin typeface="Century Gothic"/>
-                <a:ea typeface="Century Gothic"/>
-                <a:cs typeface="Century Gothic"/>
-                <a:sym typeface="Century Gothic"/>
-              </a:rPr>
-              <a:t>[Developer ]</a:t>
-            </a:r>
-            <a:endParaRPr sz="1500" dirty="0">
-              <a:solidFill>
-                <a:srgbClr val="404040"/>
-              </a:solidFill>
-              <a:latin typeface="Century Gothic"/>
-              <a:ea typeface="Century Gothic"/>
-              <a:cs typeface="Century Gothic"/>
-              <a:sym typeface="Century Gothic"/>
-            </a:endParaRPr>
-          </a:p>
-        </p:txBody>
-      </p:sp>
-      <p:sp>
-        <p:nvSpPr>
-          <p:cNvPr id="75" name="Google Shape;75;p2"/>
-          <p:cNvSpPr txBox="1">
-            <a:spLocks noGrp="1"/>
-          </p:cNvSpPr>
-          <p:nvPr>
-            <p:ph type="subTitle" idx="1"/>
-          </p:nvPr>
-        </p:nvSpPr>
-        <p:spPr>
-          <a:xfrm>
-            <a:off x="311700" y="1828950"/>
-            <a:ext cx="8520600" cy="1012926"/>
-          </a:xfrm>
-          <a:prstGeom prst="rect">
-            <a:avLst/>
-          </a:prstGeom>
-          <a:noFill/>
-          <a:ln>
-            <a:noFill/>
-          </a:ln>
-        </p:spPr>
-        <p:txBody>
-          <a:bodyPr spcFirstLastPara="1" wrap="square" lIns="91425" tIns="91425" rIns="91425" bIns="91425" anchor="ctr" anchorCtr="0">
-            <a:noAutofit/>
-          </a:bodyPr>
-          <a:lstStyle/>
-          <a:p>
-            <a:pPr marL="0" lvl="0" indent="0" algn="l" rtl="0">
-              <a:lnSpc>
-                <a:spcPct val="100000"/>
-              </a:lnSpc>
-              <a:spcBef>
-                <a:spcPts val="0"/>
-              </a:spcBef>
-              <a:spcAft>
-                <a:spcPts val="0"/>
-              </a:spcAft>
-              <a:buClr>
-                <a:schemeClr val="dk1"/>
-              </a:buClr>
-              <a:buSzPts val="1100"/>
-              <a:buFont typeface="Arial"/>
-              <a:buNone/>
-            </a:pPr>
-            <a:r>
-              <a:rPr lang="pt-BR" sz="4000" dirty="0">
-                <a:solidFill>
-                  <a:srgbClr val="EF8600"/>
-                </a:solidFill>
-                <a:latin typeface="Century Gothic"/>
-                <a:ea typeface="Century Gothic"/>
-                <a:cs typeface="Century Gothic"/>
-                <a:sym typeface="Century Gothic"/>
-              </a:rPr>
-              <a:t>Projeto everis -  Criando uma API REST com .Net Core</a:t>
-            </a:r>
-            <a:endParaRPr sz="4000" dirty="0">
-              <a:solidFill>
-                <a:srgbClr val="EF8600"/>
-              </a:solidFill>
-              <a:latin typeface="Century Gothic"/>
-              <a:ea typeface="Century Gothic"/>
-              <a:cs typeface="Century Gothic"/>
-              <a:sym typeface="Century Gothic"/>
-            </a:endParaRPr>
-          </a:p>
-        </p:txBody>
-      </p:sp>
-      <p:sp>
-        <p:nvSpPr>
-          <p:cNvPr id="76" name="Google Shape;76;p2"/>
-          <p:cNvSpPr/>
-          <p:nvPr/>
-        </p:nvSpPr>
-        <p:spPr>
-          <a:xfrm>
-            <a:off x="465750" y="3872065"/>
-            <a:ext cx="447600" cy="57300"/>
-          </a:xfrm>
-          <a:prstGeom prst="rect">
-            <a:avLst/>
-          </a:prstGeom>
-          <a:solidFill>
-            <a:srgbClr val="F78321"/>
-          </a:solidFill>
-          <a:ln w="9525" cap="flat" cmpd="sng">
-            <a:solidFill>
-              <a:srgbClr val="F78321"/>
-            </a:solidFill>
-            <a:prstDash val="solid"/>
-            <a:round/>
-            <a:headEnd type="none" w="sm" len="sm"/>
-            <a:tailEnd type="none" w="sm" len="sm"/>
-          </a:ln>
-        </p:spPr>
-        <p:txBody>
-          <a:bodyPr spcFirstLastPara="1" wrap="square" lIns="91425" tIns="91425" rIns="91425" bIns="91425" anchor="ctr" anchorCtr="0">
-            <a:noAutofit/>
-          </a:bodyPr>
-          <a:lstStyle/>
-          <a:p>
-            <a:pPr marL="0" marR="0" lvl="0" indent="0" algn="l" rtl="0">
-              <a:lnSpc>
-                <a:spcPct val="100000"/>
-              </a:lnSpc>
-              <a:spcBef>
-                <a:spcPts val="0"/>
-              </a:spcBef>
-              <a:spcAft>
-                <a:spcPts val="0"/>
-              </a:spcAft>
-              <a:buClr>
-                <a:srgbClr val="000000"/>
-              </a:buClr>
-              <a:buSzPts val="1400"/>
-              <a:buFont typeface="Arial"/>
-              <a:buNone/>
-            </a:pPr>
-            <a:endParaRPr sz="1400" b="0" i="0" u="none" strike="noStrike" cap="none">
-              <a:solidFill>
-                <a:srgbClr val="000000"/>
-              </a:solidFill>
-              <a:latin typeface="Arial"/>
-              <a:ea typeface="Arial"/>
-              <a:cs typeface="Arial"/>
-              <a:sym typeface="Arial"/>
-            </a:endParaRPr>
-          </a:p>
-        </p:txBody>
-      </p:sp>
-      <p:sp>
-        <p:nvSpPr>
-          <p:cNvPr id="77" name="Google Shape;77;p2"/>
-          <p:cNvSpPr/>
-          <p:nvPr/>
-        </p:nvSpPr>
-        <p:spPr>
-          <a:xfrm>
-            <a:off x="0" y="4839750"/>
-            <a:ext cx="9144000" cy="303600"/>
-          </a:xfrm>
-          <a:prstGeom prst="rect">
-            <a:avLst/>
-          </a:prstGeom>
-          <a:solidFill>
-            <a:srgbClr val="404040"/>
-          </a:solidFill>
-          <a:ln w="9525" cap="flat" cmpd="sng">
-            <a:solidFill>
-              <a:srgbClr val="404040"/>
-            </a:solidFill>
-            <a:prstDash val="solid"/>
-            <a:round/>
-            <a:headEnd type="none" w="sm" len="sm"/>
-            <a:tailEnd type="none" w="sm" len="sm"/>
-          </a:ln>
-        </p:spPr>
-        <p:txBody>
-          <a:bodyPr spcFirstLastPara="1" wrap="square" lIns="91425" tIns="91425" rIns="91425" bIns="91425" anchor="ctr" anchorCtr="0">
-            <a:noAutofit/>
-          </a:bodyPr>
-          <a:lstStyle/>
-          <a:p>
-            <a:pPr marL="0" marR="0" lvl="0" indent="0" algn="l" rtl="0">
-              <a:lnSpc>
-                <a:spcPct val="100000"/>
-              </a:lnSpc>
-              <a:spcBef>
-                <a:spcPts val="0"/>
-              </a:spcBef>
-              <a:spcAft>
-                <a:spcPts val="0"/>
-              </a:spcAft>
-              <a:buClr>
-                <a:srgbClr val="000000"/>
-              </a:buClr>
-              <a:buSzPts val="1400"/>
-              <a:buFont typeface="Arial"/>
-              <a:buNone/>
-            </a:pPr>
-            <a:endParaRPr sz="1400" b="0" i="0" u="none" strike="noStrike" cap="none">
-              <a:solidFill>
-                <a:srgbClr val="000000"/>
-              </a:solidFill>
-              <a:latin typeface="Arial"/>
-              <a:ea typeface="Arial"/>
-              <a:cs typeface="Arial"/>
-              <a:sym typeface="Arial"/>
-            </a:endParaRPr>
-          </a:p>
-        </p:txBody>
-      </p:sp>
-      <p:sp>
-        <p:nvSpPr>
-          <p:cNvPr id="78" name="Google Shape;78;p2"/>
-          <p:cNvSpPr/>
-          <p:nvPr/>
-        </p:nvSpPr>
-        <p:spPr>
-          <a:xfrm>
-            <a:off x="0" y="0"/>
-            <a:ext cx="9144000" cy="57300"/>
-          </a:xfrm>
-          <a:prstGeom prst="rect">
-            <a:avLst/>
-          </a:prstGeom>
-          <a:solidFill>
-            <a:srgbClr val="F78321"/>
-          </a:solidFill>
-          <a:ln w="9525" cap="flat" cmpd="sng">
-            <a:solidFill>
-              <a:srgbClr val="F78321"/>
-            </a:solidFill>
-            <a:prstDash val="solid"/>
-            <a:round/>
-            <a:headEnd type="none" w="sm" len="sm"/>
-            <a:tailEnd type="none" w="sm" len="sm"/>
-          </a:ln>
-        </p:spPr>
-        <p:txBody>
-          <a:bodyPr spcFirstLastPara="1" wrap="square" lIns="91425" tIns="91425" rIns="91425" bIns="91425" anchor="ctr" anchorCtr="0">
-            <a:noAutofit/>
-          </a:bodyPr>
-          <a:lstStyle/>
-          <a:p>
-            <a:pPr marL="0" marR="0" lvl="0" indent="0" algn="l" rtl="0">
-              <a:lnSpc>
-                <a:spcPct val="100000"/>
-              </a:lnSpc>
-              <a:spcBef>
-                <a:spcPts val="0"/>
-              </a:spcBef>
-              <a:spcAft>
-                <a:spcPts val="0"/>
-              </a:spcAft>
-              <a:buClr>
-                <a:srgbClr val="000000"/>
-              </a:buClr>
-              <a:buSzPts val="1400"/>
-              <a:buFont typeface="Arial"/>
-              <a:buNone/>
-            </a:pPr>
-            <a:endParaRPr sz="1400" b="0" i="0" u="none" strike="noStrike" cap="none">
-              <a:solidFill>
-                <a:srgbClr val="000000"/>
-              </a:solidFill>
-              <a:latin typeface="Arial"/>
-              <a:ea typeface="Arial"/>
-              <a:cs typeface="Arial"/>
-              <a:sym typeface="Arial"/>
-            </a:endParaRPr>
-          </a:p>
-        </p:txBody>
-      </p:sp>
-      <p:pic>
-        <p:nvPicPr>
-          <p:cNvPr id="79" name="Google Shape;79;p2"/>
-          <p:cNvPicPr preferRelativeResize="0"/>
-          <p:nvPr/>
-        </p:nvPicPr>
-        <p:blipFill rotWithShape="1">
-          <a:blip r:embed="rId3">
-            <a:alphaModFix/>
-          </a:blip>
-          <a:srcRect/>
-          <a:stretch/>
-        </p:blipFill>
-        <p:spPr>
-          <a:xfrm>
-            <a:off x="311700" y="243014"/>
-            <a:ext cx="1698849" cy="591351"/>
-          </a:xfrm>
-          <a:prstGeom prst="rect">
-            <a:avLst/>
-          </a:prstGeom>
-          <a:noFill/>
-          <a:ln>
-            <a:noFill/>
-          </a:ln>
-        </p:spPr>
-      </p:pic>
-    </p:spTree>
-  </p:cSld>
-  <p:clrMapOvr>
-    <a:masterClrMapping/>
-  </p:clrMapOvr>
-</p:sld>
-</file>
-
-<file path=ppt/slides/slide20.xml><?xml version="1.0" encoding="utf-8"?>
+<file path=ppt/slides/slide21.xml><?xml version="1.0" encoding="utf-8"?>
 <p:sld xmlns:a="http://schemas.openxmlformats.org/drawingml/2006/main" xmlns:r="http://schemas.openxmlformats.org/officeDocument/2006/relationships" xmlns:p="http://schemas.openxmlformats.org/presentationml/2006/main">
   <p:cSld>
     <p:spTree>
@@ -16824,13 +17418,13 @@
   <p:clrMapOvr>
     <a:masterClrMapping/>
   </p:clrMapOvr>
-  <mc:AlternateContent xmlns:mc="http://schemas.openxmlformats.org/markup-compatibility/2006">
-    <mc:Choice xmlns:p14="http://schemas.microsoft.com/office/powerpoint/2010/main" Requires="p14">
+  <mc:AlternateContent xmlns:mc="http://schemas.openxmlformats.org/markup-compatibility/2006" xmlns:p14="http://schemas.microsoft.com/office/powerpoint/2010/main">
+    <mc:Choice Requires="p14">
       <p:transition spd="med" p14:dur="700">
         <p:fade/>
       </p:transition>
     </mc:Choice>
-    <mc:Fallback>
+    <mc:Fallback xmlns="">
       <p:transition spd="med">
         <p:fade/>
       </p:transition>
@@ -17065,7 +17659,7 @@
 </p:sld>
 </file>
 
-<file path=ppt/slides/slide21.xml><?xml version="1.0" encoding="utf-8"?>
+<file path=ppt/slides/slide22.xml><?xml version="1.0" encoding="utf-8"?>
 <p:sld xmlns:a="http://schemas.openxmlformats.org/drawingml/2006/main" xmlns:r="http://schemas.openxmlformats.org/officeDocument/2006/relationships" xmlns:p="http://schemas.openxmlformats.org/presentationml/2006/main">
   <p:cSld>
     <p:spTree>
@@ -17752,7 +18346,7 @@
         <p:fade/>
       </p:transition>
     </mc:Choice>
-    <mc:Fallback xmlns="" xmlns:mv="urn:schemas-microsoft-com:mac:vml" xmlns:c="http://schemas.openxmlformats.org/drawingml/2006/chart" xmlns:dgm="http://schemas.openxmlformats.org/drawingml/2006/diagram" xmlns:o="urn:schemas-microsoft-com:office:office" xmlns:v="urn:schemas-microsoft-com:vml" xmlns:pvml="urn:schemas-microsoft-com:office:powerpoint" xmlns:com="http://schemas.openxmlformats.org/drawingml/2006/compatibility" xmlns:p15="http://schemas.microsoft.com/office/powerpoint/2012/main" xmlns:ahyp="http://schemas.microsoft.com/office/drawing/2018/hyperlinkcolor">
+    <mc:Fallback xmlns:ahyp="http://schemas.microsoft.com/office/drawing/2018/hyperlinkcolor" xmlns:p15="http://schemas.microsoft.com/office/powerpoint/2012/main" xmlns:com="http://schemas.openxmlformats.org/drawingml/2006/compatibility" xmlns:pvml="urn:schemas-microsoft-com:office:powerpoint" xmlns:v="urn:schemas-microsoft-com:vml" xmlns:o="urn:schemas-microsoft-com:office:office" xmlns:dgm="http://schemas.openxmlformats.org/drawingml/2006/diagram" xmlns:c="http://schemas.openxmlformats.org/drawingml/2006/chart" xmlns:mv="urn:schemas-microsoft-com:mac:vml" xmlns="">
       <p:transition spd="slow">
         <p:fade/>
       </p:transition>
@@ -17978,7 +18572,7 @@
               <a:buChar char="●"/>
             </a:pPr>
             <a:r>
-              <a:rPr lang="en-US" sz="1800" dirty="0" err="1">
+              <a:rPr lang="pt-BR" sz="1600" dirty="0">
                 <a:solidFill>
                   <a:srgbClr val="073763"/>
                 </a:solidFill>
@@ -17987,10 +18581,10 @@
                 <a:cs typeface="Calibri"/>
                 <a:sym typeface="Calibri"/>
               </a:rPr>
-              <a:t>Desenvolvimento</a:t>
+              <a:t>Desenvolvimento de Sistemas Web (.NET, PHP, Angular, </a:t>
             </a:r>
             <a:r>
-              <a:rPr lang="en-US" sz="1800" dirty="0">
+              <a:rPr lang="pt-BR" sz="1600" dirty="0" err="1">
                 <a:solidFill>
                   <a:srgbClr val="073763"/>
                 </a:solidFill>
@@ -17999,10 +18593,10 @@
                 <a:cs typeface="Calibri"/>
                 <a:sym typeface="Calibri"/>
               </a:rPr>
-              <a:t> de </a:t>
+              <a:t>Vue</a:t>
             </a:r>
             <a:r>
-              <a:rPr lang="en-US" sz="1800" dirty="0" err="1">
+              <a:rPr lang="pt-BR" sz="1600" dirty="0">
                 <a:solidFill>
                   <a:srgbClr val="073763"/>
                 </a:solidFill>
@@ -18011,21 +18605,9 @@
                 <a:cs typeface="Calibri"/>
                 <a:sym typeface="Calibri"/>
               </a:rPr>
-              <a:t>Sistemas</a:t>
+              <a:t>)</a:t>
             </a:r>
-            <a:r>
-              <a:rPr lang="en-US" sz="1800" dirty="0">
-                <a:solidFill>
-                  <a:srgbClr val="073763"/>
-                </a:solidFill>
-                <a:latin typeface="Calibri"/>
-                <a:ea typeface="Calibri"/>
-                <a:cs typeface="Calibri"/>
-                <a:sym typeface="Calibri"/>
-              </a:rPr>
-              <a:t> Web (.NET, PHP, Angular, Vue)</a:t>
-            </a:r>
-            <a:endParaRPr sz="1800" dirty="0">
+            <a:endParaRPr lang="pt-BR" sz="1600" dirty="0">
               <a:latin typeface="Calibri"/>
               <a:ea typeface="Calibri"/>
               <a:cs typeface="Calibri"/>
@@ -18051,7 +18633,7 @@
               <a:buChar char="●"/>
             </a:pPr>
             <a:r>
-              <a:rPr lang="en-US" sz="1800" dirty="0">
+              <a:rPr lang="pt-BR" sz="1600" dirty="0">
                 <a:solidFill>
                   <a:srgbClr val="073763"/>
                 </a:solidFill>
@@ -18060,69 +18642,9 @@
                 <a:cs typeface="Calibri"/>
                 <a:sym typeface="Calibri"/>
               </a:rPr>
-              <a:t>Técnico de </a:t>
+              <a:t>Técnico de Informática, Análise de Sistemas</a:t>
             </a:r>
-            <a:r>
-              <a:rPr lang="en-US" sz="1800" dirty="0" err="1">
-                <a:solidFill>
-                  <a:srgbClr val="073763"/>
-                </a:solidFill>
-                <a:latin typeface="Calibri"/>
-                <a:ea typeface="Calibri"/>
-                <a:cs typeface="Calibri"/>
-                <a:sym typeface="Calibri"/>
-              </a:rPr>
-              <a:t>Informática</a:t>
-            </a:r>
-            <a:r>
-              <a:rPr lang="en-US" sz="1800" dirty="0">
-                <a:solidFill>
-                  <a:srgbClr val="073763"/>
-                </a:solidFill>
-                <a:latin typeface="Calibri"/>
-                <a:ea typeface="Calibri"/>
-                <a:cs typeface="Calibri"/>
-                <a:sym typeface="Calibri"/>
-              </a:rPr>
-              <a:t>, </a:t>
-            </a:r>
-            <a:r>
-              <a:rPr lang="en-US" sz="1800" dirty="0" err="1">
-                <a:solidFill>
-                  <a:srgbClr val="073763"/>
-                </a:solidFill>
-                <a:latin typeface="Calibri"/>
-                <a:ea typeface="Calibri"/>
-                <a:cs typeface="Calibri"/>
-                <a:sym typeface="Calibri"/>
-              </a:rPr>
-              <a:t>Análise</a:t>
-            </a:r>
-            <a:r>
-              <a:rPr lang="en-US" sz="1800" dirty="0">
-                <a:solidFill>
-                  <a:srgbClr val="073763"/>
-                </a:solidFill>
-                <a:latin typeface="Calibri"/>
-                <a:ea typeface="Calibri"/>
-                <a:cs typeface="Calibri"/>
-                <a:sym typeface="Calibri"/>
-              </a:rPr>
-              <a:t> de </a:t>
-            </a:r>
-            <a:r>
-              <a:rPr lang="en-US" sz="1800" dirty="0" err="1">
-                <a:solidFill>
-                  <a:srgbClr val="073763"/>
-                </a:solidFill>
-                <a:latin typeface="Calibri"/>
-                <a:ea typeface="Calibri"/>
-                <a:cs typeface="Calibri"/>
-                <a:sym typeface="Calibri"/>
-              </a:rPr>
-              <a:t>Sistemas</a:t>
-            </a:r>
-            <a:endParaRPr sz="1800" dirty="0">
+            <a:endParaRPr lang="pt-BR" sz="1600" dirty="0">
               <a:latin typeface="Calibri"/>
               <a:ea typeface="Calibri"/>
               <a:cs typeface="Calibri"/>
@@ -18148,7 +18670,7 @@
               <a:buChar char="●"/>
             </a:pPr>
             <a:r>
-              <a:rPr lang="en-US" sz="1800" dirty="0" err="1">
+              <a:rPr lang="pt-BR" sz="1600" dirty="0">
                 <a:solidFill>
                   <a:srgbClr val="073763"/>
                 </a:solidFill>
@@ -18157,117 +18679,9 @@
                 <a:cs typeface="Calibri"/>
                 <a:sym typeface="Calibri"/>
               </a:rPr>
-              <a:t>Gosto</a:t>
+              <a:t>Gosto de desafios e melhores práticas de desenvolvimento.</a:t>
             </a:r>
-            <a:r>
-              <a:rPr lang="en-US" sz="1800" dirty="0">
-                <a:solidFill>
-                  <a:srgbClr val="073763"/>
-                </a:solidFill>
-                <a:latin typeface="Calibri"/>
-                <a:ea typeface="Calibri"/>
-                <a:cs typeface="Calibri"/>
-                <a:sym typeface="Calibri"/>
-              </a:rPr>
-              <a:t> de </a:t>
-            </a:r>
-            <a:r>
-              <a:rPr lang="en-US" sz="1800" dirty="0" err="1">
-                <a:solidFill>
-                  <a:srgbClr val="073763"/>
-                </a:solidFill>
-                <a:latin typeface="Calibri"/>
-                <a:ea typeface="Calibri"/>
-                <a:cs typeface="Calibri"/>
-                <a:sym typeface="Calibri"/>
-              </a:rPr>
-              <a:t>desafios</a:t>
-            </a:r>
-            <a:r>
-              <a:rPr lang="en-US" sz="1800" dirty="0">
-                <a:solidFill>
-                  <a:srgbClr val="073763"/>
-                </a:solidFill>
-                <a:latin typeface="Calibri"/>
-                <a:ea typeface="Calibri"/>
-                <a:cs typeface="Calibri"/>
-                <a:sym typeface="Calibri"/>
-              </a:rPr>
-              <a:t> e </a:t>
-            </a:r>
-            <a:r>
-              <a:rPr lang="en-US" sz="1800" dirty="0" err="1">
-                <a:solidFill>
-                  <a:srgbClr val="073763"/>
-                </a:solidFill>
-                <a:latin typeface="Calibri"/>
-                <a:ea typeface="Calibri"/>
-                <a:cs typeface="Calibri"/>
-                <a:sym typeface="Calibri"/>
-              </a:rPr>
-              <a:t>melhores</a:t>
-            </a:r>
-            <a:r>
-              <a:rPr lang="en-US" sz="1800" dirty="0">
-                <a:solidFill>
-                  <a:srgbClr val="073763"/>
-                </a:solidFill>
-                <a:latin typeface="Calibri"/>
-                <a:ea typeface="Calibri"/>
-                <a:cs typeface="Calibri"/>
-                <a:sym typeface="Calibri"/>
-              </a:rPr>
-              <a:t> </a:t>
-            </a:r>
-            <a:r>
-              <a:rPr lang="en-US" sz="1800" dirty="0" err="1">
-                <a:solidFill>
-                  <a:srgbClr val="073763"/>
-                </a:solidFill>
-                <a:latin typeface="Calibri"/>
-                <a:ea typeface="Calibri"/>
-                <a:cs typeface="Calibri"/>
-                <a:sym typeface="Calibri"/>
-              </a:rPr>
-              <a:t>práticas</a:t>
-            </a:r>
-            <a:r>
-              <a:rPr lang="en-US" sz="1800" dirty="0">
-                <a:solidFill>
-                  <a:srgbClr val="073763"/>
-                </a:solidFill>
-                <a:latin typeface="Calibri"/>
-                <a:ea typeface="Calibri"/>
-                <a:cs typeface="Calibri"/>
-                <a:sym typeface="Calibri"/>
-              </a:rPr>
-              <a:t> de </a:t>
-            </a:r>
-            <a:r>
-              <a:rPr lang="en-US" sz="1800" dirty="0" err="1">
-                <a:solidFill>
-                  <a:srgbClr val="073763"/>
-                </a:solidFill>
-                <a:latin typeface="Calibri"/>
-                <a:ea typeface="Calibri"/>
-                <a:cs typeface="Calibri"/>
-                <a:sym typeface="Calibri"/>
-              </a:rPr>
-              <a:t>desenvolvimento</a:t>
-            </a:r>
-            <a:r>
-              <a:rPr lang="en-US" sz="1800" dirty="0">
-                <a:solidFill>
-                  <a:srgbClr val="073763"/>
-                </a:solidFill>
-                <a:latin typeface="Calibri"/>
-                <a:ea typeface="Calibri"/>
-                <a:cs typeface="Calibri"/>
-                <a:sym typeface="Calibri"/>
-              </a:rPr>
-              <a:t>.</a:t>
-            </a:r>
-            <a:endParaRPr sz="1800" dirty="0">
+            <a:endParaRPr lang="pt-BR" sz="1600" dirty="0">
               <a:latin typeface="Calibri"/>
               <a:ea typeface="Calibri"/>
               <a:cs typeface="Calibri"/>
@@ -18293,7 +18707,7 @@
               <a:buChar char="●"/>
             </a:pPr>
             <a:r>
-              <a:rPr lang="en-US" sz="1800" dirty="0" err="1">
+              <a:rPr lang="pt-BR" sz="1600" dirty="0">
                 <a:solidFill>
                   <a:srgbClr val="073763"/>
                 </a:solidFill>
@@ -18302,10 +18716,10 @@
                 <a:cs typeface="Calibri"/>
                 <a:sym typeface="Calibri"/>
               </a:rPr>
-              <a:t>Trabalho</a:t>
+              <a:t>Trabalho há 10 anos na área (Sistemas de Conselho Federal, Eventos e Shows, Algodoeira, ERP, </a:t>
             </a:r>
             <a:r>
-              <a:rPr lang="en-US" sz="1800" dirty="0">
+              <a:rPr lang="pt-BR" sz="1600" dirty="0" err="1">
                 <a:solidFill>
                   <a:srgbClr val="073763"/>
                 </a:solidFill>
@@ -18314,10 +18728,10 @@
                 <a:cs typeface="Calibri"/>
                 <a:sym typeface="Calibri"/>
               </a:rPr>
-              <a:t> </a:t>
+              <a:t>etc</a:t>
             </a:r>
             <a:r>
-              <a:rPr lang="en-US" sz="1800" dirty="0" err="1">
+              <a:rPr lang="pt-BR" sz="1600" dirty="0">
                 <a:solidFill>
                   <a:srgbClr val="073763"/>
                 </a:solidFill>
@@ -18326,81 +18740,9 @@
                 <a:cs typeface="Calibri"/>
                 <a:sym typeface="Calibri"/>
               </a:rPr>
-              <a:t>há</a:t>
+              <a:t>)</a:t>
             </a:r>
-            <a:r>
-              <a:rPr lang="en-US" sz="1800" dirty="0">
-                <a:solidFill>
-                  <a:srgbClr val="073763"/>
-                </a:solidFill>
-                <a:latin typeface="Calibri"/>
-                <a:ea typeface="Calibri"/>
-                <a:cs typeface="Calibri"/>
-                <a:sym typeface="Calibri"/>
-              </a:rPr>
-              <a:t> 10 </a:t>
-            </a:r>
-            <a:r>
-              <a:rPr lang="en-US" sz="1800" dirty="0" err="1">
-                <a:solidFill>
-                  <a:srgbClr val="073763"/>
-                </a:solidFill>
-                <a:latin typeface="Calibri"/>
-                <a:ea typeface="Calibri"/>
-                <a:cs typeface="Calibri"/>
-                <a:sym typeface="Calibri"/>
-              </a:rPr>
-              <a:t>anos</a:t>
-            </a:r>
-            <a:r>
-              <a:rPr lang="en-US" sz="1800" dirty="0">
-                <a:solidFill>
-                  <a:srgbClr val="073763"/>
-                </a:solidFill>
-                <a:latin typeface="Calibri"/>
-                <a:ea typeface="Calibri"/>
-                <a:cs typeface="Calibri"/>
-                <a:sym typeface="Calibri"/>
-              </a:rPr>
-              <a:t> </a:t>
-            </a:r>
-            <a:r>
-              <a:rPr lang="en-US" sz="1800" dirty="0" err="1">
-                <a:solidFill>
-                  <a:srgbClr val="073763"/>
-                </a:solidFill>
-                <a:latin typeface="Calibri"/>
-                <a:ea typeface="Calibri"/>
-                <a:cs typeface="Calibri"/>
-                <a:sym typeface="Calibri"/>
-              </a:rPr>
-              <a:t>na</a:t>
-            </a:r>
-            <a:r>
-              <a:rPr lang="en-US" sz="1800" dirty="0">
-                <a:solidFill>
-                  <a:srgbClr val="073763"/>
-                </a:solidFill>
-                <a:latin typeface="Calibri"/>
-                <a:ea typeface="Calibri"/>
-                <a:cs typeface="Calibri"/>
-                <a:sym typeface="Calibri"/>
-              </a:rPr>
-              <a:t> </a:t>
-            </a:r>
-            <a:r>
-              <a:rPr lang="en-US" sz="1800" dirty="0" err="1">
-                <a:solidFill>
-                  <a:srgbClr val="073763"/>
-                </a:solidFill>
-                <a:latin typeface="Calibri"/>
-                <a:ea typeface="Calibri"/>
-                <a:cs typeface="Calibri"/>
-                <a:sym typeface="Calibri"/>
-              </a:rPr>
-              <a:t>área</a:t>
-            </a:r>
-            <a:endParaRPr sz="1800" dirty="0">
+            <a:endParaRPr lang="pt-BR" sz="1600" dirty="0">
               <a:latin typeface="Calibri"/>
               <a:ea typeface="Calibri"/>
               <a:cs typeface="Calibri"/>
@@ -18426,7 +18768,7 @@
               <a:buChar char="●"/>
             </a:pPr>
             <a:r>
-              <a:rPr lang="en-US" sz="1800" dirty="0">
+              <a:rPr lang="pt-BR" sz="1600" dirty="0">
                 <a:solidFill>
                   <a:srgbClr val="073763"/>
                 </a:solidFill>
@@ -18435,226 +18777,10 @@
                 <a:cs typeface="Calibri"/>
                 <a:sym typeface="Calibri"/>
               </a:rPr>
-              <a:t>Amo </a:t>
+              <a:t>Amo jogar, atividades físicas diárias, ouvir Heavy Metal, curso de inglês e bebam água </a:t>
             </a:r>
             <a:r>
-              <a:rPr lang="en-US" sz="1800" dirty="0" err="1">
-                <a:solidFill>
-                  <a:srgbClr val="073763"/>
-                </a:solidFill>
-                <a:latin typeface="Calibri"/>
-                <a:ea typeface="Calibri"/>
-                <a:cs typeface="Calibri"/>
-                <a:sym typeface="Calibri"/>
-              </a:rPr>
-              <a:t>jogar</a:t>
-            </a:r>
-            <a:r>
-              <a:rPr lang="en-US" sz="1800" dirty="0">
-                <a:solidFill>
-                  <a:srgbClr val="073763"/>
-                </a:solidFill>
-                <a:latin typeface="Calibri"/>
-                <a:ea typeface="Calibri"/>
-                <a:cs typeface="Calibri"/>
-                <a:sym typeface="Calibri"/>
-              </a:rPr>
-              <a:t>, </a:t>
-            </a:r>
-            <a:r>
-              <a:rPr lang="en-US" sz="1800" dirty="0" err="1">
-                <a:solidFill>
-                  <a:srgbClr val="073763"/>
-                </a:solidFill>
-                <a:latin typeface="Calibri"/>
-                <a:ea typeface="Calibri"/>
-                <a:cs typeface="Calibri"/>
-                <a:sym typeface="Calibri"/>
-              </a:rPr>
-              <a:t>atividades</a:t>
-            </a:r>
-            <a:r>
-              <a:rPr lang="en-US" sz="1800" dirty="0">
-                <a:solidFill>
-                  <a:srgbClr val="073763"/>
-                </a:solidFill>
-                <a:latin typeface="Calibri"/>
-                <a:ea typeface="Calibri"/>
-                <a:cs typeface="Calibri"/>
-                <a:sym typeface="Calibri"/>
-              </a:rPr>
-              <a:t> </a:t>
-            </a:r>
-            <a:r>
-              <a:rPr lang="en-US" sz="1800" dirty="0" err="1">
-                <a:solidFill>
-                  <a:srgbClr val="073763"/>
-                </a:solidFill>
-                <a:latin typeface="Calibri"/>
-                <a:ea typeface="Calibri"/>
-                <a:cs typeface="Calibri"/>
-                <a:sym typeface="Calibri"/>
-              </a:rPr>
-              <a:t>físicas</a:t>
-            </a:r>
-            <a:r>
-              <a:rPr lang="en-US" sz="1800" dirty="0">
-                <a:solidFill>
-                  <a:srgbClr val="073763"/>
-                </a:solidFill>
-                <a:latin typeface="Calibri"/>
-                <a:ea typeface="Calibri"/>
-                <a:cs typeface="Calibri"/>
-                <a:sym typeface="Calibri"/>
-              </a:rPr>
-              <a:t> </a:t>
-            </a:r>
-            <a:r>
-              <a:rPr lang="en-US" sz="1800" dirty="0" err="1">
-                <a:solidFill>
-                  <a:srgbClr val="073763"/>
-                </a:solidFill>
-                <a:latin typeface="Calibri"/>
-                <a:ea typeface="Calibri"/>
-                <a:cs typeface="Calibri"/>
-                <a:sym typeface="Calibri"/>
-              </a:rPr>
-              <a:t>diárias</a:t>
-            </a:r>
-            <a:r>
-              <a:rPr lang="en-US" sz="1800" dirty="0">
-                <a:solidFill>
-                  <a:srgbClr val="073763"/>
-                </a:solidFill>
-                <a:latin typeface="Calibri"/>
-                <a:ea typeface="Calibri"/>
-                <a:cs typeface="Calibri"/>
-                <a:sym typeface="Calibri"/>
-              </a:rPr>
-              <a:t>, </a:t>
-            </a:r>
-            <a:r>
-              <a:rPr lang="en-US" sz="1800" dirty="0" err="1">
-                <a:solidFill>
-                  <a:srgbClr val="073763"/>
-                </a:solidFill>
-                <a:latin typeface="Calibri"/>
-                <a:ea typeface="Calibri"/>
-                <a:cs typeface="Calibri"/>
-                <a:sym typeface="Calibri"/>
-              </a:rPr>
-              <a:t>ouvir</a:t>
-            </a:r>
-            <a:r>
-              <a:rPr lang="en-US" sz="1800" dirty="0">
-                <a:solidFill>
-                  <a:srgbClr val="073763"/>
-                </a:solidFill>
-                <a:latin typeface="Calibri"/>
-                <a:ea typeface="Calibri"/>
-                <a:cs typeface="Calibri"/>
-                <a:sym typeface="Calibri"/>
-              </a:rPr>
-              <a:t> Heavy Metal, </a:t>
-            </a:r>
-            <a:r>
-              <a:rPr lang="en-US" sz="1800" dirty="0" err="1">
-                <a:solidFill>
-                  <a:srgbClr val="073763"/>
-                </a:solidFill>
-                <a:latin typeface="Calibri"/>
-                <a:ea typeface="Calibri"/>
-                <a:cs typeface="Calibri"/>
-                <a:sym typeface="Calibri"/>
-              </a:rPr>
-              <a:t>curso</a:t>
-            </a:r>
-            <a:r>
-              <a:rPr lang="en-US" sz="1800" dirty="0">
-                <a:solidFill>
-                  <a:srgbClr val="073763"/>
-                </a:solidFill>
-                <a:latin typeface="Calibri"/>
-                <a:ea typeface="Calibri"/>
-                <a:cs typeface="Calibri"/>
-                <a:sym typeface="Calibri"/>
-              </a:rPr>
-              <a:t> de </a:t>
-            </a:r>
-            <a:r>
-              <a:rPr lang="en-US" sz="1800" dirty="0" err="1">
-                <a:solidFill>
-                  <a:srgbClr val="073763"/>
-                </a:solidFill>
-                <a:latin typeface="Calibri"/>
-                <a:ea typeface="Calibri"/>
-                <a:cs typeface="Calibri"/>
-                <a:sym typeface="Calibri"/>
-              </a:rPr>
-              <a:t>inglês</a:t>
-            </a:r>
-            <a:r>
-              <a:rPr lang="en-US" sz="1800" dirty="0">
-                <a:solidFill>
-                  <a:srgbClr val="073763"/>
-                </a:solidFill>
-                <a:latin typeface="Calibri"/>
-                <a:ea typeface="Calibri"/>
-                <a:cs typeface="Calibri"/>
-                <a:sym typeface="Calibri"/>
-              </a:rPr>
-              <a:t> e </a:t>
-            </a:r>
-            <a:r>
-              <a:rPr lang="en-US" sz="1800" dirty="0" err="1">
-                <a:solidFill>
-                  <a:srgbClr val="073763"/>
-                </a:solidFill>
-                <a:latin typeface="Calibri"/>
-                <a:ea typeface="Calibri"/>
-                <a:cs typeface="Calibri"/>
-                <a:sym typeface="Calibri"/>
-              </a:rPr>
-              <a:t>bebam</a:t>
-            </a:r>
-            <a:r>
-              <a:rPr lang="en-US" sz="1800" dirty="0">
-                <a:solidFill>
-                  <a:srgbClr val="073763"/>
-                </a:solidFill>
-                <a:latin typeface="Calibri"/>
-                <a:ea typeface="Calibri"/>
-                <a:cs typeface="Calibri"/>
-                <a:sym typeface="Calibri"/>
-              </a:rPr>
-              <a:t> </a:t>
-            </a:r>
-            <a:r>
-              <a:rPr lang="en-US" sz="1800" dirty="0" err="1">
-                <a:solidFill>
-                  <a:srgbClr val="073763"/>
-                </a:solidFill>
-                <a:latin typeface="Calibri"/>
-                <a:ea typeface="Calibri"/>
-                <a:cs typeface="Calibri"/>
-                <a:sym typeface="Calibri"/>
-              </a:rPr>
-              <a:t>água</a:t>
-            </a:r>
-            <a:r>
-              <a:rPr lang="en-US" sz="1800" dirty="0">
-                <a:solidFill>
-                  <a:srgbClr val="073763"/>
-                </a:solidFill>
-                <a:latin typeface="Calibri"/>
-                <a:ea typeface="Calibri"/>
-                <a:cs typeface="Calibri"/>
-                <a:sym typeface="Calibri"/>
-              </a:rPr>
-              <a:t> </a:t>
-            </a:r>
-            <a:r>
-              <a:rPr lang="en-US" sz="1800" dirty="0">
+              <a:rPr lang="pt-BR" sz="1600" dirty="0">
                 <a:solidFill>
                   <a:srgbClr val="073763"/>
                 </a:solidFill>
@@ -18832,7 +18958,7 @@
         <p:fade/>
       </p:transition>
     </mc:Choice>
-    <mc:Fallback xmlns="" xmlns:mv="urn:schemas-microsoft-com:mac:vml" xmlns:c="http://schemas.openxmlformats.org/drawingml/2006/chart" xmlns:dgm="http://schemas.openxmlformats.org/drawingml/2006/diagram" xmlns:o="urn:schemas-microsoft-com:office:office" xmlns:v="urn:schemas-microsoft-com:vml" xmlns:pvml="urn:schemas-microsoft-com:office:powerpoint" xmlns:com="http://schemas.openxmlformats.org/drawingml/2006/compatibility" xmlns:p15="http://schemas.microsoft.com/office/powerpoint/2012/main" xmlns:ahyp="http://schemas.microsoft.com/office/drawing/2018/hyperlinkcolor">
+    <mc:Fallback xmlns:ahyp="http://schemas.microsoft.com/office/drawing/2018/hyperlinkcolor" xmlns:p15="http://schemas.microsoft.com/office/powerpoint/2012/main" xmlns:com="http://schemas.openxmlformats.org/drawingml/2006/compatibility" xmlns:pvml="urn:schemas-microsoft-com:office:powerpoint" xmlns:v="urn:schemas-microsoft-com:vml" xmlns:o="urn:schemas-microsoft-com:office:office" xmlns:dgm="http://schemas.openxmlformats.org/drawingml/2006/diagram" xmlns:c="http://schemas.openxmlformats.org/drawingml/2006/chart" xmlns:mv="urn:schemas-microsoft-com:mac:vml" xmlns="">
       <p:transition spd="slow">
         <p:fade/>
       </p:transition>
@@ -19188,7 +19314,7 @@
               <a:buNone/>
             </a:pPr>
             <a:r>
-              <a:rPr lang="en-US" sz="4000" b="1" dirty="0" err="1">
+              <a:rPr lang="en-US" sz="4000" b="1">
                 <a:solidFill>
                   <a:srgbClr val="073763"/>
                 </a:solidFill>
@@ -19199,7 +19325,7 @@
               </a:rPr>
               <a:t>Desafio</a:t>
             </a:r>
-            <a:endParaRPr sz="4000" b="1" dirty="0">
+            <a:endParaRPr lang="en-US" sz="4000" b="1" dirty="0">
               <a:solidFill>
                 <a:srgbClr val="073763"/>
               </a:solidFill>
@@ -19284,7 +19410,7 @@
               <a:buNone/>
             </a:pPr>
             <a:r>
-              <a:rPr lang="en-US" dirty="0" err="1">
+              <a:rPr lang="pt-BR" dirty="0">
                 <a:solidFill>
                   <a:srgbClr val="073763"/>
                 </a:solidFill>
@@ -19293,10 +19419,10 @@
                 <a:cs typeface="Calibri"/>
                 <a:sym typeface="Calibri"/>
               </a:rPr>
-              <a:t>Desenvolvimento</a:t>
+              <a:t>Desenvolvimento de projeto </a:t>
             </a:r>
             <a:r>
-              <a:rPr lang="en-US" dirty="0">
+              <a:rPr lang="pt-BR" dirty="0" err="1">
                 <a:solidFill>
                   <a:srgbClr val="073763"/>
                 </a:solidFill>
@@ -19305,10 +19431,10 @@
                 <a:cs typeface="Calibri"/>
                 <a:sym typeface="Calibri"/>
               </a:rPr>
-              <a:t> de </a:t>
+              <a:t>EverisStore</a:t>
             </a:r>
             <a:r>
-              <a:rPr lang="en-US" dirty="0" err="1">
+              <a:rPr lang="pt-BR" dirty="0">
                 <a:solidFill>
                   <a:srgbClr val="073763"/>
                 </a:solidFill>
@@ -19317,10 +19443,10 @@
                 <a:cs typeface="Calibri"/>
                 <a:sym typeface="Calibri"/>
               </a:rPr>
-              <a:t>projeto</a:t>
+              <a:t>, referente a um modelo de E-commerce, utilizando Web API Core com .NET 5.x e software de </a:t>
             </a:r>
             <a:r>
-              <a:rPr lang="en-US" dirty="0">
+              <a:rPr lang="pt-BR" dirty="0" err="1">
                 <a:solidFill>
                   <a:srgbClr val="073763"/>
                 </a:solidFill>
@@ -19329,10 +19455,10 @@
                 <a:cs typeface="Calibri"/>
                 <a:sym typeface="Calibri"/>
               </a:rPr>
-              <a:t> </a:t>
+              <a:t>Rest</a:t>
             </a:r>
             <a:r>
-              <a:rPr lang="en-US" dirty="0" err="1">
+              <a:rPr lang="pt-BR" dirty="0">
                 <a:solidFill>
                   <a:srgbClr val="073763"/>
                 </a:solidFill>
@@ -19341,10 +19467,10 @@
                 <a:cs typeface="Calibri"/>
                 <a:sym typeface="Calibri"/>
               </a:rPr>
-              <a:t>everisStore</a:t>
+              <a:t> API do </a:t>
             </a:r>
             <a:r>
-              <a:rPr lang="en-US" dirty="0">
+              <a:rPr lang="pt-BR" dirty="0" err="1">
                 <a:solidFill>
                   <a:srgbClr val="073763"/>
                 </a:solidFill>
@@ -19353,10 +19479,10 @@
                 <a:cs typeface="Calibri"/>
                 <a:sym typeface="Calibri"/>
               </a:rPr>
-              <a:t>, </a:t>
+              <a:t>Postman</a:t>
             </a:r>
             <a:r>
-              <a:rPr lang="en-US" dirty="0" err="1">
+              <a:rPr lang="pt-BR" dirty="0">
                 <a:solidFill>
                   <a:srgbClr val="073763"/>
                 </a:solidFill>
@@ -19365,101 +19491,8 @@
                 <a:cs typeface="Calibri"/>
                 <a:sym typeface="Calibri"/>
               </a:rPr>
-              <a:t>referente</a:t>
+              <a:t>.</a:t>
             </a:r>
-            <a:r>
-              <a:rPr lang="en-US" dirty="0">
-                <a:solidFill>
-                  <a:srgbClr val="073763"/>
-                </a:solidFill>
-                <a:latin typeface="Calibri"/>
-                <a:ea typeface="Calibri"/>
-                <a:cs typeface="Calibri"/>
-                <a:sym typeface="Calibri"/>
-              </a:rPr>
-              <a:t> a um </a:t>
-            </a:r>
-            <a:r>
-              <a:rPr lang="en-US" dirty="0" err="1">
-                <a:solidFill>
-                  <a:srgbClr val="073763"/>
-                </a:solidFill>
-                <a:latin typeface="Calibri"/>
-                <a:ea typeface="Calibri"/>
-                <a:cs typeface="Calibri"/>
-                <a:sym typeface="Calibri"/>
-              </a:rPr>
-              <a:t>modelo</a:t>
-            </a:r>
-            <a:r>
-              <a:rPr lang="en-US" dirty="0">
-                <a:solidFill>
-                  <a:srgbClr val="073763"/>
-                </a:solidFill>
-                <a:latin typeface="Calibri"/>
-                <a:ea typeface="Calibri"/>
-                <a:cs typeface="Calibri"/>
-                <a:sym typeface="Calibri"/>
-              </a:rPr>
-              <a:t> de E-commerce, </a:t>
-            </a:r>
-            <a:r>
-              <a:rPr lang="en-US" dirty="0" err="1">
-                <a:solidFill>
-                  <a:srgbClr val="073763"/>
-                </a:solidFill>
-                <a:latin typeface="Calibri"/>
-                <a:ea typeface="Calibri"/>
-                <a:cs typeface="Calibri"/>
-                <a:sym typeface="Calibri"/>
-              </a:rPr>
-              <a:t>utilizando</a:t>
-            </a:r>
-            <a:r>
-              <a:rPr lang="en-US" dirty="0">
-                <a:solidFill>
-                  <a:srgbClr val="073763"/>
-                </a:solidFill>
-                <a:latin typeface="Calibri"/>
-                <a:ea typeface="Calibri"/>
-                <a:cs typeface="Calibri"/>
-                <a:sym typeface="Calibri"/>
-              </a:rPr>
-              <a:t> API Core </a:t>
-            </a:r>
-            <a:r>
-              <a:rPr lang="en-US" dirty="0" err="1">
-                <a:solidFill>
-                  <a:srgbClr val="073763"/>
-                </a:solidFill>
-                <a:latin typeface="Calibri"/>
-                <a:ea typeface="Calibri"/>
-                <a:cs typeface="Calibri"/>
-                <a:sym typeface="Calibri"/>
-              </a:rPr>
-              <a:t>utilizando</a:t>
-            </a:r>
-            <a:r>
-              <a:rPr lang="en-US" dirty="0">
-                <a:solidFill>
-                  <a:srgbClr val="073763"/>
-                </a:solidFill>
-                <a:latin typeface="Calibri"/>
-                <a:ea typeface="Calibri"/>
-                <a:cs typeface="Calibri"/>
-                <a:sym typeface="Calibri"/>
-              </a:rPr>
-              <a:t> .NET 5.x e software de Rest API do Postman.</a:t>
-            </a:r>
-            <a:endParaRPr dirty="0">
-              <a:solidFill>
-                <a:srgbClr val="073763"/>
-              </a:solidFill>
-              <a:latin typeface="Calibri"/>
-              <a:ea typeface="Calibri"/>
-              <a:cs typeface="Calibri"/>
-              <a:sym typeface="Calibri"/>
-            </a:endParaRPr>
           </a:p>
         </p:txBody>
       </p:sp>
@@ -19536,7 +19569,7 @@
         <p:fade/>
       </p:transition>
     </mc:Choice>
-    <mc:Fallback xmlns="" xmlns:mv="urn:schemas-microsoft-com:mac:vml" xmlns:c="http://schemas.openxmlformats.org/drawingml/2006/chart" xmlns:dgm="http://schemas.openxmlformats.org/drawingml/2006/diagram" xmlns:o="urn:schemas-microsoft-com:office:office" xmlns:v="urn:schemas-microsoft-com:vml" xmlns:pvml="urn:schemas-microsoft-com:office:powerpoint" xmlns:com="http://schemas.openxmlformats.org/drawingml/2006/compatibility" xmlns:p15="http://schemas.microsoft.com/office/powerpoint/2012/main" xmlns:ahyp="http://schemas.microsoft.com/office/drawing/2018/hyperlinkcolor">
+    <mc:Fallback xmlns:ahyp="http://schemas.microsoft.com/office/drawing/2018/hyperlinkcolor" xmlns:p15="http://schemas.microsoft.com/office/powerpoint/2012/main" xmlns:com="http://schemas.openxmlformats.org/drawingml/2006/compatibility" xmlns:pvml="urn:schemas-microsoft-com:office:powerpoint" xmlns:v="urn:schemas-microsoft-com:vml" xmlns:o="urn:schemas-microsoft-com:office:office" xmlns:dgm="http://schemas.openxmlformats.org/drawingml/2006/diagram" xmlns:c="http://schemas.openxmlformats.org/drawingml/2006/chart" xmlns:mv="urn:schemas-microsoft-com:mac:vml" xmlns="">
       <p:transition spd="slow">
         <p:fade/>
       </p:transition>
@@ -19753,6 +19786,345 @@
                 <a:cs typeface="Century Gothic"/>
                 <a:sym typeface="Century Gothic"/>
               </a:rPr>
+              <a:t> API Rest</a:t>
+            </a:r>
+            <a:endParaRPr sz="4000" b="1" dirty="0">
+              <a:solidFill>
+                <a:srgbClr val="073763"/>
+              </a:solidFill>
+              <a:latin typeface="Century Gothic"/>
+              <a:ea typeface="Century Gothic"/>
+              <a:cs typeface="Century Gothic"/>
+              <a:sym typeface="Century Gothic"/>
+            </a:endParaRPr>
+          </a:p>
+        </p:txBody>
+      </p:sp>
+      <p:pic>
+        <p:nvPicPr>
+          <p:cNvPr id="93" name="Google Shape;93;p3"/>
+          <p:cNvPicPr preferRelativeResize="0"/>
+          <p:nvPr/>
+        </p:nvPicPr>
+        <p:blipFill rotWithShape="1">
+          <a:blip r:embed="rId3">
+            <a:alphaModFix/>
+          </a:blip>
+          <a:srcRect/>
+          <a:stretch/>
+        </p:blipFill>
+        <p:spPr>
+          <a:xfrm>
+            <a:off x="311700" y="243014"/>
+            <a:ext cx="1698849" cy="591351"/>
+          </a:xfrm>
+          <a:prstGeom prst="rect">
+            <a:avLst/>
+          </a:prstGeom>
+          <a:noFill/>
+          <a:ln>
+            <a:noFill/>
+          </a:ln>
+        </p:spPr>
+      </p:pic>
+      <p:sp>
+        <p:nvSpPr>
+          <p:cNvPr id="95" name="Google Shape;95;p3"/>
+          <p:cNvSpPr/>
+          <p:nvPr/>
+        </p:nvSpPr>
+        <p:spPr>
+          <a:xfrm>
+            <a:off x="0" y="5077717"/>
+            <a:ext cx="9144000" cy="57300"/>
+          </a:xfrm>
+          <a:prstGeom prst="rect">
+            <a:avLst/>
+          </a:prstGeom>
+          <a:solidFill>
+            <a:srgbClr val="F78321"/>
+          </a:solidFill>
+          <a:ln w="9525" cap="flat" cmpd="sng">
+            <a:solidFill>
+              <a:srgbClr val="F78321"/>
+            </a:solidFill>
+            <a:prstDash val="solid"/>
+            <a:round/>
+            <a:headEnd type="none" w="sm" len="sm"/>
+            <a:tailEnd type="none" w="sm" len="sm"/>
+          </a:ln>
+        </p:spPr>
+        <p:txBody>
+          <a:bodyPr spcFirstLastPara="1" wrap="square" lIns="91425" tIns="91425" rIns="91425" bIns="91425" anchor="ctr" anchorCtr="0">
+            <a:noAutofit/>
+          </a:bodyPr>
+          <a:lstStyle/>
+          <a:p>
+            <a:pPr marL="0" marR="0" lvl="0" indent="0" algn="l" rtl="0">
+              <a:lnSpc>
+                <a:spcPct val="100000"/>
+              </a:lnSpc>
+              <a:spcBef>
+                <a:spcPts val="0"/>
+              </a:spcBef>
+              <a:spcAft>
+                <a:spcPts val="0"/>
+              </a:spcAft>
+              <a:buClr>
+                <a:srgbClr val="000000"/>
+              </a:buClr>
+              <a:buSzPts val="1400"/>
+              <a:buFont typeface="Arial"/>
+              <a:buNone/>
+            </a:pPr>
+            <a:endParaRPr sz="1400" b="0" i="0" u="none" strike="noStrike" cap="none">
+              <a:solidFill>
+                <a:srgbClr val="000000"/>
+              </a:solidFill>
+              <a:latin typeface="Arial"/>
+              <a:ea typeface="Arial"/>
+              <a:cs typeface="Arial"/>
+              <a:sym typeface="Arial"/>
+            </a:endParaRPr>
+          </a:p>
+        </p:txBody>
+      </p:sp>
+      <p:sp>
+        <p:nvSpPr>
+          <p:cNvPr id="2" name="TextBox 1">
+            <a:extLst>
+              <a:ext uri="{FF2B5EF4-FFF2-40B4-BE49-F238E27FC236}">
+                <a16:creationId xmlns:a16="http://schemas.microsoft.com/office/drawing/2014/main" id="{97A4FD57-0768-4D78-92E9-BFB2F59C419D}"/>
+              </a:ext>
+            </a:extLst>
+          </p:cNvPr>
+          <p:cNvSpPr txBox="1"/>
+          <p:nvPr/>
+        </p:nvSpPr>
+        <p:spPr>
+          <a:xfrm>
+            <a:off x="403123" y="1667680"/>
+            <a:ext cx="8347587" cy="1384995"/>
+          </a:xfrm>
+          <a:prstGeom prst="rect">
+            <a:avLst/>
+          </a:prstGeom>
+          <a:noFill/>
+        </p:spPr>
+        <p:txBody>
+          <a:bodyPr wrap="square" rtlCol="0">
+            <a:spAutoFit/>
+          </a:bodyPr>
+          <a:lstStyle/>
+          <a:p>
+            <a:r>
+              <a:rPr lang="pt-BR" sz="2800" b="0" i="0" dirty="0">
+                <a:solidFill>
+                  <a:srgbClr val="333333"/>
+                </a:solidFill>
+                <a:effectLst/>
+                <a:latin typeface="Roboto" panose="020B0604020202020204" pitchFamily="2" charset="0"/>
+              </a:rPr>
+              <a:t>O acrônimo </a:t>
+            </a:r>
+            <a:r>
+              <a:rPr lang="pt-BR" sz="2800" b="1" i="0" dirty="0">
+                <a:solidFill>
+                  <a:srgbClr val="333333"/>
+                </a:solidFill>
+                <a:effectLst/>
+                <a:latin typeface="Roboto" panose="020B0604020202020204" pitchFamily="2" charset="0"/>
+              </a:rPr>
+              <a:t>API</a:t>
+            </a:r>
+            <a:r>
+              <a:rPr lang="pt-BR" sz="2800" b="0" i="0" dirty="0">
+                <a:solidFill>
+                  <a:srgbClr val="333333"/>
+                </a:solidFill>
+                <a:effectLst/>
+                <a:latin typeface="Roboto" panose="020B0604020202020204" pitchFamily="2" charset="0"/>
+              </a:rPr>
+              <a:t> que provém do inglês </a:t>
+            </a:r>
+            <a:r>
+              <a:rPr lang="pt-BR" sz="2800" b="1" i="1" dirty="0">
+                <a:solidFill>
+                  <a:srgbClr val="333333"/>
+                </a:solidFill>
+                <a:effectLst/>
+                <a:latin typeface="Roboto" panose="020B0604020202020204" pitchFamily="2" charset="0"/>
+              </a:rPr>
+              <a:t>Application Programming Interface</a:t>
+            </a:r>
+            <a:r>
+              <a:rPr lang="pt-BR" sz="2800" b="0" i="0" dirty="0">
+                <a:solidFill>
+                  <a:srgbClr val="333333"/>
+                </a:solidFill>
+                <a:effectLst/>
+                <a:latin typeface="Roboto" panose="020B0604020202020204" pitchFamily="2" charset="0"/>
+              </a:rPr>
+              <a:t> (Em português, significa Interface de Programação de Aplicações)</a:t>
+            </a:r>
+            <a:endParaRPr lang="en-US" sz="2800" dirty="0"/>
+          </a:p>
+        </p:txBody>
+      </p:sp>
+    </p:spTree>
+    <p:extLst>
+      <p:ext uri="{BB962C8B-B14F-4D97-AF65-F5344CB8AC3E}">
+        <p14:creationId xmlns:p14="http://schemas.microsoft.com/office/powerpoint/2010/main" val="1280265048"/>
+      </p:ext>
+    </p:extLst>
+  </p:cSld>
+  <p:clrMapOvr>
+    <a:masterClrMapping/>
+  </p:clrMapOvr>
+  <mc:AlternateContent xmlns:mc="http://schemas.openxmlformats.org/markup-compatibility/2006" xmlns:p14="http://schemas.microsoft.com/office/powerpoint/2010/main">
+    <mc:Choice Requires="p14">
+      <p:transition spd="med" p14:dur="700">
+        <p:fade/>
+      </p:transition>
+    </mc:Choice>
+    <mc:Fallback xmlns="">
+      <p:transition spd="med">
+        <p:fade/>
+      </p:transition>
+    </mc:Fallback>
+  </mc:AlternateContent>
+</p:sld>
+</file>
+
+<file path=ppt/slides/slide6.xml><?xml version="1.0" encoding="utf-8"?>
+<p:sld xmlns:a="http://schemas.openxmlformats.org/drawingml/2006/main" xmlns:r="http://schemas.openxmlformats.org/officeDocument/2006/relationships" xmlns:p="http://schemas.openxmlformats.org/presentationml/2006/main">
+  <p:cSld>
+    <p:bg>
+      <p:bgPr>
+        <a:solidFill>
+          <a:srgbClr val="FFFFFF"/>
+        </a:solidFill>
+        <a:effectLst/>
+      </p:bgPr>
+    </p:bg>
+    <p:spTree>
+      <p:nvGrpSpPr>
+        <p:cNvPr id="1" name="Shape 91"/>
+        <p:cNvGrpSpPr/>
+        <p:nvPr/>
+      </p:nvGrpSpPr>
+      <p:grpSpPr>
+        <a:xfrm>
+          <a:off x="0" y="0"/>
+          <a:ext cx="0" cy="0"/>
+          <a:chOff x="0" y="0"/>
+          <a:chExt cx="0" cy="0"/>
+        </a:xfrm>
+      </p:grpSpPr>
+      <p:sp>
+        <p:nvSpPr>
+          <p:cNvPr id="92" name="Google Shape;92;p3"/>
+          <p:cNvSpPr txBox="1">
+            <a:spLocks noGrp="1"/>
+          </p:cNvSpPr>
+          <p:nvPr>
+            <p:ph type="subTitle" idx="1"/>
+          </p:nvPr>
+        </p:nvSpPr>
+        <p:spPr>
+          <a:xfrm>
+            <a:off x="1270000" y="305700"/>
+            <a:ext cx="7633420" cy="591300"/>
+          </a:xfrm>
+          <a:prstGeom prst="rect">
+            <a:avLst/>
+          </a:prstGeom>
+          <a:noFill/>
+          <a:ln>
+            <a:noFill/>
+          </a:ln>
+        </p:spPr>
+        <p:txBody>
+          <a:bodyPr spcFirstLastPara="1" wrap="square" lIns="91425" tIns="91425" rIns="91425" bIns="91425" anchor="ctr" anchorCtr="0">
+            <a:noAutofit/>
+          </a:bodyPr>
+          <a:lstStyle/>
+          <a:p>
+            <a:pPr marL="0" lvl="0" indent="0" algn="ctr" rtl="0">
+              <a:lnSpc>
+                <a:spcPct val="100000"/>
+              </a:lnSpc>
+              <a:spcBef>
+                <a:spcPts val="0"/>
+              </a:spcBef>
+              <a:spcAft>
+                <a:spcPts val="0"/>
+              </a:spcAft>
+              <a:buClr>
+                <a:schemeClr val="dk1"/>
+              </a:buClr>
+              <a:buSzPts val="1100"/>
+              <a:buFont typeface="Arial"/>
+              <a:buNone/>
+            </a:pPr>
+            <a:r>
+              <a:rPr lang="en-US" sz="4000" b="1" dirty="0">
+                <a:solidFill>
+                  <a:srgbClr val="073763"/>
+                </a:solidFill>
+                <a:latin typeface="Century Gothic"/>
+                <a:ea typeface="Century Gothic"/>
+                <a:cs typeface="Century Gothic"/>
+                <a:sym typeface="Century Gothic"/>
+              </a:rPr>
+              <a:t>Um </a:t>
+            </a:r>
+            <a:r>
+              <a:rPr lang="pt-BR" sz="4000" b="1" dirty="0">
+                <a:solidFill>
+                  <a:srgbClr val="073763"/>
+                </a:solidFill>
+                <a:latin typeface="Century Gothic"/>
+                <a:ea typeface="Century Gothic"/>
+                <a:cs typeface="Century Gothic"/>
+                <a:sym typeface="Century Gothic"/>
+              </a:rPr>
+              <a:t>pouco</a:t>
+            </a:r>
+            <a:r>
+              <a:rPr lang="en-US" sz="4000" b="1" dirty="0">
+                <a:solidFill>
+                  <a:srgbClr val="073763"/>
+                </a:solidFill>
+                <a:latin typeface="Century Gothic"/>
+                <a:ea typeface="Century Gothic"/>
+                <a:cs typeface="Century Gothic"/>
+                <a:sym typeface="Century Gothic"/>
+              </a:rPr>
+              <a:t> </a:t>
+            </a:r>
+            <a:r>
+              <a:rPr lang="en-US" sz="4000" b="1" dirty="0" err="1">
+                <a:solidFill>
+                  <a:srgbClr val="073763"/>
+                </a:solidFill>
+                <a:latin typeface="Century Gothic"/>
+                <a:ea typeface="Century Gothic"/>
+                <a:cs typeface="Century Gothic"/>
+                <a:sym typeface="Century Gothic"/>
+              </a:rPr>
+              <a:t>sobre</a:t>
+            </a:r>
+            <a:r>
+              <a:rPr lang="en-US" sz="4000" b="1" dirty="0">
+                <a:solidFill>
+                  <a:srgbClr val="073763"/>
+                </a:solidFill>
+                <a:latin typeface="Century Gothic"/>
+                <a:ea typeface="Century Gothic"/>
+                <a:cs typeface="Century Gothic"/>
+                <a:sym typeface="Century Gothic"/>
+              </a:rPr>
               <a:t> API</a:t>
             </a:r>
             <a:endParaRPr sz="4000" b="1" dirty="0">
@@ -19913,13 +20285,13 @@
   <p:clrMapOvr>
     <a:masterClrMapping/>
   </p:clrMapOvr>
-  <mc:AlternateContent xmlns:mc="http://schemas.openxmlformats.org/markup-compatibility/2006">
-    <mc:Choice xmlns:p14="http://schemas.microsoft.com/office/powerpoint/2010/main" Requires="p14">
+  <mc:AlternateContent xmlns:mc="http://schemas.openxmlformats.org/markup-compatibility/2006" xmlns:p14="http://schemas.microsoft.com/office/powerpoint/2010/main">
+    <mc:Choice Requires="p14">
       <p:transition spd="med" p14:dur="700">
         <p:fade/>
       </p:transition>
     </mc:Choice>
-    <mc:Fallback>
+    <mc:Fallback xmlns="">
       <p:transition spd="med">
         <p:fade/>
       </p:transition>
@@ -19928,7 +20300,7 @@
 </p:sld>
 </file>
 
-<file path=ppt/slides/slide6.xml><?xml version="1.0" encoding="utf-8"?>
+<file path=ppt/slides/slide7.xml><?xml version="1.0" encoding="utf-8"?>
 <p:sld xmlns:a="http://schemas.openxmlformats.org/drawingml/2006/main" xmlns:r="http://schemas.openxmlformats.org/officeDocument/2006/relationships" xmlns:p="http://schemas.openxmlformats.org/presentationml/2006/main">
   <p:cSld>
     <p:bg>
@@ -19965,8 +20337,8 @@
         </p:nvSpPr>
         <p:spPr>
           <a:xfrm>
-            <a:off x="1270000" y="305700"/>
-            <a:ext cx="7633420" cy="591300"/>
+            <a:off x="311700" y="305700"/>
+            <a:ext cx="8520600" cy="591300"/>
           </a:xfrm>
           <a:prstGeom prst="rect">
             <a:avLst/>
@@ -20160,105 +20532,70 @@
           </a:p>
         </p:txBody>
       </p:sp>
-      <p:sp>
-        <p:nvSpPr>
-          <p:cNvPr id="2" name="TextBox 1">
+      <p:pic>
+        <p:nvPicPr>
+          <p:cNvPr id="2050" name="Picture 2" descr="API RESTful – JR Dev – Learining day after day the ecosystem in JS">
             <a:extLst>
               <a:ext uri="{FF2B5EF4-FFF2-40B4-BE49-F238E27FC236}">
-                <a16:creationId xmlns:a16="http://schemas.microsoft.com/office/drawing/2014/main" id="{97A4FD57-0768-4D78-92E9-BFB2F59C419D}"/>
+                <a16:creationId xmlns:a16="http://schemas.microsoft.com/office/drawing/2014/main" id="{973414E3-9C13-4BAE-9DE9-0EAC57BB9D64}"/>
               </a:ext>
             </a:extLst>
           </p:cNvPr>
-          <p:cNvSpPr txBox="1"/>
+          <p:cNvPicPr>
+            <a:picLocks noChangeAspect="1" noChangeArrowheads="1"/>
+          </p:cNvPicPr>
           <p:nvPr/>
-        </p:nvSpPr>
-        <p:spPr>
+        </p:nvPicPr>
+        <p:blipFill>
+          <a:blip r:embed="rId4">
+            <a:extLst>
+              <a:ext uri="{28A0092B-C50C-407E-A947-70E740481C1C}">
+                <a14:useLocalDpi xmlns:a14="http://schemas.microsoft.com/office/drawing/2010/main" val="0"/>
+              </a:ext>
+            </a:extLst>
+          </a:blip>
+          <a:srcRect/>
+          <a:stretch>
+            <a:fillRect/>
+          </a:stretch>
+        </p:blipFill>
+        <p:spPr bwMode="auto">
           <a:xfrm>
-            <a:off x="403123" y="1667680"/>
-            <a:ext cx="8347587" cy="1384995"/>
+            <a:off x="2010549" y="1037590"/>
+            <a:ext cx="4512310" cy="3384233"/>
           </a:xfrm>
           <a:prstGeom prst="rect">
             <a:avLst/>
           </a:prstGeom>
           <a:noFill/>
+          <a:extLst>
+            <a:ext uri="{909E8E84-426E-40DD-AFC4-6F175D3DCCD1}">
+              <a14:hiddenFill xmlns:a14="http://schemas.microsoft.com/office/drawing/2010/main">
+                <a:solidFill>
+                  <a:srgbClr val="FFFFFF"/>
+                </a:solidFill>
+              </a14:hiddenFill>
+            </a:ext>
+          </a:extLst>
         </p:spPr>
-        <p:txBody>
-          <a:bodyPr wrap="square" rtlCol="0">
-            <a:spAutoFit/>
-          </a:bodyPr>
-          <a:lstStyle/>
-          <a:p>
-            <a:r>
-              <a:rPr lang="pt-BR" sz="2800" b="0" i="0" dirty="0">
-                <a:solidFill>
-                  <a:srgbClr val="333333"/>
-                </a:solidFill>
-                <a:effectLst/>
-                <a:latin typeface="Roboto" panose="020B0604020202020204" pitchFamily="2" charset="0"/>
-              </a:rPr>
-              <a:t>O acrônimo </a:t>
-            </a:r>
-            <a:r>
-              <a:rPr lang="pt-BR" sz="2800" b="1" i="0" dirty="0">
-                <a:solidFill>
-                  <a:srgbClr val="333333"/>
-                </a:solidFill>
-                <a:effectLst/>
-                <a:latin typeface="Roboto" panose="020B0604020202020204" pitchFamily="2" charset="0"/>
-              </a:rPr>
-              <a:t>API</a:t>
-            </a:r>
-            <a:r>
-              <a:rPr lang="pt-BR" sz="2800" b="0" i="0" dirty="0">
-                <a:solidFill>
-                  <a:srgbClr val="333333"/>
-                </a:solidFill>
-                <a:effectLst/>
-                <a:latin typeface="Roboto" panose="020B0604020202020204" pitchFamily="2" charset="0"/>
-              </a:rPr>
-              <a:t> que provém do inglês </a:t>
-            </a:r>
-            <a:r>
-              <a:rPr lang="pt-BR" sz="2800" b="1" i="1" dirty="0">
-                <a:solidFill>
-                  <a:srgbClr val="333333"/>
-                </a:solidFill>
-                <a:effectLst/>
-                <a:latin typeface="Roboto" panose="020B0604020202020204" pitchFamily="2" charset="0"/>
-              </a:rPr>
-              <a:t>Application Programming Interface</a:t>
-            </a:r>
-            <a:r>
-              <a:rPr lang="pt-BR" sz="2800" b="0" i="0" dirty="0">
-                <a:solidFill>
-                  <a:srgbClr val="333333"/>
-                </a:solidFill>
-                <a:effectLst/>
-                <a:latin typeface="Roboto" panose="020B0604020202020204" pitchFamily="2" charset="0"/>
-              </a:rPr>
-              <a:t> (Em português, significa Interface de Programação de Aplicações)</a:t>
-            </a:r>
-            <a:endParaRPr lang="en-US" sz="2800" dirty="0"/>
-          </a:p>
-        </p:txBody>
-      </p:sp>
+      </p:pic>
     </p:spTree>
     <p:extLst>
       <p:ext uri="{BB962C8B-B14F-4D97-AF65-F5344CB8AC3E}">
-        <p14:creationId xmlns:p14="http://schemas.microsoft.com/office/powerpoint/2010/main" val="1280265048"/>
+        <p14:creationId xmlns:p14="http://schemas.microsoft.com/office/powerpoint/2010/main" val="4283491488"/>
       </p:ext>
     </p:extLst>
   </p:cSld>
   <p:clrMapOvr>
     <a:masterClrMapping/>
   </p:clrMapOvr>
-  <mc:AlternateContent xmlns:mc="http://schemas.openxmlformats.org/markup-compatibility/2006">
-    <mc:Choice xmlns:p14="http://schemas.microsoft.com/office/powerpoint/2010/main" Requires="p14">
+  <mc:AlternateContent xmlns:mc="http://schemas.openxmlformats.org/markup-compatibility/2006" xmlns:p14="http://schemas.microsoft.com/office/powerpoint/2010/main">
+    <mc:Choice Requires="p14">
       <p:transition spd="med" p14:dur="700">
         <p:fade/>
       </p:transition>
     </mc:Choice>
-    <mc:Fallback>
+    <mc:Fallback xmlns="">
       <p:transition spd="med">
         <p:fade/>
       </p:transition>
@@ -20267,7 +20604,7 @@
 </p:sld>
 </file>
 
-<file path=ppt/slides/slide7.xml><?xml version="1.0" encoding="utf-8"?>
+<file path=ppt/slides/slide8.xml><?xml version="1.0" encoding="utf-8"?>
 <p:sld xmlns:a="http://schemas.openxmlformats.org/drawingml/2006/main" xmlns:r="http://schemas.openxmlformats.org/officeDocument/2006/relationships" xmlns:p="http://schemas.openxmlformats.org/presentationml/2006/main">
   <p:cSld>
     <p:bg>
@@ -20304,8 +20641,8 @@
         </p:nvSpPr>
         <p:spPr>
           <a:xfrm>
-            <a:off x="311700" y="305700"/>
-            <a:ext cx="8520600" cy="591300"/>
+            <a:off x="1200150" y="305700"/>
+            <a:ext cx="7632150" cy="591300"/>
           </a:xfrm>
           <a:prstGeom prst="rect">
             <a:avLst/>
@@ -20339,7 +20676,7 @@
               <a:buNone/>
             </a:pPr>
             <a:r>
-              <a:rPr lang="en-US" sz="4000" b="1" dirty="0">
+              <a:rPr lang="en-US" sz="4000" b="1" dirty="0" err="1">
                 <a:solidFill>
                   <a:srgbClr val="073763"/>
                 </a:solidFill>
@@ -20348,43 +20685,7 @@
                 <a:cs typeface="Century Gothic"/>
                 <a:sym typeface="Century Gothic"/>
               </a:rPr>
-              <a:t>Um </a:t>
-            </a:r>
-            <a:r>
-              <a:rPr lang="en-US" sz="4000" b="1" dirty="0" err="1">
-                <a:solidFill>
-                  <a:srgbClr val="073763"/>
-                </a:solidFill>
-                <a:latin typeface="Century Gothic"/>
-                <a:ea typeface="Century Gothic"/>
-                <a:cs typeface="Century Gothic"/>
-                <a:sym typeface="Century Gothic"/>
-              </a:rPr>
-              <a:t>pouco</a:t>
-            </a:r>
-            <a:r>
-              <a:rPr lang="en-US" sz="4000" b="1" dirty="0">
-                <a:solidFill>
-                  <a:srgbClr val="073763"/>
-                </a:solidFill>
-                <a:latin typeface="Century Gothic"/>
-                <a:ea typeface="Century Gothic"/>
-                <a:cs typeface="Century Gothic"/>
-                <a:sym typeface="Century Gothic"/>
-              </a:rPr>
-              <a:t> </a:t>
-            </a:r>
-            <a:r>
-              <a:rPr lang="en-US" sz="4000" b="1" dirty="0" err="1">
-                <a:solidFill>
-                  <a:srgbClr val="073763"/>
-                </a:solidFill>
-                <a:latin typeface="Century Gothic"/>
-                <a:ea typeface="Century Gothic"/>
-                <a:cs typeface="Century Gothic"/>
-                <a:sym typeface="Century Gothic"/>
-              </a:rPr>
-              <a:t>sobre</a:t>
+              <a:t>Estrutura</a:t>
             </a:r>
             <a:r>
               <a:rPr lang="en-US" sz="4000" b="1" dirty="0">
@@ -20501,310 +20802,6 @@
       </p:sp>
       <p:pic>
         <p:nvPicPr>
-          <p:cNvPr id="2050" name="Picture 2" descr="API RESTful – JR Dev – Learining day after day the ecosystem in JS">
-            <a:extLst>
-              <a:ext uri="{FF2B5EF4-FFF2-40B4-BE49-F238E27FC236}">
-                <a16:creationId xmlns:a16="http://schemas.microsoft.com/office/drawing/2014/main" id="{973414E3-9C13-4BAE-9DE9-0EAC57BB9D64}"/>
-              </a:ext>
-            </a:extLst>
-          </p:cNvPr>
-          <p:cNvPicPr>
-            <a:picLocks noChangeAspect="1" noChangeArrowheads="1"/>
-          </p:cNvPicPr>
-          <p:nvPr/>
-        </p:nvPicPr>
-        <p:blipFill>
-          <a:blip r:embed="rId4">
-            <a:extLst>
-              <a:ext uri="{28A0092B-C50C-407E-A947-70E740481C1C}">
-                <a14:useLocalDpi xmlns:a14="http://schemas.microsoft.com/office/drawing/2010/main" val="0"/>
-              </a:ext>
-            </a:extLst>
-          </a:blip>
-          <a:srcRect/>
-          <a:stretch>
-            <a:fillRect/>
-          </a:stretch>
-        </p:blipFill>
-        <p:spPr bwMode="auto">
-          <a:xfrm>
-            <a:off x="2010549" y="1037590"/>
-            <a:ext cx="4512310" cy="3384233"/>
-          </a:xfrm>
-          <a:prstGeom prst="rect">
-            <a:avLst/>
-          </a:prstGeom>
-          <a:noFill/>
-          <a:extLst>
-            <a:ext uri="{909E8E84-426E-40DD-AFC4-6F175D3DCCD1}">
-              <a14:hiddenFill xmlns:a14="http://schemas.microsoft.com/office/drawing/2010/main">
-                <a:solidFill>
-                  <a:srgbClr val="FFFFFF"/>
-                </a:solidFill>
-              </a14:hiddenFill>
-            </a:ext>
-          </a:extLst>
-        </p:spPr>
-      </p:pic>
-    </p:spTree>
-    <p:extLst>
-      <p:ext uri="{BB962C8B-B14F-4D97-AF65-F5344CB8AC3E}">
-        <p14:creationId xmlns:p14="http://schemas.microsoft.com/office/powerpoint/2010/main" val="4283491488"/>
-      </p:ext>
-    </p:extLst>
-  </p:cSld>
-  <p:clrMapOvr>
-    <a:masterClrMapping/>
-  </p:clrMapOvr>
-  <mc:AlternateContent xmlns:mc="http://schemas.openxmlformats.org/markup-compatibility/2006">
-    <mc:Choice xmlns:p14="http://schemas.microsoft.com/office/powerpoint/2010/main" Requires="p14">
-      <p:transition spd="med" p14:dur="700">
-        <p:fade/>
-      </p:transition>
-    </mc:Choice>
-    <mc:Fallback>
-      <p:transition spd="med">
-        <p:fade/>
-      </p:transition>
-    </mc:Fallback>
-  </mc:AlternateContent>
-</p:sld>
-</file>
-
-<file path=ppt/slides/slide8.xml><?xml version="1.0" encoding="utf-8"?>
-<p:sld xmlns:a="http://schemas.openxmlformats.org/drawingml/2006/main" xmlns:r="http://schemas.openxmlformats.org/officeDocument/2006/relationships" xmlns:p="http://schemas.openxmlformats.org/presentationml/2006/main">
-  <p:cSld>
-    <p:bg>
-      <p:bgPr>
-        <a:solidFill>
-          <a:srgbClr val="FFFFFF"/>
-        </a:solidFill>
-        <a:effectLst/>
-      </p:bgPr>
-    </p:bg>
-    <p:spTree>
-      <p:nvGrpSpPr>
-        <p:cNvPr id="1" name="Shape 91"/>
-        <p:cNvGrpSpPr/>
-        <p:nvPr/>
-      </p:nvGrpSpPr>
-      <p:grpSpPr>
-        <a:xfrm>
-          <a:off x="0" y="0"/>
-          <a:ext cx="0" cy="0"/>
-          <a:chOff x="0" y="0"/>
-          <a:chExt cx="0" cy="0"/>
-        </a:xfrm>
-      </p:grpSpPr>
-      <p:sp>
-        <p:nvSpPr>
-          <p:cNvPr id="92" name="Google Shape;92;p3"/>
-          <p:cNvSpPr txBox="1">
-            <a:spLocks noGrp="1"/>
-          </p:cNvSpPr>
-          <p:nvPr>
-            <p:ph type="subTitle" idx="1"/>
-          </p:nvPr>
-        </p:nvSpPr>
-        <p:spPr>
-          <a:xfrm>
-            <a:off x="1200150" y="305700"/>
-            <a:ext cx="7632150" cy="591300"/>
-          </a:xfrm>
-          <a:prstGeom prst="rect">
-            <a:avLst/>
-          </a:prstGeom>
-          <a:noFill/>
-          <a:ln>
-            <a:noFill/>
-          </a:ln>
-        </p:spPr>
-        <p:txBody>
-          <a:bodyPr spcFirstLastPara="1" wrap="square" lIns="91425" tIns="91425" rIns="91425" bIns="91425" anchor="ctr" anchorCtr="0">
-            <a:noAutofit/>
-          </a:bodyPr>
-          <a:lstStyle/>
-          <a:p>
-            <a:pPr marL="0" lvl="0" indent="0" algn="ctr" rtl="0">
-              <a:lnSpc>
-                <a:spcPct val="100000"/>
-              </a:lnSpc>
-              <a:spcBef>
-                <a:spcPts val="0"/>
-              </a:spcBef>
-              <a:spcAft>
-                <a:spcPts val="0"/>
-              </a:spcAft>
-              <a:buClr>
-                <a:schemeClr val="dk1"/>
-              </a:buClr>
-              <a:buSzPts val="1100"/>
-              <a:buFont typeface="Arial"/>
-              <a:buNone/>
-            </a:pPr>
-            <a:r>
-              <a:rPr lang="en-US" sz="4000" b="1" dirty="0">
-                <a:solidFill>
-                  <a:srgbClr val="073763"/>
-                </a:solidFill>
-                <a:latin typeface="Century Gothic"/>
-                <a:ea typeface="Century Gothic"/>
-                <a:cs typeface="Century Gothic"/>
-                <a:sym typeface="Century Gothic"/>
-              </a:rPr>
-              <a:t>Um </a:t>
-            </a:r>
-            <a:r>
-              <a:rPr lang="en-US" sz="4000" b="1" dirty="0" err="1">
-                <a:solidFill>
-                  <a:srgbClr val="073763"/>
-                </a:solidFill>
-                <a:latin typeface="Century Gothic"/>
-                <a:ea typeface="Century Gothic"/>
-                <a:cs typeface="Century Gothic"/>
-                <a:sym typeface="Century Gothic"/>
-              </a:rPr>
-              <a:t>pouco</a:t>
-            </a:r>
-            <a:r>
-              <a:rPr lang="en-US" sz="4000" b="1" dirty="0">
-                <a:solidFill>
-                  <a:srgbClr val="073763"/>
-                </a:solidFill>
-                <a:latin typeface="Century Gothic"/>
-                <a:ea typeface="Century Gothic"/>
-                <a:cs typeface="Century Gothic"/>
-                <a:sym typeface="Century Gothic"/>
-              </a:rPr>
-              <a:t> </a:t>
-            </a:r>
-            <a:r>
-              <a:rPr lang="en-US" sz="4000" b="1" dirty="0" err="1">
-                <a:solidFill>
-                  <a:srgbClr val="073763"/>
-                </a:solidFill>
-                <a:latin typeface="Century Gothic"/>
-                <a:ea typeface="Century Gothic"/>
-                <a:cs typeface="Century Gothic"/>
-                <a:sym typeface="Century Gothic"/>
-              </a:rPr>
-              <a:t>sobre</a:t>
-            </a:r>
-            <a:r>
-              <a:rPr lang="en-US" sz="4000" b="1" dirty="0">
-                <a:solidFill>
-                  <a:srgbClr val="073763"/>
-                </a:solidFill>
-                <a:latin typeface="Century Gothic"/>
-                <a:ea typeface="Century Gothic"/>
-                <a:cs typeface="Century Gothic"/>
-                <a:sym typeface="Century Gothic"/>
-              </a:rPr>
-              <a:t> API Rest</a:t>
-            </a:r>
-            <a:endParaRPr sz="4000" b="1" dirty="0">
-              <a:solidFill>
-                <a:srgbClr val="073763"/>
-              </a:solidFill>
-              <a:latin typeface="Century Gothic"/>
-              <a:ea typeface="Century Gothic"/>
-              <a:cs typeface="Century Gothic"/>
-              <a:sym typeface="Century Gothic"/>
-            </a:endParaRPr>
-          </a:p>
-        </p:txBody>
-      </p:sp>
-      <p:pic>
-        <p:nvPicPr>
-          <p:cNvPr id="93" name="Google Shape;93;p3"/>
-          <p:cNvPicPr preferRelativeResize="0"/>
-          <p:nvPr/>
-        </p:nvPicPr>
-        <p:blipFill rotWithShape="1">
-          <a:blip r:embed="rId3">
-            <a:alphaModFix/>
-          </a:blip>
-          <a:srcRect/>
-          <a:stretch/>
-        </p:blipFill>
-        <p:spPr>
-          <a:xfrm>
-            <a:off x="311700" y="243014"/>
-            <a:ext cx="1698849" cy="591351"/>
-          </a:xfrm>
-          <a:prstGeom prst="rect">
-            <a:avLst/>
-          </a:prstGeom>
-          <a:noFill/>
-          <a:ln>
-            <a:noFill/>
-          </a:ln>
-        </p:spPr>
-      </p:pic>
-      <p:sp>
-        <p:nvSpPr>
-          <p:cNvPr id="95" name="Google Shape;95;p3"/>
-          <p:cNvSpPr/>
-          <p:nvPr/>
-        </p:nvSpPr>
-        <p:spPr>
-          <a:xfrm>
-            <a:off x="0" y="5077717"/>
-            <a:ext cx="9144000" cy="57300"/>
-          </a:xfrm>
-          <a:prstGeom prst="rect">
-            <a:avLst/>
-          </a:prstGeom>
-          <a:solidFill>
-            <a:srgbClr val="F78321"/>
-          </a:solidFill>
-          <a:ln w="9525" cap="flat" cmpd="sng">
-            <a:solidFill>
-              <a:srgbClr val="F78321"/>
-            </a:solidFill>
-            <a:prstDash val="solid"/>
-            <a:round/>
-            <a:headEnd type="none" w="sm" len="sm"/>
-            <a:tailEnd type="none" w="sm" len="sm"/>
-          </a:ln>
-        </p:spPr>
-        <p:txBody>
-          <a:bodyPr spcFirstLastPara="1" wrap="square" lIns="91425" tIns="91425" rIns="91425" bIns="91425" anchor="ctr" anchorCtr="0">
-            <a:noAutofit/>
-          </a:bodyPr>
-          <a:lstStyle/>
-          <a:p>
-            <a:pPr marL="0" marR="0" lvl="0" indent="0" algn="l" rtl="0">
-              <a:lnSpc>
-                <a:spcPct val="100000"/>
-              </a:lnSpc>
-              <a:spcBef>
-                <a:spcPts val="0"/>
-              </a:spcBef>
-              <a:spcAft>
-                <a:spcPts val="0"/>
-              </a:spcAft>
-              <a:buClr>
-                <a:srgbClr val="000000"/>
-              </a:buClr>
-              <a:buSzPts val="1400"/>
-              <a:buFont typeface="Arial"/>
-              <a:buNone/>
-            </a:pPr>
-            <a:endParaRPr sz="1400" b="0" i="0" u="none" strike="noStrike" cap="none">
-              <a:solidFill>
-                <a:srgbClr val="000000"/>
-              </a:solidFill>
-              <a:latin typeface="Arial"/>
-              <a:ea typeface="Arial"/>
-              <a:cs typeface="Arial"/>
-              <a:sym typeface="Arial"/>
-            </a:endParaRPr>
-          </a:p>
-        </p:txBody>
-      </p:sp>
-      <p:pic>
-        <p:nvPicPr>
           <p:cNvPr id="3074" name="Picture 2">
             <a:extLst>
               <a:ext uri="{FF2B5EF4-FFF2-40B4-BE49-F238E27FC236}">
@@ -20860,13 +20857,13 @@
   <p:clrMapOvr>
     <a:masterClrMapping/>
   </p:clrMapOvr>
-  <mc:AlternateContent xmlns:mc="http://schemas.openxmlformats.org/markup-compatibility/2006">
-    <mc:Choice xmlns:p14="http://schemas.microsoft.com/office/powerpoint/2010/main" Requires="p14">
+  <mc:AlternateContent xmlns:mc="http://schemas.openxmlformats.org/markup-compatibility/2006" xmlns:p14="http://schemas.microsoft.com/office/powerpoint/2010/main">
+    <mc:Choice Requires="p14">
       <p:transition spd="med" p14:dur="700">
         <p:fade/>
       </p:transition>
     </mc:Choice>
-    <mc:Fallback>
+    <mc:Fallback xmlns="">
       <p:transition spd="med">
         <p:fade/>
       </p:transition>
@@ -22019,6 +22016,16 @@
             </a:p>
             <a:p>
               <a:pPr algn="l"/>
+              <a:endParaRPr lang="pt-BR" sz="1200" b="0" i="0" dirty="0">
+                <a:solidFill>
+                  <a:srgbClr val="666666"/>
+                </a:solidFill>
+                <a:effectLst/>
+                <a:latin typeface="Century Gothic" panose="020B0502020202020204" pitchFamily="34" charset="0"/>
+              </a:endParaRPr>
+            </a:p>
+            <a:p>
+              <a:pPr algn="l"/>
               <a:r>
                 <a:rPr lang="pt-BR" sz="1200" b="0" i="0" dirty="0">
                   <a:solidFill>

--- a/Slide/Projeto everis -  Criando uma API REST com .Net Core.pptx
+++ b/Slide/Projeto everis -  Criando uma API REST com .Net Core.pptx
@@ -9523,8 +9523,8 @@
         </p:nvSpPr>
         <p:spPr>
           <a:xfrm>
-            <a:off x="311700" y="1333492"/>
-            <a:ext cx="7860700" cy="3182474"/>
+            <a:off x="259073" y="959686"/>
+            <a:ext cx="7860700" cy="3523877"/>
           </a:xfrm>
           <a:prstGeom prst="rect">
             <a:avLst/>
@@ -9552,7 +9552,7 @@
               <a:buChar char="✔"/>
             </a:pPr>
             <a:r>
-              <a:rPr lang="en-US" sz="1600" dirty="0">
+              <a:rPr lang="pt-BR" sz="1400" dirty="0">
                 <a:solidFill>
                   <a:srgbClr val="073763"/>
                 </a:solidFill>
@@ -9560,7 +9560,7 @@
                 <a:cs typeface="Calibri"/>
                 <a:sym typeface="Calibri"/>
               </a:rPr>
-              <a:t>NET SDK 5.x </a:t>
+              <a:t>.NET SDK 5.0</a:t>
             </a:r>
           </a:p>
           <a:p>
@@ -9574,7 +9574,7 @@
               <a:buSzPts val="2400"/>
             </a:pPr>
             <a:r>
-              <a:rPr lang="en-US" sz="1600" dirty="0">
+              <a:rPr lang="pt-BR" sz="1400" dirty="0">
                 <a:solidFill>
                   <a:srgbClr val="073763"/>
                 </a:solidFill>
@@ -9585,7 +9585,7 @@
               </a:rPr>
               <a:t>https://dotnet.microsoft.com/download/dotnet/thank-you/sdk-5.0.400-windows-x64-installer</a:t>
             </a:r>
-            <a:endParaRPr lang="en-US" sz="1600" dirty="0">
+            <a:endParaRPr lang="pt-BR" sz="1400" dirty="0">
               <a:solidFill>
                 <a:srgbClr val="073763"/>
               </a:solidFill>
@@ -9605,7 +9605,7 @@
               <a:buSzPts val="2400"/>
             </a:pPr>
             <a:r>
-              <a:rPr lang="en-US" sz="1600" dirty="0">
+              <a:rPr lang="pt-BR" sz="1400" dirty="0">
                 <a:solidFill>
                   <a:srgbClr val="073763"/>
                 </a:solidFill>
@@ -9616,7 +9616,7 @@
               </a:rPr>
               <a:t>https://dotnet.microsoft.com/download/dotnet/thank-you/sdk-5.0.400-windows-x86-installer</a:t>
             </a:r>
-            <a:endParaRPr lang="en-US" sz="1600" dirty="0">
+            <a:endParaRPr lang="pt-BR" sz="1400" dirty="0">
               <a:solidFill>
                 <a:srgbClr val="073763"/>
               </a:solidFill>
@@ -9626,35 +9626,10 @@
             </a:endParaRPr>
           </a:p>
           <a:p>
-            <a:pPr marL="76200" indent="0" algn="l">
+            <a:pPr lvl="0" indent="-381000" algn="l">
               <a:lnSpc>
                 <a:spcPct val="150000"/>
               </a:lnSpc>
-              <a:buClr>
-                <a:srgbClr val="073763"/>
-              </a:buClr>
-              <a:buSzPts val="2400"/>
-            </a:pPr>
-            <a:endParaRPr lang="en-US" sz="1600" dirty="0">
-              <a:solidFill>
-                <a:srgbClr val="073763"/>
-              </a:solidFill>
-              <a:latin typeface="Calibri"/>
-              <a:cs typeface="Calibri"/>
-              <a:sym typeface="Calibri"/>
-            </a:endParaRPr>
-          </a:p>
-          <a:p>
-            <a:pPr marL="457200" lvl="0" indent="-381000" algn="l" rtl="0">
-              <a:lnSpc>
-                <a:spcPct val="150000"/>
-              </a:lnSpc>
-              <a:spcBef>
-                <a:spcPts val="0"/>
-              </a:spcBef>
-              <a:spcAft>
-                <a:spcPts val="0"/>
-              </a:spcAft>
               <a:buClr>
                 <a:srgbClr val="073763"/>
               </a:buClr>
@@ -9663,7 +9638,7 @@
               <a:buChar char="✔"/>
             </a:pPr>
             <a:r>
-              <a:rPr lang="en-US" sz="1600" dirty="0">
+              <a:rPr lang="pt-BR" sz="1400" dirty="0" err="1">
                 <a:solidFill>
                   <a:srgbClr val="073763"/>
                 </a:solidFill>
@@ -9674,6 +9649,18 @@
               </a:rPr>
               <a:t>Postman</a:t>
             </a:r>
+            <a:r>
+              <a:rPr lang="pt-BR" sz="1400" dirty="0">
+                <a:solidFill>
+                  <a:srgbClr val="073763"/>
+                </a:solidFill>
+                <a:latin typeface="Calibri"/>
+                <a:ea typeface="Calibri"/>
+                <a:cs typeface="Calibri"/>
+                <a:sym typeface="Calibri"/>
+              </a:rPr>
+              <a:t> –  Testar serviços Web API </a:t>
+            </a:r>
           </a:p>
           <a:p>
             <a:pPr marL="76200" lvl="0" indent="0" algn="l">
@@ -9686,12 +9673,12 @@
               <a:buSzPts val="2400"/>
             </a:pPr>
             <a:r>
-              <a:rPr lang="en-US" sz="1600" dirty="0">
+              <a:rPr lang="pt-BR" sz="1400" dirty="0">
                 <a:hlinkClick r:id="rId6"/>
               </a:rPr>
               <a:t>https://dl.pstmn.io/download/latest/win64</a:t>
             </a:r>
-            <a:endParaRPr lang="en-US" sz="1600" dirty="0"/>
+            <a:endParaRPr lang="pt-BR" sz="1400" dirty="0"/>
           </a:p>
           <a:p>
             <a:pPr marL="76200" lvl="0" indent="0" algn="l">
@@ -9704,12 +9691,213 @@
               <a:buSzPts val="2400"/>
             </a:pPr>
             <a:r>
-              <a:rPr lang="en-US" sz="1600" dirty="0">
+              <a:rPr lang="pt-BR" sz="1400" dirty="0">
                 <a:hlinkClick r:id="rId7"/>
               </a:rPr>
               <a:t>https://dl.pstmn.io/download/latest/win32</a:t>
             </a:r>
-            <a:endParaRPr sz="1600" dirty="0"/>
+            <a:endParaRPr lang="pt-BR" sz="1400" dirty="0"/>
+          </a:p>
+          <a:p>
+            <a:pPr marL="457200" lvl="0" indent="-381000" algn="l" rtl="0">
+              <a:lnSpc>
+                <a:spcPct val="150000"/>
+              </a:lnSpc>
+              <a:spcBef>
+                <a:spcPts val="0"/>
+              </a:spcBef>
+              <a:spcAft>
+                <a:spcPts val="0"/>
+              </a:spcAft>
+              <a:buClr>
+                <a:srgbClr val="073763"/>
+              </a:buClr>
+              <a:buSzPts val="2400"/>
+              <a:buFont typeface="Noto Sans Symbols"/>
+              <a:buChar char="✔"/>
+            </a:pPr>
+            <a:r>
+              <a:rPr lang="pt-BR" sz="1400" dirty="0" err="1">
+                <a:solidFill>
+                  <a:srgbClr val="073763"/>
+                </a:solidFill>
+                <a:latin typeface="Calibri"/>
+                <a:ea typeface="Calibri"/>
+                <a:cs typeface="Calibri"/>
+                <a:sym typeface="Calibri"/>
+              </a:rPr>
+              <a:t>Bogus</a:t>
+            </a:r>
+            <a:r>
+              <a:rPr lang="pt-BR" sz="1400" dirty="0">
+                <a:solidFill>
+                  <a:srgbClr val="073763"/>
+                </a:solidFill>
+                <a:latin typeface="Calibri"/>
+                <a:ea typeface="Calibri"/>
+                <a:cs typeface="Calibri"/>
+                <a:sym typeface="Calibri"/>
+              </a:rPr>
+              <a:t> – Gerador de dados fake</a:t>
+            </a:r>
+          </a:p>
+          <a:p>
+            <a:pPr marL="76200" lvl="0" indent="0" algn="l">
+              <a:lnSpc>
+                <a:spcPct val="150000"/>
+              </a:lnSpc>
+              <a:buClr>
+                <a:srgbClr val="073763"/>
+              </a:buClr>
+              <a:buSzPts val="2400"/>
+            </a:pPr>
+            <a:r>
+              <a:rPr lang="pt-BR" sz="1400" dirty="0">
+                <a:hlinkClick r:id="rId8"/>
+              </a:rPr>
+              <a:t>https://github.com/bchavez/Bogus</a:t>
+            </a:r>
+            <a:endParaRPr lang="pt-BR" sz="1400" dirty="0"/>
+          </a:p>
+          <a:p>
+            <a:pPr lvl="0" indent="-228600" algn="l">
+              <a:buClr>
+                <a:srgbClr val="073763"/>
+              </a:buClr>
+              <a:buSzPts val="2400"/>
+            </a:pPr>
+            <a:r>
+              <a:rPr lang="pt-BR" sz="1400" dirty="0">
+                <a:solidFill>
+                  <a:srgbClr val="073763"/>
+                </a:solidFill>
+                <a:latin typeface="Calibri"/>
+                <a:ea typeface="Calibri"/>
+                <a:cs typeface="Calibri"/>
+                <a:sym typeface="Calibri"/>
+              </a:rPr>
+              <a:t>Comando do terminal: </a:t>
+            </a:r>
+            <a:r>
+              <a:rPr lang="pt-BR" sz="1400" dirty="0" err="1">
+                <a:solidFill>
+                  <a:srgbClr val="073763"/>
+                </a:solidFill>
+                <a:latin typeface="Calibri"/>
+                <a:ea typeface="Calibri"/>
+                <a:cs typeface="Calibri"/>
+                <a:sym typeface="Calibri"/>
+              </a:rPr>
+              <a:t>dotnet</a:t>
+            </a:r>
+            <a:r>
+              <a:rPr lang="pt-BR" sz="1400" dirty="0">
+                <a:solidFill>
+                  <a:srgbClr val="073763"/>
+                </a:solidFill>
+                <a:latin typeface="Calibri"/>
+                <a:ea typeface="Calibri"/>
+                <a:cs typeface="Calibri"/>
+                <a:sym typeface="Calibri"/>
+              </a:rPr>
+              <a:t> </a:t>
+            </a:r>
+            <a:r>
+              <a:rPr lang="pt-BR" sz="1400" dirty="0" err="1">
+                <a:solidFill>
+                  <a:srgbClr val="073763"/>
+                </a:solidFill>
+                <a:latin typeface="Calibri"/>
+                <a:ea typeface="Calibri"/>
+                <a:cs typeface="Calibri"/>
+                <a:sym typeface="Calibri"/>
+              </a:rPr>
+              <a:t>add</a:t>
+            </a:r>
+            <a:r>
+              <a:rPr lang="pt-BR" sz="1400" dirty="0">
+                <a:solidFill>
+                  <a:srgbClr val="073763"/>
+                </a:solidFill>
+                <a:latin typeface="Calibri"/>
+                <a:ea typeface="Calibri"/>
+                <a:cs typeface="Calibri"/>
+                <a:sym typeface="Calibri"/>
+              </a:rPr>
+              <a:t> </a:t>
+            </a:r>
+            <a:r>
+              <a:rPr lang="pt-BR" sz="1400" dirty="0" err="1">
+                <a:solidFill>
+                  <a:srgbClr val="073763"/>
+                </a:solidFill>
+                <a:latin typeface="Calibri"/>
+                <a:ea typeface="Calibri"/>
+                <a:cs typeface="Calibri"/>
+                <a:sym typeface="Calibri"/>
+              </a:rPr>
+              <a:t>package</a:t>
+            </a:r>
+            <a:r>
+              <a:rPr lang="pt-BR" sz="1400" dirty="0">
+                <a:solidFill>
+                  <a:srgbClr val="073763"/>
+                </a:solidFill>
+                <a:latin typeface="Calibri"/>
+                <a:ea typeface="Calibri"/>
+                <a:cs typeface="Calibri"/>
+                <a:sym typeface="Calibri"/>
+              </a:rPr>
+              <a:t> </a:t>
+            </a:r>
+            <a:r>
+              <a:rPr lang="pt-BR" sz="1400" dirty="0" err="1">
+                <a:solidFill>
+                  <a:srgbClr val="073763"/>
+                </a:solidFill>
+                <a:latin typeface="Calibri"/>
+                <a:ea typeface="Calibri"/>
+                <a:cs typeface="Calibri"/>
+                <a:sym typeface="Calibri"/>
+              </a:rPr>
+              <a:t>Bogus</a:t>
+            </a:r>
+            <a:r>
+              <a:rPr lang="pt-BR" sz="1400" dirty="0">
+                <a:solidFill>
+                  <a:srgbClr val="073763"/>
+                </a:solidFill>
+                <a:latin typeface="Calibri"/>
+                <a:ea typeface="Calibri"/>
+                <a:cs typeface="Calibri"/>
+                <a:sym typeface="Calibri"/>
+              </a:rPr>
+              <a:t> --</a:t>
+            </a:r>
+            <a:r>
+              <a:rPr lang="pt-BR" sz="1400" dirty="0" err="1">
+                <a:solidFill>
+                  <a:srgbClr val="073763"/>
+                </a:solidFill>
+                <a:latin typeface="Calibri"/>
+                <a:ea typeface="Calibri"/>
+                <a:cs typeface="Calibri"/>
+                <a:sym typeface="Calibri"/>
+              </a:rPr>
+              <a:t>version</a:t>
+            </a:r>
+            <a:r>
+              <a:rPr lang="pt-BR" sz="1400" dirty="0">
+                <a:solidFill>
+                  <a:srgbClr val="073763"/>
+                </a:solidFill>
+                <a:latin typeface="Calibri"/>
+                <a:ea typeface="Calibri"/>
+                <a:cs typeface="Calibri"/>
+                <a:sym typeface="Calibri"/>
+              </a:rPr>
+              <a:t> 33.0.2</a:t>
+            </a:r>
           </a:p>
           <a:p>
             <a:pPr marL="457200" lvl="0" indent="-228600" algn="l" rtl="0">
@@ -9729,7 +9917,7 @@
               <a:buFont typeface="Calibri"/>
               <a:buNone/>
             </a:pPr>
-            <a:endParaRPr sz="1600" dirty="0">
+            <a:endParaRPr lang="pt-BR" sz="1400" dirty="0">
               <a:solidFill>
                 <a:srgbClr val="073763"/>
               </a:solidFill>
@@ -9757,35 +9945,7 @@
               <a:buFont typeface="Calibri"/>
               <a:buNone/>
             </a:pPr>
-            <a:endParaRPr sz="1600" dirty="0">
-              <a:solidFill>
-                <a:srgbClr val="073763"/>
-              </a:solidFill>
-              <a:latin typeface="Calibri"/>
-              <a:ea typeface="Calibri"/>
-              <a:cs typeface="Calibri"/>
-              <a:sym typeface="Calibri"/>
-            </a:endParaRPr>
-          </a:p>
-          <a:p>
-            <a:pPr marL="457200" lvl="0" indent="-228600" algn="l" rtl="0">
-              <a:lnSpc>
-                <a:spcPct val="100000"/>
-              </a:lnSpc>
-              <a:spcBef>
-                <a:spcPts val="0"/>
-              </a:spcBef>
-              <a:spcAft>
-                <a:spcPts val="0"/>
-              </a:spcAft>
-              <a:buClr>
-                <a:srgbClr val="073763"/>
-              </a:buClr>
-              <a:buSzPts val="2400"/>
-              <a:buFont typeface="Calibri"/>
-              <a:buNone/>
-            </a:pPr>
-            <a:endParaRPr sz="1600" dirty="0">
+            <a:endParaRPr lang="pt-BR" sz="1400" dirty="0">
               <a:solidFill>
                 <a:srgbClr val="073763"/>
               </a:solidFill>
@@ -9912,7 +10072,7 @@
                                         <p:tgtEl>
                                           <p:spTgt spid="117">
                                             <p:txEl>
-                                              <p:pRg st="4" end="4"/>
+                                              <p:pRg st="3" end="3"/>
                                             </p:txEl>
                                           </p:spTgt>
                                         </p:tgtEl>
@@ -9961,7 +10121,7 @@
                                         <p:tgtEl>
                                           <p:spTgt spid="117">
                                             <p:txEl>
-                                              <p:pRg st="5" end="5"/>
+                                              <p:pRg st="4" end="4"/>
                                             </p:txEl>
                                           </p:spTgt>
                                         </p:tgtEl>
@@ -10010,7 +10170,7 @@
                                         <p:tgtEl>
                                           <p:spTgt spid="117">
                                             <p:txEl>
-                                              <p:pRg st="6" end="6"/>
+                                              <p:pRg st="5" end="5"/>
                                             </p:txEl>
                                           </p:spTgt>
                                         </p:tgtEl>
@@ -10059,7 +10219,7 @@
                                         <p:tgtEl>
                                           <p:spTgt spid="117">
                                             <p:txEl>
-                                              <p:pRg st="0" end="0"/>
+                                              <p:pRg st="6" end="6"/>
                                             </p:txEl>
                                           </p:spTgt>
                                         </p:tgtEl>
@@ -10108,7 +10268,7 @@
                                         <p:tgtEl>
                                           <p:spTgt spid="117">
                                             <p:txEl>
-                                              <p:pRg st="1" end="1"/>
+                                              <p:pRg st="7" end="7"/>
                                             </p:txEl>
                                           </p:spTgt>
                                         </p:tgtEl>
@@ -10150,6 +10310,153 @@
                                     <p:set>
                                       <p:cBhvr>
                                         <p:cTn id="26" dur="1" fill="hold">
+                                          <p:stCondLst>
+                                            <p:cond delay="0"/>
+                                          </p:stCondLst>
+                                        </p:cTn>
+                                        <p:tgtEl>
+                                          <p:spTgt spid="117">
+                                            <p:txEl>
+                                              <p:pRg st="8" end="8"/>
+                                            </p:txEl>
+                                          </p:spTgt>
+                                        </p:tgtEl>
+                                        <p:attrNameLst>
+                                          <p:attrName>style.visibility</p:attrName>
+                                        </p:attrNameLst>
+                                      </p:cBhvr>
+                                      <p:to>
+                                        <p:strVal val="visible"/>
+                                      </p:to>
+                                    </p:set>
+                                  </p:childTnLst>
+                                </p:cTn>
+                              </p:par>
+                            </p:childTnLst>
+                          </p:cTn>
+                        </p:par>
+                      </p:childTnLst>
+                    </p:cTn>
+                  </p:par>
+                  <p:par>
+                    <p:cTn id="27" fill="hold">
+                      <p:stCondLst>
+                        <p:cond delay="indefinite"/>
+                      </p:stCondLst>
+                      <p:childTnLst>
+                        <p:par>
+                          <p:cTn id="28" fill="hold">
+                            <p:stCondLst>
+                              <p:cond delay="0"/>
+                            </p:stCondLst>
+                            <p:childTnLst>
+                              <p:par>
+                                <p:cTn id="29" presetID="1" presetClass="entr" presetSubtype="0" fill="hold" nodeType="clickEffect">
+                                  <p:stCondLst>
+                                    <p:cond delay="0"/>
+                                  </p:stCondLst>
+                                  <p:childTnLst>
+                                    <p:set>
+                                      <p:cBhvr>
+                                        <p:cTn id="30" dur="1" fill="hold">
+                                          <p:stCondLst>
+                                            <p:cond delay="0"/>
+                                          </p:stCondLst>
+                                        </p:cTn>
+                                        <p:tgtEl>
+                                          <p:spTgt spid="117">
+                                            <p:txEl>
+                                              <p:pRg st="0" end="0"/>
+                                            </p:txEl>
+                                          </p:spTgt>
+                                        </p:tgtEl>
+                                        <p:attrNameLst>
+                                          <p:attrName>style.visibility</p:attrName>
+                                        </p:attrNameLst>
+                                      </p:cBhvr>
+                                      <p:to>
+                                        <p:strVal val="visible"/>
+                                      </p:to>
+                                    </p:set>
+                                  </p:childTnLst>
+                                </p:cTn>
+                              </p:par>
+                            </p:childTnLst>
+                          </p:cTn>
+                        </p:par>
+                      </p:childTnLst>
+                    </p:cTn>
+                  </p:par>
+                  <p:par>
+                    <p:cTn id="31" fill="hold">
+                      <p:stCondLst>
+                        <p:cond delay="indefinite"/>
+                      </p:stCondLst>
+                      <p:childTnLst>
+                        <p:par>
+                          <p:cTn id="32" fill="hold">
+                            <p:stCondLst>
+                              <p:cond delay="0"/>
+                            </p:stCondLst>
+                            <p:childTnLst>
+                              <p:par>
+                                <p:cTn id="33" presetID="1" presetClass="entr" presetSubtype="0" fill="hold" nodeType="clickEffect">
+                                  <p:stCondLst>
+                                    <p:cond delay="0"/>
+                                  </p:stCondLst>
+                                  <p:childTnLst>
+                                    <p:set>
+                                      <p:cBhvr>
+                                        <p:cTn id="34" dur="1" fill="hold">
+                                          <p:stCondLst>
+                                            <p:cond delay="0"/>
+                                          </p:stCondLst>
+                                        </p:cTn>
+                                        <p:tgtEl>
+                                          <p:spTgt spid="117">
+                                            <p:txEl>
+                                              <p:pRg st="1" end="1"/>
+                                            </p:txEl>
+                                          </p:spTgt>
+                                        </p:tgtEl>
+                                        <p:attrNameLst>
+                                          <p:attrName>style.visibility</p:attrName>
+                                        </p:attrNameLst>
+                                      </p:cBhvr>
+                                      <p:to>
+                                        <p:strVal val="visible"/>
+                                      </p:to>
+                                    </p:set>
+                                  </p:childTnLst>
+                                </p:cTn>
+                              </p:par>
+                            </p:childTnLst>
+                          </p:cTn>
+                        </p:par>
+                      </p:childTnLst>
+                    </p:cTn>
+                  </p:par>
+                  <p:par>
+                    <p:cTn id="35" fill="hold">
+                      <p:stCondLst>
+                        <p:cond delay="indefinite"/>
+                      </p:stCondLst>
+                      <p:childTnLst>
+                        <p:par>
+                          <p:cTn id="36" fill="hold">
+                            <p:stCondLst>
+                              <p:cond delay="0"/>
+                            </p:stCondLst>
+                            <p:childTnLst>
+                              <p:par>
+                                <p:cTn id="37" presetID="1" presetClass="entr" presetSubtype="0" fill="hold" nodeType="clickEffect">
+                                  <p:stCondLst>
+                                    <p:cond delay="0"/>
+                                  </p:stCondLst>
+                                  <p:childTnLst>
+                                    <p:set>
+                                      <p:cBhvr>
+                                        <p:cTn id="38" dur="1" fill="hold">
                                           <p:stCondLst>
                                             <p:cond delay="0"/>
                                           </p:stCondLst>

--- a/Slide/Projeto everis -  Criando uma API REST com .Net Core.pptx
+++ b/Slide/Projeto everis -  Criando uma API REST com .Net Core.pptx
@@ -308,7 +308,7 @@
       </p15:sldGuideLst>
     </p:ext>
     <p:ext uri="http://customooxmlschemas.google.com/">
-      <go:slidesCustomData xmlns:go="http://customooxmlschemas.google.com/" xmlns:ahyp="http://schemas.microsoft.com/office/drawing/2018/hyperlinkcolor" xmlns:p15="http://schemas.microsoft.com/office/powerpoint/2012/main" xmlns:p14="http://schemas.microsoft.com/office/powerpoint/2010/main" xmlns:com="http://schemas.openxmlformats.org/drawingml/2006/compatibility" xmlns:pvml="urn:schemas-microsoft-com:office:powerpoint" xmlns:v="urn:schemas-microsoft-com:vml" xmlns:o="urn:schemas-microsoft-com:office:office" xmlns:dgm="http://schemas.openxmlformats.org/drawingml/2006/diagram" xmlns:c="http://schemas.openxmlformats.org/drawingml/2006/chart" xmlns:mv="urn:schemas-microsoft-com:mac:vml" xmlns:mc="http://schemas.openxmlformats.org/markup-compatibility/2006" xmlns="" r:id="rId41" roundtripDataSignature="AMtx7mhLG0qHwc5KaOFWU3d3cgClDfJ2aA=="/>
+      <go:slidesCustomData xmlns="" xmlns:mc="http://schemas.openxmlformats.org/markup-compatibility/2006" xmlns:mv="urn:schemas-microsoft-com:mac:vml" xmlns:c="http://schemas.openxmlformats.org/drawingml/2006/chart" xmlns:dgm="http://schemas.openxmlformats.org/drawingml/2006/diagram" xmlns:o="urn:schemas-microsoft-com:office:office" xmlns:v="urn:schemas-microsoft-com:vml" xmlns:pvml="urn:schemas-microsoft-com:office:powerpoint" xmlns:com="http://schemas.openxmlformats.org/drawingml/2006/compatibility" xmlns:p14="http://schemas.microsoft.com/office/powerpoint/2010/main" xmlns:p15="http://schemas.microsoft.com/office/powerpoint/2012/main" xmlns:ahyp="http://schemas.microsoft.com/office/drawing/2018/hyperlinkcolor" xmlns:go="http://customooxmlschemas.google.com/" r:id="rId41" roundtripDataSignature="AMtx7mhLG0qHwc5KaOFWU3d3cgClDfJ2aA=="/>
     </p:ext>
   </p:extLst>
 </p:presentation>
@@ -9038,7 +9038,7 @@
         <p:fade/>
       </p:transition>
     </mc:Choice>
-    <mc:Fallback xmlns:ahyp="http://schemas.microsoft.com/office/drawing/2018/hyperlinkcolor" xmlns:p15="http://schemas.microsoft.com/office/powerpoint/2012/main" xmlns:com="http://schemas.openxmlformats.org/drawingml/2006/compatibility" xmlns:pvml="urn:schemas-microsoft-com:office:powerpoint" xmlns:v="urn:schemas-microsoft-com:vml" xmlns:o="urn:schemas-microsoft-com:office:office" xmlns:dgm="http://schemas.openxmlformats.org/drawingml/2006/diagram" xmlns:c="http://schemas.openxmlformats.org/drawingml/2006/chart" xmlns:mv="urn:schemas-microsoft-com:mac:vml" xmlns="">
+    <mc:Fallback xmlns="" xmlns:mv="urn:schemas-microsoft-com:mac:vml" xmlns:c="http://schemas.openxmlformats.org/drawingml/2006/chart" xmlns:dgm="http://schemas.openxmlformats.org/drawingml/2006/diagram" xmlns:o="urn:schemas-microsoft-com:office:office" xmlns:v="urn:schemas-microsoft-com:vml" xmlns:pvml="urn:schemas-microsoft-com:office:powerpoint" xmlns:com="http://schemas.openxmlformats.org/drawingml/2006/compatibility" xmlns:p15="http://schemas.microsoft.com/office/powerpoint/2012/main" xmlns:ahyp="http://schemas.microsoft.com/office/drawing/2018/hyperlinkcolor">
       <p:transition spd="slow">
         <p:fade/>
       </p:transition>
@@ -9374,13 +9374,13 @@
   <p:clrMapOvr>
     <a:masterClrMapping/>
   </p:clrMapOvr>
-  <mc:AlternateContent xmlns:mc="http://schemas.openxmlformats.org/markup-compatibility/2006">
-    <mc:Choice xmlns:p14="http://schemas.microsoft.com/office/powerpoint/2010/main" Requires="p14">
+  <mc:AlternateContent xmlns:mc="http://schemas.openxmlformats.org/markup-compatibility/2006" xmlns:p14="http://schemas.microsoft.com/office/powerpoint/2010/main">
+    <mc:Choice Requires="p14">
       <p:transition spd="med" p14:dur="700">
         <p:fade/>
       </p:transition>
     </mc:Choice>
-    <mc:Fallback>
+    <mc:Fallback xmlns="">
       <p:transition spd="med">
         <p:fade/>
       </p:transition>
@@ -10030,7 +10030,7 @@
         <p:fade/>
       </p:transition>
     </mc:Choice>
-    <mc:Fallback xmlns:ahyp="http://schemas.microsoft.com/office/drawing/2018/hyperlinkcolor" xmlns:p15="http://schemas.microsoft.com/office/powerpoint/2012/main" xmlns:com="http://schemas.openxmlformats.org/drawingml/2006/compatibility" xmlns:pvml="urn:schemas-microsoft-com:office:powerpoint" xmlns:v="urn:schemas-microsoft-com:vml" xmlns:o="urn:schemas-microsoft-com:office:office" xmlns:dgm="http://schemas.openxmlformats.org/drawingml/2006/diagram" xmlns:c="http://schemas.openxmlformats.org/drawingml/2006/chart" xmlns:mv="urn:schemas-microsoft-com:mac:vml" xmlns="">
+    <mc:Fallback xmlns="" xmlns:mv="urn:schemas-microsoft-com:mac:vml" xmlns:c="http://schemas.openxmlformats.org/drawingml/2006/chart" xmlns:dgm="http://schemas.openxmlformats.org/drawingml/2006/diagram" xmlns:o="urn:schemas-microsoft-com:office:office" xmlns:v="urn:schemas-microsoft-com:vml" xmlns:pvml="urn:schemas-microsoft-com:office:powerpoint" xmlns:com="http://schemas.openxmlformats.org/drawingml/2006/compatibility" xmlns:p15="http://schemas.microsoft.com/office/powerpoint/2012/main" xmlns:ahyp="http://schemas.microsoft.com/office/drawing/2018/hyperlinkcolor">
       <p:transition spd="slow">
         <p:fade/>
       </p:transition>
@@ -11392,7 +11392,7 @@
         <p:fade/>
       </p:transition>
     </mc:Choice>
-    <mc:Fallback xmlns:ahyp="http://schemas.microsoft.com/office/drawing/2018/hyperlinkcolor" xmlns:p15="http://schemas.microsoft.com/office/powerpoint/2012/main" xmlns:com="http://schemas.openxmlformats.org/drawingml/2006/compatibility" xmlns:pvml="urn:schemas-microsoft-com:office:powerpoint" xmlns:v="urn:schemas-microsoft-com:vml" xmlns:o="urn:schemas-microsoft-com:office:office" xmlns:dgm="http://schemas.openxmlformats.org/drawingml/2006/diagram" xmlns:c="http://schemas.openxmlformats.org/drawingml/2006/chart" xmlns:mv="urn:schemas-microsoft-com:mac:vml" xmlns="">
+    <mc:Fallback xmlns="" xmlns:mv="urn:schemas-microsoft-com:mac:vml" xmlns:c="http://schemas.openxmlformats.org/drawingml/2006/chart" xmlns:dgm="http://schemas.openxmlformats.org/drawingml/2006/diagram" xmlns:o="urn:schemas-microsoft-com:office:office" xmlns:v="urn:schemas-microsoft-com:vml" xmlns:pvml="urn:schemas-microsoft-com:office:powerpoint" xmlns:com="http://schemas.openxmlformats.org/drawingml/2006/compatibility" xmlns:p15="http://schemas.microsoft.com/office/powerpoint/2012/main" xmlns:ahyp="http://schemas.microsoft.com/office/drawing/2018/hyperlinkcolor">
       <p:transition spd="slow">
         <p:fade/>
       </p:transition>
@@ -12063,7 +12063,7 @@
         <p:fade/>
       </p:transition>
     </mc:Choice>
-    <mc:Fallback xmlns:ahyp="http://schemas.microsoft.com/office/drawing/2018/hyperlinkcolor" xmlns:p15="http://schemas.microsoft.com/office/powerpoint/2012/main" xmlns:com="http://schemas.openxmlformats.org/drawingml/2006/compatibility" xmlns:pvml="urn:schemas-microsoft-com:office:powerpoint" xmlns:v="urn:schemas-microsoft-com:vml" xmlns:o="urn:schemas-microsoft-com:office:office" xmlns:dgm="http://schemas.openxmlformats.org/drawingml/2006/diagram" xmlns:c="http://schemas.openxmlformats.org/drawingml/2006/chart" xmlns:mv="urn:schemas-microsoft-com:mac:vml" xmlns="">
+    <mc:Fallback xmlns="" xmlns:mv="urn:schemas-microsoft-com:mac:vml" xmlns:c="http://schemas.openxmlformats.org/drawingml/2006/chart" xmlns:dgm="http://schemas.openxmlformats.org/drawingml/2006/diagram" xmlns:o="urn:schemas-microsoft-com:office:office" xmlns:v="urn:schemas-microsoft-com:vml" xmlns:pvml="urn:schemas-microsoft-com:office:powerpoint" xmlns:com="http://schemas.openxmlformats.org/drawingml/2006/compatibility" xmlns:p15="http://schemas.microsoft.com/office/powerpoint/2012/main" xmlns:ahyp="http://schemas.microsoft.com/office/drawing/2018/hyperlinkcolor">
       <p:transition spd="slow">
         <p:fade/>
       </p:transition>
@@ -12651,7 +12651,7 @@
         <p:fade/>
       </p:transition>
     </mc:Choice>
-    <mc:Fallback xmlns:ahyp="http://schemas.microsoft.com/office/drawing/2018/hyperlinkcolor" xmlns:p15="http://schemas.microsoft.com/office/powerpoint/2012/main" xmlns:com="http://schemas.openxmlformats.org/drawingml/2006/compatibility" xmlns:pvml="urn:schemas-microsoft-com:office:powerpoint" xmlns:v="urn:schemas-microsoft-com:vml" xmlns:o="urn:schemas-microsoft-com:office:office" xmlns:dgm="http://schemas.openxmlformats.org/drawingml/2006/diagram" xmlns:c="http://schemas.openxmlformats.org/drawingml/2006/chart" xmlns:mv="urn:schemas-microsoft-com:mac:vml" xmlns="">
+    <mc:Fallback xmlns="" xmlns:mv="urn:schemas-microsoft-com:mac:vml" xmlns:c="http://schemas.openxmlformats.org/drawingml/2006/chart" xmlns:dgm="http://schemas.openxmlformats.org/drawingml/2006/diagram" xmlns:o="urn:schemas-microsoft-com:office:office" xmlns:v="urn:schemas-microsoft-com:vml" xmlns:pvml="urn:schemas-microsoft-com:office:powerpoint" xmlns:com="http://schemas.openxmlformats.org/drawingml/2006/compatibility" xmlns:p15="http://schemas.microsoft.com/office/powerpoint/2012/main" xmlns:ahyp="http://schemas.microsoft.com/office/drawing/2018/hyperlinkcolor">
       <p:transition spd="slow">
         <p:fade/>
       </p:transition>
@@ -13504,7 +13504,7 @@
         <p:fade/>
       </p:transition>
     </mc:Choice>
-    <mc:Fallback xmlns:ahyp="http://schemas.microsoft.com/office/drawing/2018/hyperlinkcolor" xmlns:p15="http://schemas.microsoft.com/office/powerpoint/2012/main" xmlns:com="http://schemas.openxmlformats.org/drawingml/2006/compatibility" xmlns:pvml="urn:schemas-microsoft-com:office:powerpoint" xmlns:v="urn:schemas-microsoft-com:vml" xmlns:o="urn:schemas-microsoft-com:office:office" xmlns:dgm="http://schemas.openxmlformats.org/drawingml/2006/diagram" xmlns:c="http://schemas.openxmlformats.org/drawingml/2006/chart" xmlns:mv="urn:schemas-microsoft-com:mac:vml" xmlns="">
+    <mc:Fallback xmlns="" xmlns:mv="urn:schemas-microsoft-com:mac:vml" xmlns:c="http://schemas.openxmlformats.org/drawingml/2006/chart" xmlns:dgm="http://schemas.openxmlformats.org/drawingml/2006/diagram" xmlns:o="urn:schemas-microsoft-com:office:office" xmlns:v="urn:schemas-microsoft-com:vml" xmlns:pvml="urn:schemas-microsoft-com:office:powerpoint" xmlns:com="http://schemas.openxmlformats.org/drawingml/2006/compatibility" xmlns:p15="http://schemas.microsoft.com/office/powerpoint/2012/main" xmlns:ahyp="http://schemas.microsoft.com/office/drawing/2018/hyperlinkcolor">
       <p:transition spd="slow">
         <p:fade/>
       </p:transition>
@@ -13687,7 +13687,7 @@
                 <a:cs typeface="Calibri"/>
                 <a:sym typeface="Calibri"/>
               </a:rPr>
-              <a:t>Entendo</a:t>
+              <a:t>Entendendo</a:t>
             </a:r>
             <a:r>
               <a:rPr lang="en-US" sz="2400" dirty="0">
@@ -13740,7 +13740,7 @@
                 <a:cs typeface="Calibri"/>
                 <a:sym typeface="Calibri"/>
               </a:rPr>
-              <a:t>Entendo</a:t>
+              <a:t>Entendendo</a:t>
             </a:r>
             <a:r>
               <a:rPr lang="en-US" sz="2400" dirty="0">
@@ -13919,7 +13919,7 @@
         <p:fade/>
       </p:transition>
     </mc:Choice>
-    <mc:Fallback xmlns:ahyp="http://schemas.microsoft.com/office/drawing/2018/hyperlinkcolor" xmlns:p15="http://schemas.microsoft.com/office/powerpoint/2012/main" xmlns:com="http://schemas.openxmlformats.org/drawingml/2006/compatibility" xmlns:pvml="urn:schemas-microsoft-com:office:powerpoint" xmlns:v="urn:schemas-microsoft-com:vml" xmlns:o="urn:schemas-microsoft-com:office:office" xmlns:dgm="http://schemas.openxmlformats.org/drawingml/2006/diagram" xmlns:c="http://schemas.openxmlformats.org/drawingml/2006/chart" xmlns:mv="urn:schemas-microsoft-com:mac:vml" xmlns="">
+    <mc:Fallback xmlns="" xmlns:mv="urn:schemas-microsoft-com:mac:vml" xmlns:c="http://schemas.openxmlformats.org/drawingml/2006/chart" xmlns:dgm="http://schemas.openxmlformats.org/drawingml/2006/diagram" xmlns:o="urn:schemas-microsoft-com:office:office" xmlns:v="urn:schemas-microsoft-com:vml" xmlns:pvml="urn:schemas-microsoft-com:office:powerpoint" xmlns:com="http://schemas.openxmlformats.org/drawingml/2006/compatibility" xmlns:p15="http://schemas.microsoft.com/office/powerpoint/2012/main" xmlns:ahyp="http://schemas.microsoft.com/office/drawing/2018/hyperlinkcolor">
       <p:transition spd="slow">
         <p:fade/>
       </p:transition>
@@ -14723,7 +14723,7 @@
         <p:fade/>
       </p:transition>
     </mc:Choice>
-    <mc:Fallback xmlns:ahyp="http://schemas.microsoft.com/office/drawing/2018/hyperlinkcolor" xmlns:p15="http://schemas.microsoft.com/office/powerpoint/2012/main" xmlns:com="http://schemas.openxmlformats.org/drawingml/2006/compatibility" xmlns:pvml="urn:schemas-microsoft-com:office:powerpoint" xmlns:v="urn:schemas-microsoft-com:vml" xmlns:o="urn:schemas-microsoft-com:office:office" xmlns:dgm="http://schemas.openxmlformats.org/drawingml/2006/diagram" xmlns:c="http://schemas.openxmlformats.org/drawingml/2006/chart" xmlns:mv="urn:schemas-microsoft-com:mac:vml" xmlns="">
+    <mc:Fallback xmlns="" xmlns:mv="urn:schemas-microsoft-com:mac:vml" xmlns:c="http://schemas.openxmlformats.org/drawingml/2006/chart" xmlns:dgm="http://schemas.openxmlformats.org/drawingml/2006/diagram" xmlns:o="urn:schemas-microsoft-com:office:office" xmlns:v="urn:schemas-microsoft-com:vml" xmlns:pvml="urn:schemas-microsoft-com:office:powerpoint" xmlns:com="http://schemas.openxmlformats.org/drawingml/2006/compatibility" xmlns:p15="http://schemas.microsoft.com/office/powerpoint/2012/main" xmlns:ahyp="http://schemas.microsoft.com/office/drawing/2018/hyperlinkcolor">
       <p:transition spd="slow">
         <p:fade/>
       </p:transition>
@@ -14938,7 +14938,7 @@
                 <a:cs typeface="Calibri"/>
                 <a:sym typeface="Calibri"/>
               </a:rPr>
-              <a:t> a classes de </a:t>
+              <a:t> as classes de </a:t>
             </a:r>
             <a:r>
               <a:rPr lang="en-US" sz="2400" dirty="0" err="1">
@@ -15015,7 +15015,7 @@
                 <a:cs typeface="Calibri"/>
                 <a:sym typeface="Calibri"/>
               </a:rPr>
-              <a:t> a </a:t>
+              <a:t> as </a:t>
             </a:r>
             <a:r>
               <a:rPr lang="en-US" sz="2400" dirty="0" err="1">
@@ -15098,7 +15098,7 @@
                 <a:cs typeface="Calibri"/>
                 <a:sym typeface="Calibri"/>
               </a:rPr>
-              <a:t>Configuração</a:t>
+              <a:t>Configurações</a:t>
             </a:r>
             <a:r>
               <a:rPr lang="en-US" sz="2400" dirty="0">
@@ -15169,7 +15169,7 @@
                 <a:cs typeface="Calibri"/>
                 <a:sym typeface="Calibri"/>
               </a:rPr>
-              <a:t>Especificando parâmetros opcionais, valores padrão e restrições da rota de atributo</a:t>
+              <a:t>Especificando parâmetros opcionais, valores padrão e restrições da rota por atributo</a:t>
             </a:r>
             <a:r>
               <a:rPr lang="en-US" sz="2400" dirty="0">
@@ -15311,7 +15311,7 @@
         <p:fade/>
       </p:transition>
     </mc:Choice>
-    <mc:Fallback xmlns:ahyp="http://schemas.microsoft.com/office/drawing/2018/hyperlinkcolor" xmlns:p15="http://schemas.microsoft.com/office/powerpoint/2012/main" xmlns:com="http://schemas.openxmlformats.org/drawingml/2006/compatibility" xmlns:pvml="urn:schemas-microsoft-com:office:powerpoint" xmlns:v="urn:schemas-microsoft-com:vml" xmlns:o="urn:schemas-microsoft-com:office:office" xmlns:dgm="http://schemas.openxmlformats.org/drawingml/2006/diagram" xmlns:c="http://schemas.openxmlformats.org/drawingml/2006/chart" xmlns:mv="urn:schemas-microsoft-com:mac:vml" xmlns="">
+    <mc:Fallback xmlns="" xmlns:mv="urn:schemas-microsoft-com:mac:vml" xmlns:c="http://schemas.openxmlformats.org/drawingml/2006/chart" xmlns:dgm="http://schemas.openxmlformats.org/drawingml/2006/diagram" xmlns:o="urn:schemas-microsoft-com:office:office" xmlns:v="urn:schemas-microsoft-com:vml" xmlns:pvml="urn:schemas-microsoft-com:office:powerpoint" xmlns:com="http://schemas.openxmlformats.org/drawingml/2006/compatibility" xmlns:p15="http://schemas.microsoft.com/office/powerpoint/2012/main" xmlns:ahyp="http://schemas.microsoft.com/office/drawing/2018/hyperlinkcolor">
       <p:transition spd="slow">
         <p:fade/>
       </p:transition>
@@ -16213,7 +16213,7 @@
         <p:fade/>
       </p:transition>
     </mc:Choice>
-    <mc:Fallback xmlns:ahyp="http://schemas.microsoft.com/office/drawing/2018/hyperlinkcolor" xmlns:p15="http://schemas.microsoft.com/office/powerpoint/2012/main" xmlns:com="http://schemas.openxmlformats.org/drawingml/2006/compatibility" xmlns:pvml="urn:schemas-microsoft-com:office:powerpoint" xmlns:v="urn:schemas-microsoft-com:vml" xmlns:o="urn:schemas-microsoft-com:office:office" xmlns:dgm="http://schemas.openxmlformats.org/drawingml/2006/diagram" xmlns:c="http://schemas.openxmlformats.org/drawingml/2006/chart" xmlns:mv="urn:schemas-microsoft-com:mac:vml" xmlns="">
+    <mc:Fallback xmlns="" xmlns:mv="urn:schemas-microsoft-com:mac:vml" xmlns:c="http://schemas.openxmlformats.org/drawingml/2006/chart" xmlns:dgm="http://schemas.openxmlformats.org/drawingml/2006/diagram" xmlns:o="urn:schemas-microsoft-com:office:office" xmlns:v="urn:schemas-microsoft-com:vml" xmlns:pvml="urn:schemas-microsoft-com:office:powerpoint" xmlns:com="http://schemas.openxmlformats.org/drawingml/2006/compatibility" xmlns:p15="http://schemas.microsoft.com/office/powerpoint/2012/main" xmlns:ahyp="http://schemas.microsoft.com/office/drawing/2018/hyperlinkcolor">
       <p:transition spd="slow">
         <p:fade/>
       </p:transition>
@@ -16288,14 +16288,38 @@
             <a:r>
               <a:rPr lang="en-US" sz="2000" dirty="0">
                 <a:solidFill>
-                  <a:srgbClr val="404040"/>
+                  <a:srgbClr val="92D050"/>
                 </a:solidFill>
                 <a:latin typeface="Century Gothic"/>
                 <a:ea typeface="Century Gothic"/>
                 <a:cs typeface="Century Gothic"/>
                 <a:sym typeface="Century Gothic"/>
               </a:rPr>
-              <a:t>[Thiago Almeida]</a:t>
+              <a:t>{</a:t>
+            </a:r>
+            <a:r>
+              <a:rPr lang="en-US" sz="2000" dirty="0">
+                <a:solidFill>
+                  <a:srgbClr val="404040"/>
+                </a:solidFill>
+                <a:latin typeface="Century Gothic"/>
+                <a:ea typeface="Century Gothic"/>
+                <a:cs typeface="Century Gothic"/>
+                <a:sym typeface="Century Gothic"/>
+              </a:rPr>
+              <a:t>Thiago Almeida</a:t>
+            </a:r>
+            <a:r>
+              <a:rPr lang="en-US" sz="2000" dirty="0">
+                <a:solidFill>
+                  <a:srgbClr val="92D050"/>
+                </a:solidFill>
+                <a:latin typeface="Century Gothic"/>
+                <a:ea typeface="Century Gothic"/>
+                <a:cs typeface="Century Gothic"/>
+                <a:sym typeface="Century Gothic"/>
+              </a:rPr>
+              <a:t>}</a:t>
             </a:r>
             <a:br>
               <a:rPr lang="en-US" sz="2000" dirty="0">
@@ -16318,11 +16342,23 @@
                 <a:cs typeface="Century Gothic"/>
                 <a:sym typeface="Century Gothic"/>
               </a:rPr>
-              <a:t>[Developer ]</a:t>
+              <a:t>Developer – </a:t>
+            </a:r>
+            <a:r>
+              <a:rPr lang="en-US" sz="1500" dirty="0" err="1">
+                <a:solidFill>
+                  <a:srgbClr val="404040"/>
+                </a:solidFill>
+                <a:latin typeface="Century Gothic"/>
+                <a:ea typeface="Century Gothic"/>
+                <a:cs typeface="Century Gothic"/>
+                <a:sym typeface="Century Gothic"/>
+              </a:rPr>
+              <a:t>everis</a:t>
             </a:r>
             <a:endParaRPr sz="1500" dirty="0">
               <a:solidFill>
-                <a:srgbClr val="404040"/>
+                <a:srgbClr val="92D050"/>
               </a:solidFill>
               <a:latin typeface="Century Gothic"/>
               <a:ea typeface="Century Gothic"/>
@@ -16969,7 +17005,7 @@
                 <a:cs typeface="Calibri"/>
                 <a:sym typeface="Calibri"/>
               </a:rPr>
-              <a:t>Parâmetros</a:t>
+              <a:t>parâmetros</a:t>
             </a:r>
             <a:r>
               <a:rPr lang="en-US" sz="2400" dirty="0">
@@ -17100,7 +17136,7 @@
         <p:fade/>
       </p:transition>
     </mc:Choice>
-    <mc:Fallback xmlns:ahyp="http://schemas.microsoft.com/office/drawing/2018/hyperlinkcolor" xmlns:p15="http://schemas.microsoft.com/office/powerpoint/2012/main" xmlns:com="http://schemas.openxmlformats.org/drawingml/2006/compatibility" xmlns:pvml="urn:schemas-microsoft-com:office:powerpoint" xmlns:v="urn:schemas-microsoft-com:vml" xmlns:o="urn:schemas-microsoft-com:office:office" xmlns:dgm="http://schemas.openxmlformats.org/drawingml/2006/diagram" xmlns:c="http://schemas.openxmlformats.org/drawingml/2006/chart" xmlns:mv="urn:schemas-microsoft-com:mac:vml" xmlns="">
+    <mc:Fallback xmlns="" xmlns:mv="urn:schemas-microsoft-com:mac:vml" xmlns:c="http://schemas.openxmlformats.org/drawingml/2006/chart" xmlns:dgm="http://schemas.openxmlformats.org/drawingml/2006/diagram" xmlns:o="urn:schemas-microsoft-com:office:office" xmlns:v="urn:schemas-microsoft-com:vml" xmlns:pvml="urn:schemas-microsoft-com:office:powerpoint" xmlns:com="http://schemas.openxmlformats.org/drawingml/2006/compatibility" xmlns:p15="http://schemas.microsoft.com/office/powerpoint/2012/main" xmlns:ahyp="http://schemas.microsoft.com/office/drawing/2018/hyperlinkcolor">
       <p:transition spd="slow">
         <p:fade/>
       </p:transition>
@@ -18653,7 +18689,7 @@
         <p:fade/>
       </p:transition>
     </mc:Choice>
-    <mc:Fallback xmlns:ahyp="http://schemas.microsoft.com/office/drawing/2018/hyperlinkcolor" xmlns:p15="http://schemas.microsoft.com/office/powerpoint/2012/main" xmlns:com="http://schemas.openxmlformats.org/drawingml/2006/compatibility" xmlns:pvml="urn:schemas-microsoft-com:office:powerpoint" xmlns:v="urn:schemas-microsoft-com:vml" xmlns:o="urn:schemas-microsoft-com:office:office" xmlns:dgm="http://schemas.openxmlformats.org/drawingml/2006/diagram" xmlns:c="http://schemas.openxmlformats.org/drawingml/2006/chart" xmlns:mv="urn:schemas-microsoft-com:mac:vml" xmlns="">
+    <mc:Fallback xmlns="" xmlns:mv="urn:schemas-microsoft-com:mac:vml" xmlns:c="http://schemas.openxmlformats.org/drawingml/2006/chart" xmlns:dgm="http://schemas.openxmlformats.org/drawingml/2006/diagram" xmlns:o="urn:schemas-microsoft-com:office:office" xmlns:v="urn:schemas-microsoft-com:vml" xmlns:pvml="urn:schemas-microsoft-com:office:powerpoint" xmlns:com="http://schemas.openxmlformats.org/drawingml/2006/compatibility" xmlns:p15="http://schemas.microsoft.com/office/powerpoint/2012/main" xmlns:ahyp="http://schemas.microsoft.com/office/drawing/2018/hyperlinkcolor">
       <p:transition spd="slow">
         <p:fade/>
       </p:transition>
@@ -19265,7 +19301,7 @@
         <p:fade/>
       </p:transition>
     </mc:Choice>
-    <mc:Fallback xmlns:ahyp="http://schemas.microsoft.com/office/drawing/2018/hyperlinkcolor" xmlns:p15="http://schemas.microsoft.com/office/powerpoint/2012/main" xmlns:com="http://schemas.openxmlformats.org/drawingml/2006/compatibility" xmlns:pvml="urn:schemas-microsoft-com:office:powerpoint" xmlns:v="urn:schemas-microsoft-com:vml" xmlns:o="urn:schemas-microsoft-com:office:office" xmlns:dgm="http://schemas.openxmlformats.org/drawingml/2006/diagram" xmlns:c="http://schemas.openxmlformats.org/drawingml/2006/chart" xmlns:mv="urn:schemas-microsoft-com:mac:vml" xmlns="">
+    <mc:Fallback xmlns="" xmlns:mv="urn:schemas-microsoft-com:mac:vml" xmlns:c="http://schemas.openxmlformats.org/drawingml/2006/chart" xmlns:dgm="http://schemas.openxmlformats.org/drawingml/2006/diagram" xmlns:o="urn:schemas-microsoft-com:office:office" xmlns:v="urn:schemas-microsoft-com:vml" xmlns:pvml="urn:schemas-microsoft-com:office:powerpoint" xmlns:com="http://schemas.openxmlformats.org/drawingml/2006/compatibility" xmlns:p15="http://schemas.microsoft.com/office/powerpoint/2012/main" xmlns:ahyp="http://schemas.microsoft.com/office/drawing/2018/hyperlinkcolor">
       <p:transition spd="slow">
         <p:fade/>
       </p:transition>
@@ -19700,7 +19736,7 @@
           </a:bodyPr>
           <a:lstStyle/>
           <a:p>
-            <a:pPr marL="0" lvl="1" indent="0" algn="ctr" rtl="0">
+            <a:pPr marL="0" lvl="1" indent="0" algn="just" rtl="0">
               <a:lnSpc>
                 <a:spcPct val="100000"/>
               </a:lnSpc>
@@ -19738,7 +19774,7 @@
                 <a:cs typeface="Calibri"/>
                 <a:sym typeface="Calibri"/>
               </a:rPr>
-              <a:t>EverisStore</a:t>
+              <a:t>everisStore</a:t>
             </a:r>
             <a:r>
               <a:rPr lang="pt-BR" dirty="0">
@@ -19750,7 +19786,7 @@
                 <a:cs typeface="Calibri"/>
                 <a:sym typeface="Calibri"/>
               </a:rPr>
-              <a:t>, referente a um modelo de E-commerce, utilizando Web API Core com .NET 5.x e software de </a:t>
+              <a:t>, referente a um modelo de e-commerce, utilizando API Core com .NET 5 e software de </a:t>
             </a:r>
             <a:r>
               <a:rPr lang="pt-BR" dirty="0" err="1">
@@ -19876,7 +19912,7 @@
         <p:fade/>
       </p:transition>
     </mc:Choice>
-    <mc:Fallback xmlns:ahyp="http://schemas.microsoft.com/office/drawing/2018/hyperlinkcolor" xmlns:p15="http://schemas.microsoft.com/office/powerpoint/2012/main" xmlns:com="http://schemas.openxmlformats.org/drawingml/2006/compatibility" xmlns:pvml="urn:schemas-microsoft-com:office:powerpoint" xmlns:v="urn:schemas-microsoft-com:vml" xmlns:o="urn:schemas-microsoft-com:office:office" xmlns:dgm="http://schemas.openxmlformats.org/drawingml/2006/diagram" xmlns:c="http://schemas.openxmlformats.org/drawingml/2006/chart" xmlns:mv="urn:schemas-microsoft-com:mac:vml" xmlns="">
+    <mc:Fallback xmlns="" xmlns:mv="urn:schemas-microsoft-com:mac:vml" xmlns:c="http://schemas.openxmlformats.org/drawingml/2006/chart" xmlns:dgm="http://schemas.openxmlformats.org/drawingml/2006/diagram" xmlns:o="urn:schemas-microsoft-com:office:office" xmlns:v="urn:schemas-microsoft-com:vml" xmlns:pvml="urn:schemas-microsoft-com:office:powerpoint" xmlns:com="http://schemas.openxmlformats.org/drawingml/2006/compatibility" xmlns:p15="http://schemas.microsoft.com/office/powerpoint/2012/main" xmlns:ahyp="http://schemas.microsoft.com/office/drawing/2018/hyperlinkcolor">
       <p:transition spd="slow">
         <p:fade/>
       </p:transition>
@@ -20224,6 +20260,7 @@
           </a:bodyPr>
           <a:lstStyle/>
           <a:p>
+            <a:pPr algn="just"/>
             <a:r>
               <a:rPr lang="pt-BR" sz="2800" b="0" i="0" dirty="0">
                 <a:solidFill>
@@ -21719,7 +21756,7 @@
               </a:r>
             </a:p>
             <a:p>
-              <a:pPr algn="l"/>
+              <a:pPr algn="just"/>
               <a:r>
                 <a:rPr lang="pt-BR" sz="1200" b="0" i="0" dirty="0">
                   <a:solidFill>
@@ -22012,7 +22049,7 @@
             <a:bodyPr rtlCol="0" anchor="ctr"/>
             <a:lstStyle/>
             <a:p>
-              <a:pPr algn="l"/>
+              <a:pPr algn="just"/>
               <a:r>
                 <a:rPr lang="pt-BR" sz="1200" b="0" i="0" dirty="0">
                   <a:solidFill>
@@ -22345,7 +22382,6 @@
               </a:r>
             </a:p>
             <a:p>
-              <a:pPr algn="l"/>
               <a:r>
                 <a:rPr lang="pt-BR" sz="1200" b="0" i="0" dirty="0">
                   <a:solidFill>
@@ -22752,7 +22788,7 @@
               </a:endParaRPr>
             </a:p>
             <a:p>
-              <a:pPr algn="l"/>
+              <a:pPr algn="just"/>
               <a:r>
                 <a:rPr lang="pt-BR" sz="1000" b="0" i="0" dirty="0">
                   <a:solidFill>

--- a/Slide/Projeto everis -  Criando uma API REST com .Net Core.pptx
+++ b/Slide/Projeto everis -  Criando uma API REST com .Net Core.pptx
@@ -42,7 +42,7 @@
       <p:boldItalic r:id="rId28"/>
     </p:embeddedFont>
     <p:embeddedFont>
-      <p:font typeface="Century Gothic" panose="020B0502020202020204" pitchFamily="34" charset="0"/>
+      <p:font typeface="Century Gothic" panose="020B0604020202020204" charset="0"/>
       <p:regular r:id="rId29"/>
       <p:bold r:id="rId30"/>
       <p:italic r:id="rId31"/>
@@ -56,7 +56,7 @@
       <p:boldItalic r:id="rId36"/>
     </p:embeddedFont>
     <p:embeddedFont>
-      <p:font typeface="Roboto" panose="02000000000000000000" pitchFamily="2" charset="0"/>
+      <p:font typeface="Roboto" panose="020B0604020202020204" charset="0"/>
       <p:regular r:id="rId37"/>
       <p:bold r:id="rId38"/>
       <p:italic r:id="rId39"/>
@@ -308,10 +308,230 @@
       </p15:sldGuideLst>
     </p:ext>
     <p:ext uri="http://customooxmlschemas.google.com/">
-      <go:slidesCustomData xmlns="" xmlns:mc="http://schemas.openxmlformats.org/markup-compatibility/2006" xmlns:mv="urn:schemas-microsoft-com:mac:vml" xmlns:c="http://schemas.openxmlformats.org/drawingml/2006/chart" xmlns:dgm="http://schemas.openxmlformats.org/drawingml/2006/diagram" xmlns:o="urn:schemas-microsoft-com:office:office" xmlns:v="urn:schemas-microsoft-com:vml" xmlns:pvml="urn:schemas-microsoft-com:office:powerpoint" xmlns:com="http://schemas.openxmlformats.org/drawingml/2006/compatibility" xmlns:p14="http://schemas.microsoft.com/office/powerpoint/2010/main" xmlns:p15="http://schemas.microsoft.com/office/powerpoint/2012/main" xmlns:ahyp="http://schemas.microsoft.com/office/drawing/2018/hyperlinkcolor" xmlns:go="http://customooxmlschemas.google.com/" r:id="rId41" roundtripDataSignature="AMtx7mhLG0qHwc5KaOFWU3d3cgClDfJ2aA=="/>
+      <go:slidesCustomData xmlns:go="http://customooxmlschemas.google.com/" xmlns:ahyp="http://schemas.microsoft.com/office/drawing/2018/hyperlinkcolor" xmlns:p15="http://schemas.microsoft.com/office/powerpoint/2012/main" xmlns:p14="http://schemas.microsoft.com/office/powerpoint/2010/main" xmlns:com="http://schemas.openxmlformats.org/drawingml/2006/compatibility" xmlns:pvml="urn:schemas-microsoft-com:office:powerpoint" xmlns:v="urn:schemas-microsoft-com:vml" xmlns:o="urn:schemas-microsoft-com:office:office" xmlns:dgm="http://schemas.openxmlformats.org/drawingml/2006/diagram" xmlns:c="http://schemas.openxmlformats.org/drawingml/2006/chart" xmlns:mv="urn:schemas-microsoft-com:mac:vml" xmlns:mc="http://schemas.openxmlformats.org/markup-compatibility/2006" xmlns="" r:id="rId41" roundtripDataSignature="AMtx7mhLG0qHwc5KaOFWU3d3cgClDfJ2aA=="/>
     </p:ext>
   </p:extLst>
 </p:presentation>
+</file>
+
+<file path=ppt/revisionInfo.xml><?xml version="1.0" encoding="utf-8"?>
+<p1510:revInfo xmlns:a="http://schemas.openxmlformats.org/drawingml/2006/main" xmlns:r="http://schemas.openxmlformats.org/officeDocument/2006/relationships" xmlns:p1510="http://schemas.microsoft.com/office/powerpoint/2015/10/main">
+  <p1510:revLst>
+    <p1510:client id="{152DF1D8-F8DE-47F1-9D38-68486890B032}" v="3" vWet="4" dt="2021-08-20T18:18:01.955"/>
+    <p1510:client id="{824127D3-C5EE-45F2-9ABE-A4C9A57BE986}" v="73" dt="2021-08-20T18:24:39.522"/>
+    <p1510:client id="{925D903F-F651-4A63-8613-98348C02B342}" v="7" dt="2021-08-20T18:19:50.534"/>
+    <p1510:client id="{F68E9E07-67C1-49A3-8C1A-525ED5BB39AF}" v="7" dt="2021-08-20T18:21:22.866"/>
+  </p1510:revLst>
+</p1510:revInfo>
+</file>
+
+<file path=ppt/changesInfos/changesInfo1.xml><?xml version="1.0" encoding="utf-8"?>
+<pc:chgInfo xmlns:a="http://schemas.openxmlformats.org/drawingml/2006/main" xmlns:r="http://schemas.openxmlformats.org/officeDocument/2006/relationships" xmlns:ac="http://schemas.microsoft.com/office/drawing/2013/main/command" xmlns:pc="http://schemas.microsoft.com/office/powerpoint/2013/main/command">
+  <pc:docChgLst>
+    <pc:chgData name="Thiago Santos Almeida" userId="S::tsantalm@everis.com::926d9caf-d0ae-4de3-8240-39a09209d85e" providerId="AD" clId="Web-{F68E9E07-67C1-49A3-8C1A-525ED5BB39AF}"/>
+    <pc:docChg chg="modSld">
+      <pc:chgData name="Thiago Santos Almeida" userId="S::tsantalm@everis.com::926d9caf-d0ae-4de3-8240-39a09209d85e" providerId="AD" clId="Web-{F68E9E07-67C1-49A3-8C1A-525ED5BB39AF}" dt="2021-08-20T18:21:22.866" v="5" actId="1076"/>
+      <pc:docMkLst>
+        <pc:docMk/>
+      </pc:docMkLst>
+      <pc:sldChg chg="modSp">
+        <pc:chgData name="Thiago Santos Almeida" userId="S::tsantalm@everis.com::926d9caf-d0ae-4de3-8240-39a09209d85e" providerId="AD" clId="Web-{F68E9E07-67C1-49A3-8C1A-525ED5BB39AF}" dt="2021-08-20T18:21:22.866" v="5" actId="1076"/>
+        <pc:sldMkLst>
+          <pc:docMk/>
+          <pc:sldMk cId="4283491488" sldId="271"/>
+        </pc:sldMkLst>
+        <pc:spChg chg="mod">
+          <ac:chgData name="Thiago Santos Almeida" userId="S::tsantalm@everis.com::926d9caf-d0ae-4de3-8240-39a09209d85e" providerId="AD" clId="Web-{F68E9E07-67C1-49A3-8C1A-525ED5BB39AF}" dt="2021-08-20T18:21:22.866" v="5" actId="1076"/>
+          <ac:spMkLst>
+            <pc:docMk/>
+            <pc:sldMk cId="4283491488" sldId="271"/>
+            <ac:spMk id="92" creationId="{00000000-0000-0000-0000-000000000000}"/>
+          </ac:spMkLst>
+        </pc:spChg>
+      </pc:sldChg>
+    </pc:docChg>
+  </pc:docChgLst>
+  <pc:docChgLst>
+    <pc:chgData name="Thiago Santos Almeida" userId="S::tsantalm@everis.com::926d9caf-d0ae-4de3-8240-39a09209d85e" providerId="AD" clId="Web-{925D903F-F651-4A63-8613-98348C02B342}"/>
+    <pc:docChg chg="modSld">
+      <pc:chgData name="Thiago Santos Almeida" userId="S::tsantalm@everis.com::926d9caf-d0ae-4de3-8240-39a09209d85e" providerId="AD" clId="Web-{925D903F-F651-4A63-8613-98348C02B342}" dt="2021-08-20T18:19:50.534" v="6" actId="1076"/>
+      <pc:docMkLst>
+        <pc:docMk/>
+      </pc:docMkLst>
+      <pc:sldChg chg="modSp">
+        <pc:chgData name="Thiago Santos Almeida" userId="S::tsantalm@everis.com::926d9caf-d0ae-4de3-8240-39a09209d85e" providerId="AD" clId="Web-{925D903F-F651-4A63-8613-98348C02B342}" dt="2021-08-20T18:19:50.534" v="6" actId="1076"/>
+        <pc:sldMkLst>
+          <pc:docMk/>
+          <pc:sldMk cId="4283491488" sldId="271"/>
+        </pc:sldMkLst>
+        <pc:spChg chg="mod">
+          <ac:chgData name="Thiago Santos Almeida" userId="S::tsantalm@everis.com::926d9caf-d0ae-4de3-8240-39a09209d85e" providerId="AD" clId="Web-{925D903F-F651-4A63-8613-98348C02B342}" dt="2021-08-20T18:19:47.205" v="5" actId="1076"/>
+          <ac:spMkLst>
+            <pc:docMk/>
+            <pc:sldMk cId="4283491488" sldId="271"/>
+            <ac:spMk id="92" creationId="{00000000-0000-0000-0000-000000000000}"/>
+          </ac:spMkLst>
+        </pc:spChg>
+        <pc:picChg chg="mod">
+          <ac:chgData name="Thiago Santos Almeida" userId="S::tsantalm@everis.com::926d9caf-d0ae-4de3-8240-39a09209d85e" providerId="AD" clId="Web-{925D903F-F651-4A63-8613-98348C02B342}" dt="2021-08-20T18:19:50.534" v="6" actId="1076"/>
+          <ac:picMkLst>
+            <pc:docMk/>
+            <pc:sldMk cId="4283491488" sldId="271"/>
+            <ac:picMk id="2050" creationId="{973414E3-9C13-4BAE-9DE9-0EAC57BB9D64}"/>
+          </ac:picMkLst>
+        </pc:picChg>
+      </pc:sldChg>
+    </pc:docChg>
+  </pc:docChgLst>
+  <pc:docChgLst>
+    <pc:chgData name="Andre Rodrigues Ribeiro" userId="a1f528b5-cfb9-47c5-8ffe-a1caa497d28d" providerId="ADAL" clId="{824127D3-C5EE-45F2-9ABE-A4C9A57BE986}"/>
+    <pc:docChg chg="undo custSel modSld">
+      <pc:chgData name="Andre Rodrigues Ribeiro" userId="a1f528b5-cfb9-47c5-8ffe-a1caa497d28d" providerId="ADAL" clId="{824127D3-C5EE-45F2-9ABE-A4C9A57BE986}" dt="2021-08-20T18:24:39.522" v="72" actId="14100"/>
+      <pc:docMkLst>
+        <pc:docMk/>
+      </pc:docMkLst>
+      <pc:sldChg chg="modSp modAnim">
+        <pc:chgData name="Andre Rodrigues Ribeiro" userId="a1f528b5-cfb9-47c5-8ffe-a1caa497d28d" providerId="ADAL" clId="{824127D3-C5EE-45F2-9ABE-A4C9A57BE986}" dt="2021-08-20T18:17:33.621" v="14" actId="20577"/>
+        <pc:sldMkLst>
+          <pc:docMk/>
+          <pc:sldMk cId="0" sldId="261"/>
+        </pc:sldMkLst>
+        <pc:spChg chg="mod">
+          <ac:chgData name="Andre Rodrigues Ribeiro" userId="a1f528b5-cfb9-47c5-8ffe-a1caa497d28d" providerId="ADAL" clId="{824127D3-C5EE-45F2-9ABE-A4C9A57BE986}" dt="2021-08-20T18:17:33.621" v="14" actId="20577"/>
+          <ac:spMkLst>
+            <pc:docMk/>
+            <pc:sldMk cId="0" sldId="261"/>
+            <ac:spMk id="86" creationId="{00000000-0000-0000-0000-000000000000}"/>
+          </ac:spMkLst>
+        </pc:spChg>
+      </pc:sldChg>
+      <pc:sldChg chg="modSp mod">
+        <pc:chgData name="Andre Rodrigues Ribeiro" userId="a1f528b5-cfb9-47c5-8ffe-a1caa497d28d" providerId="ADAL" clId="{824127D3-C5EE-45F2-9ABE-A4C9A57BE986}" dt="2021-08-20T18:20:48.521" v="40" actId="1036"/>
+        <pc:sldMkLst>
+          <pc:docMk/>
+          <pc:sldMk cId="4283491488" sldId="271"/>
+        </pc:sldMkLst>
+        <pc:spChg chg="mod">
+          <ac:chgData name="Andre Rodrigues Ribeiro" userId="a1f528b5-cfb9-47c5-8ffe-a1caa497d28d" providerId="ADAL" clId="{824127D3-C5EE-45F2-9ABE-A4C9A57BE986}" dt="2021-08-20T18:18:17.745" v="15" actId="14100"/>
+          <ac:spMkLst>
+            <pc:docMk/>
+            <pc:sldMk cId="4283491488" sldId="271"/>
+            <ac:spMk id="92" creationId="{00000000-0000-0000-0000-000000000000}"/>
+          </ac:spMkLst>
+        </pc:spChg>
+        <pc:picChg chg="mod">
+          <ac:chgData name="Andre Rodrigues Ribeiro" userId="a1f528b5-cfb9-47c5-8ffe-a1caa497d28d" providerId="ADAL" clId="{824127D3-C5EE-45F2-9ABE-A4C9A57BE986}" dt="2021-08-20T18:20:48.521" v="40" actId="1036"/>
+          <ac:picMkLst>
+            <pc:docMk/>
+            <pc:sldMk cId="4283491488" sldId="271"/>
+            <ac:picMk id="2050" creationId="{973414E3-9C13-4BAE-9DE9-0EAC57BB9D64}"/>
+          </ac:picMkLst>
+        </pc:picChg>
+      </pc:sldChg>
+      <pc:sldChg chg="addSp modSp mod">
+        <pc:chgData name="Andre Rodrigues Ribeiro" userId="a1f528b5-cfb9-47c5-8ffe-a1caa497d28d" providerId="ADAL" clId="{824127D3-C5EE-45F2-9ABE-A4C9A57BE986}" dt="2021-08-20T18:23:59.392" v="70" actId="12788"/>
+        <pc:sldMkLst>
+          <pc:docMk/>
+          <pc:sldMk cId="3809392775" sldId="272"/>
+        </pc:sldMkLst>
+        <pc:grpChg chg="add mod">
+          <ac:chgData name="Andre Rodrigues Ribeiro" userId="a1f528b5-cfb9-47c5-8ffe-a1caa497d28d" providerId="ADAL" clId="{824127D3-C5EE-45F2-9ABE-A4C9A57BE986}" dt="2021-08-20T18:23:59.392" v="70" actId="12788"/>
+          <ac:grpSpMkLst>
+            <pc:docMk/>
+            <pc:sldMk cId="3809392775" sldId="272"/>
+            <ac:grpSpMk id="2" creationId="{C6FBE8E0-E9FD-4218-88B2-D6D560C1A17A}"/>
+          </ac:grpSpMkLst>
+        </pc:grpChg>
+        <pc:grpChg chg="mod">
+          <ac:chgData name="Andre Rodrigues Ribeiro" userId="a1f528b5-cfb9-47c5-8ffe-a1caa497d28d" providerId="ADAL" clId="{824127D3-C5EE-45F2-9ABE-A4C9A57BE986}" dt="2021-08-20T18:23:55.886" v="69" actId="164"/>
+          <ac:grpSpMkLst>
+            <pc:docMk/>
+            <pc:sldMk cId="3809392775" sldId="272"/>
+            <ac:grpSpMk id="16" creationId="{C2D0449C-7896-46E4-93D2-11B52D44A388}"/>
+          </ac:grpSpMkLst>
+        </pc:grpChg>
+        <pc:grpChg chg="mod">
+          <ac:chgData name="Andre Rodrigues Ribeiro" userId="a1f528b5-cfb9-47c5-8ffe-a1caa497d28d" providerId="ADAL" clId="{824127D3-C5EE-45F2-9ABE-A4C9A57BE986}" dt="2021-08-20T18:23:55.886" v="69" actId="164"/>
+          <ac:grpSpMkLst>
+            <pc:docMk/>
+            <pc:sldMk cId="3809392775" sldId="272"/>
+            <ac:grpSpMk id="17" creationId="{D6411C1C-1A09-455F-B081-31B68EB4EF93}"/>
+          </ac:grpSpMkLst>
+        </pc:grpChg>
+        <pc:grpChg chg="mod">
+          <ac:chgData name="Andre Rodrigues Ribeiro" userId="a1f528b5-cfb9-47c5-8ffe-a1caa497d28d" providerId="ADAL" clId="{824127D3-C5EE-45F2-9ABE-A4C9A57BE986}" dt="2021-08-20T18:23:55.886" v="69" actId="164"/>
+          <ac:grpSpMkLst>
+            <pc:docMk/>
+            <pc:sldMk cId="3809392775" sldId="272"/>
+            <ac:grpSpMk id="22" creationId="{20FECAE4-2B43-4D78-B1A8-6F83F2C62B1D}"/>
+          </ac:grpSpMkLst>
+        </pc:grpChg>
+        <pc:grpChg chg="mod">
+          <ac:chgData name="Andre Rodrigues Ribeiro" userId="a1f528b5-cfb9-47c5-8ffe-a1caa497d28d" providerId="ADAL" clId="{824127D3-C5EE-45F2-9ABE-A4C9A57BE986}" dt="2021-08-20T18:23:55.886" v="69" actId="164"/>
+          <ac:grpSpMkLst>
+            <pc:docMk/>
+            <pc:sldMk cId="3809392775" sldId="272"/>
+            <ac:grpSpMk id="27" creationId="{FA167472-1710-4B28-A437-BF6B2B7A24E8}"/>
+          </ac:grpSpMkLst>
+        </pc:grpChg>
+      </pc:sldChg>
+      <pc:sldChg chg="modSp">
+        <pc:chgData name="Andre Rodrigues Ribeiro" userId="a1f528b5-cfb9-47c5-8ffe-a1caa497d28d" providerId="ADAL" clId="{824127D3-C5EE-45F2-9ABE-A4C9A57BE986}" dt="2021-08-20T18:21:53.567" v="65" actId="1036"/>
+        <pc:sldMkLst>
+          <pc:docMk/>
+          <pc:sldMk cId="832095825" sldId="274"/>
+        </pc:sldMkLst>
+        <pc:picChg chg="mod">
+          <ac:chgData name="Andre Rodrigues Ribeiro" userId="a1f528b5-cfb9-47c5-8ffe-a1caa497d28d" providerId="ADAL" clId="{824127D3-C5EE-45F2-9ABE-A4C9A57BE986}" dt="2021-08-20T18:21:53.567" v="65" actId="1036"/>
+          <ac:picMkLst>
+            <pc:docMk/>
+            <pc:sldMk cId="832095825" sldId="274"/>
+            <ac:picMk id="3074" creationId="{596AB7CC-F3BC-4B9E-8812-5EB8437CE201}"/>
+          </ac:picMkLst>
+        </pc:picChg>
+      </pc:sldChg>
+      <pc:sldChg chg="modSp mod">
+        <pc:chgData name="Andre Rodrigues Ribeiro" userId="a1f528b5-cfb9-47c5-8ffe-a1caa497d28d" providerId="ADAL" clId="{824127D3-C5EE-45F2-9ABE-A4C9A57BE986}" dt="2021-08-20T18:24:39.522" v="72" actId="14100"/>
+        <pc:sldMkLst>
+          <pc:docMk/>
+          <pc:sldMk cId="1154559064" sldId="282"/>
+        </pc:sldMkLst>
+        <pc:picChg chg="mod modCrop">
+          <ac:chgData name="Andre Rodrigues Ribeiro" userId="a1f528b5-cfb9-47c5-8ffe-a1caa497d28d" providerId="ADAL" clId="{824127D3-C5EE-45F2-9ABE-A4C9A57BE986}" dt="2021-08-20T18:24:39.522" v="72" actId="14100"/>
+          <ac:picMkLst>
+            <pc:docMk/>
+            <pc:sldMk cId="1154559064" sldId="282"/>
+            <ac:picMk id="10" creationId="{93C269DE-4FA8-4572-84B7-863B105EB360}"/>
+          </ac:picMkLst>
+        </pc:picChg>
+      </pc:sldChg>
+    </pc:docChg>
+  </pc:docChgLst>
+  <pc:docChgLst>
+    <pc:chgData name="Thiago Santos Almeida" userId="S::tsantalm@everis.com::926d9caf-d0ae-4de3-8240-39a09209d85e" providerId="AD" clId="Web-{152DF1D8-F8DE-47F1-9D38-68486890B032}"/>
+    <pc:docChg chg="modSld">
+      <pc:chgData name="Thiago Santos Almeida" userId="S::tsantalm@everis.com::926d9caf-d0ae-4de3-8240-39a09209d85e" providerId="AD" clId="Web-{152DF1D8-F8DE-47F1-9D38-68486890B032}" dt="2021-08-20T18:18:00.080" v="2" actId="20577"/>
+      <pc:docMkLst>
+        <pc:docMk/>
+      </pc:docMkLst>
+      <pc:sldChg chg="modSp">
+        <pc:chgData name="Thiago Santos Almeida" userId="S::tsantalm@everis.com::926d9caf-d0ae-4de3-8240-39a09209d85e" providerId="AD" clId="Web-{152DF1D8-F8DE-47F1-9D38-68486890B032}" dt="2021-08-20T18:18:00.080" v="2" actId="20577"/>
+        <pc:sldMkLst>
+          <pc:docMk/>
+          <pc:sldMk cId="0" sldId="261"/>
+        </pc:sldMkLst>
+        <pc:spChg chg="mod">
+          <ac:chgData name="Thiago Santos Almeida" userId="S::tsantalm@everis.com::926d9caf-d0ae-4de3-8240-39a09209d85e" providerId="AD" clId="Web-{152DF1D8-F8DE-47F1-9D38-68486890B032}" dt="2021-08-20T18:18:00.080" v="2" actId="20577"/>
+          <ac:spMkLst>
+            <pc:docMk/>
+            <pc:sldMk cId="0" sldId="261"/>
+            <ac:spMk id="86" creationId="{00000000-0000-0000-0000-000000000000}"/>
+          </ac:spMkLst>
+        </pc:spChg>
+      </pc:sldChg>
+    </pc:docChg>
+  </pc:docChgLst>
+</pc:chgInfo>
 </file>
 
 <file path=ppt/notesMasters/notesMaster1.xml><?xml version="1.0" encoding="utf-8"?>
@@ -8935,7 +9155,7 @@
               <a:buNone/>
             </a:pPr>
             <a:r>
-              <a:rPr lang="en-US" sz="5400" b="1" i="0" u="none" strike="noStrike" cap="none" dirty="0">
+              <a:rPr lang="en-US" sz="5400" b="1" i="0" u="none" strike="noStrike" cap="none">
                 <a:solidFill>
                   <a:schemeClr val="lt1"/>
                 </a:solidFill>
@@ -8947,7 +9167,7 @@
               <a:t>Base </a:t>
             </a:r>
             <a:r>
-              <a:rPr lang="pt-BR" sz="5400" b="1" i="0" u="none" strike="noStrike" cap="none" dirty="0">
+              <a:rPr lang="pt-BR" sz="5400" b="1" i="0" u="none" strike="noStrike" cap="none">
                 <a:solidFill>
                   <a:schemeClr val="lt1"/>
                 </a:solidFill>
@@ -9004,7 +9224,7 @@
               <a:buNone/>
             </a:pPr>
             <a:r>
-              <a:rPr lang="en-US" sz="3600" b="0" i="0" u="none" strike="noStrike" cap="none" dirty="0">
+              <a:rPr lang="en-US" sz="3600" b="0" i="0" u="none" strike="noStrike" cap="none">
                 <a:solidFill>
                   <a:srgbClr val="F78321"/>
                 </a:solidFill>
@@ -9015,7 +9235,7 @@
               </a:rPr>
               <a:t>DIO</a:t>
             </a:r>
-            <a:endParaRPr sz="3600" b="0" i="0" u="none" strike="noStrike" cap="none" dirty="0">
+            <a:endParaRPr sz="3600" b="0" i="0" u="none" strike="noStrike" cap="none">
               <a:solidFill>
                 <a:srgbClr val="F78321"/>
               </a:solidFill>
@@ -9032,14 +9252,14 @@
   <p:clrMapOvr>
     <a:masterClrMapping/>
   </p:clrMapOvr>
-  <mc:AlternateContent xmlns:mc="http://schemas.openxmlformats.org/markup-compatibility/2006" xmlns:p14="http://schemas.microsoft.com/office/powerpoint/2010/main">
-    <mc:Choice Requires="p14">
+  <mc:AlternateContent xmlns:mc="http://schemas.openxmlformats.org/markup-compatibility/2006">
+    <mc:Choice xmlns:p14="http://schemas.microsoft.com/office/powerpoint/2010/main" Requires="p14">
       <p:transition spd="med" p14:dur="700">
         <p:fade/>
       </p:transition>
     </mc:Choice>
-    <mc:Fallback xmlns="" xmlns:mv="urn:schemas-microsoft-com:mac:vml" xmlns:c="http://schemas.openxmlformats.org/drawingml/2006/chart" xmlns:dgm="http://schemas.openxmlformats.org/drawingml/2006/diagram" xmlns:o="urn:schemas-microsoft-com:office:office" xmlns:v="urn:schemas-microsoft-com:vml" xmlns:pvml="urn:schemas-microsoft-com:office:powerpoint" xmlns:com="http://schemas.openxmlformats.org/drawingml/2006/compatibility" xmlns:p15="http://schemas.microsoft.com/office/powerpoint/2012/main" xmlns:ahyp="http://schemas.microsoft.com/office/drawing/2018/hyperlinkcolor">
-      <p:transition spd="slow">
+    <mc:Fallback>
+      <p:transition spd="med">
         <p:fade/>
       </p:transition>
     </mc:Fallback>
@@ -9119,7 +9339,7 @@
               <a:buNone/>
             </a:pPr>
             <a:r>
-              <a:rPr lang="en-US" sz="4000" b="1" dirty="0" err="1">
+              <a:rPr lang="en-US" sz="4000" b="1" err="1">
                 <a:solidFill>
                   <a:srgbClr val="073763"/>
                 </a:solidFill>
@@ -9130,7 +9350,7 @@
               </a:rPr>
               <a:t>Exemplos</a:t>
             </a:r>
-            <a:endParaRPr sz="4000" b="1" dirty="0">
+            <a:endParaRPr sz="4000" b="1">
               <a:solidFill>
                 <a:srgbClr val="073763"/>
               </a:solidFill>
@@ -9260,7 +9480,7 @@
           <a:lstStyle/>
           <a:p>
             <a:r>
-              <a:rPr lang="pt-BR" dirty="0"/>
+              <a:rPr lang="pt-BR"/>
               <a:t>API REST</a:t>
             </a:r>
           </a:p>
@@ -9295,14 +9515,14 @@
           <a:lstStyle/>
           <a:p>
             <a:r>
-              <a:rPr lang="pt-BR" dirty="0"/>
+              <a:rPr lang="pt-BR"/>
               <a:t>API </a:t>
             </a:r>
             <a:r>
-              <a:rPr lang="pt-BR" dirty="0" err="1"/>
+              <a:rPr lang="pt-BR" err="1"/>
               <a:t>RESTful</a:t>
             </a:r>
-            <a:endParaRPr lang="pt-BR" dirty="0"/>
+            <a:endParaRPr lang="pt-BR"/>
           </a:p>
         </p:txBody>
       </p:sp>
@@ -9322,13 +9542,13 @@
         </p:nvPicPr>
         <p:blipFill rotWithShape="1">
           <a:blip r:embed="rId4"/>
-          <a:srcRect b="46487"/>
+          <a:srcRect r="15859" b="46487"/>
           <a:stretch/>
         </p:blipFill>
         <p:spPr>
           <a:xfrm>
-            <a:off x="311700" y="1711081"/>
-            <a:ext cx="4141888" cy="1142996"/>
+            <a:off x="311699" y="1711080"/>
+            <a:ext cx="4015719" cy="1317041"/>
           </a:xfrm>
           <a:prstGeom prst="rect">
             <a:avLst/>
@@ -9374,13 +9594,13 @@
   <p:clrMapOvr>
     <a:masterClrMapping/>
   </p:clrMapOvr>
-  <mc:AlternateContent xmlns:mc="http://schemas.openxmlformats.org/markup-compatibility/2006" xmlns:p14="http://schemas.microsoft.com/office/powerpoint/2010/main">
-    <mc:Choice Requires="p14">
+  <mc:AlternateContent xmlns:mc="http://schemas.openxmlformats.org/markup-compatibility/2006">
+    <mc:Choice xmlns:p14="http://schemas.microsoft.com/office/powerpoint/2010/main" Requires="p14">
       <p:transition spd="med" p14:dur="700">
         <p:fade/>
       </p:transition>
     </mc:Choice>
-    <mc:Fallback xmlns="">
+    <mc:Fallback>
       <p:transition spd="med">
         <p:fade/>
       </p:transition>
@@ -9552,7 +9772,7 @@
               <a:buChar char="✔"/>
             </a:pPr>
             <a:r>
-              <a:rPr lang="pt-BR" sz="1400" dirty="0">
+              <a:rPr lang="pt-BR" sz="1400">
                 <a:solidFill>
                   <a:srgbClr val="073763"/>
                 </a:solidFill>
@@ -9574,7 +9794,7 @@
               <a:buSzPts val="2400"/>
             </a:pPr>
             <a:r>
-              <a:rPr lang="pt-BR" sz="1400" dirty="0">
+              <a:rPr lang="pt-BR" sz="1400">
                 <a:solidFill>
                   <a:srgbClr val="073763"/>
                 </a:solidFill>
@@ -9585,7 +9805,7 @@
               </a:rPr>
               <a:t>https://dotnet.microsoft.com/download/dotnet/thank-you/sdk-5.0.400-windows-x64-installer</a:t>
             </a:r>
-            <a:endParaRPr lang="pt-BR" sz="1400" dirty="0">
+            <a:endParaRPr lang="pt-BR" sz="1400">
               <a:solidFill>
                 <a:srgbClr val="073763"/>
               </a:solidFill>
@@ -9605,7 +9825,7 @@
               <a:buSzPts val="2400"/>
             </a:pPr>
             <a:r>
-              <a:rPr lang="pt-BR" sz="1400" dirty="0">
+              <a:rPr lang="pt-BR" sz="1400">
                 <a:solidFill>
                   <a:srgbClr val="073763"/>
                 </a:solidFill>
@@ -9616,7 +9836,7 @@
               </a:rPr>
               <a:t>https://dotnet.microsoft.com/download/dotnet/thank-you/sdk-5.0.400-windows-x86-installer</a:t>
             </a:r>
-            <a:endParaRPr lang="pt-BR" sz="1400" dirty="0">
+            <a:endParaRPr lang="pt-BR" sz="1400">
               <a:solidFill>
                 <a:srgbClr val="073763"/>
               </a:solidFill>
@@ -9638,7 +9858,7 @@
               <a:buChar char="✔"/>
             </a:pPr>
             <a:r>
-              <a:rPr lang="pt-BR" sz="1400" dirty="0" err="1">
+              <a:rPr lang="pt-BR" sz="1400" err="1">
                 <a:solidFill>
                   <a:srgbClr val="073763"/>
                 </a:solidFill>
@@ -9650,7 +9870,7 @@
               <a:t>Postman</a:t>
             </a:r>
             <a:r>
-              <a:rPr lang="pt-BR" sz="1400" dirty="0">
+              <a:rPr lang="pt-BR" sz="1400">
                 <a:solidFill>
                   <a:srgbClr val="073763"/>
                 </a:solidFill>
@@ -9673,12 +9893,12 @@
               <a:buSzPts val="2400"/>
             </a:pPr>
             <a:r>
-              <a:rPr lang="pt-BR" sz="1400" dirty="0">
+              <a:rPr lang="pt-BR" sz="1400">
                 <a:hlinkClick r:id="rId6"/>
               </a:rPr>
               <a:t>https://dl.pstmn.io/download/latest/win64</a:t>
             </a:r>
-            <a:endParaRPr lang="pt-BR" sz="1400" dirty="0"/>
+            <a:endParaRPr lang="pt-BR" sz="1400"/>
           </a:p>
           <a:p>
             <a:pPr marL="76200" lvl="0" indent="0" algn="l">
@@ -9691,12 +9911,12 @@
               <a:buSzPts val="2400"/>
             </a:pPr>
             <a:r>
-              <a:rPr lang="pt-BR" sz="1400" dirty="0">
+              <a:rPr lang="pt-BR" sz="1400">
                 <a:hlinkClick r:id="rId7"/>
               </a:rPr>
               <a:t>https://dl.pstmn.io/download/latest/win32</a:t>
             </a:r>
-            <a:endParaRPr lang="pt-BR" sz="1400" dirty="0"/>
+            <a:endParaRPr lang="pt-BR" sz="1400"/>
           </a:p>
           <a:p>
             <a:pPr marL="457200" lvl="0" indent="-381000" algn="l" rtl="0">
@@ -9717,7 +9937,7 @@
               <a:buChar char="✔"/>
             </a:pPr>
             <a:r>
-              <a:rPr lang="pt-BR" sz="1400" dirty="0" err="1">
+              <a:rPr lang="pt-BR" sz="1400" err="1">
                 <a:solidFill>
                   <a:srgbClr val="073763"/>
                 </a:solidFill>
@@ -9729,7 +9949,7 @@
               <a:t>Bogus</a:t>
             </a:r>
             <a:r>
-              <a:rPr lang="pt-BR" sz="1400" dirty="0">
+              <a:rPr lang="pt-BR" sz="1400">
                 <a:solidFill>
                   <a:srgbClr val="073763"/>
                 </a:solidFill>
@@ -9752,12 +9972,12 @@
               <a:buSzPts val="2400"/>
             </a:pPr>
             <a:r>
-              <a:rPr lang="pt-BR" sz="1400" dirty="0">
+              <a:rPr lang="pt-BR" sz="1400">
                 <a:hlinkClick r:id="rId8"/>
               </a:rPr>
               <a:t>https://github.com/bchavez/Bogus</a:t>
             </a:r>
-            <a:endParaRPr lang="pt-BR" sz="1400" dirty="0"/>
+            <a:endParaRPr lang="pt-BR" sz="1400"/>
           </a:p>
           <a:p>
             <a:pPr lvl="0" indent="-228600" algn="l">
@@ -9767,7 +9987,7 @@
               <a:buSzPts val="2400"/>
             </a:pPr>
             <a:r>
-              <a:rPr lang="pt-BR" sz="1400" dirty="0">
+              <a:rPr lang="pt-BR" sz="1400">
                 <a:solidFill>
                   <a:srgbClr val="073763"/>
                 </a:solidFill>
@@ -9779,7 +9999,7 @@
               <a:t>Comando do terminal: </a:t>
             </a:r>
             <a:r>
-              <a:rPr lang="pt-BR" sz="1400" dirty="0" err="1">
+              <a:rPr lang="pt-BR" sz="1400" err="1">
                 <a:solidFill>
                   <a:srgbClr val="073763"/>
                 </a:solidFill>
@@ -9791,7 +10011,7 @@
               <a:t>dotnet</a:t>
             </a:r>
             <a:r>
-              <a:rPr lang="pt-BR" sz="1400" dirty="0">
+              <a:rPr lang="pt-BR" sz="1400">
                 <a:solidFill>
                   <a:srgbClr val="073763"/>
                 </a:solidFill>
@@ -9803,7 +10023,7 @@
               <a:t> </a:t>
             </a:r>
             <a:r>
-              <a:rPr lang="pt-BR" sz="1400" dirty="0" err="1">
+              <a:rPr lang="pt-BR" sz="1400" err="1">
                 <a:solidFill>
                   <a:srgbClr val="073763"/>
                 </a:solidFill>
@@ -9815,7 +10035,7 @@
               <a:t>add</a:t>
             </a:r>
             <a:r>
-              <a:rPr lang="pt-BR" sz="1400" dirty="0">
+              <a:rPr lang="pt-BR" sz="1400">
                 <a:solidFill>
                   <a:srgbClr val="073763"/>
                 </a:solidFill>
@@ -9827,7 +10047,7 @@
               <a:t> </a:t>
             </a:r>
             <a:r>
-              <a:rPr lang="pt-BR" sz="1400" dirty="0" err="1">
+              <a:rPr lang="pt-BR" sz="1400" err="1">
                 <a:solidFill>
                   <a:srgbClr val="073763"/>
                 </a:solidFill>
@@ -9839,7 +10059,7 @@
               <a:t>package</a:t>
             </a:r>
             <a:r>
-              <a:rPr lang="pt-BR" sz="1400" dirty="0">
+              <a:rPr lang="pt-BR" sz="1400">
                 <a:solidFill>
                   <a:srgbClr val="073763"/>
                 </a:solidFill>
@@ -9851,7 +10071,7 @@
               <a:t> </a:t>
             </a:r>
             <a:r>
-              <a:rPr lang="pt-BR" sz="1400" dirty="0" err="1">
+              <a:rPr lang="pt-BR" sz="1400" err="1">
                 <a:solidFill>
                   <a:srgbClr val="073763"/>
                 </a:solidFill>
@@ -9863,7 +10083,7 @@
               <a:t>Bogus</a:t>
             </a:r>
             <a:r>
-              <a:rPr lang="pt-BR" sz="1400" dirty="0">
+              <a:rPr lang="pt-BR" sz="1400">
                 <a:solidFill>
                   <a:srgbClr val="073763"/>
                 </a:solidFill>
@@ -9875,7 +10095,7 @@
               <a:t> --</a:t>
             </a:r>
             <a:r>
-              <a:rPr lang="pt-BR" sz="1400" dirty="0" err="1">
+              <a:rPr lang="pt-BR" sz="1400" err="1">
                 <a:solidFill>
                   <a:srgbClr val="073763"/>
                 </a:solidFill>
@@ -9887,7 +10107,7 @@
               <a:t>version</a:t>
             </a:r>
             <a:r>
-              <a:rPr lang="pt-BR" sz="1400" dirty="0">
+              <a:rPr lang="pt-BR" sz="1400">
                 <a:solidFill>
                   <a:srgbClr val="073763"/>
                 </a:solidFill>
@@ -9917,7 +10137,7 @@
               <a:buFont typeface="Calibri"/>
               <a:buNone/>
             </a:pPr>
-            <a:endParaRPr lang="pt-BR" sz="1400" dirty="0">
+            <a:endParaRPr lang="pt-BR" sz="1400">
               <a:solidFill>
                 <a:srgbClr val="073763"/>
               </a:solidFill>
@@ -9945,7 +10165,7 @@
               <a:buFont typeface="Calibri"/>
               <a:buNone/>
             </a:pPr>
-            <a:endParaRPr lang="pt-BR" sz="1400" dirty="0">
+            <a:endParaRPr lang="pt-BR" sz="1400">
               <a:solidFill>
                 <a:srgbClr val="073763"/>
               </a:solidFill>
@@ -10024,14 +10244,14 @@
   <p:clrMapOvr>
     <a:masterClrMapping/>
   </p:clrMapOvr>
-  <mc:AlternateContent xmlns:mc="http://schemas.openxmlformats.org/markup-compatibility/2006" xmlns:p14="http://schemas.microsoft.com/office/powerpoint/2010/main">
-    <mc:Choice Requires="p14">
+  <mc:AlternateContent xmlns:mc="http://schemas.openxmlformats.org/markup-compatibility/2006">
+    <mc:Choice xmlns:p14="http://schemas.microsoft.com/office/powerpoint/2010/main" Requires="p14">
       <p:transition spd="med" p14:dur="700">
         <p:fade/>
       </p:transition>
     </mc:Choice>
-    <mc:Fallback xmlns="" xmlns:mv="urn:schemas-microsoft-com:mac:vml" xmlns:c="http://schemas.openxmlformats.org/drawingml/2006/chart" xmlns:dgm="http://schemas.openxmlformats.org/drawingml/2006/diagram" xmlns:o="urn:schemas-microsoft-com:office:office" xmlns:v="urn:schemas-microsoft-com:vml" xmlns:pvml="urn:schemas-microsoft-com:office:powerpoint" xmlns:com="http://schemas.openxmlformats.org/drawingml/2006/compatibility" xmlns:p15="http://schemas.microsoft.com/office/powerpoint/2012/main" xmlns:ahyp="http://schemas.microsoft.com/office/drawing/2018/hyperlinkcolor">
-      <p:transition spd="slow">
+    <mc:Fallback>
+      <p:transition spd="med">
         <p:fade/>
       </p:transition>
     </mc:Fallback>
@@ -10800,7 +11020,7 @@
               <a:buNone/>
             </a:pPr>
             <a:r>
-              <a:rPr lang="en-US" sz="2400" dirty="0" err="1">
+              <a:rPr lang="en-US" sz="2400" err="1">
                 <a:solidFill>
                   <a:srgbClr val="073763"/>
                 </a:solidFill>
@@ -10812,7 +11032,7 @@
               <a:t>Criando</a:t>
             </a:r>
             <a:r>
-              <a:rPr lang="en-US" sz="2400" dirty="0">
+              <a:rPr lang="en-US" sz="2400">
                 <a:solidFill>
                   <a:srgbClr val="073763"/>
                 </a:solidFill>
@@ -10824,7 +11044,7 @@
               <a:t> </a:t>
             </a:r>
             <a:r>
-              <a:rPr lang="en-US" sz="2400" dirty="0" err="1">
+              <a:rPr lang="en-US" sz="2400" err="1">
                 <a:solidFill>
                   <a:srgbClr val="073763"/>
                 </a:solidFill>
@@ -10836,7 +11056,7 @@
               <a:t>projeto</a:t>
             </a:r>
             <a:r>
-              <a:rPr lang="en-US" sz="2400" dirty="0">
+              <a:rPr lang="en-US" sz="2400">
                 <a:solidFill>
                   <a:srgbClr val="073763"/>
                 </a:solidFill>
@@ -10847,7 +11067,7 @@
               </a:rPr>
               <a:t> API Core com DONET CLI</a:t>
             </a:r>
-            <a:endParaRPr sz="2400" b="0" i="0" u="none" strike="noStrike" cap="none" dirty="0">
+            <a:endParaRPr sz="2400" b="0" i="0" u="none" strike="noStrike" cap="none">
               <a:solidFill>
                 <a:srgbClr val="073763"/>
               </a:solidFill>
@@ -10982,7 +11202,7 @@
               <a:buNone/>
             </a:pPr>
             <a:r>
-              <a:rPr lang="en-US" sz="2400" dirty="0" err="1">
+              <a:rPr lang="en-US" sz="2400" err="1">
                 <a:solidFill>
                   <a:srgbClr val="073763"/>
                 </a:solidFill>
@@ -10994,7 +11214,7 @@
               <a:t>Conhecendo</a:t>
             </a:r>
             <a:r>
-              <a:rPr lang="en-US" sz="2400" dirty="0">
+              <a:rPr lang="en-US" sz="2400">
                 <a:solidFill>
                   <a:srgbClr val="073763"/>
                 </a:solidFill>
@@ -11005,7 +11225,7 @@
               </a:rPr>
               <a:t> a API Core</a:t>
             </a:r>
-            <a:endParaRPr sz="2400" b="0" i="0" u="none" strike="noStrike" cap="none" dirty="0">
+            <a:endParaRPr sz="2400" b="0" i="0" u="none" strike="noStrike" cap="none">
               <a:solidFill>
                 <a:srgbClr val="073763"/>
               </a:solidFill>
@@ -11140,7 +11360,7 @@
               <a:buNone/>
             </a:pPr>
             <a:r>
-              <a:rPr lang="en-US" sz="2400" b="0" i="0" u="none" strike="noStrike" cap="none" dirty="0" err="1">
+              <a:rPr lang="en-US" sz="2400" b="0" i="0" u="none" strike="noStrike" cap="none" err="1">
                 <a:solidFill>
                   <a:srgbClr val="073763"/>
                 </a:solidFill>
@@ -11152,7 +11372,7 @@
               <a:t>Conhecendo</a:t>
             </a:r>
             <a:r>
-              <a:rPr lang="en-US" sz="2400" b="0" i="0" u="none" strike="noStrike" cap="none" dirty="0">
+              <a:rPr lang="en-US" sz="2400" b="0" i="0" u="none" strike="noStrike" cap="none">
                 <a:solidFill>
                   <a:srgbClr val="073763"/>
                 </a:solidFill>
@@ -11164,7 +11384,7 @@
               <a:t> as </a:t>
             </a:r>
             <a:r>
-              <a:rPr lang="en-US" sz="2400" b="0" i="0" u="none" strike="noStrike" cap="none" dirty="0" err="1">
+              <a:rPr lang="en-US" sz="2400" b="0" i="0" u="none" strike="noStrike" cap="none" err="1">
                 <a:solidFill>
                   <a:srgbClr val="073763"/>
                 </a:solidFill>
@@ -11175,7 +11395,7 @@
               </a:rPr>
               <a:t>Rotas</a:t>
             </a:r>
-            <a:endParaRPr sz="2400" b="0" i="0" u="none" strike="noStrike" cap="none" dirty="0">
+            <a:endParaRPr sz="2400" b="0" i="0" u="none" strike="noStrike" cap="none">
               <a:solidFill>
                 <a:srgbClr val="073763"/>
               </a:solidFill>
@@ -11322,7 +11542,7 @@
               <a:buNone/>
             </a:pPr>
             <a:r>
-              <a:rPr lang="en-US" sz="2400" dirty="0" err="1">
+              <a:rPr lang="en-US" sz="2400" err="1">
                 <a:solidFill>
                   <a:srgbClr val="073763"/>
                 </a:solidFill>
@@ -11334,7 +11554,7 @@
               <a:t>Acessando</a:t>
             </a:r>
             <a:r>
-              <a:rPr lang="en-US" sz="2400" dirty="0">
+              <a:rPr lang="en-US" sz="2400">
                 <a:solidFill>
                   <a:srgbClr val="073763"/>
                 </a:solidFill>
@@ -11346,7 +11566,7 @@
               <a:t> as </a:t>
             </a:r>
             <a:r>
-              <a:rPr lang="en-US" sz="2400" dirty="0" err="1">
+              <a:rPr lang="en-US" sz="2400" err="1">
                 <a:solidFill>
                   <a:srgbClr val="073763"/>
                 </a:solidFill>
@@ -11358,7 +11578,7 @@
               <a:t>Rotas</a:t>
             </a:r>
             <a:r>
-              <a:rPr lang="en-US" sz="2400" dirty="0">
+              <a:rPr lang="en-US" sz="2400">
                 <a:solidFill>
                   <a:srgbClr val="073763"/>
                 </a:solidFill>
@@ -11369,7 +11589,7 @@
               </a:rPr>
               <a:t> via Postman </a:t>
             </a:r>
-            <a:endParaRPr sz="2400" b="0" i="0" u="none" strike="noStrike" cap="none" dirty="0">
+            <a:endParaRPr sz="2400" b="0" i="0" u="none" strike="noStrike" cap="none">
               <a:solidFill>
                 <a:srgbClr val="073763"/>
               </a:solidFill>
@@ -11386,14 +11606,14 @@
   <p:clrMapOvr>
     <a:masterClrMapping/>
   </p:clrMapOvr>
-  <mc:AlternateContent xmlns:mc="http://schemas.openxmlformats.org/markup-compatibility/2006" xmlns:p14="http://schemas.microsoft.com/office/powerpoint/2010/main">
-    <mc:Choice Requires="p14">
+  <mc:AlternateContent xmlns:mc="http://schemas.openxmlformats.org/markup-compatibility/2006">
+    <mc:Choice xmlns:p14="http://schemas.microsoft.com/office/powerpoint/2010/main" Requires="p14">
       <p:transition spd="med" p14:dur="700">
         <p:fade/>
       </p:transition>
     </mc:Choice>
-    <mc:Fallback xmlns="" xmlns:mv="urn:schemas-microsoft-com:mac:vml" xmlns:c="http://schemas.openxmlformats.org/drawingml/2006/chart" xmlns:dgm="http://schemas.openxmlformats.org/drawingml/2006/diagram" xmlns:o="urn:schemas-microsoft-com:office:office" xmlns:v="urn:schemas-microsoft-com:vml" xmlns:pvml="urn:schemas-microsoft-com:office:powerpoint" xmlns:com="http://schemas.openxmlformats.org/drawingml/2006/compatibility" xmlns:p15="http://schemas.microsoft.com/office/powerpoint/2012/main" xmlns:ahyp="http://schemas.microsoft.com/office/drawing/2018/hyperlinkcolor">
-      <p:transition spd="slow">
+    <mc:Fallback>
+      <p:transition spd="med">
         <p:fade/>
       </p:transition>
     </mc:Fallback>
@@ -11969,7 +12189,7 @@
               <a:buNone/>
             </a:pPr>
             <a:r>
-              <a:rPr lang="pt-BR" sz="5400" b="1" dirty="0">
+              <a:rPr lang="pt-BR" sz="5400" b="1">
                 <a:solidFill>
                   <a:schemeClr val="lt1"/>
                 </a:solidFill>
@@ -11981,7 +12201,7 @@
               <a:t>Etapa</a:t>
             </a:r>
             <a:r>
-              <a:rPr lang="pt-BR" sz="5400" b="1" i="0" u="none" strike="noStrike" cap="none" dirty="0">
+              <a:rPr lang="pt-BR" sz="5400" b="1" i="0" u="none" strike="noStrike" cap="none">
                 <a:solidFill>
                   <a:schemeClr val="lt1"/>
                 </a:solidFill>
@@ -12038,7 +12258,7 @@
               <a:buNone/>
             </a:pPr>
             <a:r>
-              <a:rPr lang="pt-BR" sz="3600" b="0" i="0" u="none" strike="noStrike" cap="none" dirty="0">
+              <a:rPr lang="pt-BR" sz="3600" b="0" i="0" u="none" strike="noStrike" cap="none">
                 <a:solidFill>
                   <a:srgbClr val="F78321"/>
                 </a:solidFill>
@@ -12057,14 +12277,14 @@
   <p:clrMapOvr>
     <a:masterClrMapping/>
   </p:clrMapOvr>
-  <mc:AlternateContent xmlns:mc="http://schemas.openxmlformats.org/markup-compatibility/2006" xmlns:p14="http://schemas.microsoft.com/office/powerpoint/2010/main">
-    <mc:Choice Requires="p14">
+  <mc:AlternateContent xmlns:mc="http://schemas.openxmlformats.org/markup-compatibility/2006">
+    <mc:Choice xmlns:p14="http://schemas.microsoft.com/office/powerpoint/2010/main" Requires="p14">
       <p:transition spd="med" p14:dur="700">
         <p:fade/>
       </p:transition>
     </mc:Choice>
-    <mc:Fallback xmlns="" xmlns:mv="urn:schemas-microsoft-com:mac:vml" xmlns:c="http://schemas.openxmlformats.org/drawingml/2006/chart" xmlns:dgm="http://schemas.openxmlformats.org/drawingml/2006/diagram" xmlns:o="urn:schemas-microsoft-com:office:office" xmlns:v="urn:schemas-microsoft-com:vml" xmlns:pvml="urn:schemas-microsoft-com:office:powerpoint" xmlns:com="http://schemas.openxmlformats.org/drawingml/2006/compatibility" xmlns:p15="http://schemas.microsoft.com/office/powerpoint/2012/main" xmlns:ahyp="http://schemas.microsoft.com/office/drawing/2018/hyperlinkcolor">
-      <p:transition spd="slow">
+    <mc:Fallback>
+      <p:transition spd="med">
         <p:fade/>
       </p:transition>
     </mc:Fallback>
@@ -12240,7 +12460,7 @@
               <a:buNone/>
             </a:pPr>
             <a:r>
-              <a:rPr lang="en-US" sz="2400" b="1" dirty="0">
+              <a:rPr lang="en-US" sz="2400" b="1">
                 <a:solidFill>
                   <a:srgbClr val="073763"/>
                 </a:solidFill>
@@ -12252,7 +12472,7 @@
               <a:t>1. </a:t>
             </a:r>
             <a:r>
-              <a:rPr lang="en-US" sz="2400" dirty="0" err="1">
+              <a:rPr lang="en-US" sz="2400" err="1">
                 <a:solidFill>
                   <a:srgbClr val="073763"/>
                 </a:solidFill>
@@ -12264,7 +12484,7 @@
               <a:t>Aprender</a:t>
             </a:r>
             <a:r>
-              <a:rPr lang="en-US" sz="2400" dirty="0">
+              <a:rPr lang="en-US" sz="2400">
                 <a:solidFill>
                   <a:srgbClr val="073763"/>
                 </a:solidFill>
@@ -12276,7 +12496,7 @@
               <a:t> </a:t>
             </a:r>
             <a:r>
-              <a:rPr lang="en-US" sz="2400" dirty="0" err="1">
+              <a:rPr lang="en-US" sz="2400" err="1">
                 <a:solidFill>
                   <a:srgbClr val="073763"/>
                 </a:solidFill>
@@ -12288,7 +12508,7 @@
               <a:t>como</a:t>
             </a:r>
             <a:r>
-              <a:rPr lang="en-US" sz="2400" dirty="0">
+              <a:rPr lang="en-US" sz="2400">
                 <a:solidFill>
                   <a:srgbClr val="073763"/>
                 </a:solidFill>
@@ -12300,7 +12520,7 @@
               <a:t> </a:t>
             </a:r>
             <a:r>
-              <a:rPr lang="en-US" sz="2400" dirty="0" err="1">
+              <a:rPr lang="en-US" sz="2400" err="1">
                 <a:solidFill>
                   <a:srgbClr val="073763"/>
                 </a:solidFill>
@@ -12312,7 +12532,7 @@
               <a:t>criar</a:t>
             </a:r>
             <a:r>
-              <a:rPr lang="en-US" sz="2400" dirty="0">
+              <a:rPr lang="en-US" sz="2400">
                 <a:solidFill>
                   <a:srgbClr val="073763"/>
                 </a:solidFill>
@@ -12324,7 +12544,7 @@
               <a:t> um </a:t>
             </a:r>
             <a:r>
-              <a:rPr lang="en-US" sz="2400" dirty="0" err="1">
+              <a:rPr lang="en-US" sz="2400" err="1">
                 <a:solidFill>
                   <a:srgbClr val="073763"/>
                 </a:solidFill>
@@ -12336,7 +12556,7 @@
               <a:t>projeto</a:t>
             </a:r>
             <a:r>
-              <a:rPr lang="en-US" sz="2400" dirty="0">
+              <a:rPr lang="en-US" sz="2400">
                 <a:solidFill>
                   <a:srgbClr val="073763"/>
                 </a:solidFill>
@@ -12348,7 +12568,7 @@
               <a:t> </a:t>
             </a:r>
             <a:r>
-              <a:rPr lang="en-US" sz="2400" dirty="0" err="1">
+              <a:rPr lang="en-US" sz="2400" err="1">
                 <a:solidFill>
                   <a:srgbClr val="073763"/>
                 </a:solidFill>
@@ -12360,7 +12580,7 @@
               <a:t>usando</a:t>
             </a:r>
             <a:r>
-              <a:rPr lang="en-US" sz="2400" dirty="0">
+              <a:rPr lang="en-US" sz="2400">
                 <a:solidFill>
                   <a:srgbClr val="073763"/>
                 </a:solidFill>
@@ -12371,7 +12591,7 @@
               </a:rPr>
               <a:t> Dotnet CLI</a:t>
             </a:r>
-            <a:endParaRPr dirty="0">
+            <a:endParaRPr>
               <a:latin typeface="Calibri"/>
               <a:ea typeface="Calibri"/>
               <a:cs typeface="Calibri"/>
@@ -12396,7 +12616,7 @@
               <a:buNone/>
             </a:pPr>
             <a:r>
-              <a:rPr lang="en-US" sz="2400" b="1" dirty="0">
+              <a:rPr lang="en-US" sz="2400" b="1">
                 <a:solidFill>
                   <a:srgbClr val="073763"/>
                 </a:solidFill>
@@ -12408,7 +12628,7 @@
               <a:t>2. </a:t>
             </a:r>
             <a:r>
-              <a:rPr lang="en-US" sz="2400" dirty="0" err="1">
+              <a:rPr lang="en-US" sz="2400" err="1">
                 <a:solidFill>
                   <a:srgbClr val="073763"/>
                 </a:solidFill>
@@ -12420,7 +12640,7 @@
               <a:t>Comandos</a:t>
             </a:r>
             <a:r>
-              <a:rPr lang="en-US" sz="2400" dirty="0">
+              <a:rPr lang="en-US" sz="2400">
                 <a:solidFill>
                   <a:srgbClr val="073763"/>
                 </a:solidFill>
@@ -12432,7 +12652,7 @@
               <a:t> </a:t>
             </a:r>
             <a:r>
-              <a:rPr lang="en-US" sz="2400" dirty="0" err="1">
+              <a:rPr lang="en-US" sz="2400" err="1">
                 <a:solidFill>
                   <a:srgbClr val="073763"/>
                 </a:solidFill>
@@ -12444,7 +12664,7 @@
               <a:t>importantes</a:t>
             </a:r>
             <a:r>
-              <a:rPr lang="en-US" sz="2400" dirty="0">
+              <a:rPr lang="en-US" sz="2400">
                 <a:solidFill>
                   <a:srgbClr val="073763"/>
                 </a:solidFill>
@@ -12455,7 +12675,7 @@
               </a:rPr>
               <a:t> do dotnet cli</a:t>
             </a:r>
-            <a:endParaRPr dirty="0">
+            <a:endParaRPr>
               <a:latin typeface="Calibri"/>
               <a:ea typeface="Calibri"/>
               <a:cs typeface="Calibri"/>
@@ -12480,7 +12700,7 @@
               <a:buNone/>
             </a:pPr>
             <a:r>
-              <a:rPr lang="en-US" sz="2400" b="1" dirty="0">
+              <a:rPr lang="en-US" sz="2400" b="1">
                 <a:solidFill>
                   <a:srgbClr val="073763"/>
                 </a:solidFill>
@@ -12492,7 +12712,7 @@
               <a:t>3. </a:t>
             </a:r>
             <a:r>
-              <a:rPr lang="en-US" sz="2400" dirty="0" err="1">
+              <a:rPr lang="en-US" sz="2400" err="1">
                 <a:solidFill>
                   <a:srgbClr val="073763"/>
                 </a:solidFill>
@@ -12504,7 +12724,7 @@
               <a:t>Organização</a:t>
             </a:r>
             <a:r>
-              <a:rPr lang="en-US" sz="2400" dirty="0">
+              <a:rPr lang="en-US" sz="2400">
                 <a:solidFill>
                   <a:srgbClr val="073763"/>
                 </a:solidFill>
@@ -12515,7 +12735,7 @@
               </a:rPr>
               <a:t> de pastas</a:t>
             </a:r>
-            <a:endParaRPr dirty="0">
+            <a:endParaRPr>
               <a:latin typeface="Calibri"/>
               <a:ea typeface="Calibri"/>
               <a:cs typeface="Calibri"/>
@@ -12539,7 +12759,7 @@
               <a:buSzPts val="1100"/>
               <a:buNone/>
             </a:pPr>
-            <a:endParaRPr sz="2400" dirty="0">
+            <a:endParaRPr sz="2400">
               <a:solidFill>
                 <a:srgbClr val="073763"/>
               </a:solidFill>
@@ -12566,7 +12786,7 @@
               <a:buSzPts val="1100"/>
               <a:buNone/>
             </a:pPr>
-            <a:endParaRPr sz="2400" dirty="0">
+            <a:endParaRPr sz="2400">
               <a:solidFill>
                 <a:srgbClr val="073763"/>
               </a:solidFill>
@@ -12645,14 +12865,14 @@
   <p:clrMapOvr>
     <a:masterClrMapping/>
   </p:clrMapOvr>
-  <mc:AlternateContent xmlns:mc="http://schemas.openxmlformats.org/markup-compatibility/2006" xmlns:p14="http://schemas.microsoft.com/office/powerpoint/2010/main">
-    <mc:Choice Requires="p14">
+  <mc:AlternateContent xmlns:mc="http://schemas.openxmlformats.org/markup-compatibility/2006">
+    <mc:Choice xmlns:p14="http://schemas.microsoft.com/office/powerpoint/2010/main" Requires="p14">
       <p:transition spd="med" p14:dur="700">
         <p:fade/>
       </p:transition>
     </mc:Choice>
-    <mc:Fallback xmlns="" xmlns:mv="urn:schemas-microsoft-com:mac:vml" xmlns:c="http://schemas.openxmlformats.org/drawingml/2006/chart" xmlns:dgm="http://schemas.openxmlformats.org/drawingml/2006/diagram" xmlns:o="urn:schemas-microsoft-com:office:office" xmlns:v="urn:schemas-microsoft-com:vml" xmlns:pvml="urn:schemas-microsoft-com:office:powerpoint" xmlns:com="http://schemas.openxmlformats.org/drawingml/2006/compatibility" xmlns:p15="http://schemas.microsoft.com/office/powerpoint/2012/main" xmlns:ahyp="http://schemas.microsoft.com/office/drawing/2018/hyperlinkcolor">
-      <p:transition spd="slow">
+    <mc:Fallback>
+      <p:transition spd="med">
         <p:fade/>
       </p:transition>
     </mc:Fallback>
@@ -13405,7 +13625,7 @@
               <a:buNone/>
             </a:pPr>
             <a:r>
-              <a:rPr lang="pt-BR" sz="5400" b="1" dirty="0">
+              <a:rPr lang="pt-BR" sz="5400" b="1">
                 <a:solidFill>
                   <a:schemeClr val="lt1"/>
                 </a:solidFill>
@@ -13417,7 +13637,7 @@
               <a:t>Etapa</a:t>
             </a:r>
             <a:r>
-              <a:rPr lang="pt-BR" sz="5400" b="1" i="0" u="none" strike="noStrike" cap="none" dirty="0">
+              <a:rPr lang="pt-BR" sz="5400" b="1" i="0" u="none" strike="noStrike" cap="none">
                 <a:solidFill>
                   <a:schemeClr val="lt1"/>
                 </a:solidFill>
@@ -13474,7 +13694,7 @@
               <a:buNone/>
             </a:pPr>
             <a:r>
-              <a:rPr lang="pt-BR" sz="3600" b="0" i="0" u="none" strike="noStrike" cap="none" dirty="0">
+              <a:rPr lang="pt-BR" sz="3600" b="0" i="0" u="none" strike="noStrike" cap="none">
                 <a:solidFill>
                   <a:srgbClr val="F78321"/>
                 </a:solidFill>
@@ -13498,14 +13718,14 @@
   <p:clrMapOvr>
     <a:masterClrMapping/>
   </p:clrMapOvr>
-  <mc:AlternateContent xmlns:mc="http://schemas.openxmlformats.org/markup-compatibility/2006" xmlns:p14="http://schemas.microsoft.com/office/powerpoint/2010/main">
-    <mc:Choice Requires="p14">
+  <mc:AlternateContent xmlns:mc="http://schemas.openxmlformats.org/markup-compatibility/2006">
+    <mc:Choice xmlns:p14="http://schemas.microsoft.com/office/powerpoint/2010/main" Requires="p14">
       <p:transition spd="med" p14:dur="700">
         <p:fade/>
       </p:transition>
     </mc:Choice>
-    <mc:Fallback xmlns="" xmlns:mv="urn:schemas-microsoft-com:mac:vml" xmlns:c="http://schemas.openxmlformats.org/drawingml/2006/chart" xmlns:dgm="http://schemas.openxmlformats.org/drawingml/2006/diagram" xmlns:o="urn:schemas-microsoft-com:office:office" xmlns:v="urn:schemas-microsoft-com:vml" xmlns:pvml="urn:schemas-microsoft-com:office:powerpoint" xmlns:com="http://schemas.openxmlformats.org/drawingml/2006/compatibility" xmlns:p15="http://schemas.microsoft.com/office/powerpoint/2012/main" xmlns:ahyp="http://schemas.microsoft.com/office/drawing/2018/hyperlinkcolor">
-      <p:transition spd="slow">
+    <mc:Fallback>
+      <p:transition spd="med">
         <p:fade/>
       </p:transition>
     </mc:Fallback>
@@ -13666,7 +13886,7 @@
               <a:buSzPts val="1100"/>
             </a:pPr>
             <a:r>
-              <a:rPr lang="en-US" sz="2400" b="1" dirty="0">
+              <a:rPr lang="en-US" sz="2400" b="1">
                 <a:solidFill>
                   <a:srgbClr val="073763"/>
                 </a:solidFill>
@@ -13678,7 +13898,7 @@
               <a:t>1. </a:t>
             </a:r>
             <a:r>
-              <a:rPr lang="en-US" sz="2400" dirty="0" err="1">
+              <a:rPr lang="en-US" sz="2400" err="1">
                 <a:solidFill>
                   <a:srgbClr val="073763"/>
                 </a:solidFill>
@@ -13690,7 +13910,7 @@
               <a:t>Entendendo</a:t>
             </a:r>
             <a:r>
-              <a:rPr lang="en-US" sz="2400" dirty="0">
+              <a:rPr lang="en-US" sz="2400">
                 <a:solidFill>
                   <a:srgbClr val="073763"/>
                 </a:solidFill>
@@ -13701,7 +13921,7 @@
               </a:rPr>
               <a:t> as pastas da API Core</a:t>
             </a:r>
-            <a:endParaRPr dirty="0">
+            <a:endParaRPr>
               <a:latin typeface="Calibri"/>
               <a:ea typeface="Calibri"/>
               <a:cs typeface="Calibri"/>
@@ -13719,7 +13939,7 @@
               <a:buSzPts val="1100"/>
             </a:pPr>
             <a:r>
-              <a:rPr lang="en-US" sz="2400" b="1" dirty="0">
+              <a:rPr lang="en-US" sz="2400" b="1">
                 <a:solidFill>
                   <a:srgbClr val="073763"/>
                 </a:solidFill>
@@ -13731,7 +13951,7 @@
               <a:t>2. </a:t>
             </a:r>
             <a:r>
-              <a:rPr lang="en-US" sz="2400" dirty="0" err="1">
+              <a:rPr lang="en-US" sz="2400" err="1">
                 <a:solidFill>
                   <a:srgbClr val="073763"/>
                 </a:solidFill>
@@ -13743,7 +13963,7 @@
               <a:t>Entendendo</a:t>
             </a:r>
             <a:r>
-              <a:rPr lang="en-US" sz="2400" dirty="0">
+              <a:rPr lang="en-US" sz="2400">
                 <a:solidFill>
                   <a:srgbClr val="073763"/>
                 </a:solidFill>
@@ -13755,7 +13975,7 @@
               <a:t> </a:t>
             </a:r>
             <a:r>
-              <a:rPr lang="en-US" sz="2400" dirty="0" err="1">
+              <a:rPr lang="en-US" sz="2400" err="1">
                 <a:solidFill>
                   <a:srgbClr val="073763"/>
                 </a:solidFill>
@@ -13767,7 +13987,7 @@
               <a:t>os</a:t>
             </a:r>
             <a:r>
-              <a:rPr lang="en-US" sz="2400" dirty="0">
+              <a:rPr lang="en-US" sz="2400">
                 <a:solidFill>
                   <a:srgbClr val="073763"/>
                 </a:solidFill>
@@ -13779,7 +13999,7 @@
               <a:t> </a:t>
             </a:r>
             <a:r>
-              <a:rPr lang="en-US" sz="2400" dirty="0" err="1">
+              <a:rPr lang="en-US" sz="2400" err="1">
                 <a:solidFill>
                   <a:srgbClr val="073763"/>
                 </a:solidFill>
@@ -13791,7 +14011,7 @@
               <a:t>arquivos</a:t>
             </a:r>
             <a:r>
-              <a:rPr lang="en-US" sz="2400" dirty="0">
+              <a:rPr lang="en-US" sz="2400">
                 <a:solidFill>
                   <a:srgbClr val="073763"/>
                 </a:solidFill>
@@ -13802,7 +14022,7 @@
               </a:rPr>
               <a:t> da API Core</a:t>
             </a:r>
-            <a:endParaRPr sz="2400" dirty="0">
+            <a:endParaRPr sz="2400">
               <a:solidFill>
                 <a:srgbClr val="073763"/>
               </a:solidFill>
@@ -13829,7 +14049,7 @@
               <a:buSzPts val="1100"/>
               <a:buNone/>
             </a:pPr>
-            <a:endParaRPr sz="2400" dirty="0">
+            <a:endParaRPr sz="2400">
               <a:solidFill>
                 <a:srgbClr val="073763"/>
               </a:solidFill>
@@ -13913,14 +14133,14 @@
   <p:clrMapOvr>
     <a:masterClrMapping/>
   </p:clrMapOvr>
-  <mc:AlternateContent xmlns:mc="http://schemas.openxmlformats.org/markup-compatibility/2006" xmlns:p14="http://schemas.microsoft.com/office/powerpoint/2010/main">
-    <mc:Choice Requires="p14">
+  <mc:AlternateContent xmlns:mc="http://schemas.openxmlformats.org/markup-compatibility/2006">
+    <mc:Choice xmlns:p14="http://schemas.microsoft.com/office/powerpoint/2010/main" Requires="p14">
       <p:transition spd="med" p14:dur="700">
         <p:fade/>
       </p:transition>
     </mc:Choice>
-    <mc:Fallback xmlns="" xmlns:mv="urn:schemas-microsoft-com:mac:vml" xmlns:c="http://schemas.openxmlformats.org/drawingml/2006/chart" xmlns:dgm="http://schemas.openxmlformats.org/drawingml/2006/diagram" xmlns:o="urn:schemas-microsoft-com:office:office" xmlns:v="urn:schemas-microsoft-com:vml" xmlns:pvml="urn:schemas-microsoft-com:office:powerpoint" xmlns:com="http://schemas.openxmlformats.org/drawingml/2006/compatibility" xmlns:p15="http://schemas.microsoft.com/office/powerpoint/2012/main" xmlns:ahyp="http://schemas.microsoft.com/office/drawing/2018/hyperlinkcolor">
-      <p:transition spd="slow">
+    <mc:Fallback>
+      <p:transition spd="med">
         <p:fade/>
       </p:transition>
     </mc:Fallback>
@@ -14624,7 +14844,7 @@
               <a:buNone/>
             </a:pPr>
             <a:r>
-              <a:rPr lang="pt-BR" sz="5400" b="1" dirty="0">
+              <a:rPr lang="pt-BR" sz="5400" b="1">
                 <a:solidFill>
                   <a:schemeClr val="lt1"/>
                 </a:solidFill>
@@ -14636,7 +14856,7 @@
               <a:t>Etapa</a:t>
             </a:r>
             <a:r>
-              <a:rPr lang="pt-BR" sz="5400" b="1" i="0" u="none" strike="noStrike" cap="none" dirty="0">
+              <a:rPr lang="pt-BR" sz="5400" b="1" i="0" u="none" strike="noStrike" cap="none">
                 <a:solidFill>
                   <a:schemeClr val="lt1"/>
                 </a:solidFill>
@@ -14693,7 +14913,7 @@
               <a:buNone/>
             </a:pPr>
             <a:r>
-              <a:rPr lang="pt-BR" sz="3600" b="0" i="0" u="none" strike="noStrike" cap="none" dirty="0">
+              <a:rPr lang="pt-BR" sz="3600" b="0" i="0" u="none" strike="noStrike" cap="none">
                 <a:solidFill>
                   <a:srgbClr val="F78321"/>
                 </a:solidFill>
@@ -14717,14 +14937,14 @@
   <p:clrMapOvr>
     <a:masterClrMapping/>
   </p:clrMapOvr>
-  <mc:AlternateContent xmlns:mc="http://schemas.openxmlformats.org/markup-compatibility/2006" xmlns:p14="http://schemas.microsoft.com/office/powerpoint/2010/main">
-    <mc:Choice Requires="p14">
+  <mc:AlternateContent xmlns:mc="http://schemas.openxmlformats.org/markup-compatibility/2006">
+    <mc:Choice xmlns:p14="http://schemas.microsoft.com/office/powerpoint/2010/main" Requires="p14">
       <p:transition spd="med" p14:dur="700">
         <p:fade/>
       </p:transition>
     </mc:Choice>
-    <mc:Fallback xmlns="" xmlns:mv="urn:schemas-microsoft-com:mac:vml" xmlns:c="http://schemas.openxmlformats.org/drawingml/2006/chart" xmlns:dgm="http://schemas.openxmlformats.org/drawingml/2006/diagram" xmlns:o="urn:schemas-microsoft-com:office:office" xmlns:v="urn:schemas-microsoft-com:vml" xmlns:pvml="urn:schemas-microsoft-com:office:powerpoint" xmlns:com="http://schemas.openxmlformats.org/drawingml/2006/compatibility" xmlns:p15="http://schemas.microsoft.com/office/powerpoint/2012/main" xmlns:ahyp="http://schemas.microsoft.com/office/drawing/2018/hyperlinkcolor">
-      <p:transition spd="slow">
+    <mc:Fallback>
+      <p:transition spd="med">
         <p:fade/>
       </p:transition>
     </mc:Fallback>
@@ -14796,7 +15016,7 @@
               <a:buNone/>
             </a:pPr>
             <a:r>
-              <a:rPr lang="en-US" sz="4000" b="1" dirty="0" err="1">
+              <a:rPr lang="en-US" sz="4000" b="1" err="1">
                 <a:solidFill>
                   <a:srgbClr val="073763"/>
                 </a:solidFill>
@@ -14807,7 +15027,7 @@
               </a:rPr>
               <a:t>Objetivos</a:t>
             </a:r>
-            <a:endParaRPr sz="4000" b="1" dirty="0">
+            <a:endParaRPr sz="4000" b="1">
               <a:solidFill>
                 <a:srgbClr val="073763"/>
               </a:solidFill>
@@ -14884,7 +15104,7 @@
               </a:buClr>
               <a:buSzPts val="1100"/>
             </a:pPr>
-            <a:endParaRPr lang="en-US" sz="2400" b="1" dirty="0">
+            <a:endParaRPr lang="en-US" sz="2400" b="1">
               <a:solidFill>
                 <a:srgbClr val="073763"/>
               </a:solidFill>
@@ -14905,7 +15125,7 @@
               <a:buSzPts val="1100"/>
             </a:pPr>
             <a:r>
-              <a:rPr lang="en-US" sz="2400" b="1" dirty="0">
+              <a:rPr lang="en-US" sz="2400" b="1">
                 <a:solidFill>
                   <a:srgbClr val="073763"/>
                 </a:solidFill>
@@ -14917,7 +15137,7 @@
               <a:t>1. </a:t>
             </a:r>
             <a:r>
-              <a:rPr lang="en-US" sz="2400" dirty="0" err="1">
+              <a:rPr lang="en-US" sz="2400" err="1">
                 <a:solidFill>
                   <a:srgbClr val="073763"/>
                 </a:solidFill>
@@ -14929,7 +15149,7 @@
               <a:t>Entender</a:t>
             </a:r>
             <a:r>
-              <a:rPr lang="en-US" sz="2400" dirty="0">
+              <a:rPr lang="en-US" sz="2400">
                 <a:solidFill>
                   <a:srgbClr val="073763"/>
                 </a:solidFill>
@@ -14941,7 +15161,7 @@
               <a:t> as classes de </a:t>
             </a:r>
             <a:r>
-              <a:rPr lang="en-US" sz="2400" dirty="0" err="1">
+              <a:rPr lang="en-US" sz="2400" err="1">
                 <a:solidFill>
                   <a:srgbClr val="073763"/>
                 </a:solidFill>
@@ -14953,7 +15173,7 @@
               <a:t>rotas</a:t>
             </a:r>
             <a:r>
-              <a:rPr lang="en-US" sz="2400" dirty="0">
+              <a:rPr lang="en-US" sz="2400">
                 <a:solidFill>
                   <a:srgbClr val="073763"/>
                 </a:solidFill>
@@ -14964,7 +15184,7 @@
               </a:rPr>
               <a:t> da API Core</a:t>
             </a:r>
-            <a:endParaRPr dirty="0">
+            <a:endParaRPr>
               <a:latin typeface="Calibri"/>
               <a:ea typeface="Calibri"/>
               <a:cs typeface="Calibri"/>
@@ -14982,7 +15202,7 @@
               <a:buSzPts val="1100"/>
             </a:pPr>
             <a:r>
-              <a:rPr lang="en-US" sz="2400" b="1" dirty="0">
+              <a:rPr lang="en-US" sz="2400" b="1">
                 <a:solidFill>
                   <a:srgbClr val="073763"/>
                 </a:solidFill>
@@ -14994,7 +15214,7 @@
               <a:t>2. </a:t>
             </a:r>
             <a:r>
-              <a:rPr lang="en-US" sz="2400" dirty="0" err="1">
+              <a:rPr lang="en-US" sz="2400" err="1">
                 <a:solidFill>
                   <a:srgbClr val="073763"/>
                 </a:solidFill>
@@ -15006,7 +15226,7 @@
               <a:t>Entender</a:t>
             </a:r>
             <a:r>
-              <a:rPr lang="en-US" sz="2400" dirty="0">
+              <a:rPr lang="en-US" sz="2400">
                 <a:solidFill>
                   <a:srgbClr val="073763"/>
                 </a:solidFill>
@@ -15018,7 +15238,7 @@
               <a:t> as </a:t>
             </a:r>
             <a:r>
-              <a:rPr lang="en-US" sz="2400" dirty="0" err="1">
+              <a:rPr lang="en-US" sz="2400" err="1">
                 <a:solidFill>
                   <a:srgbClr val="073763"/>
                 </a:solidFill>
@@ -15030,7 +15250,7 @@
               <a:t>funcionalidades</a:t>
             </a:r>
             <a:r>
-              <a:rPr lang="en-US" sz="2400" dirty="0">
+              <a:rPr lang="en-US" sz="2400">
                 <a:solidFill>
                   <a:srgbClr val="073763"/>
                 </a:solidFill>
@@ -15042,7 +15262,7 @@
               <a:t> do </a:t>
             </a:r>
             <a:r>
-              <a:rPr lang="en-US" sz="2400" dirty="0" err="1">
+              <a:rPr lang="en-US" sz="2400" err="1">
                 <a:solidFill>
                   <a:srgbClr val="073763"/>
                 </a:solidFill>
@@ -15054,7 +15274,7 @@
               <a:t>verbos</a:t>
             </a:r>
             <a:r>
-              <a:rPr lang="en-US" sz="2400" dirty="0">
+              <a:rPr lang="en-US" sz="2400">
                 <a:solidFill>
                   <a:srgbClr val="073763"/>
                 </a:solidFill>
@@ -15077,7 +15297,7 @@
               <a:buSzPts val="1100"/>
             </a:pPr>
             <a:r>
-              <a:rPr lang="en-US" sz="2400" b="1" dirty="0">
+              <a:rPr lang="en-US" sz="2400" b="1">
                 <a:solidFill>
                   <a:srgbClr val="073763"/>
                 </a:solidFill>
@@ -15089,7 +15309,7 @@
               <a:t>3. </a:t>
             </a:r>
             <a:r>
-              <a:rPr lang="en-US" sz="2400" dirty="0" err="1">
+              <a:rPr lang="en-US" sz="2400" err="1">
                 <a:solidFill>
                   <a:srgbClr val="073763"/>
                 </a:solidFill>
@@ -15101,7 +15321,7 @@
               <a:t>Configurações</a:t>
             </a:r>
             <a:r>
-              <a:rPr lang="en-US" sz="2400" dirty="0">
+              <a:rPr lang="en-US" sz="2400">
                 <a:solidFill>
                   <a:srgbClr val="073763"/>
                 </a:solidFill>
@@ -15113,7 +15333,7 @@
               <a:t> das </a:t>
             </a:r>
             <a:r>
-              <a:rPr lang="en-US" sz="2400" dirty="0" err="1">
+              <a:rPr lang="en-US" sz="2400" err="1">
                 <a:solidFill>
                   <a:srgbClr val="073763"/>
                 </a:solidFill>
@@ -15125,7 +15345,7 @@
               <a:t>rotas</a:t>
             </a:r>
             <a:r>
-              <a:rPr lang="en-US" sz="2400" dirty="0">
+              <a:rPr lang="en-US" sz="2400">
                 <a:solidFill>
                   <a:srgbClr val="073763"/>
                 </a:solidFill>
@@ -15148,7 +15368,7 @@
               <a:buSzPts val="1100"/>
             </a:pPr>
             <a:r>
-              <a:rPr lang="en-US" sz="2400" b="1" dirty="0">
+              <a:rPr lang="en-US" sz="2400" b="1">
                 <a:solidFill>
                   <a:srgbClr val="073763"/>
                 </a:solidFill>
@@ -15160,7 +15380,7 @@
               <a:t>4. </a:t>
             </a:r>
             <a:r>
-              <a:rPr lang="pt-BR" sz="2400" dirty="0">
+              <a:rPr lang="pt-BR" sz="2400">
                 <a:solidFill>
                   <a:srgbClr val="073763"/>
                 </a:solidFill>
@@ -15172,7 +15392,7 @@
               <a:t>Especificando parâmetros opcionais, valores padrão e restrições da rota por atributo</a:t>
             </a:r>
             <a:r>
-              <a:rPr lang="en-US" sz="2400" dirty="0">
+              <a:rPr lang="en-US" sz="2400">
                 <a:solidFill>
                   <a:srgbClr val="073763"/>
                 </a:solidFill>
@@ -15194,7 +15414,7 @@
               </a:buClr>
               <a:buSzPts val="1100"/>
             </a:pPr>
-            <a:endParaRPr sz="2400" dirty="0">
+            <a:endParaRPr sz="2400">
               <a:solidFill>
                 <a:srgbClr val="073763"/>
               </a:solidFill>
@@ -15221,7 +15441,7 @@
               <a:buSzPts val="1100"/>
               <a:buNone/>
             </a:pPr>
-            <a:endParaRPr sz="2400" dirty="0">
+            <a:endParaRPr sz="2400">
               <a:solidFill>
                 <a:srgbClr val="073763"/>
               </a:solidFill>
@@ -15305,14 +15525,14 @@
   <p:clrMapOvr>
     <a:masterClrMapping/>
   </p:clrMapOvr>
-  <mc:AlternateContent xmlns:mc="http://schemas.openxmlformats.org/markup-compatibility/2006" xmlns:p14="http://schemas.microsoft.com/office/powerpoint/2010/main">
-    <mc:Choice Requires="p14">
+  <mc:AlternateContent xmlns:mc="http://schemas.openxmlformats.org/markup-compatibility/2006">
+    <mc:Choice xmlns:p14="http://schemas.microsoft.com/office/powerpoint/2010/main" Requires="p14">
       <p:transition spd="med" p14:dur="700">
         <p:fade/>
       </p:transition>
     </mc:Choice>
-    <mc:Fallback xmlns="" xmlns:mv="urn:schemas-microsoft-com:mac:vml" xmlns:c="http://schemas.openxmlformats.org/drawingml/2006/chart" xmlns:dgm="http://schemas.openxmlformats.org/drawingml/2006/diagram" xmlns:o="urn:schemas-microsoft-com:office:office" xmlns:v="urn:schemas-microsoft-com:vml" xmlns:pvml="urn:schemas-microsoft-com:office:powerpoint" xmlns:com="http://schemas.openxmlformats.org/drawingml/2006/compatibility" xmlns:p15="http://schemas.microsoft.com/office/powerpoint/2012/main" xmlns:ahyp="http://schemas.microsoft.com/office/drawing/2018/hyperlinkcolor">
-      <p:transition spd="slow">
+    <mc:Fallback>
+      <p:transition spd="med">
         <p:fade/>
       </p:transition>
     </mc:Fallback>
@@ -16114,7 +16334,7 @@
               <a:buNone/>
             </a:pPr>
             <a:r>
-              <a:rPr lang="pt-BR" sz="5400" b="1" dirty="0">
+              <a:rPr lang="pt-BR" sz="5400" b="1">
                 <a:solidFill>
                   <a:schemeClr val="lt1"/>
                 </a:solidFill>
@@ -16126,7 +16346,7 @@
               <a:t>Etapa</a:t>
             </a:r>
             <a:r>
-              <a:rPr lang="pt-BR" sz="5400" b="1" i="0" u="none" strike="noStrike" cap="none" dirty="0">
+              <a:rPr lang="pt-BR" sz="5400" b="1" i="0" u="none" strike="noStrike" cap="none">
                 <a:solidFill>
                   <a:schemeClr val="lt1"/>
                 </a:solidFill>
@@ -16183,7 +16403,7 @@
               <a:buNone/>
             </a:pPr>
             <a:r>
-              <a:rPr lang="pt-BR" sz="3600" b="0" i="0" u="none" strike="noStrike" cap="none" dirty="0">
+              <a:rPr lang="pt-BR" sz="3600" b="0" i="0" u="none" strike="noStrike" cap="none">
                 <a:solidFill>
                   <a:srgbClr val="F78321"/>
                 </a:solidFill>
@@ -16207,14 +16427,14 @@
   <p:clrMapOvr>
     <a:masterClrMapping/>
   </p:clrMapOvr>
-  <mc:AlternateContent xmlns:mc="http://schemas.openxmlformats.org/markup-compatibility/2006" xmlns:p14="http://schemas.microsoft.com/office/powerpoint/2010/main">
-    <mc:Choice Requires="p14">
+  <mc:AlternateContent xmlns:mc="http://schemas.openxmlformats.org/markup-compatibility/2006">
+    <mc:Choice xmlns:p14="http://schemas.microsoft.com/office/powerpoint/2010/main" Requires="p14">
       <p:transition spd="med" p14:dur="700">
         <p:fade/>
       </p:transition>
     </mc:Choice>
-    <mc:Fallback xmlns="" xmlns:mv="urn:schemas-microsoft-com:mac:vml" xmlns:c="http://schemas.openxmlformats.org/drawingml/2006/chart" xmlns:dgm="http://schemas.openxmlformats.org/drawingml/2006/diagram" xmlns:o="urn:schemas-microsoft-com:office:office" xmlns:v="urn:schemas-microsoft-com:vml" xmlns:pvml="urn:schemas-microsoft-com:office:powerpoint" xmlns:com="http://schemas.openxmlformats.org/drawingml/2006/compatibility" xmlns:p15="http://schemas.microsoft.com/office/powerpoint/2012/main" xmlns:ahyp="http://schemas.microsoft.com/office/drawing/2018/hyperlinkcolor">
-      <p:transition spd="slow">
+    <mc:Fallback>
+      <p:transition spd="med">
         <p:fade/>
       </p:transition>
     </mc:Fallback>
@@ -16286,7 +16506,7 @@
               <a:buNone/>
             </a:pPr>
             <a:r>
-              <a:rPr lang="en-US" sz="2000" dirty="0">
+              <a:rPr lang="en-US" sz="2000">
                 <a:solidFill>
                   <a:srgbClr val="92D050"/>
                 </a:solidFill>
@@ -16298,7 +16518,7 @@
               <a:t>{</a:t>
             </a:r>
             <a:r>
-              <a:rPr lang="en-US" sz="2000" dirty="0">
+              <a:rPr lang="en-US" sz="2000">
                 <a:solidFill>
                   <a:srgbClr val="404040"/>
                 </a:solidFill>
@@ -16310,7 +16530,7 @@
               <a:t>Thiago Almeida</a:t>
             </a:r>
             <a:r>
-              <a:rPr lang="en-US" sz="2000" dirty="0">
+              <a:rPr lang="en-US" sz="2000">
                 <a:solidFill>
                   <a:srgbClr val="92D050"/>
                 </a:solidFill>
@@ -16322,7 +16542,7 @@
               <a:t>}</a:t>
             </a:r>
             <a:br>
-              <a:rPr lang="en-US" sz="2000" dirty="0">
+              <a:rPr lang="en-US" sz="2000">
                 <a:solidFill>
                   <a:srgbClr val="404040"/>
                 </a:solidFill>
@@ -16333,7 +16553,7 @@
               </a:rPr>
             </a:br>
             <a:r>
-              <a:rPr lang="en-US" sz="1500" dirty="0">
+              <a:rPr lang="en-US" sz="1500">
                 <a:solidFill>
                   <a:srgbClr val="404040"/>
                 </a:solidFill>
@@ -16345,7 +16565,7 @@
               <a:t>Developer – </a:t>
             </a:r>
             <a:r>
-              <a:rPr lang="en-US" sz="1500" dirty="0" err="1">
+              <a:rPr lang="en-US" sz="1500" err="1">
                 <a:solidFill>
                   <a:srgbClr val="404040"/>
                 </a:solidFill>
@@ -16356,7 +16576,7 @@
               </a:rPr>
               <a:t>everis</a:t>
             </a:r>
-            <a:endParaRPr sz="1500" dirty="0">
+            <a:endParaRPr sz="1500">
               <a:solidFill>
                 <a:srgbClr val="92D050"/>
               </a:solidFill>
@@ -16415,7 +16635,7 @@
               <a:buNone/>
             </a:pPr>
             <a:r>
-              <a:rPr lang="pt-BR" sz="4000" dirty="0">
+              <a:rPr lang="pt-BR" sz="4000">
                 <a:solidFill>
                   <a:srgbClr val="EF8600"/>
                 </a:solidFill>
@@ -16426,7 +16646,7 @@
               </a:rPr>
               <a:t>Projeto everis -  Criando uma API REST com .Net Core</a:t>
             </a:r>
-            <a:endParaRPr sz="4000" dirty="0">
+            <a:endParaRPr sz="4000">
               <a:solidFill>
                 <a:srgbClr val="EF8600"/>
               </a:solidFill>
@@ -16812,7 +17032,7 @@
               <a:buSzPts val="1100"/>
             </a:pPr>
             <a:r>
-              <a:rPr lang="en-US" sz="2400" b="1" dirty="0">
+              <a:rPr lang="en-US" sz="2400" b="1">
                 <a:solidFill>
                   <a:srgbClr val="073763"/>
                 </a:solidFill>
@@ -16824,7 +17044,7 @@
               <a:t>1. </a:t>
             </a:r>
             <a:r>
-              <a:rPr lang="en-US" sz="2400" dirty="0" err="1">
+              <a:rPr lang="en-US" sz="2400" err="1">
                 <a:solidFill>
                   <a:srgbClr val="073763"/>
                 </a:solidFill>
@@ -16836,7 +17056,7 @@
               <a:t>Acessando</a:t>
             </a:r>
             <a:r>
-              <a:rPr lang="en-US" sz="2400" dirty="0">
+              <a:rPr lang="en-US" sz="2400">
                 <a:solidFill>
                   <a:srgbClr val="073763"/>
                 </a:solidFill>
@@ -16848,7 +17068,7 @@
               <a:t> as </a:t>
             </a:r>
             <a:r>
-              <a:rPr lang="en-US" sz="2400" dirty="0" err="1">
+              <a:rPr lang="en-US" sz="2400" err="1">
                 <a:solidFill>
                   <a:srgbClr val="073763"/>
                 </a:solidFill>
@@ -16860,7 +17080,7 @@
               <a:t>rotas</a:t>
             </a:r>
             <a:r>
-              <a:rPr lang="en-US" sz="2400" dirty="0">
+              <a:rPr lang="en-US" sz="2400">
                 <a:solidFill>
                   <a:srgbClr val="073763"/>
                 </a:solidFill>
@@ -16871,7 +17091,7 @@
               </a:rPr>
               <a:t> API via Postman</a:t>
             </a:r>
-            <a:endParaRPr dirty="0">
+            <a:endParaRPr>
               <a:latin typeface="Calibri"/>
               <a:ea typeface="Calibri"/>
               <a:cs typeface="Calibri"/>
@@ -16889,7 +17109,7 @@
               <a:buSzPts val="1100"/>
             </a:pPr>
             <a:r>
-              <a:rPr lang="en-US" sz="2400" b="1" dirty="0">
+              <a:rPr lang="en-US" sz="2400" b="1">
                 <a:solidFill>
                   <a:srgbClr val="073763"/>
                 </a:solidFill>
@@ -16901,7 +17121,7 @@
               <a:t>2. </a:t>
             </a:r>
             <a:r>
-              <a:rPr lang="en-US" sz="2400" dirty="0" err="1">
+              <a:rPr lang="en-US" sz="2400" err="1">
                 <a:solidFill>
                   <a:srgbClr val="073763"/>
                 </a:solidFill>
@@ -16913,7 +17133,7 @@
               <a:t>Criando</a:t>
             </a:r>
             <a:r>
-              <a:rPr lang="en-US" sz="2400" dirty="0">
+              <a:rPr lang="en-US" sz="2400">
                 <a:solidFill>
                   <a:srgbClr val="073763"/>
                 </a:solidFill>
@@ -16925,7 +17145,7 @@
               <a:t> request para </a:t>
             </a:r>
             <a:r>
-              <a:rPr lang="en-US" sz="2400" dirty="0" err="1">
+              <a:rPr lang="en-US" sz="2400" err="1">
                 <a:solidFill>
                   <a:srgbClr val="073763"/>
                 </a:solidFill>
@@ -16937,7 +17157,7 @@
               <a:t>métodos</a:t>
             </a:r>
             <a:r>
-              <a:rPr lang="en-US" sz="2400" dirty="0">
+              <a:rPr lang="en-US" sz="2400">
                 <a:solidFill>
                   <a:srgbClr val="073763"/>
                 </a:solidFill>
@@ -16960,7 +17180,7 @@
               <a:buSzPts val="1100"/>
             </a:pPr>
             <a:r>
-              <a:rPr lang="en-US" sz="2400" b="1" dirty="0">
+              <a:rPr lang="en-US" sz="2400" b="1">
                 <a:solidFill>
                   <a:srgbClr val="073763"/>
                 </a:solidFill>
@@ -16972,7 +17192,7 @@
               <a:t>3. </a:t>
             </a:r>
             <a:r>
-              <a:rPr lang="en-US" sz="2400" dirty="0" err="1">
+              <a:rPr lang="en-US" sz="2400" err="1">
                 <a:solidFill>
                   <a:srgbClr val="073763"/>
                 </a:solidFill>
@@ -16984,7 +17204,7 @@
               <a:t>Adicionando</a:t>
             </a:r>
             <a:r>
-              <a:rPr lang="en-US" sz="2400" dirty="0">
+              <a:rPr lang="en-US" sz="2400">
                 <a:solidFill>
                   <a:srgbClr val="073763"/>
                 </a:solidFill>
@@ -16996,7 +17216,7 @@
               <a:t> </a:t>
             </a:r>
             <a:r>
-              <a:rPr lang="en-US" sz="2400" dirty="0" err="1">
+              <a:rPr lang="en-US" sz="2400" err="1">
                 <a:solidFill>
                   <a:srgbClr val="073763"/>
                 </a:solidFill>
@@ -17008,7 +17228,7 @@
               <a:t>parâmetros</a:t>
             </a:r>
             <a:r>
-              <a:rPr lang="en-US" sz="2400" dirty="0">
+              <a:rPr lang="en-US" sz="2400">
                 <a:solidFill>
                   <a:srgbClr val="073763"/>
                 </a:solidFill>
@@ -17019,7 +17239,7 @@
               </a:rPr>
               <a:t> no request do Postman</a:t>
             </a:r>
-            <a:endParaRPr sz="2400" dirty="0">
+            <a:endParaRPr sz="2400">
               <a:solidFill>
                 <a:srgbClr val="073763"/>
               </a:solidFill>
@@ -17046,7 +17266,7 @@
               <a:buSzPts val="1100"/>
               <a:buNone/>
             </a:pPr>
-            <a:endParaRPr sz="2400" dirty="0">
+            <a:endParaRPr sz="2400">
               <a:solidFill>
                 <a:srgbClr val="073763"/>
               </a:solidFill>
@@ -17130,14 +17350,14 @@
   <p:clrMapOvr>
     <a:masterClrMapping/>
   </p:clrMapOvr>
-  <mc:AlternateContent xmlns:mc="http://schemas.openxmlformats.org/markup-compatibility/2006" xmlns:p14="http://schemas.microsoft.com/office/powerpoint/2010/main">
-    <mc:Choice Requires="p14">
+  <mc:AlternateContent xmlns:mc="http://schemas.openxmlformats.org/markup-compatibility/2006">
+    <mc:Choice xmlns:p14="http://schemas.microsoft.com/office/powerpoint/2010/main" Requires="p14">
       <p:transition spd="med" p14:dur="700">
         <p:fade/>
       </p:transition>
     </mc:Choice>
-    <mc:Fallback xmlns="" xmlns:mv="urn:schemas-microsoft-com:mac:vml" xmlns:c="http://schemas.openxmlformats.org/drawingml/2006/chart" xmlns:dgm="http://schemas.openxmlformats.org/drawingml/2006/diagram" xmlns:o="urn:schemas-microsoft-com:office:office" xmlns:v="urn:schemas-microsoft-com:vml" xmlns:pvml="urn:schemas-microsoft-com:office:powerpoint" xmlns:com="http://schemas.openxmlformats.org/drawingml/2006/compatibility" xmlns:p15="http://schemas.microsoft.com/office/powerpoint/2012/main" xmlns:ahyp="http://schemas.microsoft.com/office/drawing/2018/hyperlinkcolor">
-      <p:transition spd="slow">
+    <mc:Fallback>
+      <p:transition spd="med">
         <p:fade/>
       </p:transition>
     </mc:Fallback>
@@ -17386,7 +17606,7 @@
               <a:buNone/>
             </a:pPr>
             <a:r>
-              <a:rPr lang="en-US" sz="4000" b="1" dirty="0">
+              <a:rPr lang="en-US" sz="4000" b="1">
                 <a:solidFill>
                   <a:srgbClr val="073763"/>
                 </a:solidFill>
@@ -17398,7 +17618,7 @@
               <a:t>Links e </a:t>
             </a:r>
             <a:r>
-              <a:rPr lang="en-US" sz="4000" b="1" dirty="0" err="1">
+              <a:rPr lang="en-US" sz="4000" b="1" err="1">
                 <a:solidFill>
                   <a:srgbClr val="073763"/>
                 </a:solidFill>
@@ -17409,7 +17629,7 @@
               </a:rPr>
               <a:t>Referências</a:t>
             </a:r>
-            <a:endParaRPr sz="4000" b="1" dirty="0">
+            <a:endParaRPr sz="4000" b="1">
               <a:solidFill>
                 <a:srgbClr val="073763"/>
               </a:solidFill>
@@ -17488,7 +17708,7 @@
               <a:buFont typeface="+mj-lt"/>
               <a:buAutoNum type="arabicPeriod"/>
             </a:pPr>
-            <a:endParaRPr lang="en-US" sz="1400" b="1" dirty="0">
+            <a:endParaRPr lang="en-US" sz="1400" b="1">
               <a:solidFill>
                 <a:srgbClr val="073763"/>
               </a:solidFill>
@@ -17512,7 +17732,7 @@
               <a:buAutoNum type="arabicPeriod"/>
             </a:pPr>
             <a:r>
-              <a:rPr lang="en-US" sz="1400" b="1" dirty="0">
+              <a:rPr lang="en-US" sz="1400" b="1">
                 <a:solidFill>
                   <a:srgbClr val="073763"/>
                 </a:solidFill>
@@ -17524,7 +17744,7 @@
               </a:rPr>
               <a:t>https://docs.microsoft.com/pt-br/aspnet/core/web-api/?view=aspnetcore-5.0</a:t>
             </a:r>
-            <a:endParaRPr lang="en-US" sz="1400" b="1" dirty="0">
+            <a:endParaRPr lang="en-US" sz="1400" b="1">
               <a:solidFill>
                 <a:srgbClr val="073763"/>
               </a:solidFill>
@@ -17547,7 +17767,7 @@
               <a:buAutoNum type="arabicPeriod"/>
             </a:pPr>
             <a:r>
-              <a:rPr lang="en-US" sz="1400" b="1" dirty="0">
+              <a:rPr lang="en-US" sz="1400" b="1">
                 <a:solidFill>
                   <a:srgbClr val="073763"/>
                 </a:solidFill>
@@ -17557,20 +17777,7 @@
                 <a:sym typeface="Calibri"/>
                 <a:hlinkClick r:id="rId4"/>
               </a:rPr>
-              <a:t>https://docs.microsoft.com/pt-br/aspnet/core/web-api/handle-errors?view</a:t>
-            </a:r>
-            <a:r>
-              <a:rPr lang="en-US" sz="1400" b="1">
-                <a:solidFill>
-                  <a:srgbClr val="073763"/>
-                </a:solidFill>
-                <a:latin typeface="Calibri"/>
-                <a:ea typeface="Calibri"/>
-                <a:cs typeface="Calibri"/>
-                <a:sym typeface="Calibri"/>
-                <a:hlinkClick r:id="rId4"/>
-              </a:rPr>
-              <a:t>=aspnetcore-5.0</a:t>
+              <a:t>https://docs.microsoft.com/pt-br/aspnet/core/web-api/handle-errors?view=aspnetcore-5.0</a:t>
             </a:r>
             <a:endParaRPr lang="en-US" sz="1400" b="1">
               <a:solidFill>
@@ -17605,22 +17812,9 @@
                 <a:sym typeface="Calibri"/>
                 <a:hlinkClick r:id="rId6"/>
               </a:rPr>
-              <a:t>https</a:t>
+              <a:t>https://docs.microsoft.com/pt-br/aspnet/core/mvc/controllers/routing?view=aspnetcore-5.0#cr</a:t>
             </a:r>
-            <a:r>
-              <a:rPr lang="en-US" sz="1400" dirty="0">
-                <a:solidFill>
-                  <a:srgbClr val="073763"/>
-                </a:solidFill>
-                <a:latin typeface="Calibri"/>
-                <a:ea typeface="Calibri"/>
-                <a:cs typeface="Calibri"/>
-                <a:sym typeface="Calibri"/>
-                <a:hlinkClick r:id="rId6"/>
-              </a:rPr>
-              <a:t>://docs.microsoft.com/pt-br/aspnet/core/mvc/controllers/routing?view=aspnetcore-5.0#cr</a:t>
-            </a:r>
-            <a:endParaRPr lang="en-US" sz="1400" dirty="0">
+            <a:endParaRPr lang="en-US" sz="1400">
               <a:solidFill>
                 <a:srgbClr val="073763"/>
               </a:solidFill>
@@ -17643,7 +17837,7 @@
               <a:buAutoNum type="arabicPeriod"/>
             </a:pPr>
             <a:r>
-              <a:rPr lang="en-US" sz="1400" dirty="0">
+              <a:rPr lang="en-US" sz="1400">
                 <a:solidFill>
                   <a:srgbClr val="073763"/>
                 </a:solidFill>
@@ -17655,7 +17849,7 @@
               </a:rPr>
               <a:t>https://docs.microsoft.com/pt-br/aspnet/core/fundamentals/routing?view=aspnetcore-5.0#route-constraint-reference</a:t>
             </a:r>
-            <a:endParaRPr lang="en-US" sz="1400" dirty="0">
+            <a:endParaRPr lang="en-US" sz="1400">
               <a:solidFill>
                 <a:srgbClr val="073763"/>
               </a:solidFill>
@@ -17677,7 +17871,7 @@
               <a:buFont typeface="+mj-lt"/>
               <a:buAutoNum type="arabicPeriod"/>
             </a:pPr>
-            <a:endParaRPr sz="1400" dirty="0">
+            <a:endParaRPr sz="1400">
               <a:solidFill>
                 <a:srgbClr val="073763"/>
               </a:solidFill>
@@ -17761,13 +17955,13 @@
   <p:clrMapOvr>
     <a:masterClrMapping/>
   </p:clrMapOvr>
-  <mc:AlternateContent xmlns:mc="http://schemas.openxmlformats.org/markup-compatibility/2006" xmlns:p14="http://schemas.microsoft.com/office/powerpoint/2010/main">
-    <mc:Choice Requires="p14">
+  <mc:AlternateContent xmlns:mc="http://schemas.openxmlformats.org/markup-compatibility/2006">
+    <mc:Choice xmlns:p14="http://schemas.microsoft.com/office/powerpoint/2010/main" Requires="p14">
       <p:transition spd="med" p14:dur="700">
         <p:fade/>
       </p:transition>
     </mc:Choice>
-    <mc:Fallback xmlns="">
+    <mc:Fallback>
       <p:transition spd="med">
         <p:fade/>
       </p:transition>
@@ -18683,14 +18877,14 @@
   <p:clrMapOvr>
     <a:masterClrMapping/>
   </p:clrMapOvr>
-  <mc:AlternateContent xmlns:mc="http://schemas.openxmlformats.org/markup-compatibility/2006" xmlns:p14="http://schemas.microsoft.com/office/powerpoint/2010/main">
-    <mc:Choice Requires="p14">
+  <mc:AlternateContent xmlns:mc="http://schemas.openxmlformats.org/markup-compatibility/2006">
+    <mc:Choice xmlns:p14="http://schemas.microsoft.com/office/powerpoint/2010/main" Requires="p14">
       <p:transition spd="med" p14:dur="700">
         <p:fade/>
       </p:transition>
     </mc:Choice>
-    <mc:Fallback xmlns="" xmlns:mv="urn:schemas-microsoft-com:mac:vml" xmlns:c="http://schemas.openxmlformats.org/drawingml/2006/chart" xmlns:dgm="http://schemas.openxmlformats.org/drawingml/2006/diagram" xmlns:o="urn:schemas-microsoft-com:office:office" xmlns:v="urn:schemas-microsoft-com:vml" xmlns:pvml="urn:schemas-microsoft-com:office:powerpoint" xmlns:com="http://schemas.openxmlformats.org/drawingml/2006/compatibility" xmlns:p15="http://schemas.microsoft.com/office/powerpoint/2012/main" xmlns:ahyp="http://schemas.microsoft.com/office/drawing/2018/hyperlinkcolor">
-      <p:transition spd="slow">
+    <mc:Fallback>
+      <p:transition spd="med">
         <p:fade/>
       </p:transition>
     </mc:Fallback>
@@ -18770,7 +18964,7 @@
               <a:buNone/>
             </a:pPr>
             <a:r>
-              <a:rPr lang="en-US" sz="4000" b="1" dirty="0" err="1">
+              <a:rPr lang="en-US" sz="4000" b="1" err="1">
                 <a:solidFill>
                   <a:srgbClr val="073763"/>
                 </a:solidFill>
@@ -18782,7 +18976,7 @@
               <a:t>Mais</a:t>
             </a:r>
             <a:r>
-              <a:rPr lang="en-US" sz="4000" b="1" dirty="0">
+              <a:rPr lang="en-US" sz="4000" b="1">
                 <a:solidFill>
                   <a:srgbClr val="073763"/>
                 </a:solidFill>
@@ -18794,7 +18988,7 @@
               <a:t> </a:t>
             </a:r>
             <a:r>
-              <a:rPr lang="en-US" sz="4000" b="1" dirty="0" err="1">
+              <a:rPr lang="en-US" sz="4000" b="1" err="1">
                 <a:solidFill>
                   <a:srgbClr val="073763"/>
                 </a:solidFill>
@@ -18806,7 +19000,7 @@
               <a:t>sobre</a:t>
             </a:r>
             <a:r>
-              <a:rPr lang="en-US" sz="4000" b="1" dirty="0">
+              <a:rPr lang="en-US" sz="4000" b="1">
                 <a:solidFill>
                   <a:srgbClr val="073763"/>
                 </a:solidFill>
@@ -18818,7 +19012,7 @@
               <a:t> </a:t>
             </a:r>
             <a:r>
-              <a:rPr lang="en-US" sz="4000" b="1" dirty="0" err="1">
+              <a:rPr lang="en-US" sz="4000" b="1" err="1">
                 <a:solidFill>
                   <a:srgbClr val="073763"/>
                 </a:solidFill>
@@ -18829,7 +19023,7 @@
               </a:rPr>
               <a:t>mim</a:t>
             </a:r>
-            <a:endParaRPr sz="4000" b="1" dirty="0">
+            <a:endParaRPr sz="4000" b="1">
               <a:solidFill>
                 <a:srgbClr val="073763"/>
               </a:solidFill>
@@ -18915,7 +19109,7 @@
               <a:buChar char="●"/>
             </a:pPr>
             <a:r>
-              <a:rPr lang="pt-BR" sz="1600" dirty="0">
+              <a:rPr lang="pt-BR" sz="1600">
                 <a:solidFill>
                   <a:srgbClr val="073763"/>
                 </a:solidFill>
@@ -18927,7 +19121,7 @@
               <a:t>Desenvolvimento de Sistemas Web (.NET, PHP, Angular, </a:t>
             </a:r>
             <a:r>
-              <a:rPr lang="pt-BR" sz="1600" dirty="0" err="1">
+              <a:rPr lang="pt-BR" sz="1600" err="1">
                 <a:solidFill>
                   <a:srgbClr val="073763"/>
                 </a:solidFill>
@@ -18939,7 +19133,7 @@
               <a:t>Vue</a:t>
             </a:r>
             <a:r>
-              <a:rPr lang="pt-BR" sz="1600" dirty="0">
+              <a:rPr lang="pt-BR" sz="1600">
                 <a:solidFill>
                   <a:srgbClr val="073763"/>
                 </a:solidFill>
@@ -18950,7 +19144,7 @@
               </a:rPr>
               <a:t>)</a:t>
             </a:r>
-            <a:endParaRPr lang="pt-BR" sz="1600" dirty="0">
+            <a:endParaRPr lang="pt-BR" sz="1600">
               <a:latin typeface="Calibri"/>
               <a:ea typeface="Calibri"/>
               <a:cs typeface="Calibri"/>
@@ -18976,7 +19170,7 @@
               <a:buChar char="●"/>
             </a:pPr>
             <a:r>
-              <a:rPr lang="pt-BR" sz="1600" dirty="0">
+              <a:rPr lang="pt-BR" sz="1600">
                 <a:solidFill>
                   <a:srgbClr val="073763"/>
                 </a:solidFill>
@@ -18987,7 +19181,7 @@
               </a:rPr>
               <a:t>Técnico de Informática, Análise de Sistemas</a:t>
             </a:r>
-            <a:endParaRPr lang="pt-BR" sz="1600" dirty="0">
+            <a:endParaRPr lang="pt-BR" sz="1600">
               <a:latin typeface="Calibri"/>
               <a:ea typeface="Calibri"/>
               <a:cs typeface="Calibri"/>
@@ -19013,7 +19207,7 @@
               <a:buChar char="●"/>
             </a:pPr>
             <a:r>
-              <a:rPr lang="pt-BR" sz="1600" dirty="0">
+              <a:rPr lang="pt-BR" sz="1600">
                 <a:solidFill>
                   <a:srgbClr val="073763"/>
                 </a:solidFill>
@@ -19024,7 +19218,7 @@
               </a:rPr>
               <a:t>Gosto de desafios e melhores práticas de desenvolvimento.</a:t>
             </a:r>
-            <a:endParaRPr lang="pt-BR" sz="1600" dirty="0">
+            <a:endParaRPr lang="pt-BR" sz="1600">
               <a:latin typeface="Calibri"/>
               <a:ea typeface="Calibri"/>
               <a:cs typeface="Calibri"/>
@@ -19050,7 +19244,7 @@
               <a:buChar char="●"/>
             </a:pPr>
             <a:r>
-              <a:rPr lang="pt-BR" sz="1600" dirty="0">
+              <a:rPr lang="pt-BR" sz="1600">
                 <a:solidFill>
                   <a:srgbClr val="073763"/>
                 </a:solidFill>
@@ -19059,10 +19253,10 @@
                 <a:cs typeface="Calibri"/>
                 <a:sym typeface="Calibri"/>
               </a:rPr>
-              <a:t>Trabalho há 10 anos na área (Sistemas de Conselho Federal, Eventos e Shows, Algodoeira, ERP, </a:t>
+              <a:t>Trabalho há 10 anos na área (Sistemas do Conselho Federal, eventos e shows, Algodoeira, ERP, </a:t>
             </a:r>
             <a:r>
-              <a:rPr lang="pt-BR" sz="1600" dirty="0" err="1">
+              <a:rPr lang="pt-BR" sz="1600" err="1">
                 <a:solidFill>
                   <a:srgbClr val="073763"/>
                 </a:solidFill>
@@ -19074,7 +19268,7 @@
               <a:t>etc</a:t>
             </a:r>
             <a:r>
-              <a:rPr lang="pt-BR" sz="1600" dirty="0">
+              <a:rPr lang="pt-BR" sz="1600">
                 <a:solidFill>
                   <a:srgbClr val="073763"/>
                 </a:solidFill>
@@ -19085,7 +19279,7 @@
               </a:rPr>
               <a:t>)</a:t>
             </a:r>
-            <a:endParaRPr lang="pt-BR" sz="1600" dirty="0">
+            <a:endParaRPr lang="pt-BR" sz="1600">
               <a:latin typeface="Calibri"/>
               <a:ea typeface="Calibri"/>
               <a:cs typeface="Calibri"/>
@@ -19111,7 +19305,7 @@
               <a:buChar char="●"/>
             </a:pPr>
             <a:r>
-              <a:rPr lang="pt-BR" sz="1600" dirty="0">
+              <a:rPr lang="pt-BR" sz="1600">
                 <a:solidFill>
                   <a:srgbClr val="073763"/>
                 </a:solidFill>
@@ -19120,10 +19314,49 @@
                 <a:cs typeface="Calibri"/>
                 <a:sym typeface="Calibri"/>
               </a:rPr>
-              <a:t>Amo jogar, atividades físicas diárias, ouvir Heavy Metal, curso de inglês e bebam água </a:t>
+              <a:t>Amo jogar, atividades físicas diárias, ouvir Heavy Metal e o curso de inglês</a:t>
+            </a:r>
+            <a:endParaRPr lang="pt-BR" sz="1600">
+              <a:solidFill>
+                <a:srgbClr val="073763"/>
+              </a:solidFill>
+              <a:latin typeface="Calibri"/>
+              <a:ea typeface="Calibri"/>
+              <a:cs typeface="Calibri"/>
+            </a:endParaRPr>
+          </a:p>
+          <a:p>
+            <a:pPr marL="457200" lvl="0" indent="-381000" algn="l" rtl="0">
+              <a:lnSpc>
+                <a:spcPct val="150000"/>
+              </a:lnSpc>
+              <a:spcBef>
+                <a:spcPts val="0"/>
+              </a:spcBef>
+              <a:spcAft>
+                <a:spcPts val="0"/>
+              </a:spcAft>
+              <a:buClr>
+                <a:srgbClr val="073763"/>
+              </a:buClr>
+              <a:buSzPts val="2400"/>
+              <a:buFont typeface="Calibri"/>
+              <a:buChar char="●"/>
+            </a:pPr>
+            <a:r>
+              <a:rPr lang="pt-BR" sz="1600">
+                <a:solidFill>
+                  <a:srgbClr val="073763"/>
+                </a:solidFill>
+                <a:latin typeface="Calibri"/>
+                <a:ea typeface="Calibri"/>
+                <a:cs typeface="Calibri"/>
+                <a:sym typeface="Calibri"/>
+              </a:rPr>
+              <a:t>Bebam água </a:t>
             </a:r>
             <a:r>
-              <a:rPr lang="pt-BR" sz="1600" dirty="0">
+              <a:rPr lang="pt-BR" sz="1600">
                 <a:solidFill>
                   <a:srgbClr val="073763"/>
                 </a:solidFill>
@@ -19228,65 +19461,65 @@
           <a:lstStyle/>
           <a:p>
             <a:r>
-              <a:rPr lang="en-US" dirty="0"/>
+              <a:rPr lang="en-US"/>
               <a:t>Redes </a:t>
             </a:r>
             <a:r>
-              <a:rPr lang="en-US" dirty="0" err="1"/>
+              <a:rPr lang="en-US" err="1"/>
               <a:t>Sociais</a:t>
             </a:r>
             <a:r>
-              <a:rPr lang="en-US" dirty="0"/>
+              <a:rPr lang="en-US"/>
               <a:t>: </a:t>
             </a:r>
           </a:p>
           <a:p>
             <a:r>
-              <a:rPr lang="en-US" dirty="0">
+              <a:rPr lang="en-US">
                 <a:hlinkClick r:id="rId4"/>
               </a:rPr>
               <a:t>github.com/</a:t>
             </a:r>
             <a:r>
-              <a:rPr lang="en-US" dirty="0" err="1">
+              <a:rPr lang="en-US" err="1">
                 <a:hlinkClick r:id="rId4"/>
               </a:rPr>
               <a:t>tsdeveloper</a:t>
             </a:r>
-            <a:endParaRPr lang="en-US" dirty="0"/>
+            <a:endParaRPr lang="en-US"/>
           </a:p>
           <a:p>
             <a:r>
-              <a:rPr lang="en-US" dirty="0">
+              <a:rPr lang="en-US">
                 <a:hlinkClick r:id="rId5"/>
               </a:rPr>
               <a:t>linkedin.com/in/</a:t>
             </a:r>
             <a:r>
-              <a:rPr lang="en-US" dirty="0" err="1">
+              <a:rPr lang="en-US" err="1">
                 <a:hlinkClick r:id="rId5"/>
               </a:rPr>
               <a:t>thiago</a:t>
             </a:r>
             <a:r>
-              <a:rPr lang="en-US" dirty="0">
+              <a:rPr lang="en-US">
                 <a:hlinkClick r:id="rId5"/>
               </a:rPr>
               <a:t>-</a:t>
             </a:r>
             <a:r>
-              <a:rPr lang="en-US" dirty="0" err="1">
+              <a:rPr lang="en-US" err="1">
                 <a:hlinkClick r:id="rId5"/>
               </a:rPr>
               <a:t>almeida</a:t>
             </a:r>
             <a:r>
-              <a:rPr lang="en-US" dirty="0">
+              <a:rPr lang="en-US">
                 <a:hlinkClick r:id="rId5"/>
               </a:rPr>
               <a:t>-developer/</a:t>
             </a:r>
-            <a:endParaRPr lang="en-US" dirty="0"/>
+            <a:endParaRPr lang="en-US"/>
           </a:p>
         </p:txBody>
       </p:sp>
@@ -19295,14 +19528,14 @@
   <p:clrMapOvr>
     <a:masterClrMapping/>
   </p:clrMapOvr>
-  <mc:AlternateContent xmlns:mc="http://schemas.openxmlformats.org/markup-compatibility/2006" xmlns:p14="http://schemas.microsoft.com/office/powerpoint/2010/main">
-    <mc:Choice Requires="p14">
+  <mc:AlternateContent xmlns:mc="http://schemas.openxmlformats.org/markup-compatibility/2006">
+    <mc:Choice xmlns:p14="http://schemas.microsoft.com/office/powerpoint/2010/main" Requires="p14">
       <p:transition spd="med" p14:dur="700">
         <p:fade/>
       </p:transition>
     </mc:Choice>
-    <mc:Fallback xmlns="" xmlns:mv="urn:schemas-microsoft-com:mac:vml" xmlns:c="http://schemas.openxmlformats.org/drawingml/2006/chart" xmlns:dgm="http://schemas.openxmlformats.org/drawingml/2006/diagram" xmlns:o="urn:schemas-microsoft-com:office:office" xmlns:v="urn:schemas-microsoft-com:vml" xmlns:pvml="urn:schemas-microsoft-com:office:powerpoint" xmlns:com="http://schemas.openxmlformats.org/drawingml/2006/compatibility" xmlns:p15="http://schemas.microsoft.com/office/powerpoint/2012/main" xmlns:ahyp="http://schemas.microsoft.com/office/drawing/2018/hyperlinkcolor">
-      <p:transition spd="slow">
+    <mc:Fallback>
+      <p:transition spd="med">
         <p:fade/>
       </p:transition>
     </mc:Fallback>
@@ -19560,6 +19793,55 @@
                       </p:childTnLst>
                     </p:cTn>
                   </p:par>
+                  <p:par>
+                    <p:cTn id="23" fill="hold">
+                      <p:stCondLst>
+                        <p:cond delay="indefinite"/>
+                      </p:stCondLst>
+                      <p:childTnLst>
+                        <p:par>
+                          <p:cTn id="24" fill="hold">
+                            <p:stCondLst>
+                              <p:cond delay="0"/>
+                            </p:stCondLst>
+                            <p:childTnLst>
+                              <p:par>
+                                <p:cTn id="25" presetID="1" presetClass="entr" presetSubtype="0" fill="hold" nodeType="clickEffect">
+                                  <p:stCondLst>
+                                    <p:cond delay="0"/>
+                                  </p:stCondLst>
+                                  <p:childTnLst>
+                                    <p:set>
+                                      <p:cBhvr>
+                                        <p:cTn id="26" dur="1" fill="hold">
+                                          <p:stCondLst>
+                                            <p:cond delay="0"/>
+                                          </p:stCondLst>
+                                        </p:cTn>
+                                        <p:tgtEl>
+                                          <p:spTgt spid="86">
+                                            <p:txEl>
+                                              <p:pRg st="5" end="5"/>
+                                            </p:txEl>
+                                          </p:spTgt>
+                                        </p:tgtEl>
+                                        <p:attrNameLst>
+                                          <p:attrName>style.visibility</p:attrName>
+                                        </p:attrNameLst>
+                                      </p:cBhvr>
+                                      <p:to>
+                                        <p:strVal val="visible"/>
+                                      </p:to>
+                                    </p:set>
+                                  </p:childTnLst>
+                                </p:cTn>
+                              </p:par>
+                            </p:childTnLst>
+                          </p:cTn>
+                        </p:par>
+                      </p:childTnLst>
+                    </p:cTn>
+                  </p:par>
                 </p:childTnLst>
               </p:cTn>
               <p:prevCondLst>
@@ -19668,15 +19950,6 @@
               </a:rPr>
               <a:t>Desafio</a:t>
             </a:r>
-            <a:endParaRPr lang="en-US" sz="4000" b="1" dirty="0">
-              <a:solidFill>
-                <a:srgbClr val="073763"/>
-              </a:solidFill>
-              <a:latin typeface="Century Gothic"/>
-              <a:ea typeface="Century Gothic"/>
-              <a:cs typeface="Century Gothic"/>
-              <a:sym typeface="Century Gothic"/>
-            </a:endParaRPr>
           </a:p>
         </p:txBody>
       </p:sp>
@@ -19753,7 +20026,7 @@
               <a:buNone/>
             </a:pPr>
             <a:r>
-              <a:rPr lang="pt-BR" dirty="0">
+              <a:rPr lang="pt-BR">
                 <a:solidFill>
                   <a:srgbClr val="073763"/>
                 </a:solidFill>
@@ -19765,7 +20038,7 @@
               <a:t>Desenvolvimento de projeto </a:t>
             </a:r>
             <a:r>
-              <a:rPr lang="pt-BR" dirty="0" err="1">
+              <a:rPr lang="pt-BR" err="1">
                 <a:solidFill>
                   <a:srgbClr val="073763"/>
                 </a:solidFill>
@@ -19777,7 +20050,7 @@
               <a:t>everisStore</a:t>
             </a:r>
             <a:r>
-              <a:rPr lang="pt-BR" dirty="0">
+              <a:rPr lang="pt-BR">
                 <a:solidFill>
                   <a:srgbClr val="073763"/>
                 </a:solidFill>
@@ -19789,7 +20062,7 @@
               <a:t>, referente a um modelo de e-commerce, utilizando API Core com .NET 5 e software de </a:t>
             </a:r>
             <a:r>
-              <a:rPr lang="pt-BR" dirty="0" err="1">
+              <a:rPr lang="pt-BR" err="1">
                 <a:solidFill>
                   <a:srgbClr val="073763"/>
                 </a:solidFill>
@@ -19801,7 +20074,7 @@
               <a:t>Rest</a:t>
             </a:r>
             <a:r>
-              <a:rPr lang="pt-BR" dirty="0">
+              <a:rPr lang="pt-BR">
                 <a:solidFill>
                   <a:srgbClr val="073763"/>
                 </a:solidFill>
@@ -19813,7 +20086,7 @@
               <a:t> API do </a:t>
             </a:r>
             <a:r>
-              <a:rPr lang="pt-BR" dirty="0" err="1">
+              <a:rPr lang="pt-BR" err="1">
                 <a:solidFill>
                   <a:srgbClr val="073763"/>
                 </a:solidFill>
@@ -19825,7 +20098,7 @@
               <a:t>Postman</a:t>
             </a:r>
             <a:r>
-              <a:rPr lang="pt-BR" dirty="0">
+              <a:rPr lang="pt-BR">
                 <a:solidFill>
                   <a:srgbClr val="073763"/>
                 </a:solidFill>
@@ -19906,14 +20179,14 @@
   <p:clrMapOvr>
     <a:masterClrMapping/>
   </p:clrMapOvr>
-  <mc:AlternateContent xmlns:mc="http://schemas.openxmlformats.org/markup-compatibility/2006" xmlns:p14="http://schemas.microsoft.com/office/powerpoint/2010/main">
-    <mc:Choice Requires="p14">
+  <mc:AlternateContent xmlns:mc="http://schemas.openxmlformats.org/markup-compatibility/2006">
+    <mc:Choice xmlns:p14="http://schemas.microsoft.com/office/powerpoint/2010/main" Requires="p14">
       <p:transition spd="med" p14:dur="700">
         <p:fade/>
       </p:transition>
     </mc:Choice>
-    <mc:Fallback xmlns="" xmlns:mv="urn:schemas-microsoft-com:mac:vml" xmlns:c="http://schemas.openxmlformats.org/drawingml/2006/chart" xmlns:dgm="http://schemas.openxmlformats.org/drawingml/2006/diagram" xmlns:o="urn:schemas-microsoft-com:office:office" xmlns:v="urn:schemas-microsoft-com:vml" xmlns:pvml="urn:schemas-microsoft-com:office:powerpoint" xmlns:com="http://schemas.openxmlformats.org/drawingml/2006/compatibility" xmlns:p15="http://schemas.microsoft.com/office/powerpoint/2012/main" xmlns:ahyp="http://schemas.microsoft.com/office/drawing/2018/hyperlinkcolor">
-      <p:transition spd="slow">
+    <mc:Fallback>
+      <p:transition spd="med">
         <p:fade/>
       </p:transition>
     </mc:Fallback>
@@ -20072,7 +20345,7 @@
               <a:buNone/>
             </a:pPr>
             <a:r>
-              <a:rPr lang="en-US" sz="4000" b="1" dirty="0">
+              <a:rPr lang="en-US" sz="4000" b="1">
                 <a:solidFill>
                   <a:srgbClr val="073763"/>
                 </a:solidFill>
@@ -20084,7 +20357,7 @@
               <a:t>Um </a:t>
             </a:r>
             <a:r>
-              <a:rPr lang="en-US" sz="4000" b="1" dirty="0" err="1">
+              <a:rPr lang="en-US" sz="4000" b="1" err="1">
                 <a:solidFill>
                   <a:srgbClr val="073763"/>
                 </a:solidFill>
@@ -20096,7 +20369,7 @@
               <a:t>pouco</a:t>
             </a:r>
             <a:r>
-              <a:rPr lang="en-US" sz="4000" b="1" dirty="0">
+              <a:rPr lang="en-US" sz="4000" b="1">
                 <a:solidFill>
                   <a:srgbClr val="073763"/>
                 </a:solidFill>
@@ -20108,7 +20381,7 @@
               <a:t> </a:t>
             </a:r>
             <a:r>
-              <a:rPr lang="en-US" sz="4000" b="1" dirty="0" err="1">
+              <a:rPr lang="en-US" sz="4000" b="1" err="1">
                 <a:solidFill>
                   <a:srgbClr val="073763"/>
                 </a:solidFill>
@@ -20120,7 +20393,7 @@
               <a:t>sobre</a:t>
             </a:r>
             <a:r>
-              <a:rPr lang="en-US" sz="4000" b="1" dirty="0">
+              <a:rPr lang="en-US" sz="4000" b="1">
                 <a:solidFill>
                   <a:srgbClr val="073763"/>
                 </a:solidFill>
@@ -20131,7 +20404,7 @@
               </a:rPr>
               <a:t> API Rest</a:t>
             </a:r>
-            <a:endParaRPr sz="4000" b="1" dirty="0">
+            <a:endParaRPr sz="4000" b="1">
               <a:solidFill>
                 <a:srgbClr val="073763"/>
               </a:solidFill>
@@ -20262,7 +20535,7 @@
           <a:p>
             <a:pPr algn="just"/>
             <a:r>
-              <a:rPr lang="pt-BR" sz="2800" b="0" i="0" dirty="0">
+              <a:rPr lang="pt-BR" sz="2800" b="0" i="0">
                 <a:solidFill>
                   <a:srgbClr val="333333"/>
                 </a:solidFill>
@@ -20272,7 +20545,7 @@
               <a:t>O acrônimo </a:t>
             </a:r>
             <a:r>
-              <a:rPr lang="pt-BR" sz="2800" b="1" i="0" dirty="0">
+              <a:rPr lang="pt-BR" sz="2800" b="1" i="0">
                 <a:solidFill>
                   <a:srgbClr val="333333"/>
                 </a:solidFill>
@@ -20282,7 +20555,7 @@
               <a:t>API</a:t>
             </a:r>
             <a:r>
-              <a:rPr lang="pt-BR" sz="2800" b="0" i="0" dirty="0">
+              <a:rPr lang="pt-BR" sz="2800" b="0" i="0">
                 <a:solidFill>
                   <a:srgbClr val="333333"/>
                 </a:solidFill>
@@ -20292,7 +20565,7 @@
               <a:t> que provém do inglês </a:t>
             </a:r>
             <a:r>
-              <a:rPr lang="pt-BR" sz="2800" b="1" i="1" dirty="0">
+              <a:rPr lang="pt-BR" sz="2800" b="1" i="1">
                 <a:solidFill>
                   <a:srgbClr val="333333"/>
                 </a:solidFill>
@@ -20302,7 +20575,7 @@
               <a:t>Application Programming Interface</a:t>
             </a:r>
             <a:r>
-              <a:rPr lang="pt-BR" sz="2800" b="0" i="0" dirty="0">
+              <a:rPr lang="pt-BR" sz="2800" b="0" i="0">
                 <a:solidFill>
                   <a:srgbClr val="333333"/>
                 </a:solidFill>
@@ -20311,7 +20584,7 @@
               </a:rPr>
               <a:t> (Em português, significa Interface de Programação de Aplicações)</a:t>
             </a:r>
-            <a:endParaRPr lang="en-US" sz="2800" dirty="0"/>
+            <a:endParaRPr lang="en-US" sz="2800"/>
           </a:p>
         </p:txBody>
       </p:sp>
@@ -20325,13 +20598,13 @@
   <p:clrMapOvr>
     <a:masterClrMapping/>
   </p:clrMapOvr>
-  <mc:AlternateContent xmlns:mc="http://schemas.openxmlformats.org/markup-compatibility/2006" xmlns:p14="http://schemas.microsoft.com/office/powerpoint/2010/main">
-    <mc:Choice Requires="p14">
+  <mc:AlternateContent xmlns:mc="http://schemas.openxmlformats.org/markup-compatibility/2006">
+    <mc:Choice xmlns:p14="http://schemas.microsoft.com/office/powerpoint/2010/main" Requires="p14">
       <p:transition spd="med" p14:dur="700">
         <p:fade/>
       </p:transition>
     </mc:Choice>
-    <mc:Fallback xmlns="">
+    <mc:Fallback>
       <p:transition spd="med">
         <p:fade/>
       </p:transition>
@@ -20412,7 +20685,7 @@
               <a:buNone/>
             </a:pPr>
             <a:r>
-              <a:rPr lang="en-US" sz="4000" b="1" dirty="0">
+              <a:rPr lang="en-US" sz="4000" b="1">
                 <a:solidFill>
                   <a:srgbClr val="073763"/>
                 </a:solidFill>
@@ -20424,7 +20697,7 @@
               <a:t>Um </a:t>
             </a:r>
             <a:r>
-              <a:rPr lang="pt-BR" sz="4000" b="1" dirty="0">
+              <a:rPr lang="pt-BR" sz="4000" b="1">
                 <a:solidFill>
                   <a:srgbClr val="073763"/>
                 </a:solidFill>
@@ -20436,7 +20709,7 @@
               <a:t>pouco</a:t>
             </a:r>
             <a:r>
-              <a:rPr lang="en-US" sz="4000" b="1" dirty="0">
+              <a:rPr lang="en-US" sz="4000" b="1">
                 <a:solidFill>
                   <a:srgbClr val="073763"/>
                 </a:solidFill>
@@ -20448,7 +20721,7 @@
               <a:t> </a:t>
             </a:r>
             <a:r>
-              <a:rPr lang="en-US" sz="4000" b="1" dirty="0" err="1">
+              <a:rPr lang="en-US" sz="4000" b="1" err="1">
                 <a:solidFill>
                   <a:srgbClr val="073763"/>
                 </a:solidFill>
@@ -20460,7 +20733,7 @@
               <a:t>sobre</a:t>
             </a:r>
             <a:r>
-              <a:rPr lang="en-US" sz="4000" b="1" dirty="0">
+              <a:rPr lang="en-US" sz="4000" b="1">
                 <a:solidFill>
                   <a:srgbClr val="073763"/>
                 </a:solidFill>
@@ -20471,7 +20744,7 @@
               </a:rPr>
               <a:t> API</a:t>
             </a:r>
-            <a:endParaRPr sz="4000" b="1" dirty="0">
+            <a:endParaRPr sz="4000" b="1">
               <a:solidFill>
                 <a:srgbClr val="073763"/>
               </a:solidFill>
@@ -20629,13 +20902,13 @@
   <p:clrMapOvr>
     <a:masterClrMapping/>
   </p:clrMapOvr>
-  <mc:AlternateContent xmlns:mc="http://schemas.openxmlformats.org/markup-compatibility/2006" xmlns:p14="http://schemas.microsoft.com/office/powerpoint/2010/main">
-    <mc:Choice Requires="p14">
+  <mc:AlternateContent xmlns:mc="http://schemas.openxmlformats.org/markup-compatibility/2006">
+    <mc:Choice xmlns:p14="http://schemas.microsoft.com/office/powerpoint/2010/main" Requires="p14">
       <p:transition spd="med" p14:dur="700">
         <p:fade/>
       </p:transition>
     </mc:Choice>
-    <mc:Fallback xmlns="">
+    <mc:Fallback>
       <p:transition spd="med">
         <p:fade/>
       </p:transition>
@@ -20681,8 +20954,248 @@
         </p:nvSpPr>
         <p:spPr>
           <a:xfrm>
-            <a:off x="311700" y="305700"/>
-            <a:ext cx="8520600" cy="591300"/>
+            <a:off x="1123737" y="315553"/>
+            <a:ext cx="6821751" cy="591300"/>
+          </a:xfrm>
+          <a:prstGeom prst="rect">
+            <a:avLst/>
+          </a:prstGeom>
+          <a:noFill/>
+          <a:ln>
+            <a:noFill/>
+          </a:ln>
+        </p:spPr>
+        <p:txBody>
+          <a:bodyPr spcFirstLastPara="1" wrap="square" lIns="91425" tIns="91425" rIns="91425" bIns="91425" anchor="ctr" anchorCtr="0">
+            <a:noAutofit/>
+          </a:bodyPr>
+          <a:lstStyle/>
+          <a:p>
+            <a:pPr marL="0" indent="0"/>
+            <a:r>
+              <a:rPr lang="en-US" sz="4000" b="1">
+                <a:solidFill>
+                  <a:srgbClr val="073763"/>
+                </a:solidFill>
+                <a:latin typeface="Century Gothic"/>
+                <a:sym typeface="Century Gothic"/>
+              </a:rPr>
+              <a:t>Outros </a:t>
+            </a:r>
+            <a:r>
+              <a:rPr lang="en-US" sz="4000" b="1" err="1">
+                <a:solidFill>
+                  <a:srgbClr val="073763"/>
+                </a:solidFill>
+                <a:latin typeface="Century Gothic"/>
+                <a:sym typeface="Century Gothic"/>
+              </a:rPr>
+              <a:t>Exemplos</a:t>
+            </a:r>
+            <a:endParaRPr lang="en-US" err="1"/>
+          </a:p>
+        </p:txBody>
+      </p:sp>
+      <p:pic>
+        <p:nvPicPr>
+          <p:cNvPr id="93" name="Google Shape;93;p3"/>
+          <p:cNvPicPr preferRelativeResize="0"/>
+          <p:nvPr/>
+        </p:nvPicPr>
+        <p:blipFill rotWithShape="1">
+          <a:blip r:embed="rId3">
+            <a:alphaModFix/>
+          </a:blip>
+          <a:srcRect/>
+          <a:stretch/>
+        </p:blipFill>
+        <p:spPr>
+          <a:xfrm>
+            <a:off x="311700" y="243014"/>
+            <a:ext cx="1698849" cy="591351"/>
+          </a:xfrm>
+          <a:prstGeom prst="rect">
+            <a:avLst/>
+          </a:prstGeom>
+          <a:noFill/>
+          <a:ln>
+            <a:noFill/>
+          </a:ln>
+        </p:spPr>
+      </p:pic>
+      <p:sp>
+        <p:nvSpPr>
+          <p:cNvPr id="95" name="Google Shape;95;p3"/>
+          <p:cNvSpPr/>
+          <p:nvPr/>
+        </p:nvSpPr>
+        <p:spPr>
+          <a:xfrm>
+            <a:off x="0" y="5077717"/>
+            <a:ext cx="9144000" cy="57300"/>
+          </a:xfrm>
+          <a:prstGeom prst="rect">
+            <a:avLst/>
+          </a:prstGeom>
+          <a:solidFill>
+            <a:srgbClr val="F78321"/>
+          </a:solidFill>
+          <a:ln w="9525" cap="flat" cmpd="sng">
+            <a:solidFill>
+              <a:srgbClr val="F78321"/>
+            </a:solidFill>
+            <a:prstDash val="solid"/>
+            <a:round/>
+            <a:headEnd type="none" w="sm" len="sm"/>
+            <a:tailEnd type="none" w="sm" len="sm"/>
+          </a:ln>
+        </p:spPr>
+        <p:txBody>
+          <a:bodyPr spcFirstLastPara="1" wrap="square" lIns="91425" tIns="91425" rIns="91425" bIns="91425" anchor="ctr" anchorCtr="0">
+            <a:noAutofit/>
+          </a:bodyPr>
+          <a:lstStyle/>
+          <a:p>
+            <a:pPr marL="0" marR="0" lvl="0" indent="0" algn="l" rtl="0">
+              <a:lnSpc>
+                <a:spcPct val="100000"/>
+              </a:lnSpc>
+              <a:spcBef>
+                <a:spcPts val="0"/>
+              </a:spcBef>
+              <a:spcAft>
+                <a:spcPts val="0"/>
+              </a:spcAft>
+              <a:buClr>
+                <a:srgbClr val="000000"/>
+              </a:buClr>
+              <a:buSzPts val="1400"/>
+              <a:buFont typeface="Arial"/>
+              <a:buNone/>
+            </a:pPr>
+            <a:endParaRPr sz="1400" b="0" i="0" u="none" strike="noStrike" cap="none">
+              <a:solidFill>
+                <a:srgbClr val="000000"/>
+              </a:solidFill>
+              <a:latin typeface="Arial"/>
+              <a:ea typeface="Arial"/>
+              <a:cs typeface="Arial"/>
+              <a:sym typeface="Arial"/>
+            </a:endParaRPr>
+          </a:p>
+        </p:txBody>
+      </p:sp>
+      <p:pic>
+        <p:nvPicPr>
+          <p:cNvPr id="2050" name="Picture 2" descr="API RESTful – JR Dev – Learining day after day the ecosystem in JS">
+            <a:extLst>
+              <a:ext uri="{FF2B5EF4-FFF2-40B4-BE49-F238E27FC236}">
+                <a16:creationId xmlns:a16="http://schemas.microsoft.com/office/drawing/2014/main" id="{973414E3-9C13-4BAE-9DE9-0EAC57BB9D64}"/>
+              </a:ext>
+            </a:extLst>
+          </p:cNvPr>
+          <p:cNvPicPr>
+            <a:picLocks noChangeAspect="1" noChangeArrowheads="1"/>
+          </p:cNvPicPr>
+          <p:nvPr/>
+        </p:nvPicPr>
+        <p:blipFill>
+          <a:blip r:embed="rId4">
+            <a:extLst>
+              <a:ext uri="{28A0092B-C50C-407E-A947-70E740481C1C}">
+                <a14:useLocalDpi xmlns:a14="http://schemas.microsoft.com/office/drawing/2010/main" val="0"/>
+              </a:ext>
+            </a:extLst>
+          </a:blip>
+          <a:srcRect/>
+          <a:stretch>
+            <a:fillRect/>
+          </a:stretch>
+        </p:blipFill>
+        <p:spPr bwMode="auto">
+          <a:xfrm>
+            <a:off x="2059893" y="1110061"/>
+            <a:ext cx="5024214" cy="3771512"/>
+          </a:xfrm>
+          <a:prstGeom prst="rect">
+            <a:avLst/>
+          </a:prstGeom>
+          <a:noFill/>
+          <a:extLst>
+            <a:ext uri="{909E8E84-426E-40DD-AFC4-6F175D3DCCD1}">
+              <a14:hiddenFill xmlns:a14="http://schemas.microsoft.com/office/drawing/2010/main">
+                <a:solidFill>
+                  <a:srgbClr val="FFFFFF"/>
+                </a:solidFill>
+              </a14:hiddenFill>
+            </a:ext>
+          </a:extLst>
+        </p:spPr>
+      </p:pic>
+    </p:spTree>
+    <p:extLst>
+      <p:ext uri="{BB962C8B-B14F-4D97-AF65-F5344CB8AC3E}">
+        <p14:creationId xmlns:p14="http://schemas.microsoft.com/office/powerpoint/2010/main" val="4283491488"/>
+      </p:ext>
+    </p:extLst>
+  </p:cSld>
+  <p:clrMapOvr>
+    <a:masterClrMapping/>
+  </p:clrMapOvr>
+  <mc:AlternateContent xmlns:mc="http://schemas.openxmlformats.org/markup-compatibility/2006">
+    <mc:Choice xmlns:p14="http://schemas.microsoft.com/office/powerpoint/2010/main" Requires="p14">
+      <p:transition spd="med" p14:dur="700">
+        <p:fade/>
+      </p:transition>
+    </mc:Choice>
+    <mc:Fallback>
+      <p:transition spd="med">
+        <p:fade/>
+      </p:transition>
+    </mc:Fallback>
+  </mc:AlternateContent>
+</p:sld>
+</file>
+
+<file path=ppt/slides/slide8.xml><?xml version="1.0" encoding="utf-8"?>
+<p:sld xmlns:a="http://schemas.openxmlformats.org/drawingml/2006/main" xmlns:r="http://schemas.openxmlformats.org/officeDocument/2006/relationships" xmlns:p="http://schemas.openxmlformats.org/presentationml/2006/main">
+  <p:cSld>
+    <p:bg>
+      <p:bgPr>
+        <a:solidFill>
+          <a:srgbClr val="FFFFFF"/>
+        </a:solidFill>
+        <a:effectLst/>
+      </p:bgPr>
+    </p:bg>
+    <p:spTree>
+      <p:nvGrpSpPr>
+        <p:cNvPr id="1" name="Shape 91"/>
+        <p:cNvGrpSpPr/>
+        <p:nvPr/>
+      </p:nvGrpSpPr>
+      <p:grpSpPr>
+        <a:xfrm>
+          <a:off x="0" y="0"/>
+          <a:ext cx="0" cy="0"/>
+          <a:chOff x="0" y="0"/>
+          <a:chExt cx="0" cy="0"/>
+        </a:xfrm>
+      </p:grpSpPr>
+      <p:sp>
+        <p:nvSpPr>
+          <p:cNvPr id="92" name="Google Shape;92;p3"/>
+          <p:cNvSpPr txBox="1">
+            <a:spLocks noGrp="1"/>
+          </p:cNvSpPr>
+          <p:nvPr>
+            <p:ph type="subTitle" idx="1"/>
+          </p:nvPr>
+        </p:nvSpPr>
+        <p:spPr>
+          <a:xfrm>
+            <a:off x="1200150" y="305700"/>
+            <a:ext cx="7632150" cy="591300"/>
           </a:xfrm>
           <a:prstGeom prst="rect">
             <a:avLst/>
@@ -20716,7 +21229,7 @@
               <a:buNone/>
             </a:pPr>
             <a:r>
-              <a:rPr lang="en-US" sz="4000" b="1" dirty="0">
+              <a:rPr lang="en-US" sz="4000" b="1" err="1">
                 <a:solidFill>
                   <a:srgbClr val="073763"/>
                 </a:solidFill>
@@ -20725,46 +21238,10 @@
                 <a:cs typeface="Century Gothic"/>
                 <a:sym typeface="Century Gothic"/>
               </a:rPr>
-              <a:t>Um </a:t>
+              <a:t>Estrutura</a:t>
             </a:r>
             <a:r>
-              <a:rPr lang="en-US" sz="4000" b="1" dirty="0" err="1">
-                <a:solidFill>
-                  <a:srgbClr val="073763"/>
-                </a:solidFill>
-                <a:latin typeface="Century Gothic"/>
-                <a:ea typeface="Century Gothic"/>
-                <a:cs typeface="Century Gothic"/>
-                <a:sym typeface="Century Gothic"/>
-              </a:rPr>
-              <a:t>pouco</a:t>
-            </a:r>
-            <a:r>
-              <a:rPr lang="en-US" sz="4000" b="1" dirty="0">
-                <a:solidFill>
-                  <a:srgbClr val="073763"/>
-                </a:solidFill>
-                <a:latin typeface="Century Gothic"/>
-                <a:ea typeface="Century Gothic"/>
-                <a:cs typeface="Century Gothic"/>
-                <a:sym typeface="Century Gothic"/>
-              </a:rPr>
-              <a:t> </a:t>
-            </a:r>
-            <a:r>
-              <a:rPr lang="en-US" sz="4000" b="1" dirty="0" err="1">
-                <a:solidFill>
-                  <a:srgbClr val="073763"/>
-                </a:solidFill>
-                <a:latin typeface="Century Gothic"/>
-                <a:ea typeface="Century Gothic"/>
-                <a:cs typeface="Century Gothic"/>
-                <a:sym typeface="Century Gothic"/>
-              </a:rPr>
-              <a:t>sobre</a:t>
-            </a:r>
-            <a:r>
-              <a:rPr lang="en-US" sz="4000" b="1" dirty="0">
+              <a:rPr lang="en-US" sz="4000" b="1">
                 <a:solidFill>
                   <a:srgbClr val="073763"/>
                 </a:solidFill>
@@ -20775,7 +21252,7 @@
               </a:rPr>
               <a:t> API Rest</a:t>
             </a:r>
-            <a:endParaRPr sz="4000" b="1" dirty="0">
+            <a:endParaRPr sz="4000" b="1">
               <a:solidFill>
                 <a:srgbClr val="073763"/>
               </a:solidFill>
@@ -20878,274 +21355,6 @@
       </p:sp>
       <p:pic>
         <p:nvPicPr>
-          <p:cNvPr id="2050" name="Picture 2" descr="API RESTful – JR Dev – Learining day after day the ecosystem in JS">
-            <a:extLst>
-              <a:ext uri="{FF2B5EF4-FFF2-40B4-BE49-F238E27FC236}">
-                <a16:creationId xmlns:a16="http://schemas.microsoft.com/office/drawing/2014/main" id="{973414E3-9C13-4BAE-9DE9-0EAC57BB9D64}"/>
-              </a:ext>
-            </a:extLst>
-          </p:cNvPr>
-          <p:cNvPicPr>
-            <a:picLocks noChangeAspect="1" noChangeArrowheads="1"/>
-          </p:cNvPicPr>
-          <p:nvPr/>
-        </p:nvPicPr>
-        <p:blipFill>
-          <a:blip r:embed="rId4">
-            <a:extLst>
-              <a:ext uri="{28A0092B-C50C-407E-A947-70E740481C1C}">
-                <a14:useLocalDpi xmlns:a14="http://schemas.microsoft.com/office/drawing/2010/main" val="0"/>
-              </a:ext>
-            </a:extLst>
-          </a:blip>
-          <a:srcRect/>
-          <a:stretch>
-            <a:fillRect/>
-          </a:stretch>
-        </p:blipFill>
-        <p:spPr bwMode="auto">
-          <a:xfrm>
-            <a:off x="2010549" y="1037590"/>
-            <a:ext cx="4512310" cy="3384233"/>
-          </a:xfrm>
-          <a:prstGeom prst="rect">
-            <a:avLst/>
-          </a:prstGeom>
-          <a:noFill/>
-          <a:extLst>
-            <a:ext uri="{909E8E84-426E-40DD-AFC4-6F175D3DCCD1}">
-              <a14:hiddenFill xmlns:a14="http://schemas.microsoft.com/office/drawing/2010/main">
-                <a:solidFill>
-                  <a:srgbClr val="FFFFFF"/>
-                </a:solidFill>
-              </a14:hiddenFill>
-            </a:ext>
-          </a:extLst>
-        </p:spPr>
-      </p:pic>
-    </p:spTree>
-    <p:extLst>
-      <p:ext uri="{BB962C8B-B14F-4D97-AF65-F5344CB8AC3E}">
-        <p14:creationId xmlns:p14="http://schemas.microsoft.com/office/powerpoint/2010/main" val="4283491488"/>
-      </p:ext>
-    </p:extLst>
-  </p:cSld>
-  <p:clrMapOvr>
-    <a:masterClrMapping/>
-  </p:clrMapOvr>
-  <mc:AlternateContent xmlns:mc="http://schemas.openxmlformats.org/markup-compatibility/2006" xmlns:p14="http://schemas.microsoft.com/office/powerpoint/2010/main">
-    <mc:Choice Requires="p14">
-      <p:transition spd="med" p14:dur="700">
-        <p:fade/>
-      </p:transition>
-    </mc:Choice>
-    <mc:Fallback xmlns="">
-      <p:transition spd="med">
-        <p:fade/>
-      </p:transition>
-    </mc:Fallback>
-  </mc:AlternateContent>
-</p:sld>
-</file>
-
-<file path=ppt/slides/slide8.xml><?xml version="1.0" encoding="utf-8"?>
-<p:sld xmlns:a="http://schemas.openxmlformats.org/drawingml/2006/main" xmlns:r="http://schemas.openxmlformats.org/officeDocument/2006/relationships" xmlns:p="http://schemas.openxmlformats.org/presentationml/2006/main">
-  <p:cSld>
-    <p:bg>
-      <p:bgPr>
-        <a:solidFill>
-          <a:srgbClr val="FFFFFF"/>
-        </a:solidFill>
-        <a:effectLst/>
-      </p:bgPr>
-    </p:bg>
-    <p:spTree>
-      <p:nvGrpSpPr>
-        <p:cNvPr id="1" name="Shape 91"/>
-        <p:cNvGrpSpPr/>
-        <p:nvPr/>
-      </p:nvGrpSpPr>
-      <p:grpSpPr>
-        <a:xfrm>
-          <a:off x="0" y="0"/>
-          <a:ext cx="0" cy="0"/>
-          <a:chOff x="0" y="0"/>
-          <a:chExt cx="0" cy="0"/>
-        </a:xfrm>
-      </p:grpSpPr>
-      <p:sp>
-        <p:nvSpPr>
-          <p:cNvPr id="92" name="Google Shape;92;p3"/>
-          <p:cNvSpPr txBox="1">
-            <a:spLocks noGrp="1"/>
-          </p:cNvSpPr>
-          <p:nvPr>
-            <p:ph type="subTitle" idx="1"/>
-          </p:nvPr>
-        </p:nvSpPr>
-        <p:spPr>
-          <a:xfrm>
-            <a:off x="1200150" y="305700"/>
-            <a:ext cx="7632150" cy="591300"/>
-          </a:xfrm>
-          <a:prstGeom prst="rect">
-            <a:avLst/>
-          </a:prstGeom>
-          <a:noFill/>
-          <a:ln>
-            <a:noFill/>
-          </a:ln>
-        </p:spPr>
-        <p:txBody>
-          <a:bodyPr spcFirstLastPara="1" wrap="square" lIns="91425" tIns="91425" rIns="91425" bIns="91425" anchor="ctr" anchorCtr="0">
-            <a:noAutofit/>
-          </a:bodyPr>
-          <a:lstStyle/>
-          <a:p>
-            <a:pPr marL="0" lvl="0" indent="0" algn="ctr" rtl="0">
-              <a:lnSpc>
-                <a:spcPct val="100000"/>
-              </a:lnSpc>
-              <a:spcBef>
-                <a:spcPts val="0"/>
-              </a:spcBef>
-              <a:spcAft>
-                <a:spcPts val="0"/>
-              </a:spcAft>
-              <a:buClr>
-                <a:schemeClr val="dk1"/>
-              </a:buClr>
-              <a:buSzPts val="1100"/>
-              <a:buFont typeface="Arial"/>
-              <a:buNone/>
-            </a:pPr>
-            <a:r>
-              <a:rPr lang="en-US" sz="4000" b="1" dirty="0" err="1">
-                <a:solidFill>
-                  <a:srgbClr val="073763"/>
-                </a:solidFill>
-                <a:latin typeface="Century Gothic"/>
-                <a:ea typeface="Century Gothic"/>
-                <a:cs typeface="Century Gothic"/>
-                <a:sym typeface="Century Gothic"/>
-              </a:rPr>
-              <a:t>Estrutura</a:t>
-            </a:r>
-            <a:r>
-              <a:rPr lang="en-US" sz="4000" b="1" dirty="0">
-                <a:solidFill>
-                  <a:srgbClr val="073763"/>
-                </a:solidFill>
-                <a:latin typeface="Century Gothic"/>
-                <a:ea typeface="Century Gothic"/>
-                <a:cs typeface="Century Gothic"/>
-                <a:sym typeface="Century Gothic"/>
-              </a:rPr>
-              <a:t> API Rest</a:t>
-            </a:r>
-            <a:endParaRPr sz="4000" b="1" dirty="0">
-              <a:solidFill>
-                <a:srgbClr val="073763"/>
-              </a:solidFill>
-              <a:latin typeface="Century Gothic"/>
-              <a:ea typeface="Century Gothic"/>
-              <a:cs typeface="Century Gothic"/>
-              <a:sym typeface="Century Gothic"/>
-            </a:endParaRPr>
-          </a:p>
-        </p:txBody>
-      </p:sp>
-      <p:pic>
-        <p:nvPicPr>
-          <p:cNvPr id="93" name="Google Shape;93;p3"/>
-          <p:cNvPicPr preferRelativeResize="0"/>
-          <p:nvPr/>
-        </p:nvPicPr>
-        <p:blipFill rotWithShape="1">
-          <a:blip r:embed="rId3">
-            <a:alphaModFix/>
-          </a:blip>
-          <a:srcRect/>
-          <a:stretch/>
-        </p:blipFill>
-        <p:spPr>
-          <a:xfrm>
-            <a:off x="311700" y="243014"/>
-            <a:ext cx="1698849" cy="591351"/>
-          </a:xfrm>
-          <a:prstGeom prst="rect">
-            <a:avLst/>
-          </a:prstGeom>
-          <a:noFill/>
-          <a:ln>
-            <a:noFill/>
-          </a:ln>
-        </p:spPr>
-      </p:pic>
-      <p:sp>
-        <p:nvSpPr>
-          <p:cNvPr id="95" name="Google Shape;95;p3"/>
-          <p:cNvSpPr/>
-          <p:nvPr/>
-        </p:nvSpPr>
-        <p:spPr>
-          <a:xfrm>
-            <a:off x="0" y="5077717"/>
-            <a:ext cx="9144000" cy="57300"/>
-          </a:xfrm>
-          <a:prstGeom prst="rect">
-            <a:avLst/>
-          </a:prstGeom>
-          <a:solidFill>
-            <a:srgbClr val="F78321"/>
-          </a:solidFill>
-          <a:ln w="9525" cap="flat" cmpd="sng">
-            <a:solidFill>
-              <a:srgbClr val="F78321"/>
-            </a:solidFill>
-            <a:prstDash val="solid"/>
-            <a:round/>
-            <a:headEnd type="none" w="sm" len="sm"/>
-            <a:tailEnd type="none" w="sm" len="sm"/>
-          </a:ln>
-        </p:spPr>
-        <p:txBody>
-          <a:bodyPr spcFirstLastPara="1" wrap="square" lIns="91425" tIns="91425" rIns="91425" bIns="91425" anchor="ctr" anchorCtr="0">
-            <a:noAutofit/>
-          </a:bodyPr>
-          <a:lstStyle/>
-          <a:p>
-            <a:pPr marL="0" marR="0" lvl="0" indent="0" algn="l" rtl="0">
-              <a:lnSpc>
-                <a:spcPct val="100000"/>
-              </a:lnSpc>
-              <a:spcBef>
-                <a:spcPts val="0"/>
-              </a:spcBef>
-              <a:spcAft>
-                <a:spcPts val="0"/>
-              </a:spcAft>
-              <a:buClr>
-                <a:srgbClr val="000000"/>
-              </a:buClr>
-              <a:buSzPts val="1400"/>
-              <a:buFont typeface="Arial"/>
-              <a:buNone/>
-            </a:pPr>
-            <a:endParaRPr sz="1400" b="0" i="0" u="none" strike="noStrike" cap="none">
-              <a:solidFill>
-                <a:srgbClr val="000000"/>
-              </a:solidFill>
-              <a:latin typeface="Arial"/>
-              <a:ea typeface="Arial"/>
-              <a:cs typeface="Arial"/>
-              <a:sym typeface="Arial"/>
-            </a:endParaRPr>
-          </a:p>
-        </p:txBody>
-      </p:sp>
-      <p:pic>
-        <p:nvPicPr>
           <p:cNvPr id="3074" name="Picture 2">
             <a:extLst>
               <a:ext uri="{FF2B5EF4-FFF2-40B4-BE49-F238E27FC236}">
@@ -21173,7 +21382,7 @@
         </p:blipFill>
         <p:spPr bwMode="auto">
           <a:xfrm>
-            <a:off x="311700" y="1046700"/>
+            <a:off x="590945" y="1049402"/>
             <a:ext cx="7962110" cy="3733800"/>
           </a:xfrm>
           <a:prstGeom prst="rect">
@@ -21201,13 +21410,13 @@
   <p:clrMapOvr>
     <a:masterClrMapping/>
   </p:clrMapOvr>
-  <mc:AlternateContent xmlns:mc="http://schemas.openxmlformats.org/markup-compatibility/2006" xmlns:p14="http://schemas.microsoft.com/office/powerpoint/2010/main">
-    <mc:Choice Requires="p14">
+  <mc:AlternateContent xmlns:mc="http://schemas.openxmlformats.org/markup-compatibility/2006">
+    <mc:Choice xmlns:p14="http://schemas.microsoft.com/office/powerpoint/2010/main" Requires="p14">
       <p:transition spd="med" p14:dur="700">
         <p:fade/>
       </p:transition>
     </mc:Choice>
-    <mc:Fallback xmlns="">
+    <mc:Fallback>
       <p:transition spd="med">
         <p:fade/>
       </p:transition>
@@ -21544,7 +21753,7 @@
               <a:buSzPts val="1100"/>
             </a:pPr>
             <a:r>
-              <a:rPr lang="pt-BR" sz="4000" b="1" dirty="0">
+              <a:rPr lang="pt-BR" sz="4000" b="1">
                 <a:solidFill>
                   <a:srgbClr val="073763"/>
                 </a:solidFill>
@@ -21560,10 +21769,10 @@
       </p:sp>
       <p:grpSp>
         <p:nvGrpSpPr>
-          <p:cNvPr id="16" name="Group 15">
+          <p:cNvPr id="2" name="Agrupar 1">
             <a:extLst>
               <a:ext uri="{FF2B5EF4-FFF2-40B4-BE49-F238E27FC236}">
-                <a16:creationId xmlns:a16="http://schemas.microsoft.com/office/drawing/2014/main" id="{C2D0449C-7896-46E4-93D2-11B52D44A388}"/>
+                <a16:creationId xmlns:a16="http://schemas.microsoft.com/office/drawing/2014/main" id="{C6FBE8E0-E9FD-4218-88B2-D6D560C1A17A}"/>
               </a:ext>
             </a:extLst>
           </p:cNvPr>
@@ -21572,1348 +21781,1369 @@
         </p:nvGrpSpPr>
         <p:grpSpPr>
           <a:xfrm>
-            <a:off x="177424" y="959686"/>
-            <a:ext cx="1975226" cy="3878114"/>
-            <a:chOff x="177424" y="959686"/>
-            <a:chExt cx="1975226" cy="3878114"/>
+            <a:off x="390568" y="957066"/>
+            <a:ext cx="8362865" cy="3878114"/>
+            <a:chOff x="177424" y="957066"/>
+            <a:chExt cx="8362865" cy="3878114"/>
           </a:xfrm>
         </p:grpSpPr>
-        <p:sp>
-          <p:nvSpPr>
-            <p:cNvPr id="7" name="Arrow: Pentagon 6">
+        <p:grpSp>
+          <p:nvGrpSpPr>
+            <p:cNvPr id="16" name="Group 15">
               <a:extLst>
                 <a:ext uri="{FF2B5EF4-FFF2-40B4-BE49-F238E27FC236}">
-                  <a16:creationId xmlns:a16="http://schemas.microsoft.com/office/drawing/2014/main" id="{BFAAFF4C-E9BE-4150-865C-DF4B84695097}"/>
+                  <a16:creationId xmlns:a16="http://schemas.microsoft.com/office/drawing/2014/main" id="{C2D0449C-7896-46E4-93D2-11B52D44A388}"/>
                 </a:ext>
               </a:extLst>
             </p:cNvPr>
-            <p:cNvSpPr/>
+            <p:cNvGrpSpPr/>
             <p:nvPr/>
-          </p:nvSpPr>
-          <p:spPr>
-            <a:xfrm rot="16200000">
-              <a:off x="-774020" y="1911130"/>
-              <a:ext cx="3878114" cy="1975225"/>
+          </p:nvGrpSpPr>
+          <p:grpSpPr>
+            <a:xfrm>
+              <a:off x="177424" y="957066"/>
+              <a:ext cx="1975226" cy="3878114"/>
+              <a:chOff x="177424" y="959686"/>
+              <a:chExt cx="1975226" cy="3878114"/>
             </a:xfrm>
-            <a:custGeom>
-              <a:avLst/>
-              <a:gdLst>
-                <a:gd name="connsiteX0" fmla="*/ 0 w 3313800"/>
-                <a:gd name="connsiteY0" fmla="*/ 0 h 1394200"/>
-                <a:gd name="connsiteX1" fmla="*/ 2616700 w 3313800"/>
-                <a:gd name="connsiteY1" fmla="*/ 0 h 1394200"/>
-                <a:gd name="connsiteX2" fmla="*/ 3313800 w 3313800"/>
-                <a:gd name="connsiteY2" fmla="*/ 697100 h 1394200"/>
-                <a:gd name="connsiteX3" fmla="*/ 2616700 w 3313800"/>
-                <a:gd name="connsiteY3" fmla="*/ 1394200 h 1394200"/>
-                <a:gd name="connsiteX4" fmla="*/ 0 w 3313800"/>
-                <a:gd name="connsiteY4" fmla="*/ 1394200 h 1394200"/>
-                <a:gd name="connsiteX5" fmla="*/ 0 w 3313800"/>
-                <a:gd name="connsiteY5" fmla="*/ 0 h 1394200"/>
-                <a:gd name="connsiteX0" fmla="*/ 0 w 2875650"/>
-                <a:gd name="connsiteY0" fmla="*/ 0 h 1394200"/>
-                <a:gd name="connsiteX1" fmla="*/ 2616700 w 2875650"/>
-                <a:gd name="connsiteY1" fmla="*/ 0 h 1394200"/>
-                <a:gd name="connsiteX2" fmla="*/ 2875650 w 2875650"/>
-                <a:gd name="connsiteY2" fmla="*/ 706625 h 1394200"/>
-                <a:gd name="connsiteX3" fmla="*/ 2616700 w 2875650"/>
-                <a:gd name="connsiteY3" fmla="*/ 1394200 h 1394200"/>
-                <a:gd name="connsiteX4" fmla="*/ 0 w 2875650"/>
-                <a:gd name="connsiteY4" fmla="*/ 1394200 h 1394200"/>
-                <a:gd name="connsiteX5" fmla="*/ 0 w 2875650"/>
-                <a:gd name="connsiteY5" fmla="*/ 0 h 1394200"/>
-              </a:gdLst>
-              <a:ahLst/>
-              <a:cxnLst>
-                <a:cxn ang="0">
-                  <a:pos x="connsiteX0" y="connsiteY0"/>
-                </a:cxn>
-                <a:cxn ang="0">
-                  <a:pos x="connsiteX1" y="connsiteY1"/>
-                </a:cxn>
-                <a:cxn ang="0">
-                  <a:pos x="connsiteX2" y="connsiteY2"/>
-                </a:cxn>
-                <a:cxn ang="0">
-                  <a:pos x="connsiteX3" y="connsiteY3"/>
-                </a:cxn>
-                <a:cxn ang="0">
-                  <a:pos x="connsiteX4" y="connsiteY4"/>
-                </a:cxn>
-                <a:cxn ang="0">
-                  <a:pos x="connsiteX5" y="connsiteY5"/>
-                </a:cxn>
-              </a:cxnLst>
-              <a:rect l="l" t="t" r="r" b="b"/>
-              <a:pathLst>
-                <a:path w="2875650" h="1394200">
-                  <a:moveTo>
-                    <a:pt x="0" y="0"/>
-                  </a:moveTo>
-                  <a:lnTo>
-                    <a:pt x="2616700" y="0"/>
-                  </a:lnTo>
-                  <a:lnTo>
-                    <a:pt x="2875650" y="706625"/>
-                  </a:lnTo>
-                  <a:lnTo>
-                    <a:pt x="2616700" y="1394200"/>
-                  </a:lnTo>
-                  <a:lnTo>
-                    <a:pt x="0" y="1394200"/>
-                  </a:lnTo>
-                  <a:lnTo>
-                    <a:pt x="0" y="0"/>
-                  </a:lnTo>
-                  <a:close/>
-                </a:path>
-              </a:pathLst>
-            </a:custGeom>
-            <a:solidFill>
-              <a:schemeClr val="accent4"/>
-            </a:solidFill>
-            <a:ln>
+          </p:grpSpPr>
+          <p:sp>
+            <p:nvSpPr>
+              <p:cNvPr id="7" name="Arrow: Pentagon 6">
+                <a:extLst>
+                  <a:ext uri="{FF2B5EF4-FFF2-40B4-BE49-F238E27FC236}">
+                    <a16:creationId xmlns:a16="http://schemas.microsoft.com/office/drawing/2014/main" id="{BFAAFF4C-E9BE-4150-865C-DF4B84695097}"/>
+                  </a:ext>
+                </a:extLst>
+              </p:cNvPr>
+              <p:cNvSpPr/>
+              <p:nvPr/>
+            </p:nvSpPr>
+            <p:spPr>
+              <a:xfrm rot="16200000">
+                <a:off x="-774020" y="1911130"/>
+                <a:ext cx="3878114" cy="1975225"/>
+              </a:xfrm>
+              <a:custGeom>
+                <a:avLst/>
+                <a:gdLst>
+                  <a:gd name="connsiteX0" fmla="*/ 0 w 3313800"/>
+                  <a:gd name="connsiteY0" fmla="*/ 0 h 1394200"/>
+                  <a:gd name="connsiteX1" fmla="*/ 2616700 w 3313800"/>
+                  <a:gd name="connsiteY1" fmla="*/ 0 h 1394200"/>
+                  <a:gd name="connsiteX2" fmla="*/ 3313800 w 3313800"/>
+                  <a:gd name="connsiteY2" fmla="*/ 697100 h 1394200"/>
+                  <a:gd name="connsiteX3" fmla="*/ 2616700 w 3313800"/>
+                  <a:gd name="connsiteY3" fmla="*/ 1394200 h 1394200"/>
+                  <a:gd name="connsiteX4" fmla="*/ 0 w 3313800"/>
+                  <a:gd name="connsiteY4" fmla="*/ 1394200 h 1394200"/>
+                  <a:gd name="connsiteX5" fmla="*/ 0 w 3313800"/>
+                  <a:gd name="connsiteY5" fmla="*/ 0 h 1394200"/>
+                  <a:gd name="connsiteX0" fmla="*/ 0 w 2875650"/>
+                  <a:gd name="connsiteY0" fmla="*/ 0 h 1394200"/>
+                  <a:gd name="connsiteX1" fmla="*/ 2616700 w 2875650"/>
+                  <a:gd name="connsiteY1" fmla="*/ 0 h 1394200"/>
+                  <a:gd name="connsiteX2" fmla="*/ 2875650 w 2875650"/>
+                  <a:gd name="connsiteY2" fmla="*/ 706625 h 1394200"/>
+                  <a:gd name="connsiteX3" fmla="*/ 2616700 w 2875650"/>
+                  <a:gd name="connsiteY3" fmla="*/ 1394200 h 1394200"/>
+                  <a:gd name="connsiteX4" fmla="*/ 0 w 2875650"/>
+                  <a:gd name="connsiteY4" fmla="*/ 1394200 h 1394200"/>
+                  <a:gd name="connsiteX5" fmla="*/ 0 w 2875650"/>
+                  <a:gd name="connsiteY5" fmla="*/ 0 h 1394200"/>
+                </a:gdLst>
+                <a:ahLst/>
+                <a:cxnLst>
+                  <a:cxn ang="0">
+                    <a:pos x="connsiteX0" y="connsiteY0"/>
+                  </a:cxn>
+                  <a:cxn ang="0">
+                    <a:pos x="connsiteX1" y="connsiteY1"/>
+                  </a:cxn>
+                  <a:cxn ang="0">
+                    <a:pos x="connsiteX2" y="connsiteY2"/>
+                  </a:cxn>
+                  <a:cxn ang="0">
+                    <a:pos x="connsiteX3" y="connsiteY3"/>
+                  </a:cxn>
+                  <a:cxn ang="0">
+                    <a:pos x="connsiteX4" y="connsiteY4"/>
+                  </a:cxn>
+                  <a:cxn ang="0">
+                    <a:pos x="connsiteX5" y="connsiteY5"/>
+                  </a:cxn>
+                </a:cxnLst>
+                <a:rect l="l" t="t" r="r" b="b"/>
+                <a:pathLst>
+                  <a:path w="2875650" h="1394200">
+                    <a:moveTo>
+                      <a:pt x="0" y="0"/>
+                    </a:moveTo>
+                    <a:lnTo>
+                      <a:pt x="2616700" y="0"/>
+                    </a:lnTo>
+                    <a:lnTo>
+                      <a:pt x="2875650" y="706625"/>
+                    </a:lnTo>
+                    <a:lnTo>
+                      <a:pt x="2616700" y="1394200"/>
+                    </a:lnTo>
+                    <a:lnTo>
+                      <a:pt x="0" y="1394200"/>
+                    </a:lnTo>
+                    <a:lnTo>
+                      <a:pt x="0" y="0"/>
+                    </a:lnTo>
+                    <a:close/>
+                  </a:path>
+                </a:pathLst>
+              </a:custGeom>
+              <a:solidFill>
+                <a:schemeClr val="accent4"/>
+              </a:solidFill>
+              <a:ln>
+                <a:noFill/>
+              </a:ln>
+            </p:spPr>
+            <p:style>
+              <a:lnRef idx="0">
+                <a:scrgbClr r="0" g="0" b="0"/>
+              </a:lnRef>
+              <a:fillRef idx="0">
+                <a:scrgbClr r="0" g="0" b="0"/>
+              </a:fillRef>
+              <a:effectRef idx="0">
+                <a:scrgbClr r="0" g="0" b="0"/>
+              </a:effectRef>
+              <a:fontRef idx="minor">
+                <a:schemeClr val="lt1"/>
+              </a:fontRef>
+            </p:style>
+            <p:txBody>
+              <a:bodyPr rtlCol="0" anchor="ctr"/>
+              <a:lstStyle/>
+              <a:p>
+                <a:pPr algn="ctr"/>
+                <a:endParaRPr lang="en-US"/>
+              </a:p>
+            </p:txBody>
+          </p:sp>
+          <p:sp>
+            <p:nvSpPr>
+              <p:cNvPr id="8" name="Rectangle 7">
+                <a:extLst>
+                  <a:ext uri="{FF2B5EF4-FFF2-40B4-BE49-F238E27FC236}">
+                    <a16:creationId xmlns:a16="http://schemas.microsoft.com/office/drawing/2014/main" id="{49B79E8E-4C00-4040-9718-8FE12BFA8ADC}"/>
+                  </a:ext>
+                </a:extLst>
+              </p:cNvPr>
+              <p:cNvSpPr/>
+              <p:nvPr/>
+            </p:nvSpPr>
+            <p:spPr>
+              <a:xfrm>
+                <a:off x="177424" y="1666876"/>
+                <a:ext cx="1975226" cy="3028950"/>
+              </a:xfrm>
+              <a:prstGeom prst="rect">
+                <a:avLst/>
+              </a:prstGeom>
+              <a:ln>
+                <a:noFill/>
+              </a:ln>
+            </p:spPr>
+            <p:style>
+              <a:lnRef idx="2">
+                <a:schemeClr val="accent1">
+                  <a:shade val="50000"/>
+                </a:schemeClr>
+              </a:lnRef>
+              <a:fillRef idx="1001">
+                <a:schemeClr val="lt1"/>
+              </a:fillRef>
+              <a:effectRef idx="0">
+                <a:schemeClr val="accent1"/>
+              </a:effectRef>
+              <a:fontRef idx="minor">
+                <a:schemeClr val="lt1"/>
+              </a:fontRef>
+            </p:style>
+            <p:txBody>
+              <a:bodyPr rtlCol="0" anchor="ctr"/>
+              <a:lstStyle/>
+              <a:p>
+                <a:pPr algn="l"/>
+                <a:r>
+                  <a:rPr lang="pt-BR" sz="1200" b="0" i="0">
+                    <a:solidFill>
+                      <a:srgbClr val="666666"/>
+                    </a:solidFill>
+                    <a:effectLst/>
+                    <a:latin typeface="Century Gothic" panose="020B0502020202020204" pitchFamily="34" charset="0"/>
+                  </a:rPr>
+                  <a:t>O nível zero de maturidade não utiliza recursos de URI, HTTP Methods e HATEOAS.</a:t>
+                </a:r>
+              </a:p>
+              <a:p>
+                <a:pPr algn="just"/>
+                <a:r>
+                  <a:rPr lang="pt-BR" sz="1200" b="0" i="0">
+                    <a:solidFill>
+                      <a:srgbClr val="666666"/>
+                    </a:solidFill>
+                    <a:effectLst/>
+                    <a:latin typeface="Century Gothic" panose="020B0502020202020204" pitchFamily="34" charset="0"/>
+                  </a:rPr>
+                  <a:t>A API têm um único URI e usa um único método HTTP (normalmente POST). Um exemplo são os Antigos WebServices do ASP.NET (ASMX).</a:t>
+                </a:r>
+              </a:p>
+              <a:p>
+                <a:pPr algn="ctr"/>
+                <a:endParaRPr lang="en-US" sz="1200">
+                  <a:latin typeface="Century Gothic" panose="020B0502020202020204" pitchFamily="34" charset="0"/>
+                </a:endParaRPr>
+              </a:p>
+            </p:txBody>
+          </p:sp>
+          <p:sp>
+            <p:nvSpPr>
+              <p:cNvPr id="10" name="TextBox 9">
+                <a:extLst>
+                  <a:ext uri="{FF2B5EF4-FFF2-40B4-BE49-F238E27FC236}">
+                    <a16:creationId xmlns:a16="http://schemas.microsoft.com/office/drawing/2014/main" id="{FCDDB4AE-3706-437A-BF4B-B58DF92C9ADF}"/>
+                  </a:ext>
+                </a:extLst>
+              </p:cNvPr>
+              <p:cNvSpPr txBox="1"/>
+              <p:nvPr/>
+            </p:nvSpPr>
+            <p:spPr>
+              <a:xfrm>
+                <a:off x="513423" y="1752600"/>
+                <a:ext cx="1248701" cy="400110"/>
+              </a:xfrm>
+              <a:prstGeom prst="rect">
+                <a:avLst/>
+              </a:prstGeom>
               <a:noFill/>
-            </a:ln>
-          </p:spPr>
-          <p:style>
-            <a:lnRef idx="0">
-              <a:scrgbClr r="0" g="0" b="0"/>
-            </a:lnRef>
-            <a:fillRef idx="0">
-              <a:scrgbClr r="0" g="0" b="0"/>
-            </a:fillRef>
-            <a:effectRef idx="0">
-              <a:scrgbClr r="0" g="0" b="0"/>
-            </a:effectRef>
-            <a:fontRef idx="minor">
-              <a:schemeClr val="lt1"/>
-            </a:fontRef>
-          </p:style>
-          <p:txBody>
-            <a:bodyPr rtlCol="0" anchor="ctr"/>
-            <a:lstStyle/>
-            <a:p>
-              <a:pPr algn="ctr"/>
-              <a:endParaRPr lang="en-US"/>
-            </a:p>
-          </p:txBody>
-        </p:sp>
-        <p:sp>
-          <p:nvSpPr>
-            <p:cNvPr id="8" name="Rectangle 7">
+            </p:spPr>
+            <p:txBody>
+              <a:bodyPr wrap="square" rtlCol="0">
+                <a:spAutoFit/>
+              </a:bodyPr>
+              <a:lstStyle/>
+              <a:p>
+                <a:pPr algn="ctr"/>
+                <a:r>
+                  <a:rPr lang="en-US" sz="2000" b="1">
+                    <a:solidFill>
+                      <a:schemeClr val="bg1">
+                        <a:lumMod val="50000"/>
+                      </a:schemeClr>
+                    </a:solidFill>
+                  </a:rPr>
+                  <a:t>Level 0</a:t>
+                </a:r>
+              </a:p>
+            </p:txBody>
+          </p:sp>
+          <p:sp>
+            <p:nvSpPr>
+              <p:cNvPr id="11" name="TextBox 10">
+                <a:extLst>
+                  <a:ext uri="{FF2B5EF4-FFF2-40B4-BE49-F238E27FC236}">
+                    <a16:creationId xmlns:a16="http://schemas.microsoft.com/office/drawing/2014/main" id="{EA390241-3C42-42D3-9856-16A8BC0210BC}"/>
+                  </a:ext>
+                </a:extLst>
+              </p:cNvPr>
+              <p:cNvSpPr txBox="1"/>
+              <p:nvPr/>
+            </p:nvSpPr>
+            <p:spPr>
+              <a:xfrm>
+                <a:off x="308835" y="1248073"/>
+                <a:ext cx="1701714" cy="276999"/>
+              </a:xfrm>
+              <a:prstGeom prst="rect">
+                <a:avLst/>
+              </a:prstGeom>
+              <a:noFill/>
+            </p:spPr>
+            <p:txBody>
+              <a:bodyPr wrap="square" rtlCol="0">
+                <a:spAutoFit/>
+              </a:bodyPr>
+              <a:lstStyle/>
+              <a:p>
+                <a:pPr algn="ctr"/>
+                <a:r>
+                  <a:rPr lang="en-US" sz="1200" b="1">
+                    <a:solidFill>
+                      <a:schemeClr val="bg1"/>
+                    </a:solidFill>
+                    <a:latin typeface="Century Gothic" panose="020B0502020202020204" pitchFamily="34" charset="0"/>
+                  </a:rPr>
+                  <a:t>The Swamp of POX</a:t>
+                </a:r>
+              </a:p>
+            </p:txBody>
+          </p:sp>
+        </p:grpSp>
+        <p:grpSp>
+          <p:nvGrpSpPr>
+            <p:cNvPr id="17" name="Group 16">
               <a:extLst>
                 <a:ext uri="{FF2B5EF4-FFF2-40B4-BE49-F238E27FC236}">
-                  <a16:creationId xmlns:a16="http://schemas.microsoft.com/office/drawing/2014/main" id="{49B79E8E-4C00-4040-9718-8FE12BFA8ADC}"/>
+                  <a16:creationId xmlns:a16="http://schemas.microsoft.com/office/drawing/2014/main" id="{D6411C1C-1A09-455F-B081-31B68EB4EF93}"/>
                 </a:ext>
               </a:extLst>
             </p:cNvPr>
-            <p:cNvSpPr/>
+            <p:cNvGrpSpPr/>
             <p:nvPr/>
-          </p:nvSpPr>
-          <p:spPr>
+          </p:nvGrpSpPr>
+          <p:grpSpPr>
             <a:xfrm>
-              <a:off x="177424" y="1666876"/>
-              <a:ext cx="1975226" cy="3028950"/>
+              <a:off x="2317925" y="957066"/>
+              <a:ext cx="1975226" cy="3878114"/>
+              <a:chOff x="177424" y="959686"/>
+              <a:chExt cx="1975226" cy="3878114"/>
             </a:xfrm>
-            <a:prstGeom prst="rect">
-              <a:avLst/>
-            </a:prstGeom>
-            <a:ln>
-              <a:noFill/>
-            </a:ln>
-          </p:spPr>
-          <p:style>
-            <a:lnRef idx="2">
-              <a:schemeClr val="accent1">
-                <a:shade val="50000"/>
-              </a:schemeClr>
-            </a:lnRef>
-            <a:fillRef idx="1001">
-              <a:schemeClr val="lt1"/>
-            </a:fillRef>
-            <a:effectRef idx="0">
-              <a:schemeClr val="accent1"/>
-            </a:effectRef>
-            <a:fontRef idx="minor">
-              <a:schemeClr val="lt1"/>
-            </a:fontRef>
-          </p:style>
-          <p:txBody>
-            <a:bodyPr rtlCol="0" anchor="ctr"/>
-            <a:lstStyle/>
-            <a:p>
-              <a:pPr algn="l"/>
-              <a:r>
-                <a:rPr lang="pt-BR" sz="1200" b="0" i="0" dirty="0">
+            <a:solidFill>
+              <a:srgbClr val="92D050"/>
+            </a:solidFill>
+          </p:grpSpPr>
+          <p:sp>
+            <p:nvSpPr>
+              <p:cNvPr id="18" name="Arrow: Pentagon 6">
+                <a:extLst>
+                  <a:ext uri="{FF2B5EF4-FFF2-40B4-BE49-F238E27FC236}">
+                    <a16:creationId xmlns:a16="http://schemas.microsoft.com/office/drawing/2014/main" id="{958C38B3-C6D7-47EA-A748-3263DA082D59}"/>
+                  </a:ext>
+                </a:extLst>
+              </p:cNvPr>
+              <p:cNvSpPr/>
+              <p:nvPr/>
+            </p:nvSpPr>
+            <p:spPr>
+              <a:xfrm rot="16200000">
+                <a:off x="-774020" y="1911130"/>
+                <a:ext cx="3878114" cy="1975225"/>
+              </a:xfrm>
+              <a:custGeom>
+                <a:avLst/>
+                <a:gdLst>
+                  <a:gd name="connsiteX0" fmla="*/ 0 w 3313800"/>
+                  <a:gd name="connsiteY0" fmla="*/ 0 h 1394200"/>
+                  <a:gd name="connsiteX1" fmla="*/ 2616700 w 3313800"/>
+                  <a:gd name="connsiteY1" fmla="*/ 0 h 1394200"/>
+                  <a:gd name="connsiteX2" fmla="*/ 3313800 w 3313800"/>
+                  <a:gd name="connsiteY2" fmla="*/ 697100 h 1394200"/>
+                  <a:gd name="connsiteX3" fmla="*/ 2616700 w 3313800"/>
+                  <a:gd name="connsiteY3" fmla="*/ 1394200 h 1394200"/>
+                  <a:gd name="connsiteX4" fmla="*/ 0 w 3313800"/>
+                  <a:gd name="connsiteY4" fmla="*/ 1394200 h 1394200"/>
+                  <a:gd name="connsiteX5" fmla="*/ 0 w 3313800"/>
+                  <a:gd name="connsiteY5" fmla="*/ 0 h 1394200"/>
+                  <a:gd name="connsiteX0" fmla="*/ 0 w 2875650"/>
+                  <a:gd name="connsiteY0" fmla="*/ 0 h 1394200"/>
+                  <a:gd name="connsiteX1" fmla="*/ 2616700 w 2875650"/>
+                  <a:gd name="connsiteY1" fmla="*/ 0 h 1394200"/>
+                  <a:gd name="connsiteX2" fmla="*/ 2875650 w 2875650"/>
+                  <a:gd name="connsiteY2" fmla="*/ 706625 h 1394200"/>
+                  <a:gd name="connsiteX3" fmla="*/ 2616700 w 2875650"/>
+                  <a:gd name="connsiteY3" fmla="*/ 1394200 h 1394200"/>
+                  <a:gd name="connsiteX4" fmla="*/ 0 w 2875650"/>
+                  <a:gd name="connsiteY4" fmla="*/ 1394200 h 1394200"/>
+                  <a:gd name="connsiteX5" fmla="*/ 0 w 2875650"/>
+                  <a:gd name="connsiteY5" fmla="*/ 0 h 1394200"/>
+                </a:gdLst>
+                <a:ahLst/>
+                <a:cxnLst>
+                  <a:cxn ang="0">
+                    <a:pos x="connsiteX0" y="connsiteY0"/>
+                  </a:cxn>
+                  <a:cxn ang="0">
+                    <a:pos x="connsiteX1" y="connsiteY1"/>
+                  </a:cxn>
+                  <a:cxn ang="0">
+                    <a:pos x="connsiteX2" y="connsiteY2"/>
+                  </a:cxn>
+                  <a:cxn ang="0">
+                    <a:pos x="connsiteX3" y="connsiteY3"/>
+                  </a:cxn>
+                  <a:cxn ang="0">
+                    <a:pos x="connsiteX4" y="connsiteY4"/>
+                  </a:cxn>
+                  <a:cxn ang="0">
+                    <a:pos x="connsiteX5" y="connsiteY5"/>
+                  </a:cxn>
+                </a:cxnLst>
+                <a:rect l="l" t="t" r="r" b="b"/>
+                <a:pathLst>
+                  <a:path w="2875650" h="1394200">
+                    <a:moveTo>
+                      <a:pt x="0" y="0"/>
+                    </a:moveTo>
+                    <a:lnTo>
+                      <a:pt x="2616700" y="0"/>
+                    </a:lnTo>
+                    <a:lnTo>
+                      <a:pt x="2875650" y="706625"/>
+                    </a:lnTo>
+                    <a:lnTo>
+                      <a:pt x="2616700" y="1394200"/>
+                    </a:lnTo>
+                    <a:lnTo>
+                      <a:pt x="0" y="1394200"/>
+                    </a:lnTo>
+                    <a:lnTo>
+                      <a:pt x="0" y="0"/>
+                    </a:lnTo>
+                    <a:close/>
+                  </a:path>
+                </a:pathLst>
+              </a:custGeom>
+              <a:grpFill/>
+              <a:ln>
+                <a:noFill/>
+              </a:ln>
+            </p:spPr>
+            <p:style>
+              <a:lnRef idx="0">
+                <a:scrgbClr r="0" g="0" b="0"/>
+              </a:lnRef>
+              <a:fillRef idx="0">
+                <a:scrgbClr r="0" g="0" b="0"/>
+              </a:fillRef>
+              <a:effectRef idx="0">
+                <a:scrgbClr r="0" g="0" b="0"/>
+              </a:effectRef>
+              <a:fontRef idx="minor">
+                <a:schemeClr val="lt1"/>
+              </a:fontRef>
+            </p:style>
+            <p:txBody>
+              <a:bodyPr rtlCol="0" anchor="ctr"/>
+              <a:lstStyle/>
+              <a:p>
+                <a:pPr algn="ctr"/>
+                <a:endParaRPr lang="en-US"/>
+              </a:p>
+            </p:txBody>
+          </p:sp>
+          <p:sp>
+            <p:nvSpPr>
+              <p:cNvPr id="19" name="Rectangle 18">
+                <a:extLst>
+                  <a:ext uri="{FF2B5EF4-FFF2-40B4-BE49-F238E27FC236}">
+                    <a16:creationId xmlns:a16="http://schemas.microsoft.com/office/drawing/2014/main" id="{C23FCC60-9BB9-4B80-B34D-3B1F5AA76781}"/>
+                  </a:ext>
+                </a:extLst>
+              </p:cNvPr>
+              <p:cNvSpPr/>
+              <p:nvPr/>
+            </p:nvSpPr>
+            <p:spPr>
+              <a:xfrm>
+                <a:off x="177424" y="1666876"/>
+                <a:ext cx="1975226" cy="3028950"/>
+              </a:xfrm>
+              <a:prstGeom prst="rect">
+                <a:avLst/>
+              </a:prstGeom>
+              <a:solidFill>
+                <a:schemeClr val="bg1"/>
+              </a:solidFill>
+              <a:ln>
+                <a:noFill/>
+              </a:ln>
+            </p:spPr>
+            <p:style>
+              <a:lnRef idx="2">
+                <a:schemeClr val="accent1">
+                  <a:shade val="50000"/>
+                </a:schemeClr>
+              </a:lnRef>
+              <a:fillRef idx="1001">
+                <a:schemeClr val="lt1"/>
+              </a:fillRef>
+              <a:effectRef idx="0">
+                <a:schemeClr val="accent1"/>
+              </a:effectRef>
+              <a:fontRef idx="minor">
+                <a:schemeClr val="lt1"/>
+              </a:fontRef>
+            </p:style>
+            <p:txBody>
+              <a:bodyPr rtlCol="0" anchor="ctr"/>
+              <a:lstStyle/>
+              <a:p>
+                <a:pPr algn="just"/>
+                <a:r>
+                  <a:rPr lang="pt-BR" sz="1200" b="0" i="0">
+                    <a:solidFill>
+                      <a:srgbClr val="666666"/>
+                    </a:solidFill>
+                    <a:effectLst/>
+                    <a:latin typeface="Century Gothic" panose="020B0502020202020204" pitchFamily="34" charset="0"/>
+                  </a:rPr>
+                  <a:t>O nível um de maturidade já considera a utilização eficiente de URIs. Os recursos são mapeados, mas ainda não emprega o uso eficiente dos verbos. Geralmente utilizam apenas GET e POST.</a:t>
+                </a:r>
+              </a:p>
+            </p:txBody>
+          </p:sp>
+          <p:sp>
+            <p:nvSpPr>
+              <p:cNvPr id="20" name="TextBox 19">
+                <a:extLst>
+                  <a:ext uri="{FF2B5EF4-FFF2-40B4-BE49-F238E27FC236}">
+                    <a16:creationId xmlns:a16="http://schemas.microsoft.com/office/drawing/2014/main" id="{EC530D5A-1622-413B-A885-243A4F8EB226}"/>
+                  </a:ext>
+                </a:extLst>
+              </p:cNvPr>
+              <p:cNvSpPr txBox="1"/>
+              <p:nvPr/>
+            </p:nvSpPr>
+            <p:spPr>
+              <a:xfrm>
+                <a:off x="513423" y="1752600"/>
+                <a:ext cx="1248701" cy="400110"/>
+              </a:xfrm>
+              <a:prstGeom prst="rect">
+                <a:avLst/>
+              </a:prstGeom>
+              <a:solidFill>
+                <a:schemeClr val="bg1"/>
+              </a:solidFill>
+            </p:spPr>
+            <p:txBody>
+              <a:bodyPr wrap="square" rtlCol="0">
+                <a:spAutoFit/>
+              </a:bodyPr>
+              <a:lstStyle/>
+              <a:p>
+                <a:pPr algn="ctr"/>
+                <a:r>
+                  <a:rPr lang="en-US" sz="2000" b="1">
+                    <a:solidFill>
+                      <a:schemeClr val="bg1">
+                        <a:lumMod val="50000"/>
+                      </a:schemeClr>
+                    </a:solidFill>
+                  </a:rPr>
+                  <a:t>Level 1</a:t>
+                </a:r>
+              </a:p>
+            </p:txBody>
+          </p:sp>
+          <p:sp>
+            <p:nvSpPr>
+              <p:cNvPr id="21" name="TextBox 20">
+                <a:extLst>
+                  <a:ext uri="{FF2B5EF4-FFF2-40B4-BE49-F238E27FC236}">
+                    <a16:creationId xmlns:a16="http://schemas.microsoft.com/office/drawing/2014/main" id="{947FDBFA-2B55-4755-BA5D-45ED98A00337}"/>
+                  </a:ext>
+                </a:extLst>
+              </p:cNvPr>
+              <p:cNvSpPr txBox="1"/>
+              <p:nvPr/>
+            </p:nvSpPr>
+            <p:spPr>
+              <a:xfrm>
+                <a:off x="308835" y="1248073"/>
+                <a:ext cx="1701714" cy="276999"/>
+              </a:xfrm>
+              <a:prstGeom prst="rect">
+                <a:avLst/>
+              </a:prstGeom>
+              <a:grpFill/>
+            </p:spPr>
+            <p:txBody>
+              <a:bodyPr wrap="square" rtlCol="0">
+                <a:spAutoFit/>
+              </a:bodyPr>
+              <a:lstStyle/>
+              <a:p>
+                <a:pPr algn="ctr"/>
+                <a:r>
+                  <a:rPr lang="en-US" sz="1200" b="1">
+                    <a:solidFill>
+                      <a:schemeClr val="bg1"/>
+                    </a:solidFill>
+                    <a:latin typeface="Century Gothic" panose="020B0502020202020204" pitchFamily="34" charset="0"/>
+                  </a:rPr>
+                  <a:t>URI</a:t>
+                </a:r>
+              </a:p>
+            </p:txBody>
+          </p:sp>
+        </p:grpSp>
+        <p:grpSp>
+          <p:nvGrpSpPr>
+            <p:cNvPr id="22" name="Group 21">
+              <a:extLst>
+                <a:ext uri="{FF2B5EF4-FFF2-40B4-BE49-F238E27FC236}">
+                  <a16:creationId xmlns:a16="http://schemas.microsoft.com/office/drawing/2014/main" id="{20FECAE4-2B43-4D78-B1A8-6F83F2C62B1D}"/>
+                </a:ext>
+              </a:extLst>
+            </p:cNvPr>
+            <p:cNvGrpSpPr/>
+            <p:nvPr/>
+          </p:nvGrpSpPr>
+          <p:grpSpPr>
+            <a:xfrm>
+              <a:off x="4424562" y="957066"/>
+              <a:ext cx="1975226" cy="3878114"/>
+              <a:chOff x="177424" y="959686"/>
+              <a:chExt cx="1975226" cy="3878114"/>
+            </a:xfrm>
+            <a:solidFill>
+              <a:srgbClr val="92D050"/>
+            </a:solidFill>
+          </p:grpSpPr>
+          <p:sp>
+            <p:nvSpPr>
+              <p:cNvPr id="23" name="Arrow: Pentagon 6">
+                <a:extLst>
+                  <a:ext uri="{FF2B5EF4-FFF2-40B4-BE49-F238E27FC236}">
+                    <a16:creationId xmlns:a16="http://schemas.microsoft.com/office/drawing/2014/main" id="{471644E6-9422-4014-9C25-DB7414CBBABB}"/>
+                  </a:ext>
+                </a:extLst>
+              </p:cNvPr>
+              <p:cNvSpPr/>
+              <p:nvPr/>
+            </p:nvSpPr>
+            <p:spPr>
+              <a:xfrm rot="16200000">
+                <a:off x="-774020" y="1911130"/>
+                <a:ext cx="3878114" cy="1975225"/>
+              </a:xfrm>
+              <a:custGeom>
+                <a:avLst/>
+                <a:gdLst>
+                  <a:gd name="connsiteX0" fmla="*/ 0 w 3313800"/>
+                  <a:gd name="connsiteY0" fmla="*/ 0 h 1394200"/>
+                  <a:gd name="connsiteX1" fmla="*/ 2616700 w 3313800"/>
+                  <a:gd name="connsiteY1" fmla="*/ 0 h 1394200"/>
+                  <a:gd name="connsiteX2" fmla="*/ 3313800 w 3313800"/>
+                  <a:gd name="connsiteY2" fmla="*/ 697100 h 1394200"/>
+                  <a:gd name="connsiteX3" fmla="*/ 2616700 w 3313800"/>
+                  <a:gd name="connsiteY3" fmla="*/ 1394200 h 1394200"/>
+                  <a:gd name="connsiteX4" fmla="*/ 0 w 3313800"/>
+                  <a:gd name="connsiteY4" fmla="*/ 1394200 h 1394200"/>
+                  <a:gd name="connsiteX5" fmla="*/ 0 w 3313800"/>
+                  <a:gd name="connsiteY5" fmla="*/ 0 h 1394200"/>
+                  <a:gd name="connsiteX0" fmla="*/ 0 w 2875650"/>
+                  <a:gd name="connsiteY0" fmla="*/ 0 h 1394200"/>
+                  <a:gd name="connsiteX1" fmla="*/ 2616700 w 2875650"/>
+                  <a:gd name="connsiteY1" fmla="*/ 0 h 1394200"/>
+                  <a:gd name="connsiteX2" fmla="*/ 2875650 w 2875650"/>
+                  <a:gd name="connsiteY2" fmla="*/ 706625 h 1394200"/>
+                  <a:gd name="connsiteX3" fmla="*/ 2616700 w 2875650"/>
+                  <a:gd name="connsiteY3" fmla="*/ 1394200 h 1394200"/>
+                  <a:gd name="connsiteX4" fmla="*/ 0 w 2875650"/>
+                  <a:gd name="connsiteY4" fmla="*/ 1394200 h 1394200"/>
+                  <a:gd name="connsiteX5" fmla="*/ 0 w 2875650"/>
+                  <a:gd name="connsiteY5" fmla="*/ 0 h 1394200"/>
+                </a:gdLst>
+                <a:ahLst/>
+                <a:cxnLst>
+                  <a:cxn ang="0">
+                    <a:pos x="connsiteX0" y="connsiteY0"/>
+                  </a:cxn>
+                  <a:cxn ang="0">
+                    <a:pos x="connsiteX1" y="connsiteY1"/>
+                  </a:cxn>
+                  <a:cxn ang="0">
+                    <a:pos x="connsiteX2" y="connsiteY2"/>
+                  </a:cxn>
+                  <a:cxn ang="0">
+                    <a:pos x="connsiteX3" y="connsiteY3"/>
+                  </a:cxn>
+                  <a:cxn ang="0">
+                    <a:pos x="connsiteX4" y="connsiteY4"/>
+                  </a:cxn>
+                  <a:cxn ang="0">
+                    <a:pos x="connsiteX5" y="connsiteY5"/>
+                  </a:cxn>
+                </a:cxnLst>
+                <a:rect l="l" t="t" r="r" b="b"/>
+                <a:pathLst>
+                  <a:path w="2875650" h="1394200">
+                    <a:moveTo>
+                      <a:pt x="0" y="0"/>
+                    </a:moveTo>
+                    <a:lnTo>
+                      <a:pt x="2616700" y="0"/>
+                    </a:lnTo>
+                    <a:lnTo>
+                      <a:pt x="2875650" y="706625"/>
+                    </a:lnTo>
+                    <a:lnTo>
+                      <a:pt x="2616700" y="1394200"/>
+                    </a:lnTo>
+                    <a:lnTo>
+                      <a:pt x="0" y="1394200"/>
+                    </a:lnTo>
+                    <a:lnTo>
+                      <a:pt x="0" y="0"/>
+                    </a:lnTo>
+                    <a:close/>
+                  </a:path>
+                </a:pathLst>
+              </a:custGeom>
+              <a:solidFill>
+                <a:srgbClr val="7030A0"/>
+              </a:solidFill>
+              <a:ln>
+                <a:noFill/>
+              </a:ln>
+            </p:spPr>
+            <p:style>
+              <a:lnRef idx="0">
+                <a:scrgbClr r="0" g="0" b="0"/>
+              </a:lnRef>
+              <a:fillRef idx="0">
+                <a:scrgbClr r="0" g="0" b="0"/>
+              </a:fillRef>
+              <a:effectRef idx="0">
+                <a:scrgbClr r="0" g="0" b="0"/>
+              </a:effectRef>
+              <a:fontRef idx="minor">
+                <a:schemeClr val="lt1"/>
+              </a:fontRef>
+            </p:style>
+            <p:txBody>
+              <a:bodyPr rtlCol="0" anchor="ctr"/>
+              <a:lstStyle/>
+              <a:p>
+                <a:pPr algn="ctr"/>
+                <a:endParaRPr lang="en-US"/>
+              </a:p>
+            </p:txBody>
+          </p:sp>
+          <p:sp>
+            <p:nvSpPr>
+              <p:cNvPr id="24" name="Rectangle 23">
+                <a:extLst>
+                  <a:ext uri="{FF2B5EF4-FFF2-40B4-BE49-F238E27FC236}">
+                    <a16:creationId xmlns:a16="http://schemas.microsoft.com/office/drawing/2014/main" id="{E8348540-A5C0-4B0D-8C59-5A060BF5E28D}"/>
+                  </a:ext>
+                </a:extLst>
+              </p:cNvPr>
+              <p:cNvSpPr/>
+              <p:nvPr/>
+            </p:nvSpPr>
+            <p:spPr>
+              <a:xfrm>
+                <a:off x="177424" y="1666876"/>
+                <a:ext cx="1975226" cy="3028950"/>
+              </a:xfrm>
+              <a:prstGeom prst="rect">
+                <a:avLst/>
+              </a:prstGeom>
+              <a:solidFill>
+                <a:schemeClr val="bg1"/>
+              </a:solidFill>
+              <a:ln>
+                <a:noFill/>
+              </a:ln>
+            </p:spPr>
+            <p:style>
+              <a:lnRef idx="2">
+                <a:schemeClr val="accent1">
+                  <a:shade val="50000"/>
+                </a:schemeClr>
+              </a:lnRef>
+              <a:fillRef idx="1001">
+                <a:schemeClr val="lt1"/>
+              </a:fillRef>
+              <a:effectRef idx="0">
+                <a:schemeClr val="accent1"/>
+              </a:effectRef>
+              <a:fontRef idx="minor">
+                <a:schemeClr val="lt1"/>
+              </a:fontRef>
+            </p:style>
+            <p:txBody>
+              <a:bodyPr rtlCol="0" anchor="ctr"/>
+              <a:lstStyle/>
+              <a:p>
+                <a:pPr algn="l"/>
+                <a:endParaRPr lang="pt-BR" sz="1200" b="0" i="0">
                   <a:solidFill>
                     <a:srgbClr val="666666"/>
                   </a:solidFill>
                   <a:effectLst/>
                   <a:latin typeface="Century Gothic" panose="020B0502020202020204" pitchFamily="34" charset="0"/>
-                </a:rPr>
-                <a:t>O nível zero de maturidade não utiliza recursos de URI, HTTP Methods e HATEOAS.</a:t>
-              </a:r>
-            </a:p>
-            <a:p>
-              <a:pPr algn="just"/>
-              <a:r>
-                <a:rPr lang="pt-BR" sz="1200" b="0" i="0" dirty="0">
+                </a:endParaRPr>
+              </a:p>
+              <a:p>
+                <a:pPr algn="l"/>
+                <a:endParaRPr lang="pt-BR" sz="1200">
+                  <a:solidFill>
+                    <a:srgbClr val="666666"/>
+                  </a:solidFill>
+                  <a:latin typeface="Century Gothic" panose="020B0502020202020204" pitchFamily="34" charset="0"/>
+                </a:endParaRPr>
+              </a:p>
+              <a:p>
+                <a:pPr algn="l"/>
+                <a:endParaRPr lang="pt-BR" sz="1200" b="0" i="0">
                   <a:solidFill>
                     <a:srgbClr val="666666"/>
                   </a:solidFill>
                   <a:effectLst/>
                   <a:latin typeface="Century Gothic" panose="020B0502020202020204" pitchFamily="34" charset="0"/>
-                </a:rPr>
-                <a:t>A API têm um único URI e usa um único método HTTP (normalmente POST). Um exemplo são os Antigos WebServices do ASP.NET (ASMX).</a:t>
-              </a:r>
-            </a:p>
-            <a:p>
-              <a:pPr algn="ctr"/>
-              <a:endParaRPr lang="en-US" sz="1200" dirty="0">
-                <a:latin typeface="Century Gothic" panose="020B0502020202020204" pitchFamily="34" charset="0"/>
-              </a:endParaRPr>
-            </a:p>
-          </p:txBody>
-        </p:sp>
-        <p:sp>
-          <p:nvSpPr>
-            <p:cNvPr id="10" name="TextBox 9">
-              <a:extLst>
-                <a:ext uri="{FF2B5EF4-FFF2-40B4-BE49-F238E27FC236}">
-                  <a16:creationId xmlns:a16="http://schemas.microsoft.com/office/drawing/2014/main" id="{FCDDB4AE-3706-437A-BF4B-B58DF92C9ADF}"/>
-                </a:ext>
-              </a:extLst>
-            </p:cNvPr>
-            <p:cNvSpPr txBox="1"/>
-            <p:nvPr/>
-          </p:nvSpPr>
-          <p:spPr>
-            <a:xfrm>
-              <a:off x="513423" y="1752600"/>
-              <a:ext cx="1248701" cy="400110"/>
-            </a:xfrm>
-            <a:prstGeom prst="rect">
-              <a:avLst/>
-            </a:prstGeom>
-            <a:noFill/>
-          </p:spPr>
-          <p:txBody>
-            <a:bodyPr wrap="square" rtlCol="0">
-              <a:spAutoFit/>
-            </a:bodyPr>
-            <a:lstStyle/>
-            <a:p>
-              <a:pPr algn="ctr"/>
-              <a:r>
-                <a:rPr lang="en-US" sz="2000" b="1" dirty="0">
-                  <a:solidFill>
-                    <a:schemeClr val="bg1">
-                      <a:lumMod val="50000"/>
-                    </a:schemeClr>
-                  </a:solidFill>
-                </a:rPr>
-                <a:t>Level 0</a:t>
-              </a:r>
-            </a:p>
-          </p:txBody>
-        </p:sp>
-        <p:sp>
-          <p:nvSpPr>
-            <p:cNvPr id="11" name="TextBox 10">
-              <a:extLst>
-                <a:ext uri="{FF2B5EF4-FFF2-40B4-BE49-F238E27FC236}">
-                  <a16:creationId xmlns:a16="http://schemas.microsoft.com/office/drawing/2014/main" id="{EA390241-3C42-42D3-9856-16A8BC0210BC}"/>
-                </a:ext>
-              </a:extLst>
-            </p:cNvPr>
-            <p:cNvSpPr txBox="1"/>
-            <p:nvPr/>
-          </p:nvSpPr>
-          <p:spPr>
-            <a:xfrm>
-              <a:off x="308835" y="1248073"/>
-              <a:ext cx="1701714" cy="276999"/>
-            </a:xfrm>
-            <a:prstGeom prst="rect">
-              <a:avLst/>
-            </a:prstGeom>
-            <a:noFill/>
-          </p:spPr>
-          <p:txBody>
-            <a:bodyPr wrap="square" rtlCol="0">
-              <a:spAutoFit/>
-            </a:bodyPr>
-            <a:lstStyle/>
-            <a:p>
-              <a:pPr algn="ctr"/>
-              <a:r>
-                <a:rPr lang="en-US" sz="1200" b="1" dirty="0">
-                  <a:solidFill>
-                    <a:schemeClr val="bg1"/>
-                  </a:solidFill>
-                  <a:latin typeface="Century Gothic" panose="020B0502020202020204" pitchFamily="34" charset="0"/>
-                </a:rPr>
-                <a:t>The Swamp of POX</a:t>
-              </a:r>
-            </a:p>
-          </p:txBody>
-        </p:sp>
-      </p:grpSp>
-      <p:grpSp>
-        <p:nvGrpSpPr>
-          <p:cNvPr id="17" name="Group 16">
-            <a:extLst>
-              <a:ext uri="{FF2B5EF4-FFF2-40B4-BE49-F238E27FC236}">
-                <a16:creationId xmlns:a16="http://schemas.microsoft.com/office/drawing/2014/main" id="{D6411C1C-1A09-455F-B081-31B68EB4EF93}"/>
-              </a:ext>
-            </a:extLst>
-          </p:cNvPr>
-          <p:cNvGrpSpPr/>
-          <p:nvPr/>
-        </p:nvGrpSpPr>
-        <p:grpSpPr>
-          <a:xfrm>
-            <a:off x="2317925" y="954448"/>
-            <a:ext cx="1975226" cy="3878114"/>
-            <a:chOff x="177424" y="959686"/>
-            <a:chExt cx="1975226" cy="3878114"/>
-          </a:xfrm>
-          <a:solidFill>
-            <a:srgbClr val="92D050"/>
-          </a:solidFill>
-        </p:grpSpPr>
-        <p:sp>
-          <p:nvSpPr>
-            <p:cNvPr id="18" name="Arrow: Pentagon 6">
-              <a:extLst>
-                <a:ext uri="{FF2B5EF4-FFF2-40B4-BE49-F238E27FC236}">
-                  <a16:creationId xmlns:a16="http://schemas.microsoft.com/office/drawing/2014/main" id="{958C38B3-C6D7-47EA-A748-3263DA082D59}"/>
-                </a:ext>
-              </a:extLst>
-            </p:cNvPr>
-            <p:cNvSpPr/>
-            <p:nvPr/>
-          </p:nvSpPr>
-          <p:spPr>
-            <a:xfrm rot="16200000">
-              <a:off x="-774020" y="1911130"/>
-              <a:ext cx="3878114" cy="1975225"/>
-            </a:xfrm>
-            <a:custGeom>
-              <a:avLst/>
-              <a:gdLst>
-                <a:gd name="connsiteX0" fmla="*/ 0 w 3313800"/>
-                <a:gd name="connsiteY0" fmla="*/ 0 h 1394200"/>
-                <a:gd name="connsiteX1" fmla="*/ 2616700 w 3313800"/>
-                <a:gd name="connsiteY1" fmla="*/ 0 h 1394200"/>
-                <a:gd name="connsiteX2" fmla="*/ 3313800 w 3313800"/>
-                <a:gd name="connsiteY2" fmla="*/ 697100 h 1394200"/>
-                <a:gd name="connsiteX3" fmla="*/ 2616700 w 3313800"/>
-                <a:gd name="connsiteY3" fmla="*/ 1394200 h 1394200"/>
-                <a:gd name="connsiteX4" fmla="*/ 0 w 3313800"/>
-                <a:gd name="connsiteY4" fmla="*/ 1394200 h 1394200"/>
-                <a:gd name="connsiteX5" fmla="*/ 0 w 3313800"/>
-                <a:gd name="connsiteY5" fmla="*/ 0 h 1394200"/>
-                <a:gd name="connsiteX0" fmla="*/ 0 w 2875650"/>
-                <a:gd name="connsiteY0" fmla="*/ 0 h 1394200"/>
-                <a:gd name="connsiteX1" fmla="*/ 2616700 w 2875650"/>
-                <a:gd name="connsiteY1" fmla="*/ 0 h 1394200"/>
-                <a:gd name="connsiteX2" fmla="*/ 2875650 w 2875650"/>
-                <a:gd name="connsiteY2" fmla="*/ 706625 h 1394200"/>
-                <a:gd name="connsiteX3" fmla="*/ 2616700 w 2875650"/>
-                <a:gd name="connsiteY3" fmla="*/ 1394200 h 1394200"/>
-                <a:gd name="connsiteX4" fmla="*/ 0 w 2875650"/>
-                <a:gd name="connsiteY4" fmla="*/ 1394200 h 1394200"/>
-                <a:gd name="connsiteX5" fmla="*/ 0 w 2875650"/>
-                <a:gd name="connsiteY5" fmla="*/ 0 h 1394200"/>
-              </a:gdLst>
-              <a:ahLst/>
-              <a:cxnLst>
-                <a:cxn ang="0">
-                  <a:pos x="connsiteX0" y="connsiteY0"/>
-                </a:cxn>
-                <a:cxn ang="0">
-                  <a:pos x="connsiteX1" y="connsiteY1"/>
-                </a:cxn>
-                <a:cxn ang="0">
-                  <a:pos x="connsiteX2" y="connsiteY2"/>
-                </a:cxn>
-                <a:cxn ang="0">
-                  <a:pos x="connsiteX3" y="connsiteY3"/>
-                </a:cxn>
-                <a:cxn ang="0">
-                  <a:pos x="connsiteX4" y="connsiteY4"/>
-                </a:cxn>
-                <a:cxn ang="0">
-                  <a:pos x="connsiteX5" y="connsiteY5"/>
-                </a:cxn>
-              </a:cxnLst>
-              <a:rect l="l" t="t" r="r" b="b"/>
-              <a:pathLst>
-                <a:path w="2875650" h="1394200">
-                  <a:moveTo>
-                    <a:pt x="0" y="0"/>
-                  </a:moveTo>
-                  <a:lnTo>
-                    <a:pt x="2616700" y="0"/>
-                  </a:lnTo>
-                  <a:lnTo>
-                    <a:pt x="2875650" y="706625"/>
-                  </a:lnTo>
-                  <a:lnTo>
-                    <a:pt x="2616700" y="1394200"/>
-                  </a:lnTo>
-                  <a:lnTo>
-                    <a:pt x="0" y="1394200"/>
-                  </a:lnTo>
-                  <a:lnTo>
-                    <a:pt x="0" y="0"/>
-                  </a:lnTo>
-                  <a:close/>
-                </a:path>
-              </a:pathLst>
-            </a:custGeom>
-            <a:grpFill/>
-            <a:ln>
-              <a:noFill/>
-            </a:ln>
-          </p:spPr>
-          <p:style>
-            <a:lnRef idx="0">
-              <a:scrgbClr r="0" g="0" b="0"/>
-            </a:lnRef>
-            <a:fillRef idx="0">
-              <a:scrgbClr r="0" g="0" b="0"/>
-            </a:fillRef>
-            <a:effectRef idx="0">
-              <a:scrgbClr r="0" g="0" b="0"/>
-            </a:effectRef>
-            <a:fontRef idx="minor">
-              <a:schemeClr val="lt1"/>
-            </a:fontRef>
-          </p:style>
-          <p:txBody>
-            <a:bodyPr rtlCol="0" anchor="ctr"/>
-            <a:lstStyle/>
-            <a:p>
-              <a:pPr algn="ctr"/>
-              <a:endParaRPr lang="en-US"/>
-            </a:p>
-          </p:txBody>
-        </p:sp>
-        <p:sp>
-          <p:nvSpPr>
-            <p:cNvPr id="19" name="Rectangle 18">
-              <a:extLst>
-                <a:ext uri="{FF2B5EF4-FFF2-40B4-BE49-F238E27FC236}">
-                  <a16:creationId xmlns:a16="http://schemas.microsoft.com/office/drawing/2014/main" id="{C23FCC60-9BB9-4B80-B34D-3B1F5AA76781}"/>
-                </a:ext>
-              </a:extLst>
-            </p:cNvPr>
-            <p:cNvSpPr/>
-            <p:nvPr/>
-          </p:nvSpPr>
-          <p:spPr>
-            <a:xfrm>
-              <a:off x="177424" y="1666876"/>
-              <a:ext cx="1975226" cy="3028950"/>
-            </a:xfrm>
-            <a:prstGeom prst="rect">
-              <a:avLst/>
-            </a:prstGeom>
-            <a:solidFill>
-              <a:schemeClr val="bg1"/>
-            </a:solidFill>
-            <a:ln>
-              <a:noFill/>
-            </a:ln>
-          </p:spPr>
-          <p:style>
-            <a:lnRef idx="2">
-              <a:schemeClr val="accent1">
-                <a:shade val="50000"/>
-              </a:schemeClr>
-            </a:lnRef>
-            <a:fillRef idx="1001">
-              <a:schemeClr val="lt1"/>
-            </a:fillRef>
-            <a:effectRef idx="0">
-              <a:schemeClr val="accent1"/>
-            </a:effectRef>
-            <a:fontRef idx="minor">
-              <a:schemeClr val="lt1"/>
-            </a:fontRef>
-          </p:style>
-          <p:txBody>
-            <a:bodyPr rtlCol="0" anchor="ctr"/>
-            <a:lstStyle/>
-            <a:p>
-              <a:pPr algn="just"/>
-              <a:r>
-                <a:rPr lang="pt-BR" sz="1200" b="0" i="0" dirty="0">
+                </a:endParaRPr>
+              </a:p>
+              <a:p>
+                <a:pPr algn="l"/>
+                <a:r>
+                  <a:rPr lang="pt-BR" sz="1200" b="0" i="0">
+                    <a:solidFill>
+                      <a:srgbClr val="666666"/>
+                    </a:solidFill>
+                    <a:effectLst/>
+                    <a:latin typeface="Century Gothic" panose="020B0502020202020204" pitchFamily="34" charset="0"/>
+                  </a:rPr>
+                  <a:t>O nível dois de maturidade faz o uso eficiente de URIs e verbos HTTP.</a:t>
+                </a:r>
+              </a:p>
+              <a:p>
+                <a:r>
+                  <a:rPr lang="pt-BR" sz="1200" b="0" i="0">
+                    <a:solidFill>
+                      <a:srgbClr val="666666"/>
+                    </a:solidFill>
+                    <a:effectLst/>
+                    <a:latin typeface="Century Gothic" panose="020B0502020202020204" pitchFamily="34" charset="0"/>
+                  </a:rPr>
+                  <a:t>A API suporta os diversos verbos HTTP:</a:t>
+                </a:r>
+              </a:p>
+              <a:p>
+                <a:pPr algn="l"/>
+                <a:endParaRPr lang="pt-BR" sz="1200" b="0" i="0">
                   <a:solidFill>
                     <a:srgbClr val="666666"/>
                   </a:solidFill>
                   <a:effectLst/>
                   <a:latin typeface="Century Gothic" panose="020B0502020202020204" pitchFamily="34" charset="0"/>
-                </a:rPr>
-                <a:t>O nível um de maturidade já considera a utilização eficiente de URIs. Os recursos são mapeados, mas ainda não emprega o uso eficiente dos verbos. Geralmente utilizam apenas GET e POST.</a:t>
-              </a:r>
-            </a:p>
-          </p:txBody>
-        </p:sp>
-        <p:sp>
-          <p:nvSpPr>
-            <p:cNvPr id="20" name="TextBox 19">
+                </a:endParaRPr>
+              </a:p>
+              <a:p>
+                <a:pPr algn="l"/>
+                <a:r>
+                  <a:rPr lang="pt-BR" sz="1200" b="0" i="0">
+                    <a:solidFill>
+                      <a:srgbClr val="666666"/>
+                    </a:solidFill>
+                    <a:effectLst/>
+                    <a:latin typeface="Century Gothic" panose="020B0502020202020204" pitchFamily="34" charset="0"/>
+                  </a:rPr>
+                  <a:t>POST - Criar</a:t>
+                </a:r>
+              </a:p>
+              <a:p>
+                <a:pPr algn="l"/>
+                <a:r>
+                  <a:rPr lang="pt-BR" sz="1200" b="0" i="0">
+                    <a:solidFill>
+                      <a:srgbClr val="666666"/>
+                    </a:solidFill>
+                    <a:effectLst/>
+                    <a:latin typeface="Century Gothic" panose="020B0502020202020204" pitchFamily="34" charset="0"/>
+                  </a:rPr>
+                  <a:t>GET - Ler</a:t>
+                </a:r>
+              </a:p>
+              <a:p>
+                <a:pPr algn="l"/>
+                <a:r>
+                  <a:rPr lang="pt-BR" sz="1200" b="0" i="0">
+                    <a:solidFill>
+                      <a:srgbClr val="666666"/>
+                    </a:solidFill>
+                    <a:effectLst/>
+                    <a:latin typeface="Century Gothic" panose="020B0502020202020204" pitchFamily="34" charset="0"/>
+                  </a:rPr>
+                  <a:t>PUT - Atualizar</a:t>
+                </a:r>
+              </a:p>
+              <a:p>
+                <a:pPr algn="l"/>
+                <a:r>
+                  <a:rPr lang="pt-BR" sz="1200" b="0" i="0">
+                    <a:solidFill>
+                      <a:srgbClr val="666666"/>
+                    </a:solidFill>
+                    <a:effectLst/>
+                    <a:latin typeface="Century Gothic" panose="020B0502020202020204" pitchFamily="34" charset="0"/>
+                  </a:rPr>
+                  <a:t>DELETE - Excluir</a:t>
+                </a:r>
+              </a:p>
+              <a:p>
+                <a:pPr algn="l"/>
+                <a:r>
+                  <a:rPr lang="pt-BR" sz="1200" b="0" i="0">
+                    <a:solidFill>
+                      <a:srgbClr val="666666"/>
+                    </a:solidFill>
+                    <a:effectLst/>
+                    <a:latin typeface="Century Gothic" panose="020B0502020202020204" pitchFamily="34" charset="0"/>
+                  </a:rPr>
+                  <a:t>PATCH - Atualizar parcialmente</a:t>
+                </a:r>
+              </a:p>
+              <a:p>
+                <a:pPr algn="ctr"/>
+                <a:endParaRPr lang="en-US" sz="1200">
+                  <a:latin typeface="Century Gothic" panose="020B0502020202020204" pitchFamily="34" charset="0"/>
+                </a:endParaRPr>
+              </a:p>
+            </p:txBody>
+          </p:sp>
+          <p:sp>
+            <p:nvSpPr>
+              <p:cNvPr id="25" name="TextBox 24">
+                <a:extLst>
+                  <a:ext uri="{FF2B5EF4-FFF2-40B4-BE49-F238E27FC236}">
+                    <a16:creationId xmlns:a16="http://schemas.microsoft.com/office/drawing/2014/main" id="{32AC68C5-BCDC-4297-A2B4-7223B04494D9}"/>
+                  </a:ext>
+                </a:extLst>
+              </p:cNvPr>
+              <p:cNvSpPr txBox="1"/>
+              <p:nvPr/>
+            </p:nvSpPr>
+            <p:spPr>
+              <a:xfrm>
+                <a:off x="513423" y="1752600"/>
+                <a:ext cx="1248701" cy="400110"/>
+              </a:xfrm>
+              <a:prstGeom prst="rect">
+                <a:avLst/>
+              </a:prstGeom>
+              <a:solidFill>
+                <a:schemeClr val="bg1"/>
+              </a:solidFill>
+            </p:spPr>
+            <p:txBody>
+              <a:bodyPr wrap="square" rtlCol="0">
+                <a:spAutoFit/>
+              </a:bodyPr>
+              <a:lstStyle/>
+              <a:p>
+                <a:pPr algn="ctr"/>
+                <a:r>
+                  <a:rPr lang="en-US" sz="2000" b="1">
+                    <a:solidFill>
+                      <a:schemeClr val="bg1">
+                        <a:lumMod val="50000"/>
+                      </a:schemeClr>
+                    </a:solidFill>
+                  </a:rPr>
+                  <a:t>Level 2</a:t>
+                </a:r>
+              </a:p>
+            </p:txBody>
+          </p:sp>
+          <p:sp>
+            <p:nvSpPr>
+              <p:cNvPr id="26" name="TextBox 25">
+                <a:extLst>
+                  <a:ext uri="{FF2B5EF4-FFF2-40B4-BE49-F238E27FC236}">
+                    <a16:creationId xmlns:a16="http://schemas.microsoft.com/office/drawing/2014/main" id="{3EC5F3E5-2355-424E-973D-3F68FD8EE108}"/>
+                  </a:ext>
+                </a:extLst>
+              </p:cNvPr>
+              <p:cNvSpPr txBox="1"/>
+              <p:nvPr/>
+            </p:nvSpPr>
+            <p:spPr>
+              <a:xfrm>
+                <a:off x="308835" y="1248073"/>
+                <a:ext cx="1701714" cy="276999"/>
+              </a:xfrm>
+              <a:prstGeom prst="rect">
+                <a:avLst/>
+              </a:prstGeom>
+              <a:solidFill>
+                <a:srgbClr val="7030A0"/>
+              </a:solidFill>
+            </p:spPr>
+            <p:txBody>
+              <a:bodyPr wrap="square" rtlCol="0">
+                <a:spAutoFit/>
+              </a:bodyPr>
+              <a:lstStyle/>
+              <a:p>
+                <a:pPr algn="ctr"/>
+                <a:r>
+                  <a:rPr lang="en-US" sz="1200" b="1">
+                    <a:solidFill>
+                      <a:schemeClr val="bg1"/>
+                    </a:solidFill>
+                    <a:latin typeface="Century Gothic" panose="020B0502020202020204" pitchFamily="34" charset="0"/>
+                  </a:rPr>
+                  <a:t>HTTP</a:t>
+                </a:r>
+              </a:p>
+            </p:txBody>
+          </p:sp>
+        </p:grpSp>
+        <p:grpSp>
+          <p:nvGrpSpPr>
+            <p:cNvPr id="27" name="Group 26">
               <a:extLst>
                 <a:ext uri="{FF2B5EF4-FFF2-40B4-BE49-F238E27FC236}">
-                  <a16:creationId xmlns:a16="http://schemas.microsoft.com/office/drawing/2014/main" id="{EC530D5A-1622-413B-A885-243A4F8EB226}"/>
+                  <a16:creationId xmlns:a16="http://schemas.microsoft.com/office/drawing/2014/main" id="{FA167472-1710-4B28-A437-BF6B2B7A24E8}"/>
                 </a:ext>
               </a:extLst>
             </p:cNvPr>
-            <p:cNvSpPr txBox="1"/>
+            <p:cNvGrpSpPr/>
             <p:nvPr/>
-          </p:nvSpPr>
-          <p:spPr>
+          </p:nvGrpSpPr>
+          <p:grpSpPr>
             <a:xfrm>
-              <a:off x="513423" y="1752600"/>
-              <a:ext cx="1248701" cy="400110"/>
+              <a:off x="6565063" y="957066"/>
+              <a:ext cx="1975226" cy="3878114"/>
+              <a:chOff x="177424" y="959686"/>
+              <a:chExt cx="1975226" cy="3878114"/>
             </a:xfrm>
-            <a:prstGeom prst="rect">
-              <a:avLst/>
-            </a:prstGeom>
-            <a:solidFill>
-              <a:schemeClr val="bg1"/>
-            </a:solidFill>
-          </p:spPr>
-          <p:txBody>
-            <a:bodyPr wrap="square" rtlCol="0">
-              <a:spAutoFit/>
-            </a:bodyPr>
-            <a:lstStyle/>
-            <a:p>
-              <a:pPr algn="ctr"/>
-              <a:r>
-                <a:rPr lang="en-US" sz="2000" b="1" dirty="0">
-                  <a:solidFill>
-                    <a:schemeClr val="bg1">
-                      <a:lumMod val="50000"/>
-                    </a:schemeClr>
-                  </a:solidFill>
-                </a:rPr>
-                <a:t>Level 1</a:t>
-              </a:r>
-            </a:p>
-          </p:txBody>
-        </p:sp>
-        <p:sp>
-          <p:nvSpPr>
-            <p:cNvPr id="21" name="TextBox 20">
-              <a:extLst>
-                <a:ext uri="{FF2B5EF4-FFF2-40B4-BE49-F238E27FC236}">
-                  <a16:creationId xmlns:a16="http://schemas.microsoft.com/office/drawing/2014/main" id="{947FDBFA-2B55-4755-BA5D-45ED98A00337}"/>
-                </a:ext>
-              </a:extLst>
-            </p:cNvPr>
-            <p:cNvSpPr txBox="1"/>
-            <p:nvPr/>
-          </p:nvSpPr>
-          <p:spPr>
-            <a:xfrm>
-              <a:off x="308835" y="1248073"/>
-              <a:ext cx="1701714" cy="276999"/>
-            </a:xfrm>
-            <a:prstGeom prst="rect">
-              <a:avLst/>
-            </a:prstGeom>
-            <a:grpFill/>
-          </p:spPr>
-          <p:txBody>
-            <a:bodyPr wrap="square" rtlCol="0">
-              <a:spAutoFit/>
-            </a:bodyPr>
-            <a:lstStyle/>
-            <a:p>
-              <a:pPr algn="ctr"/>
-              <a:r>
-                <a:rPr lang="en-US" sz="1200" b="1" dirty="0">
-                  <a:solidFill>
-                    <a:schemeClr val="bg1"/>
-                  </a:solidFill>
-                  <a:latin typeface="Century Gothic" panose="020B0502020202020204" pitchFamily="34" charset="0"/>
-                </a:rPr>
-                <a:t>URI</a:t>
-              </a:r>
-            </a:p>
-          </p:txBody>
-        </p:sp>
-      </p:grpSp>
-      <p:grpSp>
-        <p:nvGrpSpPr>
-          <p:cNvPr id="22" name="Group 21">
-            <a:extLst>
-              <a:ext uri="{FF2B5EF4-FFF2-40B4-BE49-F238E27FC236}">
-                <a16:creationId xmlns:a16="http://schemas.microsoft.com/office/drawing/2014/main" id="{20FECAE4-2B43-4D78-B1A8-6F83F2C62B1D}"/>
-              </a:ext>
-            </a:extLst>
-          </p:cNvPr>
-          <p:cNvGrpSpPr/>
-          <p:nvPr/>
-        </p:nvGrpSpPr>
-        <p:grpSpPr>
-          <a:xfrm>
-            <a:off x="4424562" y="954447"/>
-            <a:ext cx="1975226" cy="3878114"/>
-            <a:chOff x="177424" y="959686"/>
-            <a:chExt cx="1975226" cy="3878114"/>
-          </a:xfrm>
-          <a:solidFill>
-            <a:srgbClr val="92D050"/>
-          </a:solidFill>
-        </p:grpSpPr>
-        <p:sp>
-          <p:nvSpPr>
-            <p:cNvPr id="23" name="Arrow: Pentagon 6">
-              <a:extLst>
-                <a:ext uri="{FF2B5EF4-FFF2-40B4-BE49-F238E27FC236}">
-                  <a16:creationId xmlns:a16="http://schemas.microsoft.com/office/drawing/2014/main" id="{471644E6-9422-4014-9C25-DB7414CBBABB}"/>
-                </a:ext>
-              </a:extLst>
-            </p:cNvPr>
-            <p:cNvSpPr/>
-            <p:nvPr/>
-          </p:nvSpPr>
-          <p:spPr>
-            <a:xfrm rot="16200000">
-              <a:off x="-774020" y="1911130"/>
-              <a:ext cx="3878114" cy="1975225"/>
-            </a:xfrm>
-            <a:custGeom>
-              <a:avLst/>
-              <a:gdLst>
-                <a:gd name="connsiteX0" fmla="*/ 0 w 3313800"/>
-                <a:gd name="connsiteY0" fmla="*/ 0 h 1394200"/>
-                <a:gd name="connsiteX1" fmla="*/ 2616700 w 3313800"/>
-                <a:gd name="connsiteY1" fmla="*/ 0 h 1394200"/>
-                <a:gd name="connsiteX2" fmla="*/ 3313800 w 3313800"/>
-                <a:gd name="connsiteY2" fmla="*/ 697100 h 1394200"/>
-                <a:gd name="connsiteX3" fmla="*/ 2616700 w 3313800"/>
-                <a:gd name="connsiteY3" fmla="*/ 1394200 h 1394200"/>
-                <a:gd name="connsiteX4" fmla="*/ 0 w 3313800"/>
-                <a:gd name="connsiteY4" fmla="*/ 1394200 h 1394200"/>
-                <a:gd name="connsiteX5" fmla="*/ 0 w 3313800"/>
-                <a:gd name="connsiteY5" fmla="*/ 0 h 1394200"/>
-                <a:gd name="connsiteX0" fmla="*/ 0 w 2875650"/>
-                <a:gd name="connsiteY0" fmla="*/ 0 h 1394200"/>
-                <a:gd name="connsiteX1" fmla="*/ 2616700 w 2875650"/>
-                <a:gd name="connsiteY1" fmla="*/ 0 h 1394200"/>
-                <a:gd name="connsiteX2" fmla="*/ 2875650 w 2875650"/>
-                <a:gd name="connsiteY2" fmla="*/ 706625 h 1394200"/>
-                <a:gd name="connsiteX3" fmla="*/ 2616700 w 2875650"/>
-                <a:gd name="connsiteY3" fmla="*/ 1394200 h 1394200"/>
-                <a:gd name="connsiteX4" fmla="*/ 0 w 2875650"/>
-                <a:gd name="connsiteY4" fmla="*/ 1394200 h 1394200"/>
-                <a:gd name="connsiteX5" fmla="*/ 0 w 2875650"/>
-                <a:gd name="connsiteY5" fmla="*/ 0 h 1394200"/>
-              </a:gdLst>
-              <a:ahLst/>
-              <a:cxnLst>
-                <a:cxn ang="0">
-                  <a:pos x="connsiteX0" y="connsiteY0"/>
-                </a:cxn>
-                <a:cxn ang="0">
-                  <a:pos x="connsiteX1" y="connsiteY1"/>
-                </a:cxn>
-                <a:cxn ang="0">
-                  <a:pos x="connsiteX2" y="connsiteY2"/>
-                </a:cxn>
-                <a:cxn ang="0">
-                  <a:pos x="connsiteX3" y="connsiteY3"/>
-                </a:cxn>
-                <a:cxn ang="0">
-                  <a:pos x="connsiteX4" y="connsiteY4"/>
-                </a:cxn>
-                <a:cxn ang="0">
-                  <a:pos x="connsiteX5" y="connsiteY5"/>
-                </a:cxn>
-              </a:cxnLst>
-              <a:rect l="l" t="t" r="r" b="b"/>
-              <a:pathLst>
-                <a:path w="2875650" h="1394200">
-                  <a:moveTo>
-                    <a:pt x="0" y="0"/>
-                  </a:moveTo>
-                  <a:lnTo>
-                    <a:pt x="2616700" y="0"/>
-                  </a:lnTo>
-                  <a:lnTo>
-                    <a:pt x="2875650" y="706625"/>
-                  </a:lnTo>
-                  <a:lnTo>
-                    <a:pt x="2616700" y="1394200"/>
-                  </a:lnTo>
-                  <a:lnTo>
-                    <a:pt x="0" y="1394200"/>
-                  </a:lnTo>
-                  <a:lnTo>
-                    <a:pt x="0" y="0"/>
-                  </a:lnTo>
-                  <a:close/>
-                </a:path>
-              </a:pathLst>
-            </a:custGeom>
-            <a:solidFill>
-              <a:srgbClr val="7030A0"/>
-            </a:solidFill>
-            <a:ln>
-              <a:noFill/>
-            </a:ln>
-          </p:spPr>
-          <p:style>
-            <a:lnRef idx="0">
-              <a:scrgbClr r="0" g="0" b="0"/>
-            </a:lnRef>
-            <a:fillRef idx="0">
-              <a:scrgbClr r="0" g="0" b="0"/>
-            </a:fillRef>
-            <a:effectRef idx="0">
-              <a:scrgbClr r="0" g="0" b="0"/>
-            </a:effectRef>
-            <a:fontRef idx="minor">
-              <a:schemeClr val="lt1"/>
-            </a:fontRef>
-          </p:style>
-          <p:txBody>
-            <a:bodyPr rtlCol="0" anchor="ctr"/>
-            <a:lstStyle/>
-            <a:p>
-              <a:pPr algn="ctr"/>
-              <a:endParaRPr lang="en-US"/>
-            </a:p>
-          </p:txBody>
-        </p:sp>
-        <p:sp>
-          <p:nvSpPr>
-            <p:cNvPr id="24" name="Rectangle 23">
-              <a:extLst>
-                <a:ext uri="{FF2B5EF4-FFF2-40B4-BE49-F238E27FC236}">
-                  <a16:creationId xmlns:a16="http://schemas.microsoft.com/office/drawing/2014/main" id="{E8348540-A5C0-4B0D-8C59-5A060BF5E28D}"/>
-                </a:ext>
-              </a:extLst>
-            </p:cNvPr>
-            <p:cNvSpPr/>
-            <p:nvPr/>
-          </p:nvSpPr>
-          <p:spPr>
-            <a:xfrm>
-              <a:off x="177424" y="1666876"/>
-              <a:ext cx="1975226" cy="3028950"/>
-            </a:xfrm>
-            <a:prstGeom prst="rect">
-              <a:avLst/>
-            </a:prstGeom>
-            <a:solidFill>
-              <a:schemeClr val="bg1"/>
-            </a:solidFill>
-            <a:ln>
-              <a:noFill/>
-            </a:ln>
-          </p:spPr>
-          <p:style>
-            <a:lnRef idx="2">
-              <a:schemeClr val="accent1">
-                <a:shade val="50000"/>
-              </a:schemeClr>
-            </a:lnRef>
-            <a:fillRef idx="1001">
-              <a:schemeClr val="lt1"/>
-            </a:fillRef>
-            <a:effectRef idx="0">
-              <a:schemeClr val="accent1"/>
-            </a:effectRef>
-            <a:fontRef idx="minor">
-              <a:schemeClr val="lt1"/>
-            </a:fontRef>
-          </p:style>
-          <p:txBody>
-            <a:bodyPr rtlCol="0" anchor="ctr"/>
-            <a:lstStyle/>
-            <a:p>
-              <a:pPr algn="l"/>
-              <a:endParaRPr lang="pt-BR" sz="1200" b="0" i="0" dirty="0">
-                <a:solidFill>
-                  <a:srgbClr val="666666"/>
-                </a:solidFill>
-                <a:effectLst/>
-                <a:latin typeface="Century Gothic" panose="020B0502020202020204" pitchFamily="34" charset="0"/>
-              </a:endParaRPr>
-            </a:p>
-            <a:p>
-              <a:pPr algn="l"/>
-              <a:endParaRPr lang="pt-BR" sz="1200" dirty="0">
-                <a:solidFill>
-                  <a:srgbClr val="666666"/>
-                </a:solidFill>
-                <a:latin typeface="Century Gothic" panose="020B0502020202020204" pitchFamily="34" charset="0"/>
-              </a:endParaRPr>
-            </a:p>
-            <a:p>
-              <a:pPr algn="l"/>
-              <a:endParaRPr lang="pt-BR" sz="1200" b="0" i="0" dirty="0">
-                <a:solidFill>
-                  <a:srgbClr val="666666"/>
-                </a:solidFill>
-                <a:effectLst/>
-                <a:latin typeface="Century Gothic" panose="020B0502020202020204" pitchFamily="34" charset="0"/>
-              </a:endParaRPr>
-            </a:p>
-            <a:p>
-              <a:pPr algn="l"/>
-              <a:r>
-                <a:rPr lang="pt-BR" sz="1200" b="0" i="0" dirty="0">
+          </p:grpSpPr>
+          <p:sp>
+            <p:nvSpPr>
+              <p:cNvPr id="28" name="Arrow: Pentagon 6">
+                <a:extLst>
+                  <a:ext uri="{FF2B5EF4-FFF2-40B4-BE49-F238E27FC236}">
+                    <a16:creationId xmlns:a16="http://schemas.microsoft.com/office/drawing/2014/main" id="{41DEFF18-254A-4232-9DF1-6847DAE911B5}"/>
+                  </a:ext>
+                </a:extLst>
+              </p:cNvPr>
+              <p:cNvSpPr/>
+              <p:nvPr/>
+            </p:nvSpPr>
+            <p:spPr>
+              <a:xfrm rot="16200000">
+                <a:off x="-774020" y="1911130"/>
+                <a:ext cx="3878114" cy="1975225"/>
+              </a:xfrm>
+              <a:custGeom>
+                <a:avLst/>
+                <a:gdLst>
+                  <a:gd name="connsiteX0" fmla="*/ 0 w 3313800"/>
+                  <a:gd name="connsiteY0" fmla="*/ 0 h 1394200"/>
+                  <a:gd name="connsiteX1" fmla="*/ 2616700 w 3313800"/>
+                  <a:gd name="connsiteY1" fmla="*/ 0 h 1394200"/>
+                  <a:gd name="connsiteX2" fmla="*/ 3313800 w 3313800"/>
+                  <a:gd name="connsiteY2" fmla="*/ 697100 h 1394200"/>
+                  <a:gd name="connsiteX3" fmla="*/ 2616700 w 3313800"/>
+                  <a:gd name="connsiteY3" fmla="*/ 1394200 h 1394200"/>
+                  <a:gd name="connsiteX4" fmla="*/ 0 w 3313800"/>
+                  <a:gd name="connsiteY4" fmla="*/ 1394200 h 1394200"/>
+                  <a:gd name="connsiteX5" fmla="*/ 0 w 3313800"/>
+                  <a:gd name="connsiteY5" fmla="*/ 0 h 1394200"/>
+                  <a:gd name="connsiteX0" fmla="*/ 0 w 2875650"/>
+                  <a:gd name="connsiteY0" fmla="*/ 0 h 1394200"/>
+                  <a:gd name="connsiteX1" fmla="*/ 2616700 w 2875650"/>
+                  <a:gd name="connsiteY1" fmla="*/ 0 h 1394200"/>
+                  <a:gd name="connsiteX2" fmla="*/ 2875650 w 2875650"/>
+                  <a:gd name="connsiteY2" fmla="*/ 706625 h 1394200"/>
+                  <a:gd name="connsiteX3" fmla="*/ 2616700 w 2875650"/>
+                  <a:gd name="connsiteY3" fmla="*/ 1394200 h 1394200"/>
+                  <a:gd name="connsiteX4" fmla="*/ 0 w 2875650"/>
+                  <a:gd name="connsiteY4" fmla="*/ 1394200 h 1394200"/>
+                  <a:gd name="connsiteX5" fmla="*/ 0 w 2875650"/>
+                  <a:gd name="connsiteY5" fmla="*/ 0 h 1394200"/>
+                </a:gdLst>
+                <a:ahLst/>
+                <a:cxnLst>
+                  <a:cxn ang="0">
+                    <a:pos x="connsiteX0" y="connsiteY0"/>
+                  </a:cxn>
+                  <a:cxn ang="0">
+                    <a:pos x="connsiteX1" y="connsiteY1"/>
+                  </a:cxn>
+                  <a:cxn ang="0">
+                    <a:pos x="connsiteX2" y="connsiteY2"/>
+                  </a:cxn>
+                  <a:cxn ang="0">
+                    <a:pos x="connsiteX3" y="connsiteY3"/>
+                  </a:cxn>
+                  <a:cxn ang="0">
+                    <a:pos x="connsiteX4" y="connsiteY4"/>
+                  </a:cxn>
+                  <a:cxn ang="0">
+                    <a:pos x="connsiteX5" y="connsiteY5"/>
+                  </a:cxn>
+                </a:cxnLst>
+                <a:rect l="l" t="t" r="r" b="b"/>
+                <a:pathLst>
+                  <a:path w="2875650" h="1394200">
+                    <a:moveTo>
+                      <a:pt x="0" y="0"/>
+                    </a:moveTo>
+                    <a:lnTo>
+                      <a:pt x="2616700" y="0"/>
+                    </a:lnTo>
+                    <a:lnTo>
+                      <a:pt x="2875650" y="706625"/>
+                    </a:lnTo>
+                    <a:lnTo>
+                      <a:pt x="2616700" y="1394200"/>
+                    </a:lnTo>
+                    <a:lnTo>
+                      <a:pt x="0" y="1394200"/>
+                    </a:lnTo>
+                    <a:lnTo>
+                      <a:pt x="0" y="0"/>
+                    </a:lnTo>
+                    <a:close/>
+                  </a:path>
+                </a:pathLst>
+              </a:custGeom>
+              <a:solidFill>
+                <a:srgbClr val="00B0F0"/>
+              </a:solidFill>
+              <a:ln>
+                <a:noFill/>
+              </a:ln>
+            </p:spPr>
+            <p:style>
+              <a:lnRef idx="0">
+                <a:scrgbClr r="0" g="0" b="0"/>
+              </a:lnRef>
+              <a:fillRef idx="0">
+                <a:scrgbClr r="0" g="0" b="0"/>
+              </a:fillRef>
+              <a:effectRef idx="0">
+                <a:scrgbClr r="0" g="0" b="0"/>
+              </a:effectRef>
+              <a:fontRef idx="minor">
+                <a:schemeClr val="lt1"/>
+              </a:fontRef>
+            </p:style>
+            <p:txBody>
+              <a:bodyPr rtlCol="0" anchor="ctr"/>
+              <a:lstStyle/>
+              <a:p>
+                <a:pPr algn="ctr"/>
+                <a:endParaRPr lang="en-US"/>
+              </a:p>
+            </p:txBody>
+          </p:sp>
+          <p:sp>
+            <p:nvSpPr>
+              <p:cNvPr id="29" name="Rectangle 28">
+                <a:extLst>
+                  <a:ext uri="{FF2B5EF4-FFF2-40B4-BE49-F238E27FC236}">
+                    <a16:creationId xmlns:a16="http://schemas.microsoft.com/office/drawing/2014/main" id="{78D62420-B5A4-49C7-A1AB-B90ED6823014}"/>
+                  </a:ext>
+                </a:extLst>
+              </p:cNvPr>
+              <p:cNvSpPr/>
+              <p:nvPr/>
+            </p:nvSpPr>
+            <p:spPr>
+              <a:xfrm>
+                <a:off x="177424" y="1666876"/>
+                <a:ext cx="1975226" cy="3028950"/>
+              </a:xfrm>
+              <a:prstGeom prst="rect">
+                <a:avLst/>
+              </a:prstGeom>
+              <a:ln>
+                <a:noFill/>
+              </a:ln>
+            </p:spPr>
+            <p:style>
+              <a:lnRef idx="2">
+                <a:schemeClr val="accent1">
+                  <a:shade val="50000"/>
+                </a:schemeClr>
+              </a:lnRef>
+              <a:fillRef idx="1001">
+                <a:schemeClr val="lt1"/>
+              </a:fillRef>
+              <a:effectRef idx="0">
+                <a:schemeClr val="accent1"/>
+              </a:effectRef>
+              <a:fontRef idx="minor">
+                <a:schemeClr val="lt1"/>
+              </a:fontRef>
+            </p:style>
+            <p:txBody>
+              <a:bodyPr rtlCol="0" anchor="ctr"/>
+              <a:lstStyle/>
+              <a:p>
+                <a:pPr algn="l"/>
+                <a:endParaRPr lang="pt-BR" sz="900" b="0" i="0">
                   <a:solidFill>
                     <a:srgbClr val="666666"/>
                   </a:solidFill>
                   <a:effectLst/>
                   <a:latin typeface="Century Gothic" panose="020B0502020202020204" pitchFamily="34" charset="0"/>
-                </a:rPr>
-                <a:t>O nível dois de maturidade faz o uso eficiente de URIs e verbos HTTP.</a:t>
-              </a:r>
-            </a:p>
-            <a:p>
-              <a:r>
-                <a:rPr lang="pt-BR" sz="1200" b="0" i="0" dirty="0">
+                </a:endParaRPr>
+              </a:p>
+              <a:p>
+                <a:pPr algn="l"/>
+                <a:endParaRPr lang="pt-BR" sz="1000" b="0" i="0">
                   <a:solidFill>
                     <a:srgbClr val="666666"/>
                   </a:solidFill>
                   <a:effectLst/>
                   <a:latin typeface="Century Gothic" panose="020B0502020202020204" pitchFamily="34" charset="0"/>
-                </a:rPr>
-                <a:t>A API suporta os diversos verbos HTTP:</a:t>
-              </a:r>
-            </a:p>
-            <a:p>
-              <a:pPr algn="l"/>
-              <a:endParaRPr lang="pt-BR" sz="1200" b="0" i="0" dirty="0">
-                <a:solidFill>
-                  <a:srgbClr val="666666"/>
-                </a:solidFill>
-                <a:effectLst/>
-                <a:latin typeface="Century Gothic" panose="020B0502020202020204" pitchFamily="34" charset="0"/>
-              </a:endParaRPr>
-            </a:p>
-            <a:p>
-              <a:pPr algn="l"/>
-              <a:r>
-                <a:rPr lang="pt-BR" sz="1200" b="0" i="0" dirty="0">
+                </a:endParaRPr>
+              </a:p>
+              <a:p>
+                <a:pPr algn="l"/>
+                <a:endParaRPr lang="pt-BR" sz="1000">
+                  <a:solidFill>
+                    <a:srgbClr val="666666"/>
+                  </a:solidFill>
+                  <a:latin typeface="Century Gothic" panose="020B0502020202020204" pitchFamily="34" charset="0"/>
+                </a:endParaRPr>
+              </a:p>
+              <a:p>
+                <a:pPr algn="l"/>
+                <a:endParaRPr lang="pt-BR" sz="1000" b="0" i="0">
                   <a:solidFill>
                     <a:srgbClr val="666666"/>
                   </a:solidFill>
                   <a:effectLst/>
                   <a:latin typeface="Century Gothic" panose="020B0502020202020204" pitchFamily="34" charset="0"/>
-                </a:rPr>
-                <a:t>POST - Criar</a:t>
-              </a:r>
-            </a:p>
-            <a:p>
-              <a:pPr algn="l"/>
-              <a:r>
-                <a:rPr lang="pt-BR" sz="1200" b="0" i="0" dirty="0">
+                </a:endParaRPr>
+              </a:p>
+              <a:p>
+                <a:pPr algn="just"/>
+                <a:r>
+                  <a:rPr lang="pt-BR" sz="1000" b="0" i="0">
+                    <a:solidFill>
+                      <a:srgbClr val="666666"/>
+                    </a:solidFill>
+                    <a:effectLst/>
+                    <a:latin typeface="Century Gothic" panose="020B0502020202020204" pitchFamily="34" charset="0"/>
+                  </a:rPr>
+                  <a:t>O nível três de maturidade faz o uso eficiente dos três fatores. URIs, HTTP e HATEOAS (é uma “maneira” de implementar APIs REST utilizando hipermídia para indicar que ações ou navegações estão disponíveis para um determinado recurso).</a:t>
+                </a:r>
+              </a:p>
+              <a:p>
+                <a:pPr algn="l"/>
+                <a:r>
+                  <a:rPr lang="pt-BR" sz="1000" b="0" i="0">
+                    <a:solidFill>
+                      <a:srgbClr val="666666"/>
+                    </a:solidFill>
+                    <a:effectLst/>
+                    <a:latin typeface="Century Gothic" panose="020B0502020202020204" pitchFamily="34" charset="0"/>
+                  </a:rPr>
+                  <a:t>O objetivo dos controles hipermídia é que eles nos digam o que podemos fazer a seguir e o URI do recurso que precisamos manipular para fazê-lo.</a:t>
+                </a:r>
+              </a:p>
+              <a:p>
+                <a:pPr algn="l"/>
+                <a:endParaRPr lang="pt-BR" sz="900" b="0" i="0">
                   <a:solidFill>
                     <a:srgbClr val="666666"/>
                   </a:solidFill>
                   <a:effectLst/>
                   <a:latin typeface="Century Gothic" panose="020B0502020202020204" pitchFamily="34" charset="0"/>
-                </a:rPr>
-                <a:t>GET - Ler</a:t>
-              </a:r>
-            </a:p>
-            <a:p>
-              <a:pPr algn="l"/>
-              <a:r>
-                <a:rPr lang="pt-BR" sz="1200" b="0" i="0" dirty="0">
-                  <a:solidFill>
-                    <a:srgbClr val="666666"/>
-                  </a:solidFill>
-                  <a:effectLst/>
+                </a:endParaRPr>
+              </a:p>
+              <a:p>
+                <a:pPr algn="ctr"/>
+                <a:endParaRPr lang="en-US" sz="900">
                   <a:latin typeface="Century Gothic" panose="020B0502020202020204" pitchFamily="34" charset="0"/>
-                </a:rPr>
-                <a:t>PUT - Atualizar</a:t>
-              </a:r>
-            </a:p>
-            <a:p>
-              <a:pPr algn="l"/>
-              <a:r>
-                <a:rPr lang="pt-BR" sz="1200" b="0" i="0" dirty="0">
-                  <a:solidFill>
-                    <a:srgbClr val="666666"/>
-                  </a:solidFill>
-                  <a:effectLst/>
-                  <a:latin typeface="Century Gothic" panose="020B0502020202020204" pitchFamily="34" charset="0"/>
-                </a:rPr>
-                <a:t>DELETE - Excluir</a:t>
-              </a:r>
-            </a:p>
-            <a:p>
-              <a:pPr algn="l"/>
-              <a:r>
-                <a:rPr lang="pt-BR" sz="1200" b="0" i="0" dirty="0">
-                  <a:solidFill>
-                    <a:srgbClr val="666666"/>
-                  </a:solidFill>
-                  <a:effectLst/>
-                  <a:latin typeface="Century Gothic" panose="020B0502020202020204" pitchFamily="34" charset="0"/>
-                </a:rPr>
-                <a:t>PATCH - Atualizar parcialmente</a:t>
-              </a:r>
-            </a:p>
-            <a:p>
-              <a:pPr algn="ctr"/>
-              <a:endParaRPr lang="en-US" sz="1200" dirty="0">
-                <a:latin typeface="Century Gothic" panose="020B0502020202020204" pitchFamily="34" charset="0"/>
-              </a:endParaRPr>
-            </a:p>
-          </p:txBody>
-        </p:sp>
-        <p:sp>
-          <p:nvSpPr>
-            <p:cNvPr id="25" name="TextBox 24">
-              <a:extLst>
-                <a:ext uri="{FF2B5EF4-FFF2-40B4-BE49-F238E27FC236}">
-                  <a16:creationId xmlns:a16="http://schemas.microsoft.com/office/drawing/2014/main" id="{32AC68C5-BCDC-4297-A2B4-7223B04494D9}"/>
-                </a:ext>
-              </a:extLst>
-            </p:cNvPr>
-            <p:cNvSpPr txBox="1"/>
-            <p:nvPr/>
-          </p:nvSpPr>
-          <p:spPr>
-            <a:xfrm>
-              <a:off x="513423" y="1752600"/>
-              <a:ext cx="1248701" cy="400110"/>
-            </a:xfrm>
-            <a:prstGeom prst="rect">
-              <a:avLst/>
-            </a:prstGeom>
-            <a:solidFill>
-              <a:schemeClr val="bg1"/>
-            </a:solidFill>
-          </p:spPr>
-          <p:txBody>
-            <a:bodyPr wrap="square" rtlCol="0">
-              <a:spAutoFit/>
-            </a:bodyPr>
-            <a:lstStyle/>
-            <a:p>
-              <a:pPr algn="ctr"/>
-              <a:r>
-                <a:rPr lang="en-US" sz="2000" b="1" dirty="0">
-                  <a:solidFill>
-                    <a:schemeClr val="bg1">
-                      <a:lumMod val="50000"/>
-                    </a:schemeClr>
-                  </a:solidFill>
-                </a:rPr>
-                <a:t>Level 2</a:t>
-              </a:r>
-            </a:p>
-          </p:txBody>
-        </p:sp>
-        <p:sp>
-          <p:nvSpPr>
-            <p:cNvPr id="26" name="TextBox 25">
-              <a:extLst>
-                <a:ext uri="{FF2B5EF4-FFF2-40B4-BE49-F238E27FC236}">
-                  <a16:creationId xmlns:a16="http://schemas.microsoft.com/office/drawing/2014/main" id="{3EC5F3E5-2355-424E-973D-3F68FD8EE108}"/>
-                </a:ext>
-              </a:extLst>
-            </p:cNvPr>
-            <p:cNvSpPr txBox="1"/>
-            <p:nvPr/>
-          </p:nvSpPr>
-          <p:spPr>
-            <a:xfrm>
-              <a:off x="308835" y="1248073"/>
-              <a:ext cx="1701714" cy="276999"/>
-            </a:xfrm>
-            <a:prstGeom prst="rect">
-              <a:avLst/>
-            </a:prstGeom>
-            <a:solidFill>
-              <a:srgbClr val="7030A0"/>
-            </a:solidFill>
-          </p:spPr>
-          <p:txBody>
-            <a:bodyPr wrap="square" rtlCol="0">
-              <a:spAutoFit/>
-            </a:bodyPr>
-            <a:lstStyle/>
-            <a:p>
-              <a:pPr algn="ctr"/>
-              <a:r>
-                <a:rPr lang="en-US" sz="1200" b="1" dirty="0">
-                  <a:solidFill>
-                    <a:schemeClr val="bg1"/>
-                  </a:solidFill>
-                  <a:latin typeface="Century Gothic" panose="020B0502020202020204" pitchFamily="34" charset="0"/>
-                </a:rPr>
-                <a:t>HTTP</a:t>
-              </a:r>
-            </a:p>
-          </p:txBody>
-        </p:sp>
-      </p:grpSp>
-      <p:grpSp>
-        <p:nvGrpSpPr>
-          <p:cNvPr id="27" name="Group 26">
-            <a:extLst>
-              <a:ext uri="{FF2B5EF4-FFF2-40B4-BE49-F238E27FC236}">
-                <a16:creationId xmlns:a16="http://schemas.microsoft.com/office/drawing/2014/main" id="{FA167472-1710-4B28-A437-BF6B2B7A24E8}"/>
-              </a:ext>
-            </a:extLst>
-          </p:cNvPr>
-          <p:cNvGrpSpPr/>
-          <p:nvPr/>
-        </p:nvGrpSpPr>
-        <p:grpSpPr>
-          <a:xfrm>
-            <a:off x="6565063" y="954447"/>
-            <a:ext cx="1975226" cy="3878114"/>
-            <a:chOff x="177424" y="959686"/>
-            <a:chExt cx="1975226" cy="3878114"/>
-          </a:xfrm>
-        </p:grpSpPr>
-        <p:sp>
-          <p:nvSpPr>
-            <p:cNvPr id="28" name="Arrow: Pentagon 6">
-              <a:extLst>
-                <a:ext uri="{FF2B5EF4-FFF2-40B4-BE49-F238E27FC236}">
-                  <a16:creationId xmlns:a16="http://schemas.microsoft.com/office/drawing/2014/main" id="{41DEFF18-254A-4232-9DF1-6847DAE911B5}"/>
-                </a:ext>
-              </a:extLst>
-            </p:cNvPr>
-            <p:cNvSpPr/>
-            <p:nvPr/>
-          </p:nvSpPr>
-          <p:spPr>
-            <a:xfrm rot="16200000">
-              <a:off x="-774020" y="1911130"/>
-              <a:ext cx="3878114" cy="1975225"/>
-            </a:xfrm>
-            <a:custGeom>
-              <a:avLst/>
-              <a:gdLst>
-                <a:gd name="connsiteX0" fmla="*/ 0 w 3313800"/>
-                <a:gd name="connsiteY0" fmla="*/ 0 h 1394200"/>
-                <a:gd name="connsiteX1" fmla="*/ 2616700 w 3313800"/>
-                <a:gd name="connsiteY1" fmla="*/ 0 h 1394200"/>
-                <a:gd name="connsiteX2" fmla="*/ 3313800 w 3313800"/>
-                <a:gd name="connsiteY2" fmla="*/ 697100 h 1394200"/>
-                <a:gd name="connsiteX3" fmla="*/ 2616700 w 3313800"/>
-                <a:gd name="connsiteY3" fmla="*/ 1394200 h 1394200"/>
-                <a:gd name="connsiteX4" fmla="*/ 0 w 3313800"/>
-                <a:gd name="connsiteY4" fmla="*/ 1394200 h 1394200"/>
-                <a:gd name="connsiteX5" fmla="*/ 0 w 3313800"/>
-                <a:gd name="connsiteY5" fmla="*/ 0 h 1394200"/>
-                <a:gd name="connsiteX0" fmla="*/ 0 w 2875650"/>
-                <a:gd name="connsiteY0" fmla="*/ 0 h 1394200"/>
-                <a:gd name="connsiteX1" fmla="*/ 2616700 w 2875650"/>
-                <a:gd name="connsiteY1" fmla="*/ 0 h 1394200"/>
-                <a:gd name="connsiteX2" fmla="*/ 2875650 w 2875650"/>
-                <a:gd name="connsiteY2" fmla="*/ 706625 h 1394200"/>
-                <a:gd name="connsiteX3" fmla="*/ 2616700 w 2875650"/>
-                <a:gd name="connsiteY3" fmla="*/ 1394200 h 1394200"/>
-                <a:gd name="connsiteX4" fmla="*/ 0 w 2875650"/>
-                <a:gd name="connsiteY4" fmla="*/ 1394200 h 1394200"/>
-                <a:gd name="connsiteX5" fmla="*/ 0 w 2875650"/>
-                <a:gd name="connsiteY5" fmla="*/ 0 h 1394200"/>
-              </a:gdLst>
-              <a:ahLst/>
-              <a:cxnLst>
-                <a:cxn ang="0">
-                  <a:pos x="connsiteX0" y="connsiteY0"/>
-                </a:cxn>
-                <a:cxn ang="0">
-                  <a:pos x="connsiteX1" y="connsiteY1"/>
-                </a:cxn>
-                <a:cxn ang="0">
-                  <a:pos x="connsiteX2" y="connsiteY2"/>
-                </a:cxn>
-                <a:cxn ang="0">
-                  <a:pos x="connsiteX3" y="connsiteY3"/>
-                </a:cxn>
-                <a:cxn ang="0">
-                  <a:pos x="connsiteX4" y="connsiteY4"/>
-                </a:cxn>
-                <a:cxn ang="0">
-                  <a:pos x="connsiteX5" y="connsiteY5"/>
-                </a:cxn>
-              </a:cxnLst>
-              <a:rect l="l" t="t" r="r" b="b"/>
-              <a:pathLst>
-                <a:path w="2875650" h="1394200">
-                  <a:moveTo>
-                    <a:pt x="0" y="0"/>
-                  </a:moveTo>
-                  <a:lnTo>
-                    <a:pt x="2616700" y="0"/>
-                  </a:lnTo>
-                  <a:lnTo>
-                    <a:pt x="2875650" y="706625"/>
-                  </a:lnTo>
-                  <a:lnTo>
-                    <a:pt x="2616700" y="1394200"/>
-                  </a:lnTo>
-                  <a:lnTo>
-                    <a:pt x="0" y="1394200"/>
-                  </a:lnTo>
-                  <a:lnTo>
-                    <a:pt x="0" y="0"/>
-                  </a:lnTo>
-                  <a:close/>
-                </a:path>
-              </a:pathLst>
-            </a:custGeom>
-            <a:solidFill>
-              <a:srgbClr val="00B0F0"/>
-            </a:solidFill>
-            <a:ln>
+                </a:endParaRPr>
+              </a:p>
+            </p:txBody>
+          </p:sp>
+          <p:sp>
+            <p:nvSpPr>
+              <p:cNvPr id="30" name="TextBox 29">
+                <a:extLst>
+                  <a:ext uri="{FF2B5EF4-FFF2-40B4-BE49-F238E27FC236}">
+                    <a16:creationId xmlns:a16="http://schemas.microsoft.com/office/drawing/2014/main" id="{4A42E317-37F9-49DD-9823-9D2EFF16551F}"/>
+                  </a:ext>
+                </a:extLst>
+              </p:cNvPr>
+              <p:cNvSpPr txBox="1"/>
+              <p:nvPr/>
+            </p:nvSpPr>
+            <p:spPr>
+              <a:xfrm>
+                <a:off x="513423" y="1752600"/>
+                <a:ext cx="1248701" cy="400110"/>
+              </a:xfrm>
+              <a:prstGeom prst="rect">
+                <a:avLst/>
+              </a:prstGeom>
               <a:noFill/>
-            </a:ln>
-          </p:spPr>
-          <p:style>
-            <a:lnRef idx="0">
-              <a:scrgbClr r="0" g="0" b="0"/>
-            </a:lnRef>
-            <a:fillRef idx="0">
-              <a:scrgbClr r="0" g="0" b="0"/>
-            </a:fillRef>
-            <a:effectRef idx="0">
-              <a:scrgbClr r="0" g="0" b="0"/>
-            </a:effectRef>
-            <a:fontRef idx="minor">
-              <a:schemeClr val="lt1"/>
-            </a:fontRef>
-          </p:style>
-          <p:txBody>
-            <a:bodyPr rtlCol="0" anchor="ctr"/>
-            <a:lstStyle/>
-            <a:p>
-              <a:pPr algn="ctr"/>
-              <a:endParaRPr lang="en-US"/>
-            </a:p>
-          </p:txBody>
-        </p:sp>
-        <p:sp>
-          <p:nvSpPr>
-            <p:cNvPr id="29" name="Rectangle 28">
-              <a:extLst>
-                <a:ext uri="{FF2B5EF4-FFF2-40B4-BE49-F238E27FC236}">
-                  <a16:creationId xmlns:a16="http://schemas.microsoft.com/office/drawing/2014/main" id="{78D62420-B5A4-49C7-A1AB-B90ED6823014}"/>
-                </a:ext>
-              </a:extLst>
-            </p:cNvPr>
-            <p:cNvSpPr/>
-            <p:nvPr/>
-          </p:nvSpPr>
-          <p:spPr>
-            <a:xfrm>
-              <a:off x="177424" y="1666876"/>
-              <a:ext cx="1975226" cy="3028950"/>
-            </a:xfrm>
-            <a:prstGeom prst="rect">
-              <a:avLst/>
-            </a:prstGeom>
-            <a:ln>
+            </p:spPr>
+            <p:txBody>
+              <a:bodyPr wrap="square" rtlCol="0">
+                <a:spAutoFit/>
+              </a:bodyPr>
+              <a:lstStyle/>
+              <a:p>
+                <a:pPr algn="ctr"/>
+                <a:r>
+                  <a:rPr lang="en-US" sz="2000" b="1">
+                    <a:solidFill>
+                      <a:schemeClr val="bg1">
+                        <a:lumMod val="50000"/>
+                      </a:schemeClr>
+                    </a:solidFill>
+                  </a:rPr>
+                  <a:t>Level 3</a:t>
+                </a:r>
+              </a:p>
+            </p:txBody>
+          </p:sp>
+          <p:sp>
+            <p:nvSpPr>
+              <p:cNvPr id="31" name="TextBox 30">
+                <a:extLst>
+                  <a:ext uri="{FF2B5EF4-FFF2-40B4-BE49-F238E27FC236}">
+                    <a16:creationId xmlns:a16="http://schemas.microsoft.com/office/drawing/2014/main" id="{BB2B65F2-7C02-4452-9908-D51F73D68E52}"/>
+                  </a:ext>
+                </a:extLst>
+              </p:cNvPr>
+              <p:cNvSpPr txBox="1"/>
+              <p:nvPr/>
+            </p:nvSpPr>
+            <p:spPr>
+              <a:xfrm>
+                <a:off x="308835" y="1248073"/>
+                <a:ext cx="1701714" cy="276999"/>
+              </a:xfrm>
+              <a:prstGeom prst="rect">
+                <a:avLst/>
+              </a:prstGeom>
               <a:noFill/>
-            </a:ln>
-          </p:spPr>
-          <p:style>
-            <a:lnRef idx="2">
-              <a:schemeClr val="accent1">
-                <a:shade val="50000"/>
-              </a:schemeClr>
-            </a:lnRef>
-            <a:fillRef idx="1001">
-              <a:schemeClr val="lt1"/>
-            </a:fillRef>
-            <a:effectRef idx="0">
-              <a:schemeClr val="accent1"/>
-            </a:effectRef>
-            <a:fontRef idx="minor">
-              <a:schemeClr val="lt1"/>
-            </a:fontRef>
-          </p:style>
-          <p:txBody>
-            <a:bodyPr rtlCol="0" anchor="ctr"/>
-            <a:lstStyle/>
-            <a:p>
-              <a:pPr algn="l"/>
-              <a:endParaRPr lang="pt-BR" sz="900" b="0" i="0" dirty="0">
-                <a:solidFill>
-                  <a:srgbClr val="666666"/>
-                </a:solidFill>
-                <a:effectLst/>
-                <a:latin typeface="Century Gothic" panose="020B0502020202020204" pitchFamily="34" charset="0"/>
-              </a:endParaRPr>
-            </a:p>
-            <a:p>
-              <a:pPr algn="l"/>
-              <a:endParaRPr lang="pt-BR" sz="1000" b="0" i="0" dirty="0">
-                <a:solidFill>
-                  <a:srgbClr val="666666"/>
-                </a:solidFill>
-                <a:effectLst/>
-                <a:latin typeface="Century Gothic" panose="020B0502020202020204" pitchFamily="34" charset="0"/>
-              </a:endParaRPr>
-            </a:p>
-            <a:p>
-              <a:pPr algn="l"/>
-              <a:endParaRPr lang="pt-BR" sz="1000" dirty="0">
-                <a:solidFill>
-                  <a:srgbClr val="666666"/>
-                </a:solidFill>
-                <a:latin typeface="Century Gothic" panose="020B0502020202020204" pitchFamily="34" charset="0"/>
-              </a:endParaRPr>
-            </a:p>
-            <a:p>
-              <a:pPr algn="l"/>
-              <a:endParaRPr lang="pt-BR" sz="1000" b="0" i="0" dirty="0">
-                <a:solidFill>
-                  <a:srgbClr val="666666"/>
-                </a:solidFill>
-                <a:effectLst/>
-                <a:latin typeface="Century Gothic" panose="020B0502020202020204" pitchFamily="34" charset="0"/>
-              </a:endParaRPr>
-            </a:p>
-            <a:p>
-              <a:pPr algn="just"/>
-              <a:r>
-                <a:rPr lang="pt-BR" sz="1000" b="0" i="0" dirty="0">
-                  <a:solidFill>
-                    <a:srgbClr val="666666"/>
-                  </a:solidFill>
-                  <a:effectLst/>
-                  <a:latin typeface="Century Gothic" panose="020B0502020202020204" pitchFamily="34" charset="0"/>
-                </a:rPr>
-                <a:t>O nível três de maturidade faz o uso eficiente dos três fatores. URIs, HTTP e HATEOAS (é uma “maneira” de implementar APIs REST utilizando hipermídia para indicar que ações ou navegações estão disponíveis para um determinado recurso).</a:t>
-              </a:r>
-            </a:p>
-            <a:p>
-              <a:pPr algn="l"/>
-              <a:r>
-                <a:rPr lang="pt-BR" sz="1000" b="0" i="0" dirty="0">
-                  <a:solidFill>
-                    <a:srgbClr val="666666"/>
-                  </a:solidFill>
-                  <a:effectLst/>
-                  <a:latin typeface="Century Gothic" panose="020B0502020202020204" pitchFamily="34" charset="0"/>
-                </a:rPr>
-                <a:t>O objetivo dos controles hipermídia é que eles nos digam o que podemos fazer a seguir e o URI do recurso que precisamos manipular para fazê-lo.</a:t>
-              </a:r>
-            </a:p>
-            <a:p>
-              <a:pPr algn="l"/>
-              <a:endParaRPr lang="pt-BR" sz="900" b="0" i="0" dirty="0">
-                <a:solidFill>
-                  <a:srgbClr val="666666"/>
-                </a:solidFill>
-                <a:effectLst/>
-                <a:latin typeface="Century Gothic" panose="020B0502020202020204" pitchFamily="34" charset="0"/>
-              </a:endParaRPr>
-            </a:p>
-            <a:p>
-              <a:pPr algn="ctr"/>
-              <a:endParaRPr lang="en-US" sz="900" dirty="0">
-                <a:latin typeface="Century Gothic" panose="020B0502020202020204" pitchFamily="34" charset="0"/>
-              </a:endParaRPr>
-            </a:p>
-          </p:txBody>
-        </p:sp>
-        <p:sp>
-          <p:nvSpPr>
-            <p:cNvPr id="30" name="TextBox 29">
-              <a:extLst>
-                <a:ext uri="{FF2B5EF4-FFF2-40B4-BE49-F238E27FC236}">
-                  <a16:creationId xmlns:a16="http://schemas.microsoft.com/office/drawing/2014/main" id="{4A42E317-37F9-49DD-9823-9D2EFF16551F}"/>
-                </a:ext>
-              </a:extLst>
-            </p:cNvPr>
-            <p:cNvSpPr txBox="1"/>
-            <p:nvPr/>
-          </p:nvSpPr>
-          <p:spPr>
-            <a:xfrm>
-              <a:off x="513423" y="1752600"/>
-              <a:ext cx="1248701" cy="400110"/>
-            </a:xfrm>
-            <a:prstGeom prst="rect">
-              <a:avLst/>
-            </a:prstGeom>
-            <a:noFill/>
-          </p:spPr>
-          <p:txBody>
-            <a:bodyPr wrap="square" rtlCol="0">
-              <a:spAutoFit/>
-            </a:bodyPr>
-            <a:lstStyle/>
-            <a:p>
-              <a:pPr algn="ctr"/>
-              <a:r>
-                <a:rPr lang="en-US" sz="2000" b="1" dirty="0">
-                  <a:solidFill>
-                    <a:schemeClr val="bg1">
-                      <a:lumMod val="50000"/>
-                    </a:schemeClr>
-                  </a:solidFill>
-                </a:rPr>
-                <a:t>Level 3</a:t>
-              </a:r>
-            </a:p>
-          </p:txBody>
-        </p:sp>
-        <p:sp>
-          <p:nvSpPr>
-            <p:cNvPr id="31" name="TextBox 30">
-              <a:extLst>
-                <a:ext uri="{FF2B5EF4-FFF2-40B4-BE49-F238E27FC236}">
-                  <a16:creationId xmlns:a16="http://schemas.microsoft.com/office/drawing/2014/main" id="{BB2B65F2-7C02-4452-9908-D51F73D68E52}"/>
-                </a:ext>
-              </a:extLst>
-            </p:cNvPr>
-            <p:cNvSpPr txBox="1"/>
-            <p:nvPr/>
-          </p:nvSpPr>
-          <p:spPr>
-            <a:xfrm>
-              <a:off x="308835" y="1248073"/>
-              <a:ext cx="1701714" cy="276999"/>
-            </a:xfrm>
-            <a:prstGeom prst="rect">
-              <a:avLst/>
-            </a:prstGeom>
-            <a:noFill/>
-          </p:spPr>
-          <p:txBody>
-            <a:bodyPr wrap="square" rtlCol="0">
-              <a:spAutoFit/>
-            </a:bodyPr>
-            <a:lstStyle/>
-            <a:p>
-              <a:pPr algn="ctr"/>
-              <a:r>
-                <a:rPr lang="en-US" sz="1200" b="1" dirty="0">
-                  <a:solidFill>
-                    <a:schemeClr val="bg1"/>
-                  </a:solidFill>
-                  <a:latin typeface="Century Gothic" panose="020B0502020202020204" pitchFamily="34" charset="0"/>
-                </a:rPr>
-                <a:t>Hypermedia</a:t>
-              </a:r>
-            </a:p>
-          </p:txBody>
-        </p:sp>
+            </p:spPr>
+            <p:txBody>
+              <a:bodyPr wrap="square" rtlCol="0">
+                <a:spAutoFit/>
+              </a:bodyPr>
+              <a:lstStyle/>
+              <a:p>
+                <a:pPr algn="ctr"/>
+                <a:r>
+                  <a:rPr lang="en-US" sz="1200" b="1">
+                    <a:solidFill>
+                      <a:schemeClr val="bg1"/>
+                    </a:solidFill>
+                    <a:latin typeface="Century Gothic" panose="020B0502020202020204" pitchFamily="34" charset="0"/>
+                  </a:rPr>
+                  <a:t>Hypermedia</a:t>
+                </a:r>
+              </a:p>
+            </p:txBody>
+          </p:sp>
+        </p:grpSp>
       </p:grpSp>
     </p:spTree>
     <p:extLst>

--- a/Slide/Projeto everis -  Criando uma API REST com .Net Core.pptx
+++ b/Slide/Projeto everis -  Criando uma API REST com .Net Core.pptx
@@ -5,7 +5,7 @@
     <p:sldMasterId id="2147483648" r:id="rId1"/>
   </p:sldMasterIdLst>
   <p:notesMasterIdLst>
-    <p:notesMasterId r:id="rId24"/>
+    <p:notesMasterId r:id="rId26"/>
   </p:notesMasterIdLst>
   <p:sldIdLst>
     <p:sldId id="258" r:id="rId2"/>
@@ -22,45 +22,47 @@
     <p:sldId id="263" r:id="rId13"/>
     <p:sldId id="265" r:id="rId14"/>
     <p:sldId id="266" r:id="rId15"/>
-    <p:sldId id="275" r:id="rId16"/>
-    <p:sldId id="276" r:id="rId17"/>
-    <p:sldId id="277" r:id="rId18"/>
-    <p:sldId id="278" r:id="rId19"/>
-    <p:sldId id="279" r:id="rId20"/>
-    <p:sldId id="280" r:id="rId21"/>
-    <p:sldId id="281" r:id="rId22"/>
-    <p:sldId id="269" r:id="rId23"/>
+    <p:sldId id="283" r:id="rId16"/>
+    <p:sldId id="284" r:id="rId17"/>
+    <p:sldId id="275" r:id="rId18"/>
+    <p:sldId id="276" r:id="rId19"/>
+    <p:sldId id="277" r:id="rId20"/>
+    <p:sldId id="278" r:id="rId21"/>
+    <p:sldId id="279" r:id="rId22"/>
+    <p:sldId id="280" r:id="rId23"/>
+    <p:sldId id="281" r:id="rId24"/>
+    <p:sldId id="269" r:id="rId25"/>
   </p:sldIdLst>
   <p:sldSz cx="9144000" cy="5143500" type="screen16x9"/>
   <p:notesSz cx="6858000" cy="9144000"/>
   <p:embeddedFontLst>
     <p:embeddedFont>
       <p:font typeface="Calibri" panose="020F0502020204030204" pitchFamily="34" charset="0"/>
-      <p:regular r:id="rId25"/>
-      <p:bold r:id="rId26"/>
-      <p:italic r:id="rId27"/>
-      <p:boldItalic r:id="rId28"/>
+      <p:regular r:id="rId27"/>
+      <p:bold r:id="rId28"/>
+      <p:italic r:id="rId29"/>
+      <p:boldItalic r:id="rId30"/>
     </p:embeddedFont>
     <p:embeddedFont>
-      <p:font typeface="Century Gothic" panose="020B0604020202020204" charset="0"/>
-      <p:regular r:id="rId29"/>
-      <p:bold r:id="rId30"/>
-      <p:italic r:id="rId31"/>
-      <p:boldItalic r:id="rId32"/>
+      <p:font typeface="Century Gothic" panose="020B0502020202020204" pitchFamily="34" charset="0"/>
+      <p:regular r:id="rId31"/>
+      <p:bold r:id="rId32"/>
+      <p:italic r:id="rId33"/>
+      <p:boldItalic r:id="rId34"/>
     </p:embeddedFont>
     <p:embeddedFont>
       <p:font typeface="Proxima Nova" panose="020B0604020202020204" charset="0"/>
-      <p:regular r:id="rId33"/>
-      <p:bold r:id="rId34"/>
-      <p:italic r:id="rId35"/>
-      <p:boldItalic r:id="rId36"/>
+      <p:regular r:id="rId35"/>
+      <p:bold r:id="rId36"/>
+      <p:italic r:id="rId37"/>
+      <p:boldItalic r:id="rId38"/>
     </p:embeddedFont>
     <p:embeddedFont>
-      <p:font typeface="Roboto" panose="020B0604020202020204" charset="0"/>
-      <p:regular r:id="rId37"/>
-      <p:bold r:id="rId38"/>
-      <p:italic r:id="rId39"/>
-      <p:boldItalic r:id="rId40"/>
+      <p:font typeface="Roboto" panose="02000000000000000000" pitchFamily="2" charset="0"/>
+      <p:regular r:id="rId39"/>
+      <p:bold r:id="rId40"/>
+      <p:italic r:id="rId41"/>
+      <p:boldItalic r:id="rId42"/>
     </p:embeddedFont>
   </p:embeddedFontLst>
   <p:defaultTextStyle>
@@ -308,7 +310,7 @@
       </p15:sldGuideLst>
     </p:ext>
     <p:ext uri="http://customooxmlschemas.google.com/">
-      <go:slidesCustomData xmlns:go="http://customooxmlschemas.google.com/" xmlns:ahyp="http://schemas.microsoft.com/office/drawing/2018/hyperlinkcolor" xmlns:p15="http://schemas.microsoft.com/office/powerpoint/2012/main" xmlns:p14="http://schemas.microsoft.com/office/powerpoint/2010/main" xmlns:com="http://schemas.openxmlformats.org/drawingml/2006/compatibility" xmlns:pvml="urn:schemas-microsoft-com:office:powerpoint" xmlns:v="urn:schemas-microsoft-com:vml" xmlns:o="urn:schemas-microsoft-com:office:office" xmlns:dgm="http://schemas.openxmlformats.org/drawingml/2006/diagram" xmlns:c="http://schemas.openxmlformats.org/drawingml/2006/chart" xmlns:mv="urn:schemas-microsoft-com:mac:vml" xmlns:mc="http://schemas.openxmlformats.org/markup-compatibility/2006" xmlns="" r:id="rId41" roundtripDataSignature="AMtx7mhLG0qHwc5KaOFWU3d3cgClDfJ2aA=="/>
+      <go:slidesCustomData xmlns="" xmlns:mc="http://schemas.openxmlformats.org/markup-compatibility/2006" xmlns:mv="urn:schemas-microsoft-com:mac:vml" xmlns:c="http://schemas.openxmlformats.org/drawingml/2006/chart" xmlns:dgm="http://schemas.openxmlformats.org/drawingml/2006/diagram" xmlns:o="urn:schemas-microsoft-com:office:office" xmlns:v="urn:schemas-microsoft-com:vml" xmlns:pvml="urn:schemas-microsoft-com:office:powerpoint" xmlns:com="http://schemas.openxmlformats.org/drawingml/2006/compatibility" xmlns:p14="http://schemas.microsoft.com/office/powerpoint/2010/main" xmlns:p15="http://schemas.microsoft.com/office/powerpoint/2012/main" xmlns:ahyp="http://schemas.microsoft.com/office/drawing/2018/hyperlinkcolor" xmlns:go="http://customooxmlschemas.google.com/" r:id="rId43" roundtripDataSignature="AMtx7mhLG0qHwc5KaOFWU3d3cgClDfJ2aA=="/>
     </p:ext>
   </p:extLst>
 </p:presentation>
@@ -1748,7 +1750,7 @@
   <p:cSld>
     <p:spTree>
       <p:nvGrpSpPr>
-        <p:cNvPr id="1" name="Shape 119"/>
+        <p:cNvPr id="1" name="Shape 133"/>
         <p:cNvGrpSpPr/>
         <p:nvPr/>
       </p:nvGrpSpPr>
@@ -1762,7 +1764,7 @@
       </p:grpSpPr>
       <p:sp>
         <p:nvSpPr>
-          <p:cNvPr id="120" name="Google Shape;120;p5:notes"/>
+          <p:cNvPr id="134" name="Google Shape;134;p18:notes"/>
           <p:cNvSpPr>
             <a:spLocks noGrp="1" noRot="1" noChangeAspect="1"/>
           </p:cNvSpPr>
@@ -1813,7 +1815,7 @@
       </p:sp>
       <p:sp>
         <p:nvSpPr>
-          <p:cNvPr id="121" name="Google Shape;121;p5:notes"/>
+          <p:cNvPr id="135" name="Google Shape;135;p18:notes"/>
           <p:cNvSpPr txBox="1">
             <a:spLocks noGrp="1"/>
           </p:cNvSpPr>
@@ -1864,7 +1866,7 @@
     </p:spTree>
     <p:extLst>
       <p:ext uri="{BB962C8B-B14F-4D97-AF65-F5344CB8AC3E}">
-        <p14:creationId xmlns:p14="http://schemas.microsoft.com/office/powerpoint/2010/main" val="4268923972"/>
+        <p14:creationId xmlns:p14="http://schemas.microsoft.com/office/powerpoint/2010/main" val="771876832"/>
       </p:ext>
     </p:extLst>
   </p:cSld>
@@ -1995,7 +1997,7 @@
     </p:spTree>
     <p:extLst>
       <p:ext uri="{BB962C8B-B14F-4D97-AF65-F5344CB8AC3E}">
-        <p14:creationId xmlns:p14="http://schemas.microsoft.com/office/powerpoint/2010/main" val="3154216810"/>
+        <p14:creationId xmlns:p14="http://schemas.microsoft.com/office/powerpoint/2010/main" val="1964341208"/>
       </p:ext>
     </p:extLst>
   </p:cSld>
@@ -2126,7 +2128,7 @@
     </p:spTree>
     <p:extLst>
       <p:ext uri="{BB962C8B-B14F-4D97-AF65-F5344CB8AC3E}">
-        <p14:creationId xmlns:p14="http://schemas.microsoft.com/office/powerpoint/2010/main" val="633171248"/>
+        <p14:creationId xmlns:p14="http://schemas.microsoft.com/office/powerpoint/2010/main" val="4268923972"/>
       </p:ext>
     </p:extLst>
   </p:cSld>
@@ -2257,7 +2259,7 @@
     </p:spTree>
     <p:extLst>
       <p:ext uri="{BB962C8B-B14F-4D97-AF65-F5344CB8AC3E}">
-        <p14:creationId xmlns:p14="http://schemas.microsoft.com/office/powerpoint/2010/main" val="633035374"/>
+        <p14:creationId xmlns:p14="http://schemas.microsoft.com/office/powerpoint/2010/main" val="3154216810"/>
       </p:ext>
     </p:extLst>
   </p:cSld>
@@ -2388,7 +2390,7 @@
     </p:spTree>
     <p:extLst>
       <p:ext uri="{BB962C8B-B14F-4D97-AF65-F5344CB8AC3E}">
-        <p14:creationId xmlns:p14="http://schemas.microsoft.com/office/powerpoint/2010/main" val="345420155"/>
+        <p14:creationId xmlns:p14="http://schemas.microsoft.com/office/powerpoint/2010/main" val="633171248"/>
       </p:ext>
     </p:extLst>
   </p:cSld>
@@ -2519,7 +2521,7 @@
     </p:spTree>
     <p:extLst>
       <p:ext uri="{BB962C8B-B14F-4D97-AF65-F5344CB8AC3E}">
-        <p14:creationId xmlns:p14="http://schemas.microsoft.com/office/powerpoint/2010/main" val="3229833637"/>
+        <p14:creationId xmlns:p14="http://schemas.microsoft.com/office/powerpoint/2010/main" val="633035374"/>
       </p:ext>
     </p:extLst>
   </p:cSld>
@@ -2660,6 +2662,137 @@
   <p:cSld>
     <p:spTree>
       <p:nvGrpSpPr>
+        <p:cNvPr id="1" name="Shape 119"/>
+        <p:cNvGrpSpPr/>
+        <p:nvPr/>
+      </p:nvGrpSpPr>
+      <p:grpSpPr>
+        <a:xfrm>
+          <a:off x="0" y="0"/>
+          <a:ext cx="0" cy="0"/>
+          <a:chOff x="0" y="0"/>
+          <a:chExt cx="0" cy="0"/>
+        </a:xfrm>
+      </p:grpSpPr>
+      <p:sp>
+        <p:nvSpPr>
+          <p:cNvPr id="120" name="Google Shape;120;p5:notes"/>
+          <p:cNvSpPr>
+            <a:spLocks noGrp="1" noRot="1" noChangeAspect="1"/>
+          </p:cNvSpPr>
+          <p:nvPr>
+            <p:ph type="sldImg" idx="2"/>
+          </p:nvPr>
+        </p:nvSpPr>
+        <p:spPr>
+          <a:xfrm>
+            <a:off x="381000" y="685800"/>
+            <a:ext cx="6096000" cy="3429000"/>
+          </a:xfrm>
+          <a:custGeom>
+            <a:avLst/>
+            <a:gdLst/>
+            <a:ahLst/>
+            <a:cxnLst/>
+            <a:rect l="l" t="t" r="r" b="b"/>
+            <a:pathLst>
+              <a:path w="120000" h="120000" extrusionOk="0">
+                <a:moveTo>
+                  <a:pt x="0" y="0"/>
+                </a:moveTo>
+                <a:lnTo>
+                  <a:pt x="120000" y="0"/>
+                </a:lnTo>
+                <a:lnTo>
+                  <a:pt x="120000" y="120000"/>
+                </a:lnTo>
+                <a:lnTo>
+                  <a:pt x="0" y="120000"/>
+                </a:lnTo>
+                <a:close/>
+              </a:path>
+            </a:pathLst>
+          </a:custGeom>
+          <a:noFill/>
+          <a:ln w="9525" cap="flat" cmpd="sng">
+            <a:solidFill>
+              <a:srgbClr val="000000"/>
+            </a:solidFill>
+            <a:prstDash val="solid"/>
+            <a:round/>
+            <a:headEnd type="none" w="sm" len="sm"/>
+            <a:tailEnd type="none" w="sm" len="sm"/>
+          </a:ln>
+        </p:spPr>
+      </p:sp>
+      <p:sp>
+        <p:nvSpPr>
+          <p:cNvPr id="121" name="Google Shape;121;p5:notes"/>
+          <p:cNvSpPr txBox="1">
+            <a:spLocks noGrp="1"/>
+          </p:cNvSpPr>
+          <p:nvPr>
+            <p:ph type="body" idx="1"/>
+          </p:nvPr>
+        </p:nvSpPr>
+        <p:spPr>
+          <a:xfrm>
+            <a:off x="685800" y="4343400"/>
+            <a:ext cx="5486400" cy="4114800"/>
+          </a:xfrm>
+          <a:prstGeom prst="rect">
+            <a:avLst/>
+          </a:prstGeom>
+          <a:noFill/>
+          <a:ln>
+            <a:noFill/>
+          </a:ln>
+        </p:spPr>
+        <p:txBody>
+          <a:bodyPr spcFirstLastPara="1" wrap="square" lIns="91425" tIns="91425" rIns="91425" bIns="91425" anchor="t" anchorCtr="0">
+            <a:noAutofit/>
+          </a:bodyPr>
+          <a:lstStyle/>
+          <a:p>
+            <a:pPr marL="0" lvl="0" indent="0" algn="l" rtl="0">
+              <a:lnSpc>
+                <a:spcPct val="100000"/>
+              </a:lnSpc>
+              <a:spcBef>
+                <a:spcPts val="0"/>
+              </a:spcBef>
+              <a:spcAft>
+                <a:spcPts val="0"/>
+              </a:spcAft>
+              <a:buClr>
+                <a:schemeClr val="dk1"/>
+              </a:buClr>
+              <a:buSzPts val="1100"/>
+              <a:buFont typeface="Arial"/>
+              <a:buNone/>
+            </a:pPr>
+            <a:endParaRPr/>
+          </a:p>
+        </p:txBody>
+      </p:sp>
+    </p:spTree>
+    <p:extLst>
+      <p:ext uri="{BB962C8B-B14F-4D97-AF65-F5344CB8AC3E}">
+        <p14:creationId xmlns:p14="http://schemas.microsoft.com/office/powerpoint/2010/main" val="345420155"/>
+      </p:ext>
+    </p:extLst>
+  </p:cSld>
+  <p:clrMapOvr>
+    <a:masterClrMapping/>
+  </p:clrMapOvr>
+</p:notes>
+</file>
+
+<file path=ppt/notesSlides/notesSlide21.xml><?xml version="1.0" encoding="utf-8"?>
+<p:notes xmlns:a="http://schemas.openxmlformats.org/drawingml/2006/main" xmlns:r="http://schemas.openxmlformats.org/officeDocument/2006/relationships" xmlns:p="http://schemas.openxmlformats.org/presentationml/2006/main" showMasterSp="0" showMasterPhAnim="0">
+  <p:cSld>
+    <p:spTree>
+      <p:nvGrpSpPr>
         <p:cNvPr id="1" name="Shape 133"/>
         <p:cNvGrpSpPr/>
         <p:nvPr/>
@@ -2776,6 +2909,137 @@
     </p:spTree>
     <p:extLst>
       <p:ext uri="{BB962C8B-B14F-4D97-AF65-F5344CB8AC3E}">
+        <p14:creationId xmlns:p14="http://schemas.microsoft.com/office/powerpoint/2010/main" val="3229833637"/>
+      </p:ext>
+    </p:extLst>
+  </p:cSld>
+  <p:clrMapOvr>
+    <a:masterClrMapping/>
+  </p:clrMapOvr>
+</p:notes>
+</file>
+
+<file path=ppt/notesSlides/notesSlide22.xml><?xml version="1.0" encoding="utf-8"?>
+<p:notes xmlns:a="http://schemas.openxmlformats.org/drawingml/2006/main" xmlns:r="http://schemas.openxmlformats.org/officeDocument/2006/relationships" xmlns:p="http://schemas.openxmlformats.org/presentationml/2006/main" showMasterSp="0" showMasterPhAnim="0">
+  <p:cSld>
+    <p:spTree>
+      <p:nvGrpSpPr>
+        <p:cNvPr id="1" name="Shape 133"/>
+        <p:cNvGrpSpPr/>
+        <p:nvPr/>
+      </p:nvGrpSpPr>
+      <p:grpSpPr>
+        <a:xfrm>
+          <a:off x="0" y="0"/>
+          <a:ext cx="0" cy="0"/>
+          <a:chOff x="0" y="0"/>
+          <a:chExt cx="0" cy="0"/>
+        </a:xfrm>
+      </p:grpSpPr>
+      <p:sp>
+        <p:nvSpPr>
+          <p:cNvPr id="134" name="Google Shape;134;p18:notes"/>
+          <p:cNvSpPr>
+            <a:spLocks noGrp="1" noRot="1" noChangeAspect="1"/>
+          </p:cNvSpPr>
+          <p:nvPr>
+            <p:ph type="sldImg" idx="2"/>
+          </p:nvPr>
+        </p:nvSpPr>
+        <p:spPr>
+          <a:xfrm>
+            <a:off x="381000" y="685800"/>
+            <a:ext cx="6096000" cy="3429000"/>
+          </a:xfrm>
+          <a:custGeom>
+            <a:avLst/>
+            <a:gdLst/>
+            <a:ahLst/>
+            <a:cxnLst/>
+            <a:rect l="l" t="t" r="r" b="b"/>
+            <a:pathLst>
+              <a:path w="120000" h="120000" extrusionOk="0">
+                <a:moveTo>
+                  <a:pt x="0" y="0"/>
+                </a:moveTo>
+                <a:lnTo>
+                  <a:pt x="120000" y="0"/>
+                </a:lnTo>
+                <a:lnTo>
+                  <a:pt x="120000" y="120000"/>
+                </a:lnTo>
+                <a:lnTo>
+                  <a:pt x="0" y="120000"/>
+                </a:lnTo>
+                <a:close/>
+              </a:path>
+            </a:pathLst>
+          </a:custGeom>
+          <a:noFill/>
+          <a:ln w="9525" cap="flat" cmpd="sng">
+            <a:solidFill>
+              <a:srgbClr val="000000"/>
+            </a:solidFill>
+            <a:prstDash val="solid"/>
+            <a:round/>
+            <a:headEnd type="none" w="sm" len="sm"/>
+            <a:tailEnd type="none" w="sm" len="sm"/>
+          </a:ln>
+        </p:spPr>
+      </p:sp>
+      <p:sp>
+        <p:nvSpPr>
+          <p:cNvPr id="135" name="Google Shape;135;p18:notes"/>
+          <p:cNvSpPr txBox="1">
+            <a:spLocks noGrp="1"/>
+          </p:cNvSpPr>
+          <p:nvPr>
+            <p:ph type="body" idx="1"/>
+          </p:nvPr>
+        </p:nvSpPr>
+        <p:spPr>
+          <a:xfrm>
+            <a:off x="685800" y="4343400"/>
+            <a:ext cx="5486400" cy="4114800"/>
+          </a:xfrm>
+          <a:prstGeom prst="rect">
+            <a:avLst/>
+          </a:prstGeom>
+          <a:noFill/>
+          <a:ln>
+            <a:noFill/>
+          </a:ln>
+        </p:spPr>
+        <p:txBody>
+          <a:bodyPr spcFirstLastPara="1" wrap="square" lIns="91425" tIns="91425" rIns="91425" bIns="91425" anchor="t" anchorCtr="0">
+            <a:noAutofit/>
+          </a:bodyPr>
+          <a:lstStyle/>
+          <a:p>
+            <a:pPr marL="0" lvl="0" indent="0" algn="l" rtl="0">
+              <a:lnSpc>
+                <a:spcPct val="100000"/>
+              </a:lnSpc>
+              <a:spcBef>
+                <a:spcPts val="0"/>
+              </a:spcBef>
+              <a:spcAft>
+                <a:spcPts val="0"/>
+              </a:spcAft>
+              <a:buClr>
+                <a:schemeClr val="dk1"/>
+              </a:buClr>
+              <a:buSzPts val="1100"/>
+              <a:buFont typeface="Arial"/>
+              <a:buNone/>
+            </a:pPr>
+            <a:endParaRPr/>
+          </a:p>
+        </p:txBody>
+      </p:sp>
+    </p:spTree>
+    <p:extLst>
+      <p:ext uri="{BB962C8B-B14F-4D97-AF65-F5344CB8AC3E}">
         <p14:creationId xmlns:p14="http://schemas.microsoft.com/office/powerpoint/2010/main" val="3313946119"/>
       </p:ext>
     </p:extLst>
@@ -2786,7 +3050,7 @@
 </p:notes>
 </file>
 
-<file path=ppt/notesSlides/notesSlide21.xml><?xml version="1.0" encoding="utf-8"?>
+<file path=ppt/notesSlides/notesSlide23.xml><?xml version="1.0" encoding="utf-8"?>
 <p:notes xmlns:a="http://schemas.openxmlformats.org/drawingml/2006/main" xmlns:r="http://schemas.openxmlformats.org/officeDocument/2006/relationships" xmlns:p="http://schemas.openxmlformats.org/presentationml/2006/main" showMasterSp="0" showMasterPhAnim="0">
   <p:cSld>
     <p:spTree>
@@ -9252,13 +9516,13 @@
   <p:clrMapOvr>
     <a:masterClrMapping/>
   </p:clrMapOvr>
-  <mc:AlternateContent xmlns:mc="http://schemas.openxmlformats.org/markup-compatibility/2006">
-    <mc:Choice xmlns:p14="http://schemas.microsoft.com/office/powerpoint/2010/main" Requires="p14">
+  <mc:AlternateContent xmlns:mc="http://schemas.openxmlformats.org/markup-compatibility/2006" xmlns:p14="http://schemas.microsoft.com/office/powerpoint/2010/main">
+    <mc:Choice Requires="p14">
       <p:transition spd="med" p14:dur="700">
         <p:fade/>
       </p:transition>
     </mc:Choice>
-    <mc:Fallback>
+    <mc:Fallback xmlns="">
       <p:transition spd="med">
         <p:fade/>
       </p:transition>
@@ -9594,13 +9858,13 @@
   <p:clrMapOvr>
     <a:masterClrMapping/>
   </p:clrMapOvr>
-  <mc:AlternateContent xmlns:mc="http://schemas.openxmlformats.org/markup-compatibility/2006">
-    <mc:Choice xmlns:p14="http://schemas.microsoft.com/office/powerpoint/2010/main" Requires="p14">
+  <mc:AlternateContent xmlns:mc="http://schemas.openxmlformats.org/markup-compatibility/2006" xmlns:p14="http://schemas.microsoft.com/office/powerpoint/2010/main">
+    <mc:Choice Requires="p14">
       <p:transition spd="med" p14:dur="700">
         <p:fade/>
       </p:transition>
     </mc:Choice>
-    <mc:Fallback>
+    <mc:Fallback xmlns="">
       <p:transition spd="med">
         <p:fade/>
       </p:transition>
@@ -9772,7 +10036,7 @@
               <a:buChar char="✔"/>
             </a:pPr>
             <a:r>
-              <a:rPr lang="pt-BR" sz="1400">
+              <a:rPr lang="pt-BR" sz="1400" dirty="0">
                 <a:solidFill>
                   <a:srgbClr val="073763"/>
                 </a:solidFill>
@@ -9794,7 +10058,7 @@
               <a:buSzPts val="2400"/>
             </a:pPr>
             <a:r>
-              <a:rPr lang="pt-BR" sz="1400">
+              <a:rPr lang="pt-BR" sz="1400" dirty="0">
                 <a:solidFill>
                   <a:srgbClr val="073763"/>
                 </a:solidFill>
@@ -9805,7 +10069,7 @@
               </a:rPr>
               <a:t>https://dotnet.microsoft.com/download/dotnet/thank-you/sdk-5.0.400-windows-x64-installer</a:t>
             </a:r>
-            <a:endParaRPr lang="pt-BR" sz="1400">
+            <a:endParaRPr lang="pt-BR" sz="1400" dirty="0">
               <a:solidFill>
                 <a:srgbClr val="073763"/>
               </a:solidFill>
@@ -9825,7 +10089,7 @@
               <a:buSzPts val="2400"/>
             </a:pPr>
             <a:r>
-              <a:rPr lang="pt-BR" sz="1400">
+              <a:rPr lang="pt-BR" sz="1400" dirty="0">
                 <a:solidFill>
                   <a:srgbClr val="073763"/>
                 </a:solidFill>
@@ -9836,7 +10100,7 @@
               </a:rPr>
               <a:t>https://dotnet.microsoft.com/download/dotnet/thank-you/sdk-5.0.400-windows-x86-installer</a:t>
             </a:r>
-            <a:endParaRPr lang="pt-BR" sz="1400">
+            <a:endParaRPr lang="pt-BR" sz="1400" dirty="0">
               <a:solidFill>
                 <a:srgbClr val="073763"/>
               </a:solidFill>
@@ -9858,7 +10122,7 @@
               <a:buChar char="✔"/>
             </a:pPr>
             <a:r>
-              <a:rPr lang="pt-BR" sz="1400" err="1">
+              <a:rPr lang="pt-BR" sz="1400" dirty="0" err="1">
                 <a:solidFill>
                   <a:srgbClr val="073763"/>
                 </a:solidFill>
@@ -9870,7 +10134,7 @@
               <a:t>Postman</a:t>
             </a:r>
             <a:r>
-              <a:rPr lang="pt-BR" sz="1400">
+              <a:rPr lang="pt-BR" sz="1400" dirty="0">
                 <a:solidFill>
                   <a:srgbClr val="073763"/>
                 </a:solidFill>
@@ -9893,12 +10157,12 @@
               <a:buSzPts val="2400"/>
             </a:pPr>
             <a:r>
-              <a:rPr lang="pt-BR" sz="1400">
+              <a:rPr lang="pt-BR" sz="1400" dirty="0">
                 <a:hlinkClick r:id="rId6"/>
               </a:rPr>
               <a:t>https://dl.pstmn.io/download/latest/win64</a:t>
             </a:r>
-            <a:endParaRPr lang="pt-BR" sz="1400"/>
+            <a:endParaRPr lang="pt-BR" sz="1400" dirty="0"/>
           </a:p>
           <a:p>
             <a:pPr marL="76200" lvl="0" indent="0" algn="l">
@@ -9911,12 +10175,12 @@
               <a:buSzPts val="2400"/>
             </a:pPr>
             <a:r>
-              <a:rPr lang="pt-BR" sz="1400">
+              <a:rPr lang="pt-BR" sz="1400" dirty="0">
                 <a:hlinkClick r:id="rId7"/>
               </a:rPr>
               <a:t>https://dl.pstmn.io/download/latest/win32</a:t>
             </a:r>
-            <a:endParaRPr lang="pt-BR" sz="1400"/>
+            <a:endParaRPr lang="pt-BR" sz="1400" dirty="0"/>
           </a:p>
           <a:p>
             <a:pPr marL="457200" lvl="0" indent="-381000" algn="l" rtl="0">
@@ -9937,7 +10201,7 @@
               <a:buChar char="✔"/>
             </a:pPr>
             <a:r>
-              <a:rPr lang="pt-BR" sz="1400" err="1">
+              <a:rPr lang="pt-BR" sz="1400" dirty="0" err="1">
                 <a:solidFill>
                   <a:srgbClr val="073763"/>
                 </a:solidFill>
@@ -9949,7 +10213,7 @@
               <a:t>Bogus</a:t>
             </a:r>
             <a:r>
-              <a:rPr lang="pt-BR" sz="1400">
+              <a:rPr lang="pt-BR" sz="1400" dirty="0">
                 <a:solidFill>
                   <a:srgbClr val="073763"/>
                 </a:solidFill>
@@ -9972,12 +10236,12 @@
               <a:buSzPts val="2400"/>
             </a:pPr>
             <a:r>
-              <a:rPr lang="pt-BR" sz="1400">
+              <a:rPr lang="pt-BR" sz="1400" dirty="0">
                 <a:hlinkClick r:id="rId8"/>
               </a:rPr>
               <a:t>https://github.com/bchavez/Bogus</a:t>
             </a:r>
-            <a:endParaRPr lang="pt-BR" sz="1400"/>
+            <a:endParaRPr lang="pt-BR" sz="1400" dirty="0"/>
           </a:p>
           <a:p>
             <a:pPr lvl="0" indent="-228600" algn="l">
@@ -9987,7 +10251,7 @@
               <a:buSzPts val="2400"/>
             </a:pPr>
             <a:r>
-              <a:rPr lang="pt-BR" sz="1400">
+              <a:rPr lang="pt-BR" sz="1400" dirty="0">
                 <a:solidFill>
                   <a:srgbClr val="073763"/>
                 </a:solidFill>
@@ -9999,7 +10263,7 @@
               <a:t>Comando do terminal: </a:t>
             </a:r>
             <a:r>
-              <a:rPr lang="pt-BR" sz="1400" err="1">
+              <a:rPr lang="pt-BR" sz="1400" dirty="0" err="1">
                 <a:solidFill>
                   <a:srgbClr val="073763"/>
                 </a:solidFill>
@@ -10011,7 +10275,7 @@
               <a:t>dotnet</a:t>
             </a:r>
             <a:r>
-              <a:rPr lang="pt-BR" sz="1400">
+              <a:rPr lang="pt-BR" sz="1400" dirty="0">
                 <a:solidFill>
                   <a:srgbClr val="073763"/>
                 </a:solidFill>
@@ -10023,7 +10287,7 @@
               <a:t> </a:t>
             </a:r>
             <a:r>
-              <a:rPr lang="pt-BR" sz="1400" err="1">
+              <a:rPr lang="pt-BR" sz="1400" dirty="0" err="1">
                 <a:solidFill>
                   <a:srgbClr val="073763"/>
                 </a:solidFill>
@@ -10035,7 +10299,7 @@
               <a:t>add</a:t>
             </a:r>
             <a:r>
-              <a:rPr lang="pt-BR" sz="1400">
+              <a:rPr lang="pt-BR" sz="1400" dirty="0">
                 <a:solidFill>
                   <a:srgbClr val="073763"/>
                 </a:solidFill>
@@ -10047,7 +10311,7 @@
               <a:t> </a:t>
             </a:r>
             <a:r>
-              <a:rPr lang="pt-BR" sz="1400" err="1">
+              <a:rPr lang="pt-BR" sz="1400" dirty="0" err="1">
                 <a:solidFill>
                   <a:srgbClr val="073763"/>
                 </a:solidFill>
@@ -10059,7 +10323,7 @@
               <a:t>package</a:t>
             </a:r>
             <a:r>
-              <a:rPr lang="pt-BR" sz="1400">
+              <a:rPr lang="pt-BR" sz="1400" dirty="0">
                 <a:solidFill>
                   <a:srgbClr val="073763"/>
                 </a:solidFill>
@@ -10071,7 +10335,7 @@
               <a:t> </a:t>
             </a:r>
             <a:r>
-              <a:rPr lang="pt-BR" sz="1400" err="1">
+              <a:rPr lang="pt-BR" sz="1400" dirty="0" err="1">
                 <a:solidFill>
                   <a:srgbClr val="073763"/>
                 </a:solidFill>
@@ -10083,7 +10347,7 @@
               <a:t>Bogus</a:t>
             </a:r>
             <a:r>
-              <a:rPr lang="pt-BR" sz="1400">
+              <a:rPr lang="pt-BR" sz="1400" dirty="0">
                 <a:solidFill>
                   <a:srgbClr val="073763"/>
                 </a:solidFill>
@@ -10095,7 +10359,7 @@
               <a:t> --</a:t>
             </a:r>
             <a:r>
-              <a:rPr lang="pt-BR" sz="1400" err="1">
+              <a:rPr lang="pt-BR" sz="1400" dirty="0" err="1">
                 <a:solidFill>
                   <a:srgbClr val="073763"/>
                 </a:solidFill>
@@ -10107,7 +10371,7 @@
               <a:t>version</a:t>
             </a:r>
             <a:r>
-              <a:rPr lang="pt-BR" sz="1400">
+              <a:rPr lang="pt-BR" sz="1400" dirty="0">
                 <a:solidFill>
                   <a:srgbClr val="073763"/>
                 </a:solidFill>
@@ -10137,7 +10401,7 @@
               <a:buFont typeface="Calibri"/>
               <a:buNone/>
             </a:pPr>
-            <a:endParaRPr lang="pt-BR" sz="1400">
+            <a:endParaRPr lang="pt-BR" sz="1400" dirty="0">
               <a:solidFill>
                 <a:srgbClr val="073763"/>
               </a:solidFill>
@@ -10165,7 +10429,7 @@
               <a:buFont typeface="Calibri"/>
               <a:buNone/>
             </a:pPr>
-            <a:endParaRPr lang="pt-BR" sz="1400">
+            <a:endParaRPr lang="pt-BR" sz="1400" dirty="0">
               <a:solidFill>
                 <a:srgbClr val="073763"/>
               </a:solidFill>
@@ -10244,13 +10508,13 @@
   <p:clrMapOvr>
     <a:masterClrMapping/>
   </p:clrMapOvr>
-  <mc:AlternateContent xmlns:mc="http://schemas.openxmlformats.org/markup-compatibility/2006">
-    <mc:Choice xmlns:p14="http://schemas.microsoft.com/office/powerpoint/2010/main" Requires="p14">
+  <mc:AlternateContent xmlns:mc="http://schemas.openxmlformats.org/markup-compatibility/2006" xmlns:p14="http://schemas.microsoft.com/office/powerpoint/2010/main">
+    <mc:Choice Requires="p14">
       <p:transition spd="med" p14:dur="700">
         <p:fade/>
       </p:transition>
     </mc:Choice>
-    <mc:Fallback>
+    <mc:Fallback xmlns="">
       <p:transition spd="med">
         <p:fade/>
       </p:transition>
@@ -11606,13 +11870,13 @@
   <p:clrMapOvr>
     <a:masterClrMapping/>
   </p:clrMapOvr>
-  <mc:AlternateContent xmlns:mc="http://schemas.openxmlformats.org/markup-compatibility/2006">
-    <mc:Choice xmlns:p14="http://schemas.microsoft.com/office/powerpoint/2010/main" Requires="p14">
+  <mc:AlternateContent xmlns:mc="http://schemas.openxmlformats.org/markup-compatibility/2006" xmlns:p14="http://schemas.microsoft.com/office/powerpoint/2010/main">
+    <mc:Choice Requires="p14">
       <p:transition spd="med" p14:dur="700">
         <p:fade/>
       </p:transition>
     </mc:Choice>
-    <mc:Fallback>
+    <mc:Fallback xmlns="">
       <p:transition spd="med">
         <p:fade/>
       </p:transition>
@@ -12277,13 +12541,13 @@
   <p:clrMapOvr>
     <a:masterClrMapping/>
   </p:clrMapOvr>
-  <mc:AlternateContent xmlns:mc="http://schemas.openxmlformats.org/markup-compatibility/2006">
-    <mc:Choice xmlns:p14="http://schemas.microsoft.com/office/powerpoint/2010/main" Requires="p14">
+  <mc:AlternateContent xmlns:mc="http://schemas.openxmlformats.org/markup-compatibility/2006" xmlns:p14="http://schemas.microsoft.com/office/powerpoint/2010/main">
+    <mc:Choice Requires="p14">
       <p:transition spd="med" p14:dur="700">
         <p:fade/>
       </p:transition>
     </mc:Choice>
-    <mc:Fallback>
+    <mc:Fallback xmlns="">
       <p:transition spd="med">
         <p:fade/>
       </p:transition>
@@ -12364,7 +12628,7 @@
               <a:buNone/>
             </a:pPr>
             <a:r>
-              <a:rPr lang="en-US" sz="4000" b="1">
+              <a:rPr lang="en-US" sz="4000" b="1" dirty="0" err="1">
                 <a:solidFill>
                   <a:srgbClr val="073763"/>
                 </a:solidFill>
@@ -12375,7 +12639,7 @@
               </a:rPr>
               <a:t>Objetivos</a:t>
             </a:r>
-            <a:endParaRPr sz="4000" b="1">
+            <a:endParaRPr sz="4000" b="1" dirty="0">
               <a:solidFill>
                 <a:srgbClr val="073763"/>
               </a:solidFill>
@@ -12460,7 +12724,7 @@
               <a:buNone/>
             </a:pPr>
             <a:r>
-              <a:rPr lang="en-US" sz="2400" b="1">
+              <a:rPr lang="en-US" sz="2400" b="1" dirty="0">
                 <a:solidFill>
                   <a:srgbClr val="073763"/>
                 </a:solidFill>
@@ -12472,7 +12736,7 @@
               <a:t>1. </a:t>
             </a:r>
             <a:r>
-              <a:rPr lang="en-US" sz="2400" err="1">
+              <a:rPr lang="en-US" sz="2400" dirty="0" err="1">
                 <a:solidFill>
                   <a:srgbClr val="073763"/>
                 </a:solidFill>
@@ -12484,7 +12748,7 @@
               <a:t>Aprender</a:t>
             </a:r>
             <a:r>
-              <a:rPr lang="en-US" sz="2400">
+              <a:rPr lang="en-US" sz="2400" dirty="0">
                 <a:solidFill>
                   <a:srgbClr val="073763"/>
                 </a:solidFill>
@@ -12496,7 +12760,7 @@
               <a:t> </a:t>
             </a:r>
             <a:r>
-              <a:rPr lang="en-US" sz="2400" err="1">
+              <a:rPr lang="en-US" sz="2400" dirty="0" err="1">
                 <a:solidFill>
                   <a:srgbClr val="073763"/>
                 </a:solidFill>
@@ -12508,7 +12772,7 @@
               <a:t>como</a:t>
             </a:r>
             <a:r>
-              <a:rPr lang="en-US" sz="2400">
+              <a:rPr lang="en-US" sz="2400" dirty="0">
                 <a:solidFill>
                   <a:srgbClr val="073763"/>
                 </a:solidFill>
@@ -12520,7 +12784,7 @@
               <a:t> </a:t>
             </a:r>
             <a:r>
-              <a:rPr lang="en-US" sz="2400" err="1">
+              <a:rPr lang="en-US" sz="2400" dirty="0" err="1">
                 <a:solidFill>
                   <a:srgbClr val="073763"/>
                 </a:solidFill>
@@ -12532,7 +12796,7 @@
               <a:t>criar</a:t>
             </a:r>
             <a:r>
-              <a:rPr lang="en-US" sz="2400">
+              <a:rPr lang="en-US" sz="2400" dirty="0">
                 <a:solidFill>
                   <a:srgbClr val="073763"/>
                 </a:solidFill>
@@ -12544,7 +12808,7 @@
               <a:t> um </a:t>
             </a:r>
             <a:r>
-              <a:rPr lang="en-US" sz="2400" err="1">
+              <a:rPr lang="en-US" sz="2400" dirty="0" err="1">
                 <a:solidFill>
                   <a:srgbClr val="073763"/>
                 </a:solidFill>
@@ -12556,7 +12820,7 @@
               <a:t>projeto</a:t>
             </a:r>
             <a:r>
-              <a:rPr lang="en-US" sz="2400">
+              <a:rPr lang="en-US" sz="2400" dirty="0">
                 <a:solidFill>
                   <a:srgbClr val="073763"/>
                 </a:solidFill>
@@ -12568,7 +12832,7 @@
               <a:t> </a:t>
             </a:r>
             <a:r>
-              <a:rPr lang="en-US" sz="2400" err="1">
+              <a:rPr lang="en-US" sz="2400" dirty="0" err="1">
                 <a:solidFill>
                   <a:srgbClr val="073763"/>
                 </a:solidFill>
@@ -12580,7 +12844,7 @@
               <a:t>usando</a:t>
             </a:r>
             <a:r>
-              <a:rPr lang="en-US" sz="2400">
+              <a:rPr lang="en-US" sz="2400" dirty="0">
                 <a:solidFill>
                   <a:srgbClr val="073763"/>
                 </a:solidFill>
@@ -12591,7 +12855,7 @@
               </a:rPr>
               <a:t> Dotnet CLI</a:t>
             </a:r>
-            <a:endParaRPr>
+            <a:endParaRPr dirty="0">
               <a:latin typeface="Calibri"/>
               <a:ea typeface="Calibri"/>
               <a:cs typeface="Calibri"/>
@@ -12616,7 +12880,7 @@
               <a:buNone/>
             </a:pPr>
             <a:r>
-              <a:rPr lang="en-US" sz="2400" b="1">
+              <a:rPr lang="en-US" sz="2400" b="1" dirty="0">
                 <a:solidFill>
                   <a:srgbClr val="073763"/>
                 </a:solidFill>
@@ -12628,7 +12892,7 @@
               <a:t>2. </a:t>
             </a:r>
             <a:r>
-              <a:rPr lang="en-US" sz="2400" err="1">
+              <a:rPr lang="en-US" sz="2400" dirty="0" err="1">
                 <a:solidFill>
                   <a:srgbClr val="073763"/>
                 </a:solidFill>
@@ -12640,7 +12904,7 @@
               <a:t>Comandos</a:t>
             </a:r>
             <a:r>
-              <a:rPr lang="en-US" sz="2400">
+              <a:rPr lang="en-US" sz="2400" dirty="0">
                 <a:solidFill>
                   <a:srgbClr val="073763"/>
                 </a:solidFill>
@@ -12652,7 +12916,7 @@
               <a:t> </a:t>
             </a:r>
             <a:r>
-              <a:rPr lang="en-US" sz="2400" err="1">
+              <a:rPr lang="en-US" sz="2400" dirty="0" err="1">
                 <a:solidFill>
                   <a:srgbClr val="073763"/>
                 </a:solidFill>
@@ -12664,7 +12928,7 @@
               <a:t>importantes</a:t>
             </a:r>
             <a:r>
-              <a:rPr lang="en-US" sz="2400">
+              <a:rPr lang="en-US" sz="2400" dirty="0">
                 <a:solidFill>
                   <a:srgbClr val="073763"/>
                 </a:solidFill>
@@ -12675,7 +12939,7 @@
               </a:rPr>
               <a:t> do dotnet cli</a:t>
             </a:r>
-            <a:endParaRPr>
+            <a:endParaRPr dirty="0">
               <a:latin typeface="Calibri"/>
               <a:ea typeface="Calibri"/>
               <a:cs typeface="Calibri"/>
@@ -12700,7 +12964,7 @@
               <a:buNone/>
             </a:pPr>
             <a:r>
-              <a:rPr lang="en-US" sz="2400" b="1">
+              <a:rPr lang="en-US" sz="2400" b="1" dirty="0">
                 <a:solidFill>
                   <a:srgbClr val="073763"/>
                 </a:solidFill>
@@ -12712,7 +12976,7 @@
               <a:t>3. </a:t>
             </a:r>
             <a:r>
-              <a:rPr lang="en-US" sz="2400" err="1">
+              <a:rPr lang="en-US" sz="2400" dirty="0" err="1">
                 <a:solidFill>
                   <a:srgbClr val="073763"/>
                 </a:solidFill>
@@ -12724,7 +12988,7 @@
               <a:t>Organização</a:t>
             </a:r>
             <a:r>
-              <a:rPr lang="en-US" sz="2400">
+              <a:rPr lang="en-US" sz="2400" dirty="0">
                 <a:solidFill>
                   <a:srgbClr val="073763"/>
                 </a:solidFill>
@@ -12735,7 +12999,7 @@
               </a:rPr>
               <a:t> de pastas</a:t>
             </a:r>
-            <a:endParaRPr>
+            <a:endParaRPr dirty="0">
               <a:latin typeface="Calibri"/>
               <a:ea typeface="Calibri"/>
               <a:cs typeface="Calibri"/>
@@ -12759,7 +13023,7 @@
               <a:buSzPts val="1100"/>
               <a:buNone/>
             </a:pPr>
-            <a:endParaRPr sz="2400">
+            <a:endParaRPr sz="2400" dirty="0">
               <a:solidFill>
                 <a:srgbClr val="073763"/>
               </a:solidFill>
@@ -12786,7 +13050,7 @@
               <a:buSzPts val="1100"/>
               <a:buNone/>
             </a:pPr>
-            <a:endParaRPr sz="2400">
+            <a:endParaRPr sz="2400" dirty="0">
               <a:solidFill>
                 <a:srgbClr val="073763"/>
               </a:solidFill>
@@ -12865,13 +13129,13 @@
   <p:clrMapOvr>
     <a:masterClrMapping/>
   </p:clrMapOvr>
-  <mc:AlternateContent xmlns:mc="http://schemas.openxmlformats.org/markup-compatibility/2006">
-    <mc:Choice xmlns:p14="http://schemas.microsoft.com/office/powerpoint/2010/main" Requires="p14">
+  <mc:AlternateContent xmlns:mc="http://schemas.openxmlformats.org/markup-compatibility/2006" xmlns:p14="http://schemas.microsoft.com/office/powerpoint/2010/main">
+    <mc:Choice Requires="p14">
       <p:transition spd="med" p14:dur="700">
         <p:fade/>
       </p:transition>
     </mc:Choice>
-    <mc:Fallback>
+    <mc:Fallback xmlns="">
       <p:transition spd="med">
         <p:fade/>
       </p:transition>
@@ -13060,6 +13324,547 @@
 <file path=ppt/slides/slide15.xml><?xml version="1.0" encoding="utf-8"?>
 <p:sld xmlns:a="http://schemas.openxmlformats.org/drawingml/2006/main" xmlns:r="http://schemas.openxmlformats.org/officeDocument/2006/relationships" xmlns:p="http://schemas.openxmlformats.org/presentationml/2006/main">
   <p:cSld>
+    <p:bg>
+      <p:bgPr>
+        <a:solidFill>
+          <a:srgbClr val="FFFFFF"/>
+        </a:solidFill>
+        <a:effectLst/>
+      </p:bgPr>
+    </p:bg>
+    <p:spTree>
+      <p:nvGrpSpPr>
+        <p:cNvPr id="1" name="Shape 136"/>
+        <p:cNvGrpSpPr/>
+        <p:nvPr/>
+      </p:nvGrpSpPr>
+      <p:grpSpPr>
+        <a:xfrm>
+          <a:off x="0" y="0"/>
+          <a:ext cx="0" cy="0"/>
+          <a:chOff x="0" y="0"/>
+          <a:chExt cx="0" cy="0"/>
+        </a:xfrm>
+      </p:grpSpPr>
+      <p:sp>
+        <p:nvSpPr>
+          <p:cNvPr id="137" name="Google Shape;137;p18"/>
+          <p:cNvSpPr txBox="1">
+            <a:spLocks noGrp="1"/>
+          </p:cNvSpPr>
+          <p:nvPr>
+            <p:ph type="subTitle" idx="1"/>
+          </p:nvPr>
+        </p:nvSpPr>
+        <p:spPr>
+          <a:xfrm>
+            <a:off x="311700" y="305700"/>
+            <a:ext cx="8520600" cy="591300"/>
+          </a:xfrm>
+          <a:prstGeom prst="rect">
+            <a:avLst/>
+          </a:prstGeom>
+          <a:noFill/>
+          <a:ln>
+            <a:noFill/>
+          </a:ln>
+        </p:spPr>
+        <p:txBody>
+          <a:bodyPr spcFirstLastPara="1" wrap="square" lIns="91425" tIns="91425" rIns="91425" bIns="91425" anchor="ctr" anchorCtr="0">
+            <a:noAutofit/>
+          </a:bodyPr>
+          <a:lstStyle/>
+          <a:p>
+            <a:pPr marL="0" lvl="0" indent="0" algn="ctr" rtl="0">
+              <a:lnSpc>
+                <a:spcPct val="100000"/>
+              </a:lnSpc>
+              <a:spcBef>
+                <a:spcPts val="0"/>
+              </a:spcBef>
+              <a:spcAft>
+                <a:spcPts val="0"/>
+              </a:spcAft>
+              <a:buClr>
+                <a:schemeClr val="dk1"/>
+              </a:buClr>
+              <a:buSzPts val="1100"/>
+              <a:buFont typeface="Arial"/>
+              <a:buNone/>
+            </a:pPr>
+            <a:r>
+              <a:rPr lang="en-US" sz="4000" b="1" dirty="0" err="1">
+                <a:solidFill>
+                  <a:srgbClr val="073763"/>
+                </a:solidFill>
+                <a:latin typeface="Century Gothic"/>
+                <a:ea typeface="Century Gothic"/>
+                <a:cs typeface="Century Gothic"/>
+                <a:sym typeface="Century Gothic"/>
+              </a:rPr>
+              <a:t>Comandos</a:t>
+            </a:r>
+            <a:endParaRPr sz="4000" b="1" dirty="0">
+              <a:solidFill>
+                <a:srgbClr val="073763"/>
+              </a:solidFill>
+              <a:latin typeface="Century Gothic"/>
+              <a:ea typeface="Century Gothic"/>
+              <a:cs typeface="Century Gothic"/>
+              <a:sym typeface="Century Gothic"/>
+            </a:endParaRPr>
+          </a:p>
+        </p:txBody>
+      </p:sp>
+      <p:pic>
+        <p:nvPicPr>
+          <p:cNvPr id="138" name="Google Shape;138;p18"/>
+          <p:cNvPicPr preferRelativeResize="0"/>
+          <p:nvPr/>
+        </p:nvPicPr>
+        <p:blipFill rotWithShape="1">
+          <a:blip r:embed="rId3">
+            <a:alphaModFix/>
+          </a:blip>
+          <a:srcRect/>
+          <a:stretch/>
+        </p:blipFill>
+        <p:spPr>
+          <a:xfrm>
+            <a:off x="311700" y="243014"/>
+            <a:ext cx="1698849" cy="591351"/>
+          </a:xfrm>
+          <a:prstGeom prst="rect">
+            <a:avLst/>
+          </a:prstGeom>
+          <a:noFill/>
+          <a:ln>
+            <a:noFill/>
+          </a:ln>
+        </p:spPr>
+      </p:pic>
+      <p:sp>
+        <p:nvSpPr>
+          <p:cNvPr id="140" name="Google Shape;140;p18"/>
+          <p:cNvSpPr/>
+          <p:nvPr/>
+        </p:nvSpPr>
+        <p:spPr>
+          <a:xfrm>
+            <a:off x="0" y="5077717"/>
+            <a:ext cx="9144000" cy="57300"/>
+          </a:xfrm>
+          <a:prstGeom prst="rect">
+            <a:avLst/>
+          </a:prstGeom>
+          <a:solidFill>
+            <a:srgbClr val="F78321"/>
+          </a:solidFill>
+          <a:ln w="9525" cap="flat" cmpd="sng">
+            <a:solidFill>
+              <a:srgbClr val="F78321"/>
+            </a:solidFill>
+            <a:prstDash val="solid"/>
+            <a:round/>
+            <a:headEnd type="none" w="sm" len="sm"/>
+            <a:tailEnd type="none" w="sm" len="sm"/>
+          </a:ln>
+        </p:spPr>
+        <p:txBody>
+          <a:bodyPr spcFirstLastPara="1" wrap="square" lIns="91425" tIns="91425" rIns="91425" bIns="91425" anchor="ctr" anchorCtr="0">
+            <a:noAutofit/>
+          </a:bodyPr>
+          <a:lstStyle/>
+          <a:p>
+            <a:pPr marL="0" marR="0" lvl="0" indent="0" algn="l" rtl="0">
+              <a:lnSpc>
+                <a:spcPct val="100000"/>
+              </a:lnSpc>
+              <a:spcBef>
+                <a:spcPts val="0"/>
+              </a:spcBef>
+              <a:spcAft>
+                <a:spcPts val="0"/>
+              </a:spcAft>
+              <a:buClr>
+                <a:srgbClr val="000000"/>
+              </a:buClr>
+              <a:buSzPts val="1400"/>
+              <a:buFont typeface="Arial"/>
+              <a:buNone/>
+            </a:pPr>
+            <a:endParaRPr sz="1400" b="0" i="0" u="none" strike="noStrike" cap="none">
+              <a:solidFill>
+                <a:srgbClr val="000000"/>
+              </a:solidFill>
+              <a:latin typeface="Arial"/>
+              <a:ea typeface="Arial"/>
+              <a:cs typeface="Arial"/>
+              <a:sym typeface="Arial"/>
+            </a:endParaRPr>
+          </a:p>
+        </p:txBody>
+      </p:sp>
+      <p:pic>
+        <p:nvPicPr>
+          <p:cNvPr id="20" name="Picture 19">
+            <a:extLst>
+              <a:ext uri="{FF2B5EF4-FFF2-40B4-BE49-F238E27FC236}">
+                <a16:creationId xmlns:a16="http://schemas.microsoft.com/office/drawing/2014/main" id="{BF7EDED4-B1A4-41A4-ABB6-2F2852AB962E}"/>
+              </a:ext>
+            </a:extLst>
+          </p:cNvPr>
+          <p:cNvPicPr>
+            <a:picLocks noChangeAspect="1"/>
+          </p:cNvPicPr>
+          <p:nvPr/>
+        </p:nvPicPr>
+        <p:blipFill>
+          <a:blip r:embed="rId4"/>
+          <a:stretch>
+            <a:fillRect/>
+          </a:stretch>
+        </p:blipFill>
+        <p:spPr>
+          <a:xfrm>
+            <a:off x="0" y="1007993"/>
+            <a:ext cx="9144000" cy="4069724"/>
+          </a:xfrm>
+          <a:prstGeom prst="rect">
+            <a:avLst/>
+          </a:prstGeom>
+        </p:spPr>
+      </p:pic>
+    </p:spTree>
+    <p:extLst>
+      <p:ext uri="{BB962C8B-B14F-4D97-AF65-F5344CB8AC3E}">
+        <p14:creationId xmlns:p14="http://schemas.microsoft.com/office/powerpoint/2010/main" val="1957079609"/>
+      </p:ext>
+    </p:extLst>
+  </p:cSld>
+  <p:clrMapOvr>
+    <a:masterClrMapping/>
+  </p:clrMapOvr>
+  <mc:AlternateContent xmlns:mc="http://schemas.openxmlformats.org/markup-compatibility/2006">
+    <mc:Choice xmlns:p14="http://schemas.microsoft.com/office/powerpoint/2010/main" Requires="p14">
+      <p:transition spd="med" p14:dur="700">
+        <p:fade/>
+      </p:transition>
+    </mc:Choice>
+    <mc:Fallback>
+      <p:transition spd="med">
+        <p:fade/>
+      </p:transition>
+    </mc:Fallback>
+  </mc:AlternateContent>
+</p:sld>
+</file>
+
+<file path=ppt/slides/slide16.xml><?xml version="1.0" encoding="utf-8"?>
+<p:sld xmlns:a="http://schemas.openxmlformats.org/drawingml/2006/main" xmlns:r="http://schemas.openxmlformats.org/officeDocument/2006/relationships" xmlns:p="http://schemas.openxmlformats.org/presentationml/2006/main">
+  <p:cSld>
+    <p:bg>
+      <p:bgPr>
+        <a:solidFill>
+          <a:srgbClr val="FFFFFF"/>
+        </a:solidFill>
+        <a:effectLst/>
+      </p:bgPr>
+    </p:bg>
+    <p:spTree>
+      <p:nvGrpSpPr>
+        <p:cNvPr id="1" name="Shape 136"/>
+        <p:cNvGrpSpPr/>
+        <p:nvPr/>
+      </p:nvGrpSpPr>
+      <p:grpSpPr>
+        <a:xfrm>
+          <a:off x="0" y="0"/>
+          <a:ext cx="0" cy="0"/>
+          <a:chOff x="0" y="0"/>
+          <a:chExt cx="0" cy="0"/>
+        </a:xfrm>
+      </p:grpSpPr>
+      <p:sp>
+        <p:nvSpPr>
+          <p:cNvPr id="137" name="Google Shape;137;p18"/>
+          <p:cNvSpPr txBox="1">
+            <a:spLocks noGrp="1"/>
+          </p:cNvSpPr>
+          <p:nvPr>
+            <p:ph type="subTitle" idx="1"/>
+          </p:nvPr>
+        </p:nvSpPr>
+        <p:spPr>
+          <a:xfrm>
+            <a:off x="311700" y="305700"/>
+            <a:ext cx="8520600" cy="591300"/>
+          </a:xfrm>
+          <a:prstGeom prst="rect">
+            <a:avLst/>
+          </a:prstGeom>
+          <a:noFill/>
+          <a:ln>
+            <a:noFill/>
+          </a:ln>
+        </p:spPr>
+        <p:txBody>
+          <a:bodyPr spcFirstLastPara="1" wrap="square" lIns="91425" tIns="91425" rIns="91425" bIns="91425" anchor="ctr" anchorCtr="0">
+            <a:noAutofit/>
+          </a:bodyPr>
+          <a:lstStyle/>
+          <a:p>
+            <a:pPr marL="0" lvl="0" indent="0" algn="ctr" rtl="0">
+              <a:lnSpc>
+                <a:spcPct val="100000"/>
+              </a:lnSpc>
+              <a:spcBef>
+                <a:spcPts val="0"/>
+              </a:spcBef>
+              <a:spcAft>
+                <a:spcPts val="0"/>
+              </a:spcAft>
+              <a:buClr>
+                <a:schemeClr val="dk1"/>
+              </a:buClr>
+              <a:buSzPts val="1100"/>
+              <a:buFont typeface="Arial"/>
+              <a:buNone/>
+            </a:pPr>
+            <a:r>
+              <a:rPr lang="en-US" sz="4000" b="1" dirty="0" err="1">
+                <a:solidFill>
+                  <a:srgbClr val="073763"/>
+                </a:solidFill>
+                <a:latin typeface="Century Gothic"/>
+                <a:ea typeface="Century Gothic"/>
+                <a:cs typeface="Century Gothic"/>
+                <a:sym typeface="Century Gothic"/>
+              </a:rPr>
+              <a:t>Comandos</a:t>
+            </a:r>
+            <a:endParaRPr sz="4000" b="1" dirty="0">
+              <a:solidFill>
+                <a:srgbClr val="073763"/>
+              </a:solidFill>
+              <a:latin typeface="Century Gothic"/>
+              <a:ea typeface="Century Gothic"/>
+              <a:cs typeface="Century Gothic"/>
+              <a:sym typeface="Century Gothic"/>
+            </a:endParaRPr>
+          </a:p>
+        </p:txBody>
+      </p:sp>
+      <p:pic>
+        <p:nvPicPr>
+          <p:cNvPr id="138" name="Google Shape;138;p18"/>
+          <p:cNvPicPr preferRelativeResize="0"/>
+          <p:nvPr/>
+        </p:nvPicPr>
+        <p:blipFill rotWithShape="1">
+          <a:blip r:embed="rId3">
+            <a:alphaModFix/>
+          </a:blip>
+          <a:srcRect/>
+          <a:stretch/>
+        </p:blipFill>
+        <p:spPr>
+          <a:xfrm>
+            <a:off x="311700" y="243014"/>
+            <a:ext cx="1698849" cy="591351"/>
+          </a:xfrm>
+          <a:prstGeom prst="rect">
+            <a:avLst/>
+          </a:prstGeom>
+          <a:noFill/>
+          <a:ln>
+            <a:noFill/>
+          </a:ln>
+        </p:spPr>
+      </p:pic>
+      <p:sp>
+        <p:nvSpPr>
+          <p:cNvPr id="140" name="Google Shape;140;p18"/>
+          <p:cNvSpPr/>
+          <p:nvPr/>
+        </p:nvSpPr>
+        <p:spPr>
+          <a:xfrm>
+            <a:off x="0" y="5077717"/>
+            <a:ext cx="9144000" cy="57300"/>
+          </a:xfrm>
+          <a:prstGeom prst="rect">
+            <a:avLst/>
+          </a:prstGeom>
+          <a:solidFill>
+            <a:srgbClr val="F78321"/>
+          </a:solidFill>
+          <a:ln w="9525" cap="flat" cmpd="sng">
+            <a:solidFill>
+              <a:srgbClr val="F78321"/>
+            </a:solidFill>
+            <a:prstDash val="solid"/>
+            <a:round/>
+            <a:headEnd type="none" w="sm" len="sm"/>
+            <a:tailEnd type="none" w="sm" len="sm"/>
+          </a:ln>
+        </p:spPr>
+        <p:txBody>
+          <a:bodyPr spcFirstLastPara="1" wrap="square" lIns="91425" tIns="91425" rIns="91425" bIns="91425" anchor="ctr" anchorCtr="0">
+            <a:noAutofit/>
+          </a:bodyPr>
+          <a:lstStyle/>
+          <a:p>
+            <a:pPr marL="0" marR="0" lvl="0" indent="0" algn="l" rtl="0">
+              <a:lnSpc>
+                <a:spcPct val="100000"/>
+              </a:lnSpc>
+              <a:spcBef>
+                <a:spcPts val="0"/>
+              </a:spcBef>
+              <a:spcAft>
+                <a:spcPts val="0"/>
+              </a:spcAft>
+              <a:buClr>
+                <a:srgbClr val="000000"/>
+              </a:buClr>
+              <a:buSzPts val="1400"/>
+              <a:buFont typeface="Arial"/>
+              <a:buNone/>
+            </a:pPr>
+            <a:endParaRPr sz="1400" b="0" i="0" u="none" strike="noStrike" cap="none">
+              <a:solidFill>
+                <a:srgbClr val="000000"/>
+              </a:solidFill>
+              <a:latin typeface="Arial"/>
+              <a:ea typeface="Arial"/>
+              <a:cs typeface="Arial"/>
+              <a:sym typeface="Arial"/>
+            </a:endParaRPr>
+          </a:p>
+        </p:txBody>
+      </p:sp>
+      <p:sp>
+        <p:nvSpPr>
+          <p:cNvPr id="2" name="TextBox 1">
+            <a:extLst>
+              <a:ext uri="{FF2B5EF4-FFF2-40B4-BE49-F238E27FC236}">
+                <a16:creationId xmlns:a16="http://schemas.microsoft.com/office/drawing/2014/main" id="{DE956FE0-6FFE-432E-B69A-C652CCDB2885}"/>
+              </a:ext>
+            </a:extLst>
+          </p:cNvPr>
+          <p:cNvSpPr txBox="1"/>
+          <p:nvPr/>
+        </p:nvSpPr>
+        <p:spPr>
+          <a:xfrm>
+            <a:off x="311699" y="1401288"/>
+            <a:ext cx="6385983" cy="523220"/>
+          </a:xfrm>
+          <a:prstGeom prst="rect">
+            <a:avLst/>
+          </a:prstGeom>
+          <a:noFill/>
+        </p:spPr>
+        <p:txBody>
+          <a:bodyPr wrap="square" rtlCol="0">
+            <a:spAutoFit/>
+          </a:bodyPr>
+          <a:lstStyle/>
+          <a:p>
+            <a:r>
+              <a:rPr lang="pt-BR" dirty="0"/>
+              <a:t>Esse comando vai criar um certificado seguro local para o projeto </a:t>
+            </a:r>
+            <a:r>
+              <a:rPr lang="pt-BR" dirty="0" err="1"/>
+              <a:t>localhost</a:t>
+            </a:r>
+            <a:br>
+              <a:rPr lang="pt-BR" dirty="0"/>
+            </a:br>
+            <a:r>
+              <a:rPr lang="pt-BR" b="1" dirty="0" err="1"/>
+              <a:t>dotnet</a:t>
+            </a:r>
+            <a:r>
+              <a:rPr lang="pt-BR" b="1" dirty="0"/>
+              <a:t> </a:t>
+            </a:r>
+            <a:r>
+              <a:rPr lang="pt-BR" b="1" dirty="0" err="1"/>
+              <a:t>dev-certs</a:t>
+            </a:r>
+            <a:r>
+              <a:rPr lang="pt-BR" b="1" dirty="0"/>
+              <a:t> https --</a:t>
+            </a:r>
+            <a:r>
+              <a:rPr lang="pt-BR" b="1" dirty="0" err="1"/>
+              <a:t>trust</a:t>
+            </a:r>
+            <a:endParaRPr lang="pt-BR" b="1" dirty="0"/>
+          </a:p>
+        </p:txBody>
+      </p:sp>
+      <p:pic>
+        <p:nvPicPr>
+          <p:cNvPr id="4" name="Picture 3">
+            <a:extLst>
+              <a:ext uri="{FF2B5EF4-FFF2-40B4-BE49-F238E27FC236}">
+                <a16:creationId xmlns:a16="http://schemas.microsoft.com/office/drawing/2014/main" id="{7C761DFF-CC5D-4660-B9DC-545B1AE6F9C8}"/>
+              </a:ext>
+            </a:extLst>
+          </p:cNvPr>
+          <p:cNvPicPr>
+            <a:picLocks noChangeAspect="1"/>
+          </p:cNvPicPr>
+          <p:nvPr/>
+        </p:nvPicPr>
+        <p:blipFill>
+          <a:blip r:embed="rId4"/>
+          <a:stretch>
+            <a:fillRect/>
+          </a:stretch>
+        </p:blipFill>
+        <p:spPr>
+          <a:xfrm>
+            <a:off x="3360715" y="1741371"/>
+            <a:ext cx="5058890" cy="3323651"/>
+          </a:xfrm>
+          <a:prstGeom prst="rect">
+            <a:avLst/>
+          </a:prstGeom>
+        </p:spPr>
+      </p:pic>
+    </p:spTree>
+    <p:extLst>
+      <p:ext uri="{BB962C8B-B14F-4D97-AF65-F5344CB8AC3E}">
+        <p14:creationId xmlns:p14="http://schemas.microsoft.com/office/powerpoint/2010/main" val="3111833490"/>
+      </p:ext>
+    </p:extLst>
+  </p:cSld>
+  <p:clrMapOvr>
+    <a:masterClrMapping/>
+  </p:clrMapOvr>
+  <mc:AlternateContent xmlns:mc="http://schemas.openxmlformats.org/markup-compatibility/2006">
+    <mc:Choice xmlns:p14="http://schemas.microsoft.com/office/powerpoint/2010/main" Requires="p14">
+      <p:transition spd="med" p14:dur="700">
+        <p:fade/>
+      </p:transition>
+    </mc:Choice>
+    <mc:Fallback>
+      <p:transition spd="med">
+        <p:fade/>
+      </p:transition>
+    </mc:Fallback>
+  </mc:AlternateContent>
+</p:sld>
+</file>
+
+<file path=ppt/slides/slide17.xml><?xml version="1.0" encoding="utf-8"?>
+<p:sld xmlns:a="http://schemas.openxmlformats.org/drawingml/2006/main" xmlns:r="http://schemas.openxmlformats.org/officeDocument/2006/relationships" xmlns:p="http://schemas.openxmlformats.org/presentationml/2006/main">
+  <p:cSld>
     <p:spTree>
       <p:nvGrpSpPr>
         <p:cNvPr id="1" name="Shape 122"/>
@@ -13718,13 +14523,13 @@
   <p:clrMapOvr>
     <a:masterClrMapping/>
   </p:clrMapOvr>
-  <mc:AlternateContent xmlns:mc="http://schemas.openxmlformats.org/markup-compatibility/2006">
-    <mc:Choice xmlns:p14="http://schemas.microsoft.com/office/powerpoint/2010/main" Requires="p14">
+  <mc:AlternateContent xmlns:mc="http://schemas.openxmlformats.org/markup-compatibility/2006" xmlns:p14="http://schemas.microsoft.com/office/powerpoint/2010/main">
+    <mc:Choice Requires="p14">
       <p:transition spd="med" p14:dur="700">
         <p:fade/>
       </p:transition>
     </mc:Choice>
-    <mc:Fallback>
+    <mc:Fallback xmlns="">
       <p:transition spd="med">
         <p:fade/>
       </p:transition>
@@ -13733,7 +14538,7 @@
 </p:sld>
 </file>
 
-<file path=ppt/slides/slide16.xml><?xml version="1.0" encoding="utf-8"?>
+<file path=ppt/slides/slide18.xml><?xml version="1.0" encoding="utf-8"?>
 <p:sld xmlns:a="http://schemas.openxmlformats.org/drawingml/2006/main" xmlns:r="http://schemas.openxmlformats.org/officeDocument/2006/relationships" xmlns:p="http://schemas.openxmlformats.org/presentationml/2006/main">
   <p:cSld>
     <p:spTree>
@@ -14133,13 +14938,13 @@
   <p:clrMapOvr>
     <a:masterClrMapping/>
   </p:clrMapOvr>
-  <mc:AlternateContent xmlns:mc="http://schemas.openxmlformats.org/markup-compatibility/2006">
-    <mc:Choice xmlns:p14="http://schemas.microsoft.com/office/powerpoint/2010/main" Requires="p14">
+  <mc:AlternateContent xmlns:mc="http://schemas.openxmlformats.org/markup-compatibility/2006" xmlns:p14="http://schemas.microsoft.com/office/powerpoint/2010/main">
+    <mc:Choice Requires="p14">
       <p:transition spd="med" p14:dur="700">
         <p:fade/>
       </p:transition>
     </mc:Choice>
-    <mc:Fallback>
+    <mc:Fallback xmlns="">
       <p:transition spd="med">
         <p:fade/>
       </p:transition>
@@ -14276,7 +15081,7 @@
 </p:sld>
 </file>
 
-<file path=ppt/slides/slide17.xml><?xml version="1.0" encoding="utf-8"?>
+<file path=ppt/slides/slide19.xml><?xml version="1.0" encoding="utf-8"?>
 <p:sld xmlns:a="http://schemas.openxmlformats.org/drawingml/2006/main" xmlns:r="http://schemas.openxmlformats.org/officeDocument/2006/relationships" xmlns:p="http://schemas.openxmlformats.org/presentationml/2006/main">
   <p:cSld>
     <p:spTree>
@@ -14937,13 +15742,13 @@
   <p:clrMapOvr>
     <a:masterClrMapping/>
   </p:clrMapOvr>
-  <mc:AlternateContent xmlns:mc="http://schemas.openxmlformats.org/markup-compatibility/2006">
-    <mc:Choice xmlns:p14="http://schemas.microsoft.com/office/powerpoint/2010/main" Requires="p14">
+  <mc:AlternateContent xmlns:mc="http://schemas.openxmlformats.org/markup-compatibility/2006" xmlns:p14="http://schemas.microsoft.com/office/powerpoint/2010/main">
+    <mc:Choice Requires="p14">
       <p:transition spd="med" p14:dur="700">
         <p:fade/>
       </p:transition>
     </mc:Choice>
-    <mc:Fallback>
+    <mc:Fallback xmlns="">
       <p:transition spd="med">
         <p:fade/>
       </p:transition>
@@ -14952,7 +15757,444 @@
 </p:sld>
 </file>
 
-<file path=ppt/slides/slide18.xml><?xml version="1.0" encoding="utf-8"?>
+<file path=ppt/slides/slide2.xml><?xml version="1.0" encoding="utf-8"?>
+<p:sld xmlns:a="http://schemas.openxmlformats.org/drawingml/2006/main" xmlns:r="http://schemas.openxmlformats.org/officeDocument/2006/relationships" xmlns:p="http://schemas.openxmlformats.org/presentationml/2006/main">
+  <p:cSld>
+    <p:spTree>
+      <p:nvGrpSpPr>
+        <p:cNvPr id="1" name="Shape 73"/>
+        <p:cNvGrpSpPr/>
+        <p:nvPr/>
+      </p:nvGrpSpPr>
+      <p:grpSpPr>
+        <a:xfrm>
+          <a:off x="0" y="0"/>
+          <a:ext cx="0" cy="0"/>
+          <a:chOff x="0" y="0"/>
+          <a:chExt cx="0" cy="0"/>
+        </a:xfrm>
+      </p:grpSpPr>
+      <p:sp>
+        <p:nvSpPr>
+          <p:cNvPr id="74" name="Google Shape;74;p2"/>
+          <p:cNvSpPr txBox="1">
+            <a:spLocks noGrp="1"/>
+          </p:cNvSpPr>
+          <p:nvPr>
+            <p:ph type="ctrTitle"/>
+          </p:nvPr>
+        </p:nvSpPr>
+        <p:spPr>
+          <a:xfrm>
+            <a:off x="387900" y="3929365"/>
+            <a:ext cx="8520600" cy="543362"/>
+          </a:xfrm>
+          <a:prstGeom prst="rect">
+            <a:avLst/>
+          </a:prstGeom>
+          <a:noFill/>
+          <a:ln>
+            <a:noFill/>
+          </a:ln>
+        </p:spPr>
+        <p:txBody>
+          <a:bodyPr spcFirstLastPara="1" wrap="square" lIns="91425" tIns="91425" rIns="91425" bIns="91425" anchor="ctr" anchorCtr="0">
+            <a:noAutofit/>
+          </a:bodyPr>
+          <a:lstStyle/>
+          <a:p>
+            <a:pPr marL="0" lvl="0" indent="0" algn="l" rtl="0">
+              <a:lnSpc>
+                <a:spcPct val="100000"/>
+              </a:lnSpc>
+              <a:spcBef>
+                <a:spcPts val="0"/>
+              </a:spcBef>
+              <a:spcAft>
+                <a:spcPts val="0"/>
+              </a:spcAft>
+              <a:buClr>
+                <a:schemeClr val="dk1"/>
+              </a:buClr>
+              <a:buSzPts val="1100"/>
+              <a:buFont typeface="Arial"/>
+              <a:buNone/>
+            </a:pPr>
+            <a:r>
+              <a:rPr lang="en-US" sz="2000">
+                <a:solidFill>
+                  <a:srgbClr val="92D050"/>
+                </a:solidFill>
+                <a:latin typeface="Century Gothic"/>
+                <a:ea typeface="Century Gothic"/>
+                <a:cs typeface="Century Gothic"/>
+                <a:sym typeface="Century Gothic"/>
+              </a:rPr>
+              <a:t>{</a:t>
+            </a:r>
+            <a:r>
+              <a:rPr lang="en-US" sz="2000">
+                <a:solidFill>
+                  <a:srgbClr val="404040"/>
+                </a:solidFill>
+                <a:latin typeface="Century Gothic"/>
+                <a:ea typeface="Century Gothic"/>
+                <a:cs typeface="Century Gothic"/>
+                <a:sym typeface="Century Gothic"/>
+              </a:rPr>
+              <a:t>Thiago Almeida</a:t>
+            </a:r>
+            <a:r>
+              <a:rPr lang="en-US" sz="2000">
+                <a:solidFill>
+                  <a:srgbClr val="92D050"/>
+                </a:solidFill>
+                <a:latin typeface="Century Gothic"/>
+                <a:ea typeface="Century Gothic"/>
+                <a:cs typeface="Century Gothic"/>
+                <a:sym typeface="Century Gothic"/>
+              </a:rPr>
+              <a:t>}</a:t>
+            </a:r>
+            <a:br>
+              <a:rPr lang="en-US" sz="2000">
+                <a:solidFill>
+                  <a:srgbClr val="404040"/>
+                </a:solidFill>
+                <a:latin typeface="Century Gothic"/>
+                <a:ea typeface="Century Gothic"/>
+                <a:cs typeface="Century Gothic"/>
+                <a:sym typeface="Century Gothic"/>
+              </a:rPr>
+            </a:br>
+            <a:r>
+              <a:rPr lang="en-US" sz="1500">
+                <a:solidFill>
+                  <a:srgbClr val="404040"/>
+                </a:solidFill>
+                <a:latin typeface="Century Gothic"/>
+                <a:ea typeface="Century Gothic"/>
+                <a:cs typeface="Century Gothic"/>
+                <a:sym typeface="Century Gothic"/>
+              </a:rPr>
+              <a:t>Developer – </a:t>
+            </a:r>
+            <a:r>
+              <a:rPr lang="en-US" sz="1500" err="1">
+                <a:solidFill>
+                  <a:srgbClr val="404040"/>
+                </a:solidFill>
+                <a:latin typeface="Century Gothic"/>
+                <a:ea typeface="Century Gothic"/>
+                <a:cs typeface="Century Gothic"/>
+                <a:sym typeface="Century Gothic"/>
+              </a:rPr>
+              <a:t>everis</a:t>
+            </a:r>
+            <a:endParaRPr sz="1500">
+              <a:solidFill>
+                <a:srgbClr val="92D050"/>
+              </a:solidFill>
+              <a:latin typeface="Century Gothic"/>
+              <a:ea typeface="Century Gothic"/>
+              <a:cs typeface="Century Gothic"/>
+              <a:sym typeface="Century Gothic"/>
+            </a:endParaRPr>
+          </a:p>
+        </p:txBody>
+      </p:sp>
+      <p:sp>
+        <p:nvSpPr>
+          <p:cNvPr id="75" name="Google Shape;75;p2"/>
+          <p:cNvSpPr txBox="1">
+            <a:spLocks noGrp="1"/>
+          </p:cNvSpPr>
+          <p:nvPr>
+            <p:ph type="subTitle" idx="1"/>
+          </p:nvPr>
+        </p:nvSpPr>
+        <p:spPr>
+          <a:xfrm>
+            <a:off x="311700" y="1828950"/>
+            <a:ext cx="8520600" cy="1012926"/>
+          </a:xfrm>
+          <a:prstGeom prst="rect">
+            <a:avLst/>
+          </a:prstGeom>
+          <a:noFill/>
+          <a:ln>
+            <a:noFill/>
+          </a:ln>
+        </p:spPr>
+        <p:txBody>
+          <a:bodyPr spcFirstLastPara="1" wrap="square" lIns="91425" tIns="91425" rIns="91425" bIns="91425" anchor="ctr" anchorCtr="0">
+            <a:noAutofit/>
+          </a:bodyPr>
+          <a:lstStyle/>
+          <a:p>
+            <a:pPr marL="0" lvl="0" indent="0" algn="l" rtl="0">
+              <a:lnSpc>
+                <a:spcPct val="100000"/>
+              </a:lnSpc>
+              <a:spcBef>
+                <a:spcPts val="0"/>
+              </a:spcBef>
+              <a:spcAft>
+                <a:spcPts val="0"/>
+              </a:spcAft>
+              <a:buClr>
+                <a:schemeClr val="dk1"/>
+              </a:buClr>
+              <a:buSzPts val="1100"/>
+              <a:buFont typeface="Arial"/>
+              <a:buNone/>
+            </a:pPr>
+            <a:r>
+              <a:rPr lang="pt-BR" sz="4000">
+                <a:solidFill>
+                  <a:srgbClr val="EF8600"/>
+                </a:solidFill>
+                <a:latin typeface="Century Gothic"/>
+                <a:ea typeface="Century Gothic"/>
+                <a:cs typeface="Century Gothic"/>
+                <a:sym typeface="Century Gothic"/>
+              </a:rPr>
+              <a:t>Projeto everis -  Criando uma API REST com .Net Core</a:t>
+            </a:r>
+            <a:endParaRPr sz="4000">
+              <a:solidFill>
+                <a:srgbClr val="EF8600"/>
+              </a:solidFill>
+              <a:latin typeface="Century Gothic"/>
+              <a:ea typeface="Century Gothic"/>
+              <a:cs typeface="Century Gothic"/>
+              <a:sym typeface="Century Gothic"/>
+            </a:endParaRPr>
+          </a:p>
+        </p:txBody>
+      </p:sp>
+      <p:sp>
+        <p:nvSpPr>
+          <p:cNvPr id="76" name="Google Shape;76;p2"/>
+          <p:cNvSpPr/>
+          <p:nvPr/>
+        </p:nvSpPr>
+        <p:spPr>
+          <a:xfrm>
+            <a:off x="465750" y="3872065"/>
+            <a:ext cx="447600" cy="57300"/>
+          </a:xfrm>
+          <a:prstGeom prst="rect">
+            <a:avLst/>
+          </a:prstGeom>
+          <a:solidFill>
+            <a:srgbClr val="F78321"/>
+          </a:solidFill>
+          <a:ln w="9525" cap="flat" cmpd="sng">
+            <a:solidFill>
+              <a:srgbClr val="F78321"/>
+            </a:solidFill>
+            <a:prstDash val="solid"/>
+            <a:round/>
+            <a:headEnd type="none" w="sm" len="sm"/>
+            <a:tailEnd type="none" w="sm" len="sm"/>
+          </a:ln>
+        </p:spPr>
+        <p:txBody>
+          <a:bodyPr spcFirstLastPara="1" wrap="square" lIns="91425" tIns="91425" rIns="91425" bIns="91425" anchor="ctr" anchorCtr="0">
+            <a:noAutofit/>
+          </a:bodyPr>
+          <a:lstStyle/>
+          <a:p>
+            <a:pPr marL="0" marR="0" lvl="0" indent="0" algn="l" rtl="0">
+              <a:lnSpc>
+                <a:spcPct val="100000"/>
+              </a:lnSpc>
+              <a:spcBef>
+                <a:spcPts val="0"/>
+              </a:spcBef>
+              <a:spcAft>
+                <a:spcPts val="0"/>
+              </a:spcAft>
+              <a:buClr>
+                <a:srgbClr val="000000"/>
+              </a:buClr>
+              <a:buSzPts val="1400"/>
+              <a:buFont typeface="Arial"/>
+              <a:buNone/>
+            </a:pPr>
+            <a:endParaRPr sz="1400" b="0" i="0" u="none" strike="noStrike" cap="none">
+              <a:solidFill>
+                <a:srgbClr val="000000"/>
+              </a:solidFill>
+              <a:latin typeface="Arial"/>
+              <a:ea typeface="Arial"/>
+              <a:cs typeface="Arial"/>
+              <a:sym typeface="Arial"/>
+            </a:endParaRPr>
+          </a:p>
+        </p:txBody>
+      </p:sp>
+      <p:sp>
+        <p:nvSpPr>
+          <p:cNvPr id="77" name="Google Shape;77;p2"/>
+          <p:cNvSpPr/>
+          <p:nvPr/>
+        </p:nvSpPr>
+        <p:spPr>
+          <a:xfrm>
+            <a:off x="0" y="4839750"/>
+            <a:ext cx="9144000" cy="303600"/>
+          </a:xfrm>
+          <a:prstGeom prst="rect">
+            <a:avLst/>
+          </a:prstGeom>
+          <a:solidFill>
+            <a:srgbClr val="404040"/>
+          </a:solidFill>
+          <a:ln w="9525" cap="flat" cmpd="sng">
+            <a:solidFill>
+              <a:srgbClr val="404040"/>
+            </a:solidFill>
+            <a:prstDash val="solid"/>
+            <a:round/>
+            <a:headEnd type="none" w="sm" len="sm"/>
+            <a:tailEnd type="none" w="sm" len="sm"/>
+          </a:ln>
+        </p:spPr>
+        <p:txBody>
+          <a:bodyPr spcFirstLastPara="1" wrap="square" lIns="91425" tIns="91425" rIns="91425" bIns="91425" anchor="ctr" anchorCtr="0">
+            <a:noAutofit/>
+          </a:bodyPr>
+          <a:lstStyle/>
+          <a:p>
+            <a:pPr marL="0" marR="0" lvl="0" indent="0" algn="l" rtl="0">
+              <a:lnSpc>
+                <a:spcPct val="100000"/>
+              </a:lnSpc>
+              <a:spcBef>
+                <a:spcPts val="0"/>
+              </a:spcBef>
+              <a:spcAft>
+                <a:spcPts val="0"/>
+              </a:spcAft>
+              <a:buClr>
+                <a:srgbClr val="000000"/>
+              </a:buClr>
+              <a:buSzPts val="1400"/>
+              <a:buFont typeface="Arial"/>
+              <a:buNone/>
+            </a:pPr>
+            <a:endParaRPr sz="1400" b="0" i="0" u="none" strike="noStrike" cap="none">
+              <a:solidFill>
+                <a:srgbClr val="000000"/>
+              </a:solidFill>
+              <a:latin typeface="Arial"/>
+              <a:ea typeface="Arial"/>
+              <a:cs typeface="Arial"/>
+              <a:sym typeface="Arial"/>
+            </a:endParaRPr>
+          </a:p>
+        </p:txBody>
+      </p:sp>
+      <p:sp>
+        <p:nvSpPr>
+          <p:cNvPr id="78" name="Google Shape;78;p2"/>
+          <p:cNvSpPr/>
+          <p:nvPr/>
+        </p:nvSpPr>
+        <p:spPr>
+          <a:xfrm>
+            <a:off x="0" y="0"/>
+            <a:ext cx="9144000" cy="57300"/>
+          </a:xfrm>
+          <a:prstGeom prst="rect">
+            <a:avLst/>
+          </a:prstGeom>
+          <a:solidFill>
+            <a:srgbClr val="F78321"/>
+          </a:solidFill>
+          <a:ln w="9525" cap="flat" cmpd="sng">
+            <a:solidFill>
+              <a:srgbClr val="F78321"/>
+            </a:solidFill>
+            <a:prstDash val="solid"/>
+            <a:round/>
+            <a:headEnd type="none" w="sm" len="sm"/>
+            <a:tailEnd type="none" w="sm" len="sm"/>
+          </a:ln>
+        </p:spPr>
+        <p:txBody>
+          <a:bodyPr spcFirstLastPara="1" wrap="square" lIns="91425" tIns="91425" rIns="91425" bIns="91425" anchor="ctr" anchorCtr="0">
+            <a:noAutofit/>
+          </a:bodyPr>
+          <a:lstStyle/>
+          <a:p>
+            <a:pPr marL="0" marR="0" lvl="0" indent="0" algn="l" rtl="0">
+              <a:lnSpc>
+                <a:spcPct val="100000"/>
+              </a:lnSpc>
+              <a:spcBef>
+                <a:spcPts val="0"/>
+              </a:spcBef>
+              <a:spcAft>
+                <a:spcPts val="0"/>
+              </a:spcAft>
+              <a:buClr>
+                <a:srgbClr val="000000"/>
+              </a:buClr>
+              <a:buSzPts val="1400"/>
+              <a:buFont typeface="Arial"/>
+              <a:buNone/>
+            </a:pPr>
+            <a:endParaRPr sz="1400" b="0" i="0" u="none" strike="noStrike" cap="none">
+              <a:solidFill>
+                <a:srgbClr val="000000"/>
+              </a:solidFill>
+              <a:latin typeface="Arial"/>
+              <a:ea typeface="Arial"/>
+              <a:cs typeface="Arial"/>
+              <a:sym typeface="Arial"/>
+            </a:endParaRPr>
+          </a:p>
+        </p:txBody>
+      </p:sp>
+      <p:pic>
+        <p:nvPicPr>
+          <p:cNvPr id="79" name="Google Shape;79;p2"/>
+          <p:cNvPicPr preferRelativeResize="0"/>
+          <p:nvPr/>
+        </p:nvPicPr>
+        <p:blipFill rotWithShape="1">
+          <a:blip r:embed="rId3">
+            <a:alphaModFix/>
+          </a:blip>
+          <a:srcRect/>
+          <a:stretch/>
+        </p:blipFill>
+        <p:spPr>
+          <a:xfrm>
+            <a:off x="311700" y="243014"/>
+            <a:ext cx="1698849" cy="591351"/>
+          </a:xfrm>
+          <a:prstGeom prst="rect">
+            <a:avLst/>
+          </a:prstGeom>
+          <a:noFill/>
+          <a:ln>
+            <a:noFill/>
+          </a:ln>
+        </p:spPr>
+      </p:pic>
+    </p:spTree>
+  </p:cSld>
+  <p:clrMapOvr>
+    <a:masterClrMapping/>
+  </p:clrMapOvr>
+</p:sld>
+</file>
+
+<file path=ppt/slides/slide20.xml><?xml version="1.0" encoding="utf-8"?>
 <p:sld xmlns:a="http://schemas.openxmlformats.org/drawingml/2006/main" xmlns:r="http://schemas.openxmlformats.org/officeDocument/2006/relationships" xmlns:p="http://schemas.openxmlformats.org/presentationml/2006/main">
   <p:cSld>
     <p:spTree>
@@ -15525,13 +16767,13 @@
   <p:clrMapOvr>
     <a:masterClrMapping/>
   </p:clrMapOvr>
-  <mc:AlternateContent xmlns:mc="http://schemas.openxmlformats.org/markup-compatibility/2006">
-    <mc:Choice xmlns:p14="http://schemas.microsoft.com/office/powerpoint/2010/main" Requires="p14">
+  <mc:AlternateContent xmlns:mc="http://schemas.openxmlformats.org/markup-compatibility/2006" xmlns:p14="http://schemas.microsoft.com/office/powerpoint/2010/main">
+    <mc:Choice Requires="p14">
       <p:transition spd="med" p14:dur="700">
         <p:fade/>
       </p:transition>
     </mc:Choice>
-    <mc:Fallback>
+    <mc:Fallback xmlns="">
       <p:transition spd="med">
         <p:fade/>
       </p:transition>
@@ -15766,7 +17008,7 @@
 </p:sld>
 </file>
 
-<file path=ppt/slides/slide19.xml><?xml version="1.0" encoding="utf-8"?>
+<file path=ppt/slides/slide21.xml><?xml version="1.0" encoding="utf-8"?>
 <p:sld xmlns:a="http://schemas.openxmlformats.org/drawingml/2006/main" xmlns:r="http://schemas.openxmlformats.org/officeDocument/2006/relationships" xmlns:p="http://schemas.openxmlformats.org/presentationml/2006/main">
   <p:cSld>
     <p:spTree>
@@ -16427,13 +17669,13 @@
   <p:clrMapOvr>
     <a:masterClrMapping/>
   </p:clrMapOvr>
-  <mc:AlternateContent xmlns:mc="http://schemas.openxmlformats.org/markup-compatibility/2006">
-    <mc:Choice xmlns:p14="http://schemas.microsoft.com/office/powerpoint/2010/main" Requires="p14">
+  <mc:AlternateContent xmlns:mc="http://schemas.openxmlformats.org/markup-compatibility/2006" xmlns:p14="http://schemas.microsoft.com/office/powerpoint/2010/main">
+    <mc:Choice Requires="p14">
       <p:transition spd="med" p14:dur="700">
         <p:fade/>
       </p:transition>
     </mc:Choice>
-    <mc:Fallback>
+    <mc:Fallback xmlns="">
       <p:transition spd="med">
         <p:fade/>
       </p:transition>
@@ -16442,444 +17684,7 @@
 </p:sld>
 </file>
 
-<file path=ppt/slides/slide2.xml><?xml version="1.0" encoding="utf-8"?>
-<p:sld xmlns:a="http://schemas.openxmlformats.org/drawingml/2006/main" xmlns:r="http://schemas.openxmlformats.org/officeDocument/2006/relationships" xmlns:p="http://schemas.openxmlformats.org/presentationml/2006/main">
-  <p:cSld>
-    <p:spTree>
-      <p:nvGrpSpPr>
-        <p:cNvPr id="1" name="Shape 73"/>
-        <p:cNvGrpSpPr/>
-        <p:nvPr/>
-      </p:nvGrpSpPr>
-      <p:grpSpPr>
-        <a:xfrm>
-          <a:off x="0" y="0"/>
-          <a:ext cx="0" cy="0"/>
-          <a:chOff x="0" y="0"/>
-          <a:chExt cx="0" cy="0"/>
-        </a:xfrm>
-      </p:grpSpPr>
-      <p:sp>
-        <p:nvSpPr>
-          <p:cNvPr id="74" name="Google Shape;74;p2"/>
-          <p:cNvSpPr txBox="1">
-            <a:spLocks noGrp="1"/>
-          </p:cNvSpPr>
-          <p:nvPr>
-            <p:ph type="ctrTitle"/>
-          </p:nvPr>
-        </p:nvSpPr>
-        <p:spPr>
-          <a:xfrm>
-            <a:off x="387900" y="3929365"/>
-            <a:ext cx="8520600" cy="543362"/>
-          </a:xfrm>
-          <a:prstGeom prst="rect">
-            <a:avLst/>
-          </a:prstGeom>
-          <a:noFill/>
-          <a:ln>
-            <a:noFill/>
-          </a:ln>
-        </p:spPr>
-        <p:txBody>
-          <a:bodyPr spcFirstLastPara="1" wrap="square" lIns="91425" tIns="91425" rIns="91425" bIns="91425" anchor="ctr" anchorCtr="0">
-            <a:noAutofit/>
-          </a:bodyPr>
-          <a:lstStyle/>
-          <a:p>
-            <a:pPr marL="0" lvl="0" indent="0" algn="l" rtl="0">
-              <a:lnSpc>
-                <a:spcPct val="100000"/>
-              </a:lnSpc>
-              <a:spcBef>
-                <a:spcPts val="0"/>
-              </a:spcBef>
-              <a:spcAft>
-                <a:spcPts val="0"/>
-              </a:spcAft>
-              <a:buClr>
-                <a:schemeClr val="dk1"/>
-              </a:buClr>
-              <a:buSzPts val="1100"/>
-              <a:buFont typeface="Arial"/>
-              <a:buNone/>
-            </a:pPr>
-            <a:r>
-              <a:rPr lang="en-US" sz="2000">
-                <a:solidFill>
-                  <a:srgbClr val="92D050"/>
-                </a:solidFill>
-                <a:latin typeface="Century Gothic"/>
-                <a:ea typeface="Century Gothic"/>
-                <a:cs typeface="Century Gothic"/>
-                <a:sym typeface="Century Gothic"/>
-              </a:rPr>
-              <a:t>{</a:t>
-            </a:r>
-            <a:r>
-              <a:rPr lang="en-US" sz="2000">
-                <a:solidFill>
-                  <a:srgbClr val="404040"/>
-                </a:solidFill>
-                <a:latin typeface="Century Gothic"/>
-                <a:ea typeface="Century Gothic"/>
-                <a:cs typeface="Century Gothic"/>
-                <a:sym typeface="Century Gothic"/>
-              </a:rPr>
-              <a:t>Thiago Almeida</a:t>
-            </a:r>
-            <a:r>
-              <a:rPr lang="en-US" sz="2000">
-                <a:solidFill>
-                  <a:srgbClr val="92D050"/>
-                </a:solidFill>
-                <a:latin typeface="Century Gothic"/>
-                <a:ea typeface="Century Gothic"/>
-                <a:cs typeface="Century Gothic"/>
-                <a:sym typeface="Century Gothic"/>
-              </a:rPr>
-              <a:t>}</a:t>
-            </a:r>
-            <a:br>
-              <a:rPr lang="en-US" sz="2000">
-                <a:solidFill>
-                  <a:srgbClr val="404040"/>
-                </a:solidFill>
-                <a:latin typeface="Century Gothic"/>
-                <a:ea typeface="Century Gothic"/>
-                <a:cs typeface="Century Gothic"/>
-                <a:sym typeface="Century Gothic"/>
-              </a:rPr>
-            </a:br>
-            <a:r>
-              <a:rPr lang="en-US" sz="1500">
-                <a:solidFill>
-                  <a:srgbClr val="404040"/>
-                </a:solidFill>
-                <a:latin typeface="Century Gothic"/>
-                <a:ea typeface="Century Gothic"/>
-                <a:cs typeface="Century Gothic"/>
-                <a:sym typeface="Century Gothic"/>
-              </a:rPr>
-              <a:t>Developer – </a:t>
-            </a:r>
-            <a:r>
-              <a:rPr lang="en-US" sz="1500" err="1">
-                <a:solidFill>
-                  <a:srgbClr val="404040"/>
-                </a:solidFill>
-                <a:latin typeface="Century Gothic"/>
-                <a:ea typeface="Century Gothic"/>
-                <a:cs typeface="Century Gothic"/>
-                <a:sym typeface="Century Gothic"/>
-              </a:rPr>
-              <a:t>everis</a:t>
-            </a:r>
-            <a:endParaRPr sz="1500">
-              <a:solidFill>
-                <a:srgbClr val="92D050"/>
-              </a:solidFill>
-              <a:latin typeface="Century Gothic"/>
-              <a:ea typeface="Century Gothic"/>
-              <a:cs typeface="Century Gothic"/>
-              <a:sym typeface="Century Gothic"/>
-            </a:endParaRPr>
-          </a:p>
-        </p:txBody>
-      </p:sp>
-      <p:sp>
-        <p:nvSpPr>
-          <p:cNvPr id="75" name="Google Shape;75;p2"/>
-          <p:cNvSpPr txBox="1">
-            <a:spLocks noGrp="1"/>
-          </p:cNvSpPr>
-          <p:nvPr>
-            <p:ph type="subTitle" idx="1"/>
-          </p:nvPr>
-        </p:nvSpPr>
-        <p:spPr>
-          <a:xfrm>
-            <a:off x="311700" y="1828950"/>
-            <a:ext cx="8520600" cy="1012926"/>
-          </a:xfrm>
-          <a:prstGeom prst="rect">
-            <a:avLst/>
-          </a:prstGeom>
-          <a:noFill/>
-          <a:ln>
-            <a:noFill/>
-          </a:ln>
-        </p:spPr>
-        <p:txBody>
-          <a:bodyPr spcFirstLastPara="1" wrap="square" lIns="91425" tIns="91425" rIns="91425" bIns="91425" anchor="ctr" anchorCtr="0">
-            <a:noAutofit/>
-          </a:bodyPr>
-          <a:lstStyle/>
-          <a:p>
-            <a:pPr marL="0" lvl="0" indent="0" algn="l" rtl="0">
-              <a:lnSpc>
-                <a:spcPct val="100000"/>
-              </a:lnSpc>
-              <a:spcBef>
-                <a:spcPts val="0"/>
-              </a:spcBef>
-              <a:spcAft>
-                <a:spcPts val="0"/>
-              </a:spcAft>
-              <a:buClr>
-                <a:schemeClr val="dk1"/>
-              </a:buClr>
-              <a:buSzPts val="1100"/>
-              <a:buFont typeface="Arial"/>
-              <a:buNone/>
-            </a:pPr>
-            <a:r>
-              <a:rPr lang="pt-BR" sz="4000">
-                <a:solidFill>
-                  <a:srgbClr val="EF8600"/>
-                </a:solidFill>
-                <a:latin typeface="Century Gothic"/>
-                <a:ea typeface="Century Gothic"/>
-                <a:cs typeface="Century Gothic"/>
-                <a:sym typeface="Century Gothic"/>
-              </a:rPr>
-              <a:t>Projeto everis -  Criando uma API REST com .Net Core</a:t>
-            </a:r>
-            <a:endParaRPr sz="4000">
-              <a:solidFill>
-                <a:srgbClr val="EF8600"/>
-              </a:solidFill>
-              <a:latin typeface="Century Gothic"/>
-              <a:ea typeface="Century Gothic"/>
-              <a:cs typeface="Century Gothic"/>
-              <a:sym typeface="Century Gothic"/>
-            </a:endParaRPr>
-          </a:p>
-        </p:txBody>
-      </p:sp>
-      <p:sp>
-        <p:nvSpPr>
-          <p:cNvPr id="76" name="Google Shape;76;p2"/>
-          <p:cNvSpPr/>
-          <p:nvPr/>
-        </p:nvSpPr>
-        <p:spPr>
-          <a:xfrm>
-            <a:off x="465750" y="3872065"/>
-            <a:ext cx="447600" cy="57300"/>
-          </a:xfrm>
-          <a:prstGeom prst="rect">
-            <a:avLst/>
-          </a:prstGeom>
-          <a:solidFill>
-            <a:srgbClr val="F78321"/>
-          </a:solidFill>
-          <a:ln w="9525" cap="flat" cmpd="sng">
-            <a:solidFill>
-              <a:srgbClr val="F78321"/>
-            </a:solidFill>
-            <a:prstDash val="solid"/>
-            <a:round/>
-            <a:headEnd type="none" w="sm" len="sm"/>
-            <a:tailEnd type="none" w="sm" len="sm"/>
-          </a:ln>
-        </p:spPr>
-        <p:txBody>
-          <a:bodyPr spcFirstLastPara="1" wrap="square" lIns="91425" tIns="91425" rIns="91425" bIns="91425" anchor="ctr" anchorCtr="0">
-            <a:noAutofit/>
-          </a:bodyPr>
-          <a:lstStyle/>
-          <a:p>
-            <a:pPr marL="0" marR="0" lvl="0" indent="0" algn="l" rtl="0">
-              <a:lnSpc>
-                <a:spcPct val="100000"/>
-              </a:lnSpc>
-              <a:spcBef>
-                <a:spcPts val="0"/>
-              </a:spcBef>
-              <a:spcAft>
-                <a:spcPts val="0"/>
-              </a:spcAft>
-              <a:buClr>
-                <a:srgbClr val="000000"/>
-              </a:buClr>
-              <a:buSzPts val="1400"/>
-              <a:buFont typeface="Arial"/>
-              <a:buNone/>
-            </a:pPr>
-            <a:endParaRPr sz="1400" b="0" i="0" u="none" strike="noStrike" cap="none">
-              <a:solidFill>
-                <a:srgbClr val="000000"/>
-              </a:solidFill>
-              <a:latin typeface="Arial"/>
-              <a:ea typeface="Arial"/>
-              <a:cs typeface="Arial"/>
-              <a:sym typeface="Arial"/>
-            </a:endParaRPr>
-          </a:p>
-        </p:txBody>
-      </p:sp>
-      <p:sp>
-        <p:nvSpPr>
-          <p:cNvPr id="77" name="Google Shape;77;p2"/>
-          <p:cNvSpPr/>
-          <p:nvPr/>
-        </p:nvSpPr>
-        <p:spPr>
-          <a:xfrm>
-            <a:off x="0" y="4839750"/>
-            <a:ext cx="9144000" cy="303600"/>
-          </a:xfrm>
-          <a:prstGeom prst="rect">
-            <a:avLst/>
-          </a:prstGeom>
-          <a:solidFill>
-            <a:srgbClr val="404040"/>
-          </a:solidFill>
-          <a:ln w="9525" cap="flat" cmpd="sng">
-            <a:solidFill>
-              <a:srgbClr val="404040"/>
-            </a:solidFill>
-            <a:prstDash val="solid"/>
-            <a:round/>
-            <a:headEnd type="none" w="sm" len="sm"/>
-            <a:tailEnd type="none" w="sm" len="sm"/>
-          </a:ln>
-        </p:spPr>
-        <p:txBody>
-          <a:bodyPr spcFirstLastPara="1" wrap="square" lIns="91425" tIns="91425" rIns="91425" bIns="91425" anchor="ctr" anchorCtr="0">
-            <a:noAutofit/>
-          </a:bodyPr>
-          <a:lstStyle/>
-          <a:p>
-            <a:pPr marL="0" marR="0" lvl="0" indent="0" algn="l" rtl="0">
-              <a:lnSpc>
-                <a:spcPct val="100000"/>
-              </a:lnSpc>
-              <a:spcBef>
-                <a:spcPts val="0"/>
-              </a:spcBef>
-              <a:spcAft>
-                <a:spcPts val="0"/>
-              </a:spcAft>
-              <a:buClr>
-                <a:srgbClr val="000000"/>
-              </a:buClr>
-              <a:buSzPts val="1400"/>
-              <a:buFont typeface="Arial"/>
-              <a:buNone/>
-            </a:pPr>
-            <a:endParaRPr sz="1400" b="0" i="0" u="none" strike="noStrike" cap="none">
-              <a:solidFill>
-                <a:srgbClr val="000000"/>
-              </a:solidFill>
-              <a:latin typeface="Arial"/>
-              <a:ea typeface="Arial"/>
-              <a:cs typeface="Arial"/>
-              <a:sym typeface="Arial"/>
-            </a:endParaRPr>
-          </a:p>
-        </p:txBody>
-      </p:sp>
-      <p:sp>
-        <p:nvSpPr>
-          <p:cNvPr id="78" name="Google Shape;78;p2"/>
-          <p:cNvSpPr/>
-          <p:nvPr/>
-        </p:nvSpPr>
-        <p:spPr>
-          <a:xfrm>
-            <a:off x="0" y="0"/>
-            <a:ext cx="9144000" cy="57300"/>
-          </a:xfrm>
-          <a:prstGeom prst="rect">
-            <a:avLst/>
-          </a:prstGeom>
-          <a:solidFill>
-            <a:srgbClr val="F78321"/>
-          </a:solidFill>
-          <a:ln w="9525" cap="flat" cmpd="sng">
-            <a:solidFill>
-              <a:srgbClr val="F78321"/>
-            </a:solidFill>
-            <a:prstDash val="solid"/>
-            <a:round/>
-            <a:headEnd type="none" w="sm" len="sm"/>
-            <a:tailEnd type="none" w="sm" len="sm"/>
-          </a:ln>
-        </p:spPr>
-        <p:txBody>
-          <a:bodyPr spcFirstLastPara="1" wrap="square" lIns="91425" tIns="91425" rIns="91425" bIns="91425" anchor="ctr" anchorCtr="0">
-            <a:noAutofit/>
-          </a:bodyPr>
-          <a:lstStyle/>
-          <a:p>
-            <a:pPr marL="0" marR="0" lvl="0" indent="0" algn="l" rtl="0">
-              <a:lnSpc>
-                <a:spcPct val="100000"/>
-              </a:lnSpc>
-              <a:spcBef>
-                <a:spcPts val="0"/>
-              </a:spcBef>
-              <a:spcAft>
-                <a:spcPts val="0"/>
-              </a:spcAft>
-              <a:buClr>
-                <a:srgbClr val="000000"/>
-              </a:buClr>
-              <a:buSzPts val="1400"/>
-              <a:buFont typeface="Arial"/>
-              <a:buNone/>
-            </a:pPr>
-            <a:endParaRPr sz="1400" b="0" i="0" u="none" strike="noStrike" cap="none">
-              <a:solidFill>
-                <a:srgbClr val="000000"/>
-              </a:solidFill>
-              <a:latin typeface="Arial"/>
-              <a:ea typeface="Arial"/>
-              <a:cs typeface="Arial"/>
-              <a:sym typeface="Arial"/>
-            </a:endParaRPr>
-          </a:p>
-        </p:txBody>
-      </p:sp>
-      <p:pic>
-        <p:nvPicPr>
-          <p:cNvPr id="79" name="Google Shape;79;p2"/>
-          <p:cNvPicPr preferRelativeResize="0"/>
-          <p:nvPr/>
-        </p:nvPicPr>
-        <p:blipFill rotWithShape="1">
-          <a:blip r:embed="rId3">
-            <a:alphaModFix/>
-          </a:blip>
-          <a:srcRect/>
-          <a:stretch/>
-        </p:blipFill>
-        <p:spPr>
-          <a:xfrm>
-            <a:off x="311700" y="243014"/>
-            <a:ext cx="1698849" cy="591351"/>
-          </a:xfrm>
-          <a:prstGeom prst="rect">
-            <a:avLst/>
-          </a:prstGeom>
-          <a:noFill/>
-          <a:ln>
-            <a:noFill/>
-          </a:ln>
-        </p:spPr>
-      </p:pic>
-    </p:spTree>
-  </p:cSld>
-  <p:clrMapOvr>
-    <a:masterClrMapping/>
-  </p:clrMapOvr>
-</p:sld>
-</file>
-
-<file path=ppt/slides/slide20.xml><?xml version="1.0" encoding="utf-8"?>
+<file path=ppt/slides/slide22.xml><?xml version="1.0" encoding="utf-8"?>
 <p:sld xmlns:a="http://schemas.openxmlformats.org/drawingml/2006/main" xmlns:r="http://schemas.openxmlformats.org/officeDocument/2006/relationships" xmlns:p="http://schemas.openxmlformats.org/presentationml/2006/main">
   <p:cSld>
     <p:spTree>
@@ -17350,13 +18155,13 @@
   <p:clrMapOvr>
     <a:masterClrMapping/>
   </p:clrMapOvr>
-  <mc:AlternateContent xmlns:mc="http://schemas.openxmlformats.org/markup-compatibility/2006">
-    <mc:Choice xmlns:p14="http://schemas.microsoft.com/office/powerpoint/2010/main" Requires="p14">
+  <mc:AlternateContent xmlns:mc="http://schemas.openxmlformats.org/markup-compatibility/2006" xmlns:p14="http://schemas.microsoft.com/office/powerpoint/2010/main">
+    <mc:Choice Requires="p14">
       <p:transition spd="med" p14:dur="700">
         <p:fade/>
       </p:transition>
     </mc:Choice>
-    <mc:Fallback>
+    <mc:Fallback xmlns="">
       <p:transition spd="med">
         <p:fade/>
       </p:transition>
@@ -17542,7 +18347,7 @@
 </p:sld>
 </file>
 
-<file path=ppt/slides/slide21.xml><?xml version="1.0" encoding="utf-8"?>
+<file path=ppt/slides/slide23.xml><?xml version="1.0" encoding="utf-8"?>
 <p:sld xmlns:a="http://schemas.openxmlformats.org/drawingml/2006/main" xmlns:r="http://schemas.openxmlformats.org/officeDocument/2006/relationships" xmlns:p="http://schemas.openxmlformats.org/presentationml/2006/main">
   <p:cSld>
     <p:spTree>
@@ -17955,13 +18760,13 @@
   <p:clrMapOvr>
     <a:masterClrMapping/>
   </p:clrMapOvr>
-  <mc:AlternateContent xmlns:mc="http://schemas.openxmlformats.org/markup-compatibility/2006">
-    <mc:Choice xmlns:p14="http://schemas.microsoft.com/office/powerpoint/2010/main" Requires="p14">
+  <mc:AlternateContent xmlns:mc="http://schemas.openxmlformats.org/markup-compatibility/2006" xmlns:p14="http://schemas.microsoft.com/office/powerpoint/2010/main">
+    <mc:Choice Requires="p14">
       <p:transition spd="med" p14:dur="700">
         <p:fade/>
       </p:transition>
     </mc:Choice>
-    <mc:Fallback>
+    <mc:Fallback xmlns="">
       <p:transition spd="med">
         <p:fade/>
       </p:transition>
@@ -18196,7 +19001,7 @@
 </p:sld>
 </file>
 
-<file path=ppt/slides/slide22.xml><?xml version="1.0" encoding="utf-8"?>
+<file path=ppt/slides/slide24.xml><?xml version="1.0" encoding="utf-8"?>
 <p:sld xmlns:a="http://schemas.openxmlformats.org/drawingml/2006/main" xmlns:r="http://schemas.openxmlformats.org/officeDocument/2006/relationships" xmlns:p="http://schemas.openxmlformats.org/presentationml/2006/main">
   <p:cSld>
     <p:spTree>
@@ -18877,13 +19682,13 @@
   <p:clrMapOvr>
     <a:masterClrMapping/>
   </p:clrMapOvr>
-  <mc:AlternateContent xmlns:mc="http://schemas.openxmlformats.org/markup-compatibility/2006">
-    <mc:Choice xmlns:p14="http://schemas.microsoft.com/office/powerpoint/2010/main" Requires="p14">
+  <mc:AlternateContent xmlns:mc="http://schemas.openxmlformats.org/markup-compatibility/2006" xmlns:p14="http://schemas.microsoft.com/office/powerpoint/2010/main">
+    <mc:Choice Requires="p14">
       <p:transition spd="med" p14:dur="700">
         <p:fade/>
       </p:transition>
     </mc:Choice>
-    <mc:Fallback>
+    <mc:Fallback xmlns="">
       <p:transition spd="med">
         <p:fade/>
       </p:transition>
@@ -19528,13 +20333,13 @@
   <p:clrMapOvr>
     <a:masterClrMapping/>
   </p:clrMapOvr>
-  <mc:AlternateContent xmlns:mc="http://schemas.openxmlformats.org/markup-compatibility/2006">
-    <mc:Choice xmlns:p14="http://schemas.microsoft.com/office/powerpoint/2010/main" Requires="p14">
+  <mc:AlternateContent xmlns:mc="http://schemas.openxmlformats.org/markup-compatibility/2006" xmlns:p14="http://schemas.microsoft.com/office/powerpoint/2010/main">
+    <mc:Choice Requires="p14">
       <p:transition spd="med" p14:dur="700">
         <p:fade/>
       </p:transition>
     </mc:Choice>
-    <mc:Fallback>
+    <mc:Fallback xmlns="">
       <p:transition spd="med">
         <p:fade/>
       </p:transition>
@@ -20179,13 +20984,13 @@
   <p:clrMapOvr>
     <a:masterClrMapping/>
   </p:clrMapOvr>
-  <mc:AlternateContent xmlns:mc="http://schemas.openxmlformats.org/markup-compatibility/2006">
-    <mc:Choice xmlns:p14="http://schemas.microsoft.com/office/powerpoint/2010/main" Requires="p14">
+  <mc:AlternateContent xmlns:mc="http://schemas.openxmlformats.org/markup-compatibility/2006" xmlns:p14="http://schemas.microsoft.com/office/powerpoint/2010/main">
+    <mc:Choice Requires="p14">
       <p:transition spd="med" p14:dur="700">
         <p:fade/>
       </p:transition>
     </mc:Choice>
-    <mc:Fallback>
+    <mc:Fallback xmlns="">
       <p:transition spd="med">
         <p:fade/>
       </p:transition>
@@ -20598,13 +21403,13 @@
   <p:clrMapOvr>
     <a:masterClrMapping/>
   </p:clrMapOvr>
-  <mc:AlternateContent xmlns:mc="http://schemas.openxmlformats.org/markup-compatibility/2006">
-    <mc:Choice xmlns:p14="http://schemas.microsoft.com/office/powerpoint/2010/main" Requires="p14">
+  <mc:AlternateContent xmlns:mc="http://schemas.openxmlformats.org/markup-compatibility/2006" xmlns:p14="http://schemas.microsoft.com/office/powerpoint/2010/main">
+    <mc:Choice Requires="p14">
       <p:transition spd="med" p14:dur="700">
         <p:fade/>
       </p:transition>
     </mc:Choice>
-    <mc:Fallback>
+    <mc:Fallback xmlns="">
       <p:transition spd="med">
         <p:fade/>
       </p:transition>
@@ -20902,13 +21707,13 @@
   <p:clrMapOvr>
     <a:masterClrMapping/>
   </p:clrMapOvr>
-  <mc:AlternateContent xmlns:mc="http://schemas.openxmlformats.org/markup-compatibility/2006">
-    <mc:Choice xmlns:p14="http://schemas.microsoft.com/office/powerpoint/2010/main" Requires="p14">
+  <mc:AlternateContent xmlns:mc="http://schemas.openxmlformats.org/markup-compatibility/2006" xmlns:p14="http://schemas.microsoft.com/office/powerpoint/2010/main">
+    <mc:Choice Requires="p14">
       <p:transition spd="med" p14:dur="700">
         <p:fade/>
       </p:transition>
     </mc:Choice>
-    <mc:Fallback>
+    <mc:Fallback xmlns="">
       <p:transition spd="med">
         <p:fade/>
       </p:transition>
@@ -21142,13 +21947,13 @@
   <p:clrMapOvr>
     <a:masterClrMapping/>
   </p:clrMapOvr>
-  <mc:AlternateContent xmlns:mc="http://schemas.openxmlformats.org/markup-compatibility/2006">
-    <mc:Choice xmlns:p14="http://schemas.microsoft.com/office/powerpoint/2010/main" Requires="p14">
+  <mc:AlternateContent xmlns:mc="http://schemas.openxmlformats.org/markup-compatibility/2006" xmlns:p14="http://schemas.microsoft.com/office/powerpoint/2010/main">
+    <mc:Choice Requires="p14">
       <p:transition spd="med" p14:dur="700">
         <p:fade/>
       </p:transition>
     </mc:Choice>
-    <mc:Fallback>
+    <mc:Fallback xmlns="">
       <p:transition spd="med">
         <p:fade/>
       </p:transition>
@@ -21410,13 +22215,13 @@
   <p:clrMapOvr>
     <a:masterClrMapping/>
   </p:clrMapOvr>
-  <mc:AlternateContent xmlns:mc="http://schemas.openxmlformats.org/markup-compatibility/2006">
-    <mc:Choice xmlns:p14="http://schemas.microsoft.com/office/powerpoint/2010/main" Requires="p14">
+  <mc:AlternateContent xmlns:mc="http://schemas.openxmlformats.org/markup-compatibility/2006" xmlns:p14="http://schemas.microsoft.com/office/powerpoint/2010/main">
+    <mc:Choice Requires="p14">
       <p:transition spd="med" p14:dur="700">
         <p:fade/>
       </p:transition>
     </mc:Choice>
-    <mc:Fallback>
+    <mc:Fallback xmlns="">
       <p:transition spd="med">
         <p:fade/>
       </p:transition>
